--- a/Code and Data.pptx
+++ b/Code and Data.pptx
@@ -5,7 +5,7 @@
     <p:sldMasterId id="2147483648" r:id="rId1"/>
   </p:sldMasterIdLst>
   <p:notesMasterIdLst>
-    <p:notesMasterId r:id="rId39"/>
+    <p:notesMasterId r:id="rId40"/>
   </p:notesMasterIdLst>
   <p:sldIdLst>
     <p:sldId id="256" r:id="rId2"/>
@@ -45,6 +45,7 @@
     <p:sldId id="292" r:id="rId36"/>
     <p:sldId id="293" r:id="rId37"/>
     <p:sldId id="294" r:id="rId38"/>
+    <p:sldId id="296" r:id="rId39"/>
   </p:sldIdLst>
   <p:sldSz cx="12192000" cy="6858000"/>
   <p:notesSz cx="6858000" cy="9144000"/>
@@ -221,6 +222,7 @@
         <p14:section name="Assignment" id="{CE5C9723-AD53-43EB-B248-8521B51ED104}">
           <p14:sldIdLst>
             <p14:sldId id="294"/>
+            <p14:sldId id="296"/>
           </p14:sldIdLst>
         </p14:section>
       </p14:sectionLst>
@@ -26240,10 +26242,59 @@
         </p:nvSpPr>
         <p:spPr/>
         <p:txBody>
-          <a:bodyPr/>
+          <a:bodyPr>
+            <a:normAutofit/>
+          </a:bodyPr>
           <a:lstStyle/>
           <a:p>
-            <a:endParaRPr lang="en-US"/>
+            <a:r>
+              <a:rPr lang="en-US" sz="2400" dirty="0" smtClean="0"/>
+              <a:t>Install </a:t>
+            </a:r>
+            <a:r>
+              <a:rPr lang="en-US" sz="2400" dirty="0" err="1"/>
+              <a:t>Git</a:t>
+            </a:r>
+            <a:r>
+              <a:rPr lang="en-US" sz="2400" dirty="0"/>
+              <a:t>: </a:t>
+            </a:r>
+            <a:r>
+              <a:rPr lang="en-US" sz="2400" u="sng" dirty="0">
+                <a:hlinkClick r:id="rId2"/>
+              </a:rPr>
+              <a:t>https://git-scm.com/downloads</a:t>
+            </a:r>
+            <a:endParaRPr lang="en-US" sz="2400" dirty="0"/>
+          </a:p>
+          <a:p>
+            <a:endParaRPr lang="en-US" sz="2400" dirty="0" smtClean="0"/>
+          </a:p>
+          <a:p>
+            <a:r>
+              <a:rPr lang="en-US" sz="2400" dirty="0" smtClean="0"/>
+              <a:t>Sign </a:t>
+            </a:r>
+            <a:r>
+              <a:rPr lang="en-US" sz="2400" dirty="0"/>
+              <a:t>up with GitHub.com using your @</a:t>
+            </a:r>
+            <a:r>
+              <a:rPr lang="en-US" sz="2400" u="sng" dirty="0">
+                <a:hlinkClick r:id="rId3"/>
+              </a:rPr>
+              <a:t>tilburguniversity.edu</a:t>
+            </a:r>
+            <a:r>
+              <a:rPr lang="en-US" sz="2400" dirty="0"/>
+              <a:t> address. Please email me your username.</a:t>
+            </a:r>
+          </a:p>
+          <a:p>
+            <a:endParaRPr lang="en-US" sz="2400" dirty="0" smtClean="0"/>
+          </a:p>
+          <a:p>
+            <a:endParaRPr lang="en-US" sz="2400" dirty="0"/>
           </a:p>
         </p:txBody>
       </p:sp>
@@ -26274,6 +26325,104 @@
     <p:extLst>
       <p:ext uri="{BB962C8B-B14F-4D97-AF65-F5344CB8AC3E}">
         <p14:creationId xmlns:p14="http://schemas.microsoft.com/office/powerpoint/2010/main" val="2122636416"/>
+      </p:ext>
+    </p:extLst>
+  </p:cSld>
+  <p:clrMapOvr>
+    <a:masterClrMapping/>
+  </p:clrMapOvr>
+  <p:timing>
+    <p:tnLst>
+      <p:par>
+        <p:cTn id="1" dur="indefinite" restart="never" nodeType="tmRoot"/>
+      </p:par>
+    </p:tnLst>
+  </p:timing>
+</p:sld>
+</file>
+
+<file path=ppt/slides/slide38.xml><?xml version="1.0" encoding="utf-8"?>
+<p:sld xmlns:a="http://schemas.openxmlformats.org/drawingml/2006/main" xmlns:r="http://schemas.openxmlformats.org/officeDocument/2006/relationships" xmlns:p="http://schemas.openxmlformats.org/presentationml/2006/main">
+  <p:cSld>
+    <p:spTree>
+      <p:nvGrpSpPr>
+        <p:cNvPr id="1" name=""/>
+        <p:cNvGrpSpPr/>
+        <p:nvPr/>
+      </p:nvGrpSpPr>
+      <p:grpSpPr>
+        <a:xfrm>
+          <a:off x="0" y="0"/>
+          <a:ext cx="0" cy="0"/>
+          <a:chOff x="0" y="0"/>
+          <a:chExt cx="0" cy="0"/>
+        </a:xfrm>
+      </p:grpSpPr>
+      <p:sp>
+        <p:nvSpPr>
+          <p:cNvPr id="2" name="Title 1"/>
+          <p:cNvSpPr>
+            <a:spLocks noGrp="1"/>
+          </p:cNvSpPr>
+          <p:nvPr>
+            <p:ph type="title"/>
+          </p:nvPr>
+        </p:nvSpPr>
+        <p:spPr/>
+        <p:txBody>
+          <a:bodyPr/>
+          <a:lstStyle/>
+          <a:p>
+            <a:endParaRPr lang="en-US"/>
+          </a:p>
+        </p:txBody>
+      </p:sp>
+      <p:sp>
+        <p:nvSpPr>
+          <p:cNvPr id="3" name="Content Placeholder 2"/>
+          <p:cNvSpPr>
+            <a:spLocks noGrp="1"/>
+          </p:cNvSpPr>
+          <p:nvPr>
+            <p:ph idx="1"/>
+          </p:nvPr>
+        </p:nvSpPr>
+        <p:spPr/>
+        <p:txBody>
+          <a:bodyPr/>
+          <a:lstStyle/>
+          <a:p>
+            <a:endParaRPr lang="en-US"/>
+          </a:p>
+        </p:txBody>
+      </p:sp>
+      <p:sp>
+        <p:nvSpPr>
+          <p:cNvPr id="4" name="Slide Number Placeholder 3"/>
+          <p:cNvSpPr>
+            <a:spLocks noGrp="1"/>
+          </p:cNvSpPr>
+          <p:nvPr>
+            <p:ph type="sldNum" sz="quarter" idx="12"/>
+          </p:nvPr>
+        </p:nvSpPr>
+        <p:spPr/>
+        <p:txBody>
+          <a:bodyPr/>
+          <a:lstStyle/>
+          <a:p>
+            <a:fld id="{CA22A544-1804-4386-8584-5A7D657EA902}" type="slidenum">
+              <a:rPr lang="en-US" smtClean="0"/>
+              <a:t>38</a:t>
+            </a:fld>
+            <a:endParaRPr lang="en-US"/>
+          </a:p>
+        </p:txBody>
+      </p:sp>
+    </p:spTree>
+    <p:extLst>
+      <p:ext uri="{BB962C8B-B14F-4D97-AF65-F5344CB8AC3E}">
+        <p14:creationId xmlns:p14="http://schemas.microsoft.com/office/powerpoint/2010/main" val="3348154639"/>
       </p:ext>
     </p:extLst>
   </p:cSld>

--- a/Code and Data.pptx
+++ b/Code and Data.pptx
@@ -5,7 +5,7 @@
     <p:sldMasterId id="2147483648" r:id="rId1"/>
   </p:sldMasterIdLst>
   <p:notesMasterIdLst>
-    <p:notesMasterId r:id="rId40"/>
+    <p:notesMasterId r:id="rId47"/>
   </p:notesMasterIdLst>
   <p:sldIdLst>
     <p:sldId id="256" r:id="rId2"/>
@@ -25,27 +25,34 @@
     <p:sldId id="276" r:id="rId16"/>
     <p:sldId id="269" r:id="rId17"/>
     <p:sldId id="271" r:id="rId18"/>
-    <p:sldId id="272" r:id="rId19"/>
-    <p:sldId id="277" r:id="rId20"/>
-    <p:sldId id="275" r:id="rId21"/>
-    <p:sldId id="279" r:id="rId22"/>
-    <p:sldId id="280" r:id="rId23"/>
-    <p:sldId id="295" r:id="rId24"/>
-    <p:sldId id="273" r:id="rId25"/>
-    <p:sldId id="281" r:id="rId26"/>
-    <p:sldId id="284" r:id="rId27"/>
-    <p:sldId id="283" r:id="rId28"/>
-    <p:sldId id="285" r:id="rId29"/>
-    <p:sldId id="286" r:id="rId30"/>
-    <p:sldId id="287" r:id="rId31"/>
-    <p:sldId id="288" r:id="rId32"/>
-    <p:sldId id="289" r:id="rId33"/>
-    <p:sldId id="290" r:id="rId34"/>
-    <p:sldId id="291" r:id="rId35"/>
-    <p:sldId id="292" r:id="rId36"/>
-    <p:sldId id="293" r:id="rId37"/>
-    <p:sldId id="294" r:id="rId38"/>
+    <p:sldId id="303" r:id="rId19"/>
+    <p:sldId id="272" r:id="rId20"/>
+    <p:sldId id="277" r:id="rId21"/>
+    <p:sldId id="275" r:id="rId22"/>
+    <p:sldId id="279" r:id="rId23"/>
+    <p:sldId id="280" r:id="rId24"/>
+    <p:sldId id="295" r:id="rId25"/>
+    <p:sldId id="273" r:id="rId26"/>
+    <p:sldId id="281" r:id="rId27"/>
+    <p:sldId id="284" r:id="rId28"/>
+    <p:sldId id="283" r:id="rId29"/>
+    <p:sldId id="285" r:id="rId30"/>
+    <p:sldId id="286" r:id="rId31"/>
+    <p:sldId id="287" r:id="rId32"/>
+    <p:sldId id="288" r:id="rId33"/>
+    <p:sldId id="289" r:id="rId34"/>
+    <p:sldId id="290" r:id="rId35"/>
+    <p:sldId id="291" r:id="rId36"/>
+    <p:sldId id="292" r:id="rId37"/>
+    <p:sldId id="293" r:id="rId38"/>
     <p:sldId id="296" r:id="rId39"/>
+    <p:sldId id="294" r:id="rId40"/>
+    <p:sldId id="297" r:id="rId41"/>
+    <p:sldId id="300" r:id="rId42"/>
+    <p:sldId id="301" r:id="rId43"/>
+    <p:sldId id="298" r:id="rId44"/>
+    <p:sldId id="302" r:id="rId45"/>
+    <p:sldId id="299" r:id="rId46"/>
   </p:sldIdLst>
   <p:sldSz cx="12192000" cy="6858000"/>
   <p:notesSz cx="6858000" cy="9144000"/>
@@ -178,6 +185,7 @@
             <p14:sldId id="276"/>
             <p14:sldId id="269"/>
             <p14:sldId id="271"/>
+            <p14:sldId id="303"/>
             <p14:sldId id="272"/>
             <p14:sldId id="277"/>
             <p14:sldId id="275"/>
@@ -221,8 +229,14 @@
         </p14:section>
         <p14:section name="Assignment" id="{CE5C9723-AD53-43EB-B248-8521B51ED104}">
           <p14:sldIdLst>
+            <p14:sldId id="296"/>
             <p14:sldId id="294"/>
-            <p14:sldId id="296"/>
+            <p14:sldId id="297"/>
+            <p14:sldId id="300"/>
+            <p14:sldId id="301"/>
+            <p14:sldId id="298"/>
+            <p14:sldId id="302"/>
+            <p14:sldId id="299"/>
           </p14:sldIdLst>
         </p14:section>
       </p14:sectionLst>
@@ -316,7 +330,7 @@
           <a:p>
             <a:fld id="{2B417D8A-955C-4341-9B08-BF598ECF5D4A}" type="datetimeFigureOut">
               <a:rPr lang="en-US" smtClean="0"/>
-              <a:t>3/7/2018</a:t>
+              <a:t>3/12/2018</a:t>
             </a:fld>
             <a:endParaRPr lang="en-US"/>
           </a:p>
@@ -649,7 +663,7 @@
           <a:p>
             <a:fld id="{225DA50D-0A6F-44DE-A31F-AC441CF2C209}" type="slidenum">
               <a:rPr lang="en-US" smtClean="0"/>
-              <a:t>22</a:t>
+              <a:t>23</a:t>
             </a:fld>
             <a:endParaRPr lang="en-US"/>
           </a:p>
@@ -733,7 +747,7 @@
           <a:p>
             <a:fld id="{225DA50D-0A6F-44DE-A31F-AC441CF2C209}" type="slidenum">
               <a:rPr lang="en-US" smtClean="0"/>
-              <a:t>24</a:t>
+              <a:t>25</a:t>
             </a:fld>
             <a:endParaRPr lang="en-US"/>
           </a:p>
@@ -883,7 +897,7 @@
           <a:p>
             <a:fld id="{D3C56EE3-7B41-438F-B2D7-FB149C2332AC}" type="datetime1">
               <a:rPr lang="en-US" smtClean="0"/>
-              <a:t>3/7/2018</a:t>
+              <a:t>3/12/2018</a:t>
             </a:fld>
             <a:endParaRPr lang="en-US"/>
           </a:p>
@@ -1057,7 +1071,7 @@
           <a:p>
             <a:fld id="{01619F89-33D4-4F20-BD46-609358E17B5C}" type="datetime1">
               <a:rPr lang="en-US" smtClean="0"/>
-              <a:t>3/7/2018</a:t>
+              <a:t>3/12/2018</a:t>
             </a:fld>
             <a:endParaRPr lang="en-US"/>
           </a:p>
@@ -1241,7 +1255,7 @@
           <a:p>
             <a:fld id="{AF5C3AA5-A0B0-48C1-B3AE-E5C28A627E27}" type="datetime1">
               <a:rPr lang="en-US" smtClean="0"/>
-              <a:t>3/7/2018</a:t>
+              <a:t>3/12/2018</a:t>
             </a:fld>
             <a:endParaRPr lang="en-US"/>
           </a:p>
@@ -1415,7 +1429,7 @@
           <a:p>
             <a:fld id="{E375881D-B873-476F-BF6C-A5D03DB55670}" type="datetime1">
               <a:rPr lang="en-US" smtClean="0"/>
-              <a:t>3/7/2018</a:t>
+              <a:t>3/12/2018</a:t>
             </a:fld>
             <a:endParaRPr lang="en-US"/>
           </a:p>
@@ -1672,7 +1686,7 @@
           <a:p>
             <a:fld id="{01FDEF78-69FE-45C0-A60A-E8846B6865A3}" type="datetime1">
               <a:rPr lang="en-US" smtClean="0"/>
-              <a:t>3/7/2018</a:t>
+              <a:t>3/12/2018</a:t>
             </a:fld>
             <a:endParaRPr lang="en-US"/>
           </a:p>
@@ -1915,7 +1929,7 @@
           <a:p>
             <a:fld id="{6FBE0ADE-559C-4A7A-B08F-9D4F75826970}" type="datetime1">
               <a:rPr lang="en-US" smtClean="0"/>
-              <a:t>3/7/2018</a:t>
+              <a:t>3/12/2018</a:t>
             </a:fld>
             <a:endParaRPr lang="en-US"/>
           </a:p>
@@ -2286,7 +2300,7 @@
           <a:p>
             <a:fld id="{74894A5A-0D10-4B14-A277-93CC188BE210}" type="datetime1">
               <a:rPr lang="en-US" smtClean="0"/>
-              <a:t>3/7/2018</a:t>
+              <a:t>3/12/2018</a:t>
             </a:fld>
             <a:endParaRPr lang="en-US"/>
           </a:p>
@@ -2408,7 +2422,7 @@
           <a:p>
             <a:fld id="{577B3D55-1C30-4FA3-94FB-914CE37CACFE}" type="datetime1">
               <a:rPr lang="en-US" smtClean="0"/>
-              <a:t>3/7/2018</a:t>
+              <a:t>3/12/2018</a:t>
             </a:fld>
             <a:endParaRPr lang="en-US"/>
           </a:p>
@@ -2507,7 +2521,7 @@
           <a:p>
             <a:fld id="{76BDFE66-F1C7-439C-8120-3CEE120CAC96}" type="datetime1">
               <a:rPr lang="en-US" smtClean="0"/>
-              <a:t>3/7/2018</a:t>
+              <a:t>3/12/2018</a:t>
             </a:fld>
             <a:endParaRPr lang="en-US"/>
           </a:p>
@@ -2788,7 +2802,7 @@
           <a:p>
             <a:fld id="{0C9C451C-D1A4-4190-B1EE-E586C30E2F38}" type="datetime1">
               <a:rPr lang="en-US" smtClean="0"/>
-              <a:t>3/7/2018</a:t>
+              <a:t>3/12/2018</a:t>
             </a:fld>
             <a:endParaRPr lang="en-US"/>
           </a:p>
@@ -3045,7 +3059,7 @@
           <a:p>
             <a:fld id="{9B6269CE-4149-4BC1-B2E3-A688B1DE4C43}" type="datetime1">
               <a:rPr lang="en-US" smtClean="0"/>
-              <a:t>3/7/2018</a:t>
+              <a:t>3/12/2018</a:t>
             </a:fld>
             <a:endParaRPr lang="en-US"/>
           </a:p>
@@ -3262,7 +3276,7 @@
           <a:p>
             <a:fld id="{171D9BC2-FA8B-490C-86DD-3BD9CB7B67EB}" type="datetime1">
               <a:rPr lang="en-US" smtClean="0"/>
-              <a:t>3/7/2018</a:t>
+              <a:t>3/12/2018</a:t>
             </a:fld>
             <a:endParaRPr lang="en-US"/>
           </a:p>
@@ -3705,11 +3719,7 @@
             </a:br>
             <a:r>
               <a:rPr lang="en-US" dirty="0" smtClean="0"/>
-              <a:t>for the Social </a:t>
-            </a:r>
-            <a:r>
-              <a:rPr lang="en-US" dirty="0" smtClean="0"/>
-              <a:t>Sciences:</a:t>
+              <a:t>for the Social Sciences:</a:t>
             </a:r>
             <a:br>
               <a:rPr lang="en-US" dirty="0" smtClean="0"/>
@@ -8306,11 +8316,7 @@
           <a:p>
             <a:r>
               <a:rPr lang="en-US" dirty="0" smtClean="0"/>
-              <a:t>3.	Version </a:t>
-            </a:r>
-            <a:r>
-              <a:rPr lang="en-US" dirty="0" smtClean="0"/>
-              <a:t>control: the old way</a:t>
+              <a:t>3.	Version control: the old way</a:t>
             </a:r>
             <a:endParaRPr lang="en-US" dirty="0"/>
           </a:p>
@@ -9122,6 +9128,116 @@
 </file>
 
 <file path=ppt/slides/slide18.xml><?xml version="1.0" encoding="utf-8"?>
+<p:sld xmlns:a="http://schemas.openxmlformats.org/drawingml/2006/main" xmlns:r="http://schemas.openxmlformats.org/officeDocument/2006/relationships" xmlns:p="http://schemas.openxmlformats.org/presentationml/2006/main">
+  <p:cSld>
+    <p:spTree>
+      <p:nvGrpSpPr>
+        <p:cNvPr id="1" name=""/>
+        <p:cNvGrpSpPr/>
+        <p:nvPr/>
+      </p:nvGrpSpPr>
+      <p:grpSpPr>
+        <a:xfrm>
+          <a:off x="0" y="0"/>
+          <a:ext cx="0" cy="0"/>
+          <a:chOff x="0" y="0"/>
+          <a:chExt cx="0" cy="0"/>
+        </a:xfrm>
+      </p:grpSpPr>
+      <p:pic>
+        <p:nvPicPr>
+          <p:cNvPr id="5" name="Content Placeholder 4" descr="Complaint"/>
+          <p:cNvPicPr>
+            <a:picLocks noGrp="1" noChangeAspect="1"/>
+          </p:cNvPicPr>
+          <p:nvPr>
+            <p:ph idx="1"/>
+          </p:nvPr>
+        </p:nvPicPr>
+        <p:blipFill rotWithShape="1">
+          <a:blip r:embed="rId2" cstate="print">
+            <a:extLst>
+              <a:ext uri="{28A0092B-C50C-407E-A947-70E740481C1C}">
+                <a14:useLocalDpi xmlns:a14="http://schemas.microsoft.com/office/drawing/2010/main" val="0"/>
+              </a:ext>
+            </a:extLst>
+          </a:blip>
+          <a:srcRect l="25935" t="3272" r="15198"/>
+          <a:stretch/>
+        </p:blipFill>
+        <p:spPr>
+          <a:xfrm>
+            <a:off x="72927" y="0"/>
+            <a:ext cx="6473728" cy="6816725"/>
+          </a:xfrm>
+        </p:spPr>
+      </p:pic>
+      <p:sp>
+        <p:nvSpPr>
+          <p:cNvPr id="4" name="Slide Number Placeholder 3"/>
+          <p:cNvSpPr>
+            <a:spLocks noGrp="1"/>
+          </p:cNvSpPr>
+          <p:nvPr>
+            <p:ph type="sldNum" sz="quarter" idx="12"/>
+          </p:nvPr>
+        </p:nvSpPr>
+        <p:spPr/>
+        <p:txBody>
+          <a:bodyPr/>
+          <a:lstStyle/>
+          <a:p>
+            <a:fld id="{CA22A544-1804-4386-8584-5A7D657EA902}" type="slidenum">
+              <a:rPr lang="en-US" smtClean="0"/>
+              <a:t>18</a:t>
+            </a:fld>
+            <a:endParaRPr lang="en-US"/>
+          </a:p>
+        </p:txBody>
+      </p:sp>
+      <p:pic>
+        <p:nvPicPr>
+          <p:cNvPr id="8" name="Picture 7" descr="Layout 1 - Google Chrome"/>
+          <p:cNvPicPr>
+            <a:picLocks noChangeAspect="1"/>
+          </p:cNvPicPr>
+          <p:nvPr/>
+        </p:nvPicPr>
+        <p:blipFill rotWithShape="1">
+          <a:blip r:embed="rId3" cstate="print">
+            <a:extLst>
+              <a:ext uri="{28A0092B-C50C-407E-A947-70E740481C1C}">
+                <a14:useLocalDpi xmlns:a14="http://schemas.microsoft.com/office/drawing/2010/main" val="0"/>
+              </a:ext>
+            </a:extLst>
+          </a:blip>
+          <a:srcRect l="31146" t="11370" r="32003" b="4377"/>
+          <a:stretch/>
+        </p:blipFill>
+        <p:spPr>
+          <a:xfrm>
+            <a:off x="7461055" y="504883"/>
+            <a:ext cx="3943702" cy="5778111"/>
+          </a:xfrm>
+          <a:prstGeom prst="rect">
+            <a:avLst/>
+          </a:prstGeom>
+        </p:spPr>
+      </p:pic>
+    </p:spTree>
+    <p:extLst>
+      <p:ext uri="{BB962C8B-B14F-4D97-AF65-F5344CB8AC3E}">
+        <p14:creationId xmlns:p14="http://schemas.microsoft.com/office/powerpoint/2010/main" val="4158360887"/>
+      </p:ext>
+    </p:extLst>
+  </p:cSld>
+  <p:clrMapOvr>
+    <a:masterClrMapping/>
+  </p:clrMapOvr>
+</p:sld>
+</file>
+
+<file path=ppt/slides/slide19.xml><?xml version="1.0" encoding="utf-8"?>
 <p:sld xmlns:a="http://schemas.openxmlformats.org/drawingml/2006/main" xmlns:r="http://schemas.openxmlformats.org/officeDocument/2006/relationships" xmlns:p="http://schemas.openxmlformats.org/presentationml/2006/main">
   <p:cSld>
     <p:spTree>
@@ -9279,7 +9395,7 @@
           <a:p>
             <a:fld id="{CA22A544-1804-4386-8584-5A7D657EA902}" type="slidenum">
               <a:rPr lang="en-US" smtClean="0"/>
-              <a:t>18</a:t>
+              <a:t>19</a:t>
             </a:fld>
             <a:endParaRPr lang="en-US"/>
           </a:p>
@@ -9305,7 +9421,223 @@
 </p:sld>
 </file>
 
-<file path=ppt/slides/slide19.xml><?xml version="1.0" encoding="utf-8"?>
+<file path=ppt/slides/slide2.xml><?xml version="1.0" encoding="utf-8"?>
+<p:sld xmlns:a="http://schemas.openxmlformats.org/drawingml/2006/main" xmlns:r="http://schemas.openxmlformats.org/officeDocument/2006/relationships" xmlns:p="http://schemas.openxmlformats.org/presentationml/2006/main">
+  <p:cSld>
+    <p:spTree>
+      <p:nvGrpSpPr>
+        <p:cNvPr id="1" name=""/>
+        <p:cNvGrpSpPr/>
+        <p:nvPr/>
+      </p:nvGrpSpPr>
+      <p:grpSpPr>
+        <a:xfrm>
+          <a:off x="0" y="0"/>
+          <a:ext cx="0" cy="0"/>
+          <a:chOff x="0" y="0"/>
+          <a:chExt cx="0" cy="0"/>
+        </a:xfrm>
+      </p:grpSpPr>
+      <p:sp>
+        <p:nvSpPr>
+          <p:cNvPr id="2" name="Title 1"/>
+          <p:cNvSpPr>
+            <a:spLocks noGrp="1"/>
+          </p:cNvSpPr>
+          <p:nvPr>
+            <p:ph type="title"/>
+          </p:nvPr>
+        </p:nvSpPr>
+        <p:spPr/>
+        <p:txBody>
+          <a:bodyPr/>
+          <a:lstStyle/>
+          <a:p>
+            <a:r>
+              <a:rPr lang="en-US" dirty="0" smtClean="0"/>
+              <a:t>Agenda</a:t>
+            </a:r>
+            <a:endParaRPr lang="en-US" dirty="0"/>
+          </a:p>
+        </p:txBody>
+      </p:sp>
+      <p:sp>
+        <p:nvSpPr>
+          <p:cNvPr id="3" name="Content Placeholder 2"/>
+          <p:cNvSpPr>
+            <a:spLocks noGrp="1"/>
+          </p:cNvSpPr>
+          <p:nvPr>
+            <p:ph idx="1"/>
+          </p:nvPr>
+        </p:nvSpPr>
+        <p:spPr/>
+        <p:txBody>
+          <a:bodyPr>
+            <a:normAutofit lnSpcReduction="10000"/>
+          </a:bodyPr>
+          <a:lstStyle/>
+          <a:p>
+            <a:pPr marL="514350" indent="-514350">
+              <a:buFont typeface="+mj-lt"/>
+              <a:buAutoNum type="arabicPeriod"/>
+            </a:pPr>
+            <a:r>
+              <a:rPr lang="en-US" dirty="0" smtClean="0">
+                <a:hlinkClick r:id="rId2" action="ppaction://hlinksldjump"/>
+              </a:rPr>
+              <a:t>Intro</a:t>
+            </a:r>
+            <a:endParaRPr lang="en-US" dirty="0" smtClean="0"/>
+          </a:p>
+          <a:p>
+            <a:pPr marL="514350" indent="-514350">
+              <a:buFont typeface="+mj-lt"/>
+              <a:buAutoNum type="arabicPeriod"/>
+            </a:pPr>
+            <a:r>
+              <a:rPr lang="en-US" dirty="0" smtClean="0">
+                <a:hlinkClick r:id="rId3" action="ppaction://hlinksldjump"/>
+              </a:rPr>
+              <a:t>Automation</a:t>
+            </a:r>
+            <a:endParaRPr lang="en-US" dirty="0" smtClean="0"/>
+          </a:p>
+          <a:p>
+            <a:pPr marL="514350" indent="-514350">
+              <a:buFont typeface="+mj-lt"/>
+              <a:buAutoNum type="arabicPeriod"/>
+            </a:pPr>
+            <a:r>
+              <a:rPr lang="en-US" dirty="0" smtClean="0">
+                <a:hlinkClick r:id="rId4" action="ppaction://hlinksldjump"/>
+              </a:rPr>
+              <a:t>Version Control</a:t>
+            </a:r>
+            <a:endParaRPr lang="en-US" dirty="0" smtClean="0"/>
+          </a:p>
+          <a:p>
+            <a:pPr marL="514350" indent="-514350">
+              <a:buFont typeface="+mj-lt"/>
+              <a:buAutoNum type="arabicPeriod"/>
+            </a:pPr>
+            <a:r>
+              <a:rPr lang="en-US" dirty="0" smtClean="0">
+                <a:hlinkClick r:id="rId5" action="ppaction://hlinksldjump"/>
+              </a:rPr>
+              <a:t>Directories</a:t>
+            </a:r>
+            <a:endParaRPr lang="en-US" dirty="0" smtClean="0"/>
+          </a:p>
+          <a:p>
+            <a:pPr marL="514350" indent="-514350">
+              <a:buFont typeface="+mj-lt"/>
+              <a:buAutoNum type="arabicPeriod"/>
+            </a:pPr>
+            <a:r>
+              <a:rPr lang="en-US" dirty="0" smtClean="0">
+                <a:hlinkClick r:id="rId6" action="ppaction://hlinksldjump"/>
+              </a:rPr>
+              <a:t>Keys</a:t>
+            </a:r>
+            <a:endParaRPr lang="en-US" dirty="0" smtClean="0"/>
+          </a:p>
+          <a:p>
+            <a:pPr marL="514350" indent="-514350">
+              <a:buFont typeface="+mj-lt"/>
+              <a:buAutoNum type="arabicPeriod"/>
+            </a:pPr>
+            <a:r>
+              <a:rPr lang="en-US" dirty="0" smtClean="0">
+                <a:hlinkClick r:id="rId7" action="ppaction://hlinksldjump"/>
+              </a:rPr>
+              <a:t>Abstraction</a:t>
+            </a:r>
+            <a:endParaRPr lang="en-US" dirty="0" smtClean="0"/>
+          </a:p>
+          <a:p>
+            <a:pPr marL="514350" indent="-514350">
+              <a:buFont typeface="+mj-lt"/>
+              <a:buAutoNum type="arabicPeriod"/>
+            </a:pPr>
+            <a:r>
+              <a:rPr lang="en-US" dirty="0" smtClean="0">
+                <a:hlinkClick r:id="rId8" action="ppaction://hlinksldjump"/>
+              </a:rPr>
+              <a:t>Documentation</a:t>
+            </a:r>
+            <a:endParaRPr lang="en-US" dirty="0" smtClean="0"/>
+          </a:p>
+          <a:p>
+            <a:pPr marL="514350" indent="-514350">
+              <a:buFont typeface="+mj-lt"/>
+              <a:buAutoNum type="arabicPeriod"/>
+            </a:pPr>
+            <a:r>
+              <a:rPr lang="en-US" dirty="0" smtClean="0">
+                <a:hlinkClick r:id="rId9" action="ppaction://hlinksldjump"/>
+              </a:rPr>
+              <a:t>Management</a:t>
+            </a:r>
+            <a:endParaRPr lang="en-US" dirty="0" smtClean="0"/>
+          </a:p>
+          <a:p>
+            <a:pPr marL="514350" indent="-514350">
+              <a:buFont typeface="+mj-lt"/>
+              <a:buAutoNum type="arabicPeriod"/>
+            </a:pPr>
+            <a:r>
+              <a:rPr lang="en-US" dirty="0" smtClean="0"/>
+              <a:t>GitHub exercise</a:t>
+            </a:r>
+            <a:endParaRPr lang="en-US" dirty="0"/>
+          </a:p>
+        </p:txBody>
+      </p:sp>
+      <p:sp>
+        <p:nvSpPr>
+          <p:cNvPr id="4" name="Slide Number Placeholder 3"/>
+          <p:cNvSpPr>
+            <a:spLocks noGrp="1"/>
+          </p:cNvSpPr>
+          <p:nvPr>
+            <p:ph type="sldNum" sz="quarter" idx="12"/>
+          </p:nvPr>
+        </p:nvSpPr>
+        <p:spPr/>
+        <p:txBody>
+          <a:bodyPr/>
+          <a:lstStyle/>
+          <a:p>
+            <a:fld id="{CA22A544-1804-4386-8584-5A7D657EA902}" type="slidenum">
+              <a:rPr lang="en-US" smtClean="0"/>
+              <a:t>2</a:t>
+            </a:fld>
+            <a:endParaRPr lang="en-US"/>
+          </a:p>
+        </p:txBody>
+      </p:sp>
+    </p:spTree>
+    <p:extLst>
+      <p:ext uri="{BB962C8B-B14F-4D97-AF65-F5344CB8AC3E}">
+        <p14:creationId xmlns:p14="http://schemas.microsoft.com/office/powerpoint/2010/main" val="1455952325"/>
+      </p:ext>
+    </p:extLst>
+  </p:cSld>
+  <p:clrMapOvr>
+    <a:masterClrMapping/>
+  </p:clrMapOvr>
+  <p:timing>
+    <p:tnLst>
+      <p:par>
+        <p:cTn id="1" dur="indefinite" restart="never" nodeType="tmRoot"/>
+      </p:par>
+    </p:tnLst>
+  </p:timing>
+</p:sld>
+</file>
+
+<file path=ppt/slides/slide20.xml><?xml version="1.0" encoding="utf-8"?>
 <p:sld xmlns:a="http://schemas.openxmlformats.org/drawingml/2006/main" xmlns:r="http://schemas.openxmlformats.org/officeDocument/2006/relationships" xmlns:p="http://schemas.openxmlformats.org/presentationml/2006/main">
   <p:cSld>
     <p:spTree>
@@ -9562,7 +9894,7 @@
           <a:p>
             <a:fld id="{CA22A544-1804-4386-8584-5A7D657EA902}" type="slidenum">
               <a:rPr lang="en-US" smtClean="0"/>
-              <a:t>19</a:t>
+              <a:t>20</a:t>
             </a:fld>
             <a:endParaRPr lang="en-US"/>
           </a:p>
@@ -9742,223 +10074,7 @@
 </p:sld>
 </file>
 
-<file path=ppt/slides/slide2.xml><?xml version="1.0" encoding="utf-8"?>
-<p:sld xmlns:a="http://schemas.openxmlformats.org/drawingml/2006/main" xmlns:r="http://schemas.openxmlformats.org/officeDocument/2006/relationships" xmlns:p="http://schemas.openxmlformats.org/presentationml/2006/main">
-  <p:cSld>
-    <p:spTree>
-      <p:nvGrpSpPr>
-        <p:cNvPr id="1" name=""/>
-        <p:cNvGrpSpPr/>
-        <p:nvPr/>
-      </p:nvGrpSpPr>
-      <p:grpSpPr>
-        <a:xfrm>
-          <a:off x="0" y="0"/>
-          <a:ext cx="0" cy="0"/>
-          <a:chOff x="0" y="0"/>
-          <a:chExt cx="0" cy="0"/>
-        </a:xfrm>
-      </p:grpSpPr>
-      <p:sp>
-        <p:nvSpPr>
-          <p:cNvPr id="2" name="Title 1"/>
-          <p:cNvSpPr>
-            <a:spLocks noGrp="1"/>
-          </p:cNvSpPr>
-          <p:nvPr>
-            <p:ph type="title"/>
-          </p:nvPr>
-        </p:nvSpPr>
-        <p:spPr/>
-        <p:txBody>
-          <a:bodyPr/>
-          <a:lstStyle/>
-          <a:p>
-            <a:r>
-              <a:rPr lang="en-US" dirty="0" smtClean="0"/>
-              <a:t>Agenda</a:t>
-            </a:r>
-            <a:endParaRPr lang="en-US" dirty="0"/>
-          </a:p>
-        </p:txBody>
-      </p:sp>
-      <p:sp>
-        <p:nvSpPr>
-          <p:cNvPr id="3" name="Content Placeholder 2"/>
-          <p:cNvSpPr>
-            <a:spLocks noGrp="1"/>
-          </p:cNvSpPr>
-          <p:nvPr>
-            <p:ph idx="1"/>
-          </p:nvPr>
-        </p:nvSpPr>
-        <p:spPr/>
-        <p:txBody>
-          <a:bodyPr>
-            <a:normAutofit lnSpcReduction="10000"/>
-          </a:bodyPr>
-          <a:lstStyle/>
-          <a:p>
-            <a:pPr marL="514350" indent="-514350">
-              <a:buFont typeface="+mj-lt"/>
-              <a:buAutoNum type="arabicPeriod"/>
-            </a:pPr>
-            <a:r>
-              <a:rPr lang="en-US" dirty="0" smtClean="0">
-                <a:hlinkClick r:id="rId2" action="ppaction://hlinksldjump"/>
-              </a:rPr>
-              <a:t>Intro</a:t>
-            </a:r>
-            <a:endParaRPr lang="en-US" dirty="0" smtClean="0"/>
-          </a:p>
-          <a:p>
-            <a:pPr marL="514350" indent="-514350">
-              <a:buFont typeface="+mj-lt"/>
-              <a:buAutoNum type="arabicPeriod"/>
-            </a:pPr>
-            <a:r>
-              <a:rPr lang="en-US" dirty="0" smtClean="0">
-                <a:hlinkClick r:id="rId3" action="ppaction://hlinksldjump"/>
-              </a:rPr>
-              <a:t>Automation</a:t>
-            </a:r>
-            <a:endParaRPr lang="en-US" dirty="0" smtClean="0"/>
-          </a:p>
-          <a:p>
-            <a:pPr marL="514350" indent="-514350">
-              <a:buFont typeface="+mj-lt"/>
-              <a:buAutoNum type="arabicPeriod"/>
-            </a:pPr>
-            <a:r>
-              <a:rPr lang="en-US" dirty="0" smtClean="0">
-                <a:hlinkClick r:id="rId4" action="ppaction://hlinksldjump"/>
-              </a:rPr>
-              <a:t>Version Control</a:t>
-            </a:r>
-            <a:endParaRPr lang="en-US" dirty="0" smtClean="0"/>
-          </a:p>
-          <a:p>
-            <a:pPr marL="514350" indent="-514350">
-              <a:buFont typeface="+mj-lt"/>
-              <a:buAutoNum type="arabicPeriod"/>
-            </a:pPr>
-            <a:r>
-              <a:rPr lang="en-US" dirty="0" smtClean="0">
-                <a:hlinkClick r:id="rId5" action="ppaction://hlinksldjump"/>
-              </a:rPr>
-              <a:t>Directories</a:t>
-            </a:r>
-            <a:endParaRPr lang="en-US" dirty="0" smtClean="0"/>
-          </a:p>
-          <a:p>
-            <a:pPr marL="514350" indent="-514350">
-              <a:buFont typeface="+mj-lt"/>
-              <a:buAutoNum type="arabicPeriod"/>
-            </a:pPr>
-            <a:r>
-              <a:rPr lang="en-US" dirty="0" smtClean="0">
-                <a:hlinkClick r:id="rId6" action="ppaction://hlinksldjump"/>
-              </a:rPr>
-              <a:t>Keys</a:t>
-            </a:r>
-            <a:endParaRPr lang="en-US" dirty="0" smtClean="0"/>
-          </a:p>
-          <a:p>
-            <a:pPr marL="514350" indent="-514350">
-              <a:buFont typeface="+mj-lt"/>
-              <a:buAutoNum type="arabicPeriod"/>
-            </a:pPr>
-            <a:r>
-              <a:rPr lang="en-US" dirty="0" smtClean="0">
-                <a:hlinkClick r:id="rId7" action="ppaction://hlinksldjump"/>
-              </a:rPr>
-              <a:t>Abstraction</a:t>
-            </a:r>
-            <a:endParaRPr lang="en-US" dirty="0" smtClean="0"/>
-          </a:p>
-          <a:p>
-            <a:pPr marL="514350" indent="-514350">
-              <a:buFont typeface="+mj-lt"/>
-              <a:buAutoNum type="arabicPeriod"/>
-            </a:pPr>
-            <a:r>
-              <a:rPr lang="en-US" dirty="0" smtClean="0">
-                <a:hlinkClick r:id="rId8" action="ppaction://hlinksldjump"/>
-              </a:rPr>
-              <a:t>Documentation</a:t>
-            </a:r>
-            <a:endParaRPr lang="en-US" dirty="0" smtClean="0"/>
-          </a:p>
-          <a:p>
-            <a:pPr marL="514350" indent="-514350">
-              <a:buFont typeface="+mj-lt"/>
-              <a:buAutoNum type="arabicPeriod"/>
-            </a:pPr>
-            <a:r>
-              <a:rPr lang="en-US" dirty="0" smtClean="0">
-                <a:hlinkClick r:id="rId9" action="ppaction://hlinksldjump"/>
-              </a:rPr>
-              <a:t>Management</a:t>
-            </a:r>
-            <a:endParaRPr lang="en-US" dirty="0" smtClean="0"/>
-          </a:p>
-          <a:p>
-            <a:pPr marL="514350" indent="-514350">
-              <a:buFont typeface="+mj-lt"/>
-              <a:buAutoNum type="arabicPeriod"/>
-            </a:pPr>
-            <a:r>
-              <a:rPr lang="en-US" dirty="0" smtClean="0"/>
-              <a:t>GitHub exercise</a:t>
-            </a:r>
-            <a:endParaRPr lang="en-US" dirty="0"/>
-          </a:p>
-        </p:txBody>
-      </p:sp>
-      <p:sp>
-        <p:nvSpPr>
-          <p:cNvPr id="4" name="Slide Number Placeholder 3"/>
-          <p:cNvSpPr>
-            <a:spLocks noGrp="1"/>
-          </p:cNvSpPr>
-          <p:nvPr>
-            <p:ph type="sldNum" sz="quarter" idx="12"/>
-          </p:nvPr>
-        </p:nvSpPr>
-        <p:spPr/>
-        <p:txBody>
-          <a:bodyPr/>
-          <a:lstStyle/>
-          <a:p>
-            <a:fld id="{CA22A544-1804-4386-8584-5A7D657EA902}" type="slidenum">
-              <a:rPr lang="en-US" smtClean="0"/>
-              <a:t>2</a:t>
-            </a:fld>
-            <a:endParaRPr lang="en-US"/>
-          </a:p>
-        </p:txBody>
-      </p:sp>
-    </p:spTree>
-    <p:extLst>
-      <p:ext uri="{BB962C8B-B14F-4D97-AF65-F5344CB8AC3E}">
-        <p14:creationId xmlns:p14="http://schemas.microsoft.com/office/powerpoint/2010/main" val="1455952325"/>
-      </p:ext>
-    </p:extLst>
-  </p:cSld>
-  <p:clrMapOvr>
-    <a:masterClrMapping/>
-  </p:clrMapOvr>
-  <p:timing>
-    <p:tnLst>
-      <p:par>
-        <p:cTn id="1" dur="indefinite" restart="never" nodeType="tmRoot"/>
-      </p:par>
-    </p:tnLst>
-  </p:timing>
-</p:sld>
-</file>
-
-<file path=ppt/slides/slide20.xml><?xml version="1.0" encoding="utf-8"?>
+<file path=ppt/slides/slide21.xml><?xml version="1.0" encoding="utf-8"?>
 <p:sld xmlns:a="http://schemas.openxmlformats.org/drawingml/2006/main" xmlns:r="http://schemas.openxmlformats.org/officeDocument/2006/relationships" xmlns:p="http://schemas.openxmlformats.org/presentationml/2006/main">
   <p:cSld>
     <p:spTree>
@@ -10370,7 +10486,7 @@
           <a:p>
             <a:fld id="{CA22A544-1804-4386-8584-5A7D657EA902}" type="slidenum">
               <a:rPr lang="en-US" smtClean="0"/>
-              <a:t>20</a:t>
+              <a:t>21</a:t>
             </a:fld>
             <a:endParaRPr lang="en-US"/>
           </a:p>
@@ -10482,7 +10598,7 @@
 </p:sld>
 </file>
 
-<file path=ppt/slides/slide21.xml><?xml version="1.0" encoding="utf-8"?>
+<file path=ppt/slides/slide22.xml><?xml version="1.0" encoding="utf-8"?>
 <p:sld xmlns:a="http://schemas.openxmlformats.org/drawingml/2006/main" xmlns:r="http://schemas.openxmlformats.org/officeDocument/2006/relationships" xmlns:p="http://schemas.openxmlformats.org/presentationml/2006/main">
   <p:cSld>
     <p:spTree>
@@ -11118,7 +11234,7 @@
           <a:p>
             <a:fld id="{CA22A544-1804-4386-8584-5A7D657EA902}" type="slidenum">
               <a:rPr lang="en-US" smtClean="0"/>
-              <a:t>21</a:t>
+              <a:t>22</a:t>
             </a:fld>
             <a:endParaRPr lang="en-US"/>
           </a:p>
@@ -11144,7 +11260,7 @@
 </p:sld>
 </file>
 
-<file path=ppt/slides/slide22.xml><?xml version="1.0" encoding="utf-8"?>
+<file path=ppt/slides/slide23.xml><?xml version="1.0" encoding="utf-8"?>
 <p:sld xmlns:a="http://schemas.openxmlformats.org/drawingml/2006/main" xmlns:r="http://schemas.openxmlformats.org/officeDocument/2006/relationships" xmlns:p="http://schemas.openxmlformats.org/presentationml/2006/main">
   <p:cSld>
     <p:spTree>
@@ -11767,7 +11883,7 @@
           <a:p>
             <a:fld id="{CA22A544-1804-4386-8584-5A7D657EA902}" type="slidenum">
               <a:rPr lang="en-US" smtClean="0"/>
-              <a:t>22</a:t>
+              <a:t>23</a:t>
             </a:fld>
             <a:endParaRPr lang="en-US"/>
           </a:p>
@@ -11777,229 +11893,6 @@
     <p:extLst>
       <p:ext uri="{BB962C8B-B14F-4D97-AF65-F5344CB8AC3E}">
         <p14:creationId xmlns:p14="http://schemas.microsoft.com/office/powerpoint/2010/main" val="4174360281"/>
-      </p:ext>
-    </p:extLst>
-  </p:cSld>
-  <p:clrMapOvr>
-    <a:masterClrMapping/>
-  </p:clrMapOvr>
-  <p:timing>
-    <p:tnLst>
-      <p:par>
-        <p:cTn id="1" dur="indefinite" restart="never" nodeType="tmRoot"/>
-      </p:par>
-    </p:tnLst>
-  </p:timing>
-</p:sld>
-</file>
-
-<file path=ppt/slides/slide23.xml><?xml version="1.0" encoding="utf-8"?>
-<p:sld xmlns:a="http://schemas.openxmlformats.org/drawingml/2006/main" xmlns:r="http://schemas.openxmlformats.org/officeDocument/2006/relationships" xmlns:p="http://schemas.openxmlformats.org/presentationml/2006/main">
-  <p:cSld>
-    <p:spTree>
-      <p:nvGrpSpPr>
-        <p:cNvPr id="1" name=""/>
-        <p:cNvGrpSpPr/>
-        <p:nvPr/>
-      </p:nvGrpSpPr>
-      <p:grpSpPr>
-        <a:xfrm>
-          <a:off x="0" y="0"/>
-          <a:ext cx="0" cy="0"/>
-          <a:chOff x="0" y="0"/>
-          <a:chExt cx="0" cy="0"/>
-        </a:xfrm>
-      </p:grpSpPr>
-      <p:sp>
-        <p:nvSpPr>
-          <p:cNvPr id="2" name="Title 1"/>
-          <p:cNvSpPr>
-            <a:spLocks noGrp="1"/>
-          </p:cNvSpPr>
-          <p:nvPr>
-            <p:ph type="title"/>
-          </p:nvPr>
-        </p:nvSpPr>
-        <p:spPr/>
-        <p:txBody>
-          <a:bodyPr/>
-          <a:lstStyle/>
-          <a:p>
-            <a:r>
-              <a:rPr lang="en-US" dirty="0" smtClean="0"/>
-              <a:t>Version control</a:t>
-            </a:r>
-            <a:endParaRPr lang="en-US" dirty="0"/>
-          </a:p>
-        </p:txBody>
-      </p:sp>
-      <p:sp>
-        <p:nvSpPr>
-          <p:cNvPr id="3" name="Content Placeholder 2"/>
-          <p:cNvSpPr>
-            <a:spLocks noGrp="1"/>
-          </p:cNvSpPr>
-          <p:nvPr>
-            <p:ph idx="1"/>
-          </p:nvPr>
-        </p:nvSpPr>
-        <p:spPr/>
-        <p:txBody>
-          <a:bodyPr>
-            <a:normAutofit fontScale="92500" lnSpcReduction="20000"/>
-          </a:bodyPr>
-          <a:lstStyle/>
-          <a:p>
-            <a:r>
-              <a:rPr lang="en-US" dirty="0"/>
-              <a:t>There are many systems</a:t>
-            </a:r>
-          </a:p>
-          <a:p>
-            <a:pPr lvl="1"/>
-            <a:r>
-              <a:rPr lang="en-US" dirty="0" err="1" smtClean="0"/>
-              <a:t>Git</a:t>
-            </a:r>
-            <a:r>
-              <a:rPr lang="en-US" dirty="0" smtClean="0"/>
-              <a:t> </a:t>
-            </a:r>
-            <a:r>
-              <a:rPr lang="en-US" dirty="0"/>
-              <a:t>is most popular today (that’s why I use it)</a:t>
-            </a:r>
-          </a:p>
-          <a:p>
-            <a:endParaRPr lang="en-US" dirty="0"/>
-          </a:p>
-          <a:p>
-            <a:r>
-              <a:rPr lang="en-US" dirty="0"/>
-              <a:t>Main difference with legacy systems</a:t>
-            </a:r>
-          </a:p>
-          <a:p>
-            <a:pPr lvl="1"/>
-            <a:r>
-              <a:rPr lang="en-US" dirty="0"/>
-              <a:t>legacy systems require a server – </a:t>
-            </a:r>
-            <a:r>
-              <a:rPr lang="en-US" dirty="0" err="1"/>
-              <a:t>Git</a:t>
-            </a:r>
-            <a:r>
-              <a:rPr lang="en-US" dirty="0"/>
-              <a:t> stores history locally</a:t>
-            </a:r>
-          </a:p>
-          <a:p>
-            <a:pPr lvl="1"/>
-            <a:r>
-              <a:rPr lang="en-US" dirty="0" err="1"/>
-              <a:t>git</a:t>
-            </a:r>
-            <a:r>
-              <a:rPr lang="en-US" dirty="0"/>
-              <a:t> uses “remotes” [optional] – online sharing/collaboration</a:t>
-            </a:r>
-          </a:p>
-          <a:p>
-            <a:pPr lvl="1"/>
-            <a:r>
-              <a:rPr lang="en-US" dirty="0"/>
-              <a:t>active “open source” community of </a:t>
-            </a:r>
-            <a:r>
-              <a:rPr lang="en-US" dirty="0" err="1"/>
-              <a:t>Git</a:t>
-            </a:r>
-            <a:endParaRPr lang="en-US" dirty="0"/>
-          </a:p>
-          <a:p>
-            <a:pPr lvl="1"/>
-            <a:endParaRPr lang="en-US" dirty="0"/>
-          </a:p>
-          <a:p>
-            <a:r>
-              <a:rPr lang="en-US" dirty="0"/>
-              <a:t>I combine </a:t>
-            </a:r>
-            <a:r>
-              <a:rPr lang="en-US" dirty="0" err="1"/>
-              <a:t>Git</a:t>
-            </a:r>
-            <a:r>
-              <a:rPr lang="en-US" dirty="0"/>
-              <a:t> with other things</a:t>
-            </a:r>
-          </a:p>
-          <a:p>
-            <a:pPr lvl="1"/>
-            <a:r>
-              <a:rPr lang="en-US" dirty="0" err="1"/>
-              <a:t>Git</a:t>
-            </a:r>
-            <a:r>
-              <a:rPr lang="en-US" dirty="0"/>
-              <a:t>: version control for text/code files</a:t>
-            </a:r>
-          </a:p>
-          <a:p>
-            <a:pPr lvl="1"/>
-            <a:r>
-              <a:rPr lang="en-US" dirty="0"/>
-              <a:t>[</a:t>
-            </a:r>
-            <a:r>
-              <a:rPr lang="en-US" dirty="0" err="1"/>
-              <a:t>Git</a:t>
-            </a:r>
-            <a:r>
-              <a:rPr lang="en-US" dirty="0"/>
-              <a:t> LFS (large file system): version control for large files] (e.g., pictures)</a:t>
-            </a:r>
-          </a:p>
-          <a:p>
-            <a:pPr lvl="1"/>
-            <a:r>
-              <a:rPr lang="en-US" dirty="0"/>
-              <a:t>Amazon’s AWS S3 for huge files (&gt;1GB)</a:t>
-            </a:r>
-          </a:p>
-          <a:p>
-            <a:endParaRPr lang="en-US" dirty="0"/>
-          </a:p>
-        </p:txBody>
-      </p:sp>
-      <p:sp>
-        <p:nvSpPr>
-          <p:cNvPr id="4" name="Slide Number Placeholder 3"/>
-          <p:cNvSpPr>
-            <a:spLocks noGrp="1"/>
-          </p:cNvSpPr>
-          <p:nvPr>
-            <p:ph type="sldNum" sz="quarter" idx="12"/>
-          </p:nvPr>
-        </p:nvSpPr>
-        <p:spPr/>
-        <p:txBody>
-          <a:bodyPr/>
-          <a:lstStyle/>
-          <a:p>
-            <a:fld id="{CA22A544-1804-4386-8584-5A7D657EA902}" type="slidenum">
-              <a:rPr lang="en-US" smtClean="0"/>
-              <a:t>23</a:t>
-            </a:fld>
-            <a:endParaRPr lang="en-US"/>
-          </a:p>
-        </p:txBody>
-      </p:sp>
-    </p:spTree>
-    <p:extLst>
-      <p:ext uri="{BB962C8B-B14F-4D97-AF65-F5344CB8AC3E}">
-        <p14:creationId xmlns:p14="http://schemas.microsoft.com/office/powerpoint/2010/main" val="1584393061"/>
       </p:ext>
     </p:extLst>
   </p:cSld>
@@ -12050,6 +11943,229 @@
           <a:p>
             <a:r>
               <a:rPr lang="en-US" dirty="0" smtClean="0"/>
+              <a:t>Version control</a:t>
+            </a:r>
+            <a:endParaRPr lang="en-US" dirty="0"/>
+          </a:p>
+        </p:txBody>
+      </p:sp>
+      <p:sp>
+        <p:nvSpPr>
+          <p:cNvPr id="3" name="Content Placeholder 2"/>
+          <p:cNvSpPr>
+            <a:spLocks noGrp="1"/>
+          </p:cNvSpPr>
+          <p:nvPr>
+            <p:ph idx="1"/>
+          </p:nvPr>
+        </p:nvSpPr>
+        <p:spPr/>
+        <p:txBody>
+          <a:bodyPr>
+            <a:normAutofit fontScale="92500" lnSpcReduction="20000"/>
+          </a:bodyPr>
+          <a:lstStyle/>
+          <a:p>
+            <a:r>
+              <a:rPr lang="en-US" dirty="0"/>
+              <a:t>There are many systems</a:t>
+            </a:r>
+          </a:p>
+          <a:p>
+            <a:pPr lvl="1"/>
+            <a:r>
+              <a:rPr lang="en-US" dirty="0" err="1" smtClean="0"/>
+              <a:t>Git</a:t>
+            </a:r>
+            <a:r>
+              <a:rPr lang="en-US" dirty="0" smtClean="0"/>
+              <a:t> </a:t>
+            </a:r>
+            <a:r>
+              <a:rPr lang="en-US" dirty="0"/>
+              <a:t>is most popular today (that’s why I use it)</a:t>
+            </a:r>
+          </a:p>
+          <a:p>
+            <a:endParaRPr lang="en-US" dirty="0"/>
+          </a:p>
+          <a:p>
+            <a:r>
+              <a:rPr lang="en-US" dirty="0"/>
+              <a:t>Main difference with legacy systems</a:t>
+            </a:r>
+          </a:p>
+          <a:p>
+            <a:pPr lvl="1"/>
+            <a:r>
+              <a:rPr lang="en-US" dirty="0"/>
+              <a:t>legacy systems require a server – </a:t>
+            </a:r>
+            <a:r>
+              <a:rPr lang="en-US" dirty="0" err="1"/>
+              <a:t>Git</a:t>
+            </a:r>
+            <a:r>
+              <a:rPr lang="en-US" dirty="0"/>
+              <a:t> stores history locally</a:t>
+            </a:r>
+          </a:p>
+          <a:p>
+            <a:pPr lvl="1"/>
+            <a:r>
+              <a:rPr lang="en-US" dirty="0" err="1"/>
+              <a:t>git</a:t>
+            </a:r>
+            <a:r>
+              <a:rPr lang="en-US" dirty="0"/>
+              <a:t> uses “remotes” [optional] – online sharing/collaboration</a:t>
+            </a:r>
+          </a:p>
+          <a:p>
+            <a:pPr lvl="1"/>
+            <a:r>
+              <a:rPr lang="en-US" dirty="0"/>
+              <a:t>active “open source” community of </a:t>
+            </a:r>
+            <a:r>
+              <a:rPr lang="en-US" dirty="0" err="1"/>
+              <a:t>Git</a:t>
+            </a:r>
+            <a:endParaRPr lang="en-US" dirty="0"/>
+          </a:p>
+          <a:p>
+            <a:pPr lvl="1"/>
+            <a:endParaRPr lang="en-US" dirty="0"/>
+          </a:p>
+          <a:p>
+            <a:r>
+              <a:rPr lang="en-US" dirty="0"/>
+              <a:t>I combine </a:t>
+            </a:r>
+            <a:r>
+              <a:rPr lang="en-US" dirty="0" err="1"/>
+              <a:t>Git</a:t>
+            </a:r>
+            <a:r>
+              <a:rPr lang="en-US" dirty="0"/>
+              <a:t> with other things</a:t>
+            </a:r>
+          </a:p>
+          <a:p>
+            <a:pPr lvl="1"/>
+            <a:r>
+              <a:rPr lang="en-US" dirty="0" err="1"/>
+              <a:t>Git</a:t>
+            </a:r>
+            <a:r>
+              <a:rPr lang="en-US" dirty="0"/>
+              <a:t>: version control for text/code files</a:t>
+            </a:r>
+          </a:p>
+          <a:p>
+            <a:pPr lvl="1"/>
+            <a:r>
+              <a:rPr lang="en-US" dirty="0"/>
+              <a:t>[</a:t>
+            </a:r>
+            <a:r>
+              <a:rPr lang="en-US" dirty="0" err="1"/>
+              <a:t>Git</a:t>
+            </a:r>
+            <a:r>
+              <a:rPr lang="en-US" dirty="0"/>
+              <a:t> LFS (large file system): version control for large files] (e.g., pictures)</a:t>
+            </a:r>
+          </a:p>
+          <a:p>
+            <a:pPr lvl="1"/>
+            <a:r>
+              <a:rPr lang="en-US" dirty="0"/>
+              <a:t>Amazon’s AWS S3 for huge files (&gt;1GB)</a:t>
+            </a:r>
+          </a:p>
+          <a:p>
+            <a:endParaRPr lang="en-US" dirty="0"/>
+          </a:p>
+        </p:txBody>
+      </p:sp>
+      <p:sp>
+        <p:nvSpPr>
+          <p:cNvPr id="4" name="Slide Number Placeholder 3"/>
+          <p:cNvSpPr>
+            <a:spLocks noGrp="1"/>
+          </p:cNvSpPr>
+          <p:nvPr>
+            <p:ph type="sldNum" sz="quarter" idx="12"/>
+          </p:nvPr>
+        </p:nvSpPr>
+        <p:spPr/>
+        <p:txBody>
+          <a:bodyPr/>
+          <a:lstStyle/>
+          <a:p>
+            <a:fld id="{CA22A544-1804-4386-8584-5A7D657EA902}" type="slidenum">
+              <a:rPr lang="en-US" smtClean="0"/>
+              <a:t>24</a:t>
+            </a:fld>
+            <a:endParaRPr lang="en-US"/>
+          </a:p>
+        </p:txBody>
+      </p:sp>
+    </p:spTree>
+    <p:extLst>
+      <p:ext uri="{BB962C8B-B14F-4D97-AF65-F5344CB8AC3E}">
+        <p14:creationId xmlns:p14="http://schemas.microsoft.com/office/powerpoint/2010/main" val="1584393061"/>
+      </p:ext>
+    </p:extLst>
+  </p:cSld>
+  <p:clrMapOvr>
+    <a:masterClrMapping/>
+  </p:clrMapOvr>
+  <p:timing>
+    <p:tnLst>
+      <p:par>
+        <p:cTn id="1" dur="indefinite" restart="never" nodeType="tmRoot"/>
+      </p:par>
+    </p:tnLst>
+  </p:timing>
+</p:sld>
+</file>
+
+<file path=ppt/slides/slide25.xml><?xml version="1.0" encoding="utf-8"?>
+<p:sld xmlns:a="http://schemas.openxmlformats.org/drawingml/2006/main" xmlns:r="http://schemas.openxmlformats.org/officeDocument/2006/relationships" xmlns:p="http://schemas.openxmlformats.org/presentationml/2006/main">
+  <p:cSld>
+    <p:spTree>
+      <p:nvGrpSpPr>
+        <p:cNvPr id="1" name=""/>
+        <p:cNvGrpSpPr/>
+        <p:nvPr/>
+      </p:nvGrpSpPr>
+      <p:grpSpPr>
+        <a:xfrm>
+          <a:off x="0" y="0"/>
+          <a:ext cx="0" cy="0"/>
+          <a:chOff x="0" y="0"/>
+          <a:chExt cx="0" cy="0"/>
+        </a:xfrm>
+      </p:grpSpPr>
+      <p:sp>
+        <p:nvSpPr>
+          <p:cNvPr id="2" name="Title 1"/>
+          <p:cNvSpPr>
+            <a:spLocks noGrp="1"/>
+          </p:cNvSpPr>
+          <p:nvPr>
+            <p:ph type="title"/>
+          </p:nvPr>
+        </p:nvSpPr>
+        <p:spPr/>
+        <p:txBody>
+          <a:bodyPr/>
+          <a:lstStyle/>
+          <a:p>
+            <a:r>
+              <a:rPr lang="en-US" dirty="0" smtClean="0"/>
               <a:t>4. Directories</a:t>
             </a:r>
             <a:endParaRPr lang="en-US" dirty="0"/>
@@ -13149,7 +13265,7 @@
           <a:p>
             <a:fld id="{CA22A544-1804-4386-8584-5A7D657EA902}" type="slidenum">
               <a:rPr lang="en-US" smtClean="0"/>
-              <a:t>24</a:t>
+              <a:t>25</a:t>
             </a:fld>
             <a:endParaRPr lang="en-US"/>
           </a:p>
@@ -13217,7 +13333,7 @@
 </p:sld>
 </file>
 
-<file path=ppt/slides/slide25.xml><?xml version="1.0" encoding="utf-8"?>
+<file path=ppt/slides/slide26.xml><?xml version="1.0" encoding="utf-8"?>
 <p:sld xmlns:a="http://schemas.openxmlformats.org/drawingml/2006/main" xmlns:r="http://schemas.openxmlformats.org/officeDocument/2006/relationships" xmlns:p="http://schemas.openxmlformats.org/presentationml/2006/main">
   <p:cSld>
     <p:spTree>
@@ -15208,7 +15324,7 @@
           <a:p>
             <a:fld id="{CA22A544-1804-4386-8584-5A7D657EA902}" type="slidenum">
               <a:rPr lang="en-US" smtClean="0"/>
-              <a:t>25</a:t>
+              <a:t>26</a:t>
             </a:fld>
             <a:endParaRPr lang="en-US"/>
           </a:p>
@@ -15835,7 +15951,7 @@
 </p:sld>
 </file>
 
-<file path=ppt/slides/slide26.xml><?xml version="1.0" encoding="utf-8"?>
+<file path=ppt/slides/slide27.xml><?xml version="1.0" encoding="utf-8"?>
 <p:sld xmlns:a="http://schemas.openxmlformats.org/drawingml/2006/main" xmlns:r="http://schemas.openxmlformats.org/officeDocument/2006/relationships" xmlns:p="http://schemas.openxmlformats.org/presentationml/2006/main">
   <p:cSld>
     <p:spTree>
@@ -15892,7 +16008,7 @@
           <a:p>
             <a:fld id="{CA22A544-1804-4386-8584-5A7D657EA902}" type="slidenum">
               <a:rPr lang="en-US" smtClean="0"/>
-              <a:t>26</a:t>
+              <a:t>27</a:t>
             </a:fld>
             <a:endParaRPr lang="en-US"/>
           </a:p>
@@ -16119,7 +16235,7 @@
 </p:sld>
 </file>
 
-<file path=ppt/slides/slide27.xml><?xml version="1.0" encoding="utf-8"?>
+<file path=ppt/slides/slide28.xml><?xml version="1.0" encoding="utf-8"?>
 <p:sld xmlns:a="http://schemas.openxmlformats.org/drawingml/2006/main" xmlns:r="http://schemas.openxmlformats.org/officeDocument/2006/relationships" xmlns:p="http://schemas.openxmlformats.org/presentationml/2006/main">
   <p:cSld>
     <p:spTree>
@@ -18890,7 +19006,7 @@
           <a:p>
             <a:fld id="{CA22A544-1804-4386-8584-5A7D657EA902}" type="slidenum">
               <a:rPr lang="en-US" smtClean="0"/>
-              <a:t>27</a:t>
+              <a:t>28</a:t>
             </a:fld>
             <a:endParaRPr lang="en-US"/>
           </a:p>
@@ -18916,7 +19032,7 @@
 </p:sld>
 </file>
 
-<file path=ppt/slides/slide28.xml><?xml version="1.0" encoding="utf-8"?>
+<file path=ppt/slides/slide29.xml><?xml version="1.0" encoding="utf-8"?>
 <p:sld xmlns:a="http://schemas.openxmlformats.org/drawingml/2006/main" xmlns:r="http://schemas.openxmlformats.org/officeDocument/2006/relationships" xmlns:p="http://schemas.openxmlformats.org/presentationml/2006/main">
   <p:cSld>
     <p:spTree>
@@ -21704,7 +21820,7 @@
           <a:p>
             <a:fld id="{CA22A544-1804-4386-8584-5A7D657EA902}" type="slidenum">
               <a:rPr lang="en-US" smtClean="0"/>
-              <a:t>28</a:t>
+              <a:t>29</a:t>
             </a:fld>
             <a:endParaRPr lang="en-US"/>
           </a:p>
@@ -21730,7 +21846,161 @@
 </p:sld>
 </file>
 
-<file path=ppt/slides/slide29.xml><?xml version="1.0" encoding="utf-8"?>
+<file path=ppt/slides/slide3.xml><?xml version="1.0" encoding="utf-8"?>
+<p:sld xmlns:a="http://schemas.openxmlformats.org/drawingml/2006/main" xmlns:r="http://schemas.openxmlformats.org/officeDocument/2006/relationships" xmlns:p="http://schemas.openxmlformats.org/presentationml/2006/main">
+  <p:cSld>
+    <p:spTree>
+      <p:nvGrpSpPr>
+        <p:cNvPr id="1" name=""/>
+        <p:cNvGrpSpPr/>
+        <p:nvPr/>
+      </p:nvGrpSpPr>
+      <p:grpSpPr>
+        <a:xfrm>
+          <a:off x="0" y="0"/>
+          <a:ext cx="0" cy="0"/>
+          <a:chOff x="0" y="0"/>
+          <a:chExt cx="0" cy="0"/>
+        </a:xfrm>
+      </p:grpSpPr>
+      <p:sp>
+        <p:nvSpPr>
+          <p:cNvPr id="2" name="Title 1"/>
+          <p:cNvSpPr>
+            <a:spLocks noGrp="1"/>
+          </p:cNvSpPr>
+          <p:nvPr>
+            <p:ph type="title"/>
+          </p:nvPr>
+        </p:nvSpPr>
+        <p:spPr/>
+        <p:txBody>
+          <a:bodyPr/>
+          <a:lstStyle/>
+          <a:p>
+            <a:r>
+              <a:rPr lang="en-US" dirty="0" smtClean="0"/>
+              <a:t>Introduction</a:t>
+            </a:r>
+            <a:endParaRPr lang="en-US" dirty="0"/>
+          </a:p>
+        </p:txBody>
+      </p:sp>
+      <p:sp>
+        <p:nvSpPr>
+          <p:cNvPr id="3" name="Content Placeholder 2"/>
+          <p:cNvSpPr>
+            <a:spLocks noGrp="1"/>
+          </p:cNvSpPr>
+          <p:nvPr>
+            <p:ph idx="1"/>
+          </p:nvPr>
+        </p:nvSpPr>
+        <p:spPr/>
+        <p:txBody>
+          <a:bodyPr/>
+          <a:lstStyle/>
+          <a:p>
+            <a:r>
+              <a:rPr lang="en-US" dirty="0" smtClean="0"/>
+              <a:t>As a masters/PhD student, two of the most important skills for my career which I didn’t appreciate at the time:</a:t>
+            </a:r>
+          </a:p>
+          <a:p>
+            <a:pPr marL="914400" lvl="1" indent="-457200">
+              <a:buFont typeface="+mj-lt"/>
+              <a:buAutoNum type="arabicPeriod"/>
+            </a:pPr>
+            <a:r>
+              <a:rPr lang="en-US" dirty="0" smtClean="0"/>
+              <a:t>Writing </a:t>
+            </a:r>
+          </a:p>
+          <a:p>
+            <a:pPr marL="914400" lvl="1" indent="-457200">
+              <a:buFont typeface="+mj-lt"/>
+              <a:buAutoNum type="arabicPeriod"/>
+            </a:pPr>
+            <a:r>
+              <a:rPr lang="en-US" dirty="0" smtClean="0"/>
+              <a:t>Coding (our focus today)</a:t>
+            </a:r>
+          </a:p>
+          <a:p>
+            <a:pPr marL="914400" lvl="1" indent="-457200">
+              <a:buFont typeface="+mj-lt"/>
+              <a:buAutoNum type="arabicPeriod"/>
+            </a:pPr>
+            <a:endParaRPr lang="en-US" dirty="0"/>
+          </a:p>
+          <a:p>
+            <a:r>
+              <a:rPr lang="en-US" dirty="0" smtClean="0"/>
+              <a:t>Most learning here self-taught, just-in-time (what GS call “seat-of-the-pants”) to solve a particular problem</a:t>
+            </a:r>
+          </a:p>
+          <a:p>
+            <a:endParaRPr lang="en-US" dirty="0"/>
+          </a:p>
+          <a:p>
+            <a:r>
+              <a:rPr lang="en-US" dirty="0" smtClean="0"/>
+              <a:t>Limits to this approach as data sets get messier, more collaborators, replication policies at journals.</a:t>
+            </a:r>
+          </a:p>
+          <a:p>
+            <a:pPr lvl="1"/>
+            <a:endParaRPr lang="en-US" dirty="0" smtClean="0"/>
+          </a:p>
+          <a:p>
+            <a:endParaRPr lang="en-US" dirty="0"/>
+          </a:p>
+        </p:txBody>
+      </p:sp>
+      <p:sp>
+        <p:nvSpPr>
+          <p:cNvPr id="4" name="Slide Number Placeholder 3"/>
+          <p:cNvSpPr>
+            <a:spLocks noGrp="1"/>
+          </p:cNvSpPr>
+          <p:nvPr>
+            <p:ph type="sldNum" sz="quarter" idx="12"/>
+          </p:nvPr>
+        </p:nvSpPr>
+        <p:spPr/>
+        <p:txBody>
+          <a:bodyPr/>
+          <a:lstStyle/>
+          <a:p>
+            <a:fld id="{CA22A544-1804-4386-8584-5A7D657EA902}" type="slidenum">
+              <a:rPr lang="en-US" smtClean="0"/>
+              <a:t>3</a:t>
+            </a:fld>
+            <a:endParaRPr lang="en-US"/>
+          </a:p>
+        </p:txBody>
+      </p:sp>
+    </p:spTree>
+    <p:extLst>
+      <p:ext uri="{BB962C8B-B14F-4D97-AF65-F5344CB8AC3E}">
+        <p14:creationId xmlns:p14="http://schemas.microsoft.com/office/powerpoint/2010/main" val="3238486635"/>
+      </p:ext>
+    </p:extLst>
+  </p:cSld>
+  <p:clrMapOvr>
+    <a:masterClrMapping/>
+  </p:clrMapOvr>
+  <p:timing>
+    <p:tnLst>
+      <p:par>
+        <p:cTn id="1" dur="indefinite" restart="never" nodeType="tmRoot"/>
+      </p:par>
+    </p:tnLst>
+  </p:timing>
+</p:sld>
+</file>
+
+<file path=ppt/slides/slide30.xml><?xml version="1.0" encoding="utf-8"?>
 <p:sld xmlns:a="http://schemas.openxmlformats.org/drawingml/2006/main" xmlns:r="http://schemas.openxmlformats.org/officeDocument/2006/relationships" xmlns:p="http://schemas.openxmlformats.org/presentationml/2006/main">
   <p:cSld>
     <p:spTree>
@@ -23801,7 +24071,7 @@
           <a:p>
             <a:fld id="{CA22A544-1804-4386-8584-5A7D657EA902}" type="slidenum">
               <a:rPr lang="en-US" smtClean="0"/>
-              <a:t>29</a:t>
+              <a:t>30</a:t>
             </a:fld>
             <a:endParaRPr lang="en-US"/>
           </a:p>
@@ -23937,330 +24207,6 @@
     <p:extLst>
       <p:ext uri="{BB962C8B-B14F-4D97-AF65-F5344CB8AC3E}">
         <p14:creationId xmlns:p14="http://schemas.microsoft.com/office/powerpoint/2010/main" val="3291805779"/>
-      </p:ext>
-    </p:extLst>
-  </p:cSld>
-  <p:clrMapOvr>
-    <a:masterClrMapping/>
-  </p:clrMapOvr>
-  <p:timing>
-    <p:tnLst>
-      <p:par>
-        <p:cTn id="1" dur="indefinite" restart="never" nodeType="tmRoot"/>
-      </p:par>
-    </p:tnLst>
-  </p:timing>
-</p:sld>
-</file>
-
-<file path=ppt/slides/slide3.xml><?xml version="1.0" encoding="utf-8"?>
-<p:sld xmlns:a="http://schemas.openxmlformats.org/drawingml/2006/main" xmlns:r="http://schemas.openxmlformats.org/officeDocument/2006/relationships" xmlns:p="http://schemas.openxmlformats.org/presentationml/2006/main">
-  <p:cSld>
-    <p:spTree>
-      <p:nvGrpSpPr>
-        <p:cNvPr id="1" name=""/>
-        <p:cNvGrpSpPr/>
-        <p:nvPr/>
-      </p:nvGrpSpPr>
-      <p:grpSpPr>
-        <a:xfrm>
-          <a:off x="0" y="0"/>
-          <a:ext cx="0" cy="0"/>
-          <a:chOff x="0" y="0"/>
-          <a:chExt cx="0" cy="0"/>
-        </a:xfrm>
-      </p:grpSpPr>
-      <p:sp>
-        <p:nvSpPr>
-          <p:cNvPr id="2" name="Title 1"/>
-          <p:cNvSpPr>
-            <a:spLocks noGrp="1"/>
-          </p:cNvSpPr>
-          <p:nvPr>
-            <p:ph type="title"/>
-          </p:nvPr>
-        </p:nvSpPr>
-        <p:spPr/>
-        <p:txBody>
-          <a:bodyPr/>
-          <a:lstStyle/>
-          <a:p>
-            <a:r>
-              <a:rPr lang="en-US" dirty="0" smtClean="0"/>
-              <a:t>Introduction</a:t>
-            </a:r>
-            <a:endParaRPr lang="en-US" dirty="0"/>
-          </a:p>
-        </p:txBody>
-      </p:sp>
-      <p:sp>
-        <p:nvSpPr>
-          <p:cNvPr id="3" name="Content Placeholder 2"/>
-          <p:cNvSpPr>
-            <a:spLocks noGrp="1"/>
-          </p:cNvSpPr>
-          <p:nvPr>
-            <p:ph idx="1"/>
-          </p:nvPr>
-        </p:nvSpPr>
-        <p:spPr/>
-        <p:txBody>
-          <a:bodyPr/>
-          <a:lstStyle/>
-          <a:p>
-            <a:r>
-              <a:rPr lang="en-US" dirty="0" smtClean="0"/>
-              <a:t>As a masters/PhD student, two of the most important skills for my career which I didn’t appreciate at the time:</a:t>
-            </a:r>
-          </a:p>
-          <a:p>
-            <a:pPr marL="914400" lvl="1" indent="-457200">
-              <a:buFont typeface="+mj-lt"/>
-              <a:buAutoNum type="arabicPeriod"/>
-            </a:pPr>
-            <a:r>
-              <a:rPr lang="en-US" dirty="0" smtClean="0"/>
-              <a:t>Writing </a:t>
-            </a:r>
-          </a:p>
-          <a:p>
-            <a:pPr marL="914400" lvl="1" indent="-457200">
-              <a:buFont typeface="+mj-lt"/>
-              <a:buAutoNum type="arabicPeriod"/>
-            </a:pPr>
-            <a:r>
-              <a:rPr lang="en-US" dirty="0" smtClean="0"/>
-              <a:t>Coding (our focus today)</a:t>
-            </a:r>
-          </a:p>
-          <a:p>
-            <a:pPr marL="914400" lvl="1" indent="-457200">
-              <a:buFont typeface="+mj-lt"/>
-              <a:buAutoNum type="arabicPeriod"/>
-            </a:pPr>
-            <a:endParaRPr lang="en-US" dirty="0"/>
-          </a:p>
-          <a:p>
-            <a:r>
-              <a:rPr lang="en-US" dirty="0" smtClean="0"/>
-              <a:t>Most learning here self-taught, just-in-time (what GS call “seat-of-the-pants”) to solve a particular problem</a:t>
-            </a:r>
-          </a:p>
-          <a:p>
-            <a:endParaRPr lang="en-US" dirty="0"/>
-          </a:p>
-          <a:p>
-            <a:r>
-              <a:rPr lang="en-US" dirty="0" smtClean="0"/>
-              <a:t>Limits to this approach as data sets get messier, more collaborators, replication policies at </a:t>
-            </a:r>
-            <a:r>
-              <a:rPr lang="en-US" dirty="0" smtClean="0"/>
-              <a:t>journals</a:t>
-            </a:r>
-            <a:r>
-              <a:rPr lang="en-US" dirty="0" smtClean="0"/>
-              <a:t>.</a:t>
-            </a:r>
-          </a:p>
-          <a:p>
-            <a:pPr lvl="1"/>
-            <a:endParaRPr lang="en-US" dirty="0" smtClean="0"/>
-          </a:p>
-          <a:p>
-            <a:endParaRPr lang="en-US" dirty="0"/>
-          </a:p>
-        </p:txBody>
-      </p:sp>
-      <p:sp>
-        <p:nvSpPr>
-          <p:cNvPr id="4" name="Slide Number Placeholder 3"/>
-          <p:cNvSpPr>
-            <a:spLocks noGrp="1"/>
-          </p:cNvSpPr>
-          <p:nvPr>
-            <p:ph type="sldNum" sz="quarter" idx="12"/>
-          </p:nvPr>
-        </p:nvSpPr>
-        <p:spPr/>
-        <p:txBody>
-          <a:bodyPr/>
-          <a:lstStyle/>
-          <a:p>
-            <a:fld id="{CA22A544-1804-4386-8584-5A7D657EA902}" type="slidenum">
-              <a:rPr lang="en-US" smtClean="0"/>
-              <a:t>3</a:t>
-            </a:fld>
-            <a:endParaRPr lang="en-US"/>
-          </a:p>
-        </p:txBody>
-      </p:sp>
-    </p:spTree>
-    <p:extLst>
-      <p:ext uri="{BB962C8B-B14F-4D97-AF65-F5344CB8AC3E}">
-        <p14:creationId xmlns:p14="http://schemas.microsoft.com/office/powerpoint/2010/main" val="3238486635"/>
-      </p:ext>
-    </p:extLst>
-  </p:cSld>
-  <p:clrMapOvr>
-    <a:masterClrMapping/>
-  </p:clrMapOvr>
-  <p:timing>
-    <p:tnLst>
-      <p:par>
-        <p:cTn id="1" dur="indefinite" restart="never" nodeType="tmRoot"/>
-      </p:par>
-    </p:tnLst>
-  </p:timing>
-</p:sld>
-</file>
-
-<file path=ppt/slides/slide30.xml><?xml version="1.0" encoding="utf-8"?>
-<p:sld xmlns:a="http://schemas.openxmlformats.org/drawingml/2006/main" xmlns:r="http://schemas.openxmlformats.org/officeDocument/2006/relationships" xmlns:p="http://schemas.openxmlformats.org/presentationml/2006/main">
-  <p:cSld>
-    <p:spTree>
-      <p:nvGrpSpPr>
-        <p:cNvPr id="1" name=""/>
-        <p:cNvGrpSpPr/>
-        <p:nvPr/>
-      </p:nvGrpSpPr>
-      <p:grpSpPr>
-        <a:xfrm>
-          <a:off x="0" y="0"/>
-          <a:ext cx="0" cy="0"/>
-          <a:chOff x="0" y="0"/>
-          <a:chExt cx="0" cy="0"/>
-        </a:xfrm>
-      </p:grpSpPr>
-      <p:sp>
-        <p:nvSpPr>
-          <p:cNvPr id="6" name="Title 5"/>
-          <p:cNvSpPr>
-            <a:spLocks noGrp="1"/>
-          </p:cNvSpPr>
-          <p:nvPr>
-            <p:ph type="title"/>
-          </p:nvPr>
-        </p:nvSpPr>
-        <p:spPr/>
-        <p:txBody>
-          <a:bodyPr/>
-          <a:lstStyle/>
-          <a:p>
-            <a:r>
-              <a:rPr lang="en-US" dirty="0" smtClean="0"/>
-              <a:t>Steps</a:t>
-            </a:r>
-            <a:endParaRPr lang="en-US" dirty="0"/>
-          </a:p>
-        </p:txBody>
-      </p:sp>
-      <p:sp>
-        <p:nvSpPr>
-          <p:cNvPr id="3" name="Content Placeholder 2"/>
-          <p:cNvSpPr>
-            <a:spLocks noGrp="1"/>
-          </p:cNvSpPr>
-          <p:nvPr>
-            <p:ph idx="1"/>
-          </p:nvPr>
-        </p:nvSpPr>
-        <p:spPr/>
-        <p:txBody>
-          <a:bodyPr>
-            <a:normAutofit/>
-          </a:bodyPr>
-          <a:lstStyle/>
-          <a:p>
-            <a:r>
-              <a:rPr lang="en-US" dirty="0" smtClean="0"/>
-              <a:t>To run the analysis, you need to </a:t>
-            </a:r>
-            <a:r>
-              <a:rPr lang="en-US" u="sng" dirty="0" smtClean="0"/>
-              <a:t>merge the data</a:t>
-            </a:r>
-          </a:p>
-          <a:p>
-            <a:endParaRPr lang="en-US" dirty="0"/>
-          </a:p>
-          <a:p>
-            <a:r>
-              <a:rPr lang="en-US" dirty="0" smtClean="0"/>
-              <a:t>Do this last</a:t>
-            </a:r>
-          </a:p>
-          <a:p>
-            <a:endParaRPr lang="en-US" dirty="0"/>
-          </a:p>
-          <a:p>
-            <a:pPr marL="514350" indent="-514350">
-              <a:buFont typeface="+mj-lt"/>
-              <a:buAutoNum type="arabicPeriod"/>
-            </a:pPr>
-            <a:r>
-              <a:rPr lang="en-US" dirty="0" smtClean="0"/>
-              <a:t>Store data in normalized format</a:t>
-            </a:r>
-          </a:p>
-          <a:p>
-            <a:pPr marL="514350" indent="-514350">
-              <a:buFont typeface="+mj-lt"/>
-              <a:buAutoNum type="arabicPeriod"/>
-            </a:pPr>
-            <a:r>
-              <a:rPr lang="en-US" dirty="0" smtClean="0"/>
-              <a:t>Construct second set of files with key transformations (log population)</a:t>
-            </a:r>
-          </a:p>
-          <a:p>
-            <a:pPr marL="514350" indent="-514350">
-              <a:buFont typeface="+mj-lt"/>
-              <a:buAutoNum type="arabicPeriod"/>
-            </a:pPr>
-            <a:r>
-              <a:rPr lang="en-US" dirty="0" smtClean="0"/>
-              <a:t>Merge data together and run the analysis</a:t>
-            </a:r>
-          </a:p>
-          <a:p>
-            <a:pPr marL="0" indent="0">
-              <a:buNone/>
-            </a:pPr>
-            <a:endParaRPr lang="en-US" dirty="0"/>
-          </a:p>
-          <a:p>
-            <a:endParaRPr lang="en-US" dirty="0"/>
-          </a:p>
-        </p:txBody>
-      </p:sp>
-      <p:sp>
-        <p:nvSpPr>
-          <p:cNvPr id="5" name="Slide Number Placeholder 4"/>
-          <p:cNvSpPr>
-            <a:spLocks noGrp="1"/>
-          </p:cNvSpPr>
-          <p:nvPr>
-            <p:ph type="sldNum" sz="quarter" idx="12"/>
-          </p:nvPr>
-        </p:nvSpPr>
-        <p:spPr/>
-        <p:txBody>
-          <a:bodyPr/>
-          <a:lstStyle/>
-          <a:p>
-            <a:fld id="{CA22A544-1804-4386-8584-5A7D657EA902}" type="slidenum">
-              <a:rPr lang="en-US" smtClean="0"/>
-              <a:t>30</a:t>
-            </a:fld>
-            <a:endParaRPr lang="en-US"/>
-          </a:p>
-        </p:txBody>
-      </p:sp>
-    </p:spTree>
-    <p:extLst>
-      <p:ext uri="{BB962C8B-B14F-4D97-AF65-F5344CB8AC3E}">
-        <p14:creationId xmlns:p14="http://schemas.microsoft.com/office/powerpoint/2010/main" val="1108649473"/>
       </p:ext>
     </p:extLst>
   </p:cSld>
@@ -24296,6 +24242,168 @@
       </p:grpSpPr>
       <p:sp>
         <p:nvSpPr>
+          <p:cNvPr id="6" name="Title 5"/>
+          <p:cNvSpPr>
+            <a:spLocks noGrp="1"/>
+          </p:cNvSpPr>
+          <p:nvPr>
+            <p:ph type="title"/>
+          </p:nvPr>
+        </p:nvSpPr>
+        <p:spPr/>
+        <p:txBody>
+          <a:bodyPr/>
+          <a:lstStyle/>
+          <a:p>
+            <a:r>
+              <a:rPr lang="en-US" dirty="0" smtClean="0"/>
+              <a:t>Steps</a:t>
+            </a:r>
+            <a:endParaRPr lang="en-US" dirty="0"/>
+          </a:p>
+        </p:txBody>
+      </p:sp>
+      <p:sp>
+        <p:nvSpPr>
+          <p:cNvPr id="3" name="Content Placeholder 2"/>
+          <p:cNvSpPr>
+            <a:spLocks noGrp="1"/>
+          </p:cNvSpPr>
+          <p:nvPr>
+            <p:ph idx="1"/>
+          </p:nvPr>
+        </p:nvSpPr>
+        <p:spPr/>
+        <p:txBody>
+          <a:bodyPr>
+            <a:normAutofit/>
+          </a:bodyPr>
+          <a:lstStyle/>
+          <a:p>
+            <a:r>
+              <a:rPr lang="en-US" dirty="0" smtClean="0"/>
+              <a:t>To run the analysis, you need to </a:t>
+            </a:r>
+            <a:r>
+              <a:rPr lang="en-US" u="sng" dirty="0" smtClean="0"/>
+              <a:t>merge the data</a:t>
+            </a:r>
+          </a:p>
+          <a:p>
+            <a:endParaRPr lang="en-US" dirty="0"/>
+          </a:p>
+          <a:p>
+            <a:r>
+              <a:rPr lang="en-US" dirty="0" smtClean="0"/>
+              <a:t>Do this last</a:t>
+            </a:r>
+          </a:p>
+          <a:p>
+            <a:endParaRPr lang="en-US" dirty="0"/>
+          </a:p>
+          <a:p>
+            <a:pPr marL="514350" indent="-514350">
+              <a:buFont typeface="+mj-lt"/>
+              <a:buAutoNum type="arabicPeriod"/>
+            </a:pPr>
+            <a:r>
+              <a:rPr lang="en-US" dirty="0" smtClean="0"/>
+              <a:t>Store data in normalized format</a:t>
+            </a:r>
+          </a:p>
+          <a:p>
+            <a:pPr marL="514350" indent="-514350">
+              <a:buFont typeface="+mj-lt"/>
+              <a:buAutoNum type="arabicPeriod"/>
+            </a:pPr>
+            <a:r>
+              <a:rPr lang="en-US" dirty="0" smtClean="0"/>
+              <a:t>Construct second set of files with key transformations (log population)</a:t>
+            </a:r>
+          </a:p>
+          <a:p>
+            <a:pPr marL="514350" indent="-514350">
+              <a:buFont typeface="+mj-lt"/>
+              <a:buAutoNum type="arabicPeriod"/>
+            </a:pPr>
+            <a:r>
+              <a:rPr lang="en-US" dirty="0" smtClean="0"/>
+              <a:t>Merge data together and run the analysis</a:t>
+            </a:r>
+          </a:p>
+          <a:p>
+            <a:pPr marL="0" indent="0">
+              <a:buNone/>
+            </a:pPr>
+            <a:endParaRPr lang="en-US" dirty="0"/>
+          </a:p>
+          <a:p>
+            <a:endParaRPr lang="en-US" dirty="0"/>
+          </a:p>
+        </p:txBody>
+      </p:sp>
+      <p:sp>
+        <p:nvSpPr>
+          <p:cNvPr id="5" name="Slide Number Placeholder 4"/>
+          <p:cNvSpPr>
+            <a:spLocks noGrp="1"/>
+          </p:cNvSpPr>
+          <p:nvPr>
+            <p:ph type="sldNum" sz="quarter" idx="12"/>
+          </p:nvPr>
+        </p:nvSpPr>
+        <p:spPr/>
+        <p:txBody>
+          <a:bodyPr/>
+          <a:lstStyle/>
+          <a:p>
+            <a:fld id="{CA22A544-1804-4386-8584-5A7D657EA902}" type="slidenum">
+              <a:rPr lang="en-US" smtClean="0"/>
+              <a:t>31</a:t>
+            </a:fld>
+            <a:endParaRPr lang="en-US"/>
+          </a:p>
+        </p:txBody>
+      </p:sp>
+    </p:spTree>
+    <p:extLst>
+      <p:ext uri="{BB962C8B-B14F-4D97-AF65-F5344CB8AC3E}">
+        <p14:creationId xmlns:p14="http://schemas.microsoft.com/office/powerpoint/2010/main" val="1108649473"/>
+      </p:ext>
+    </p:extLst>
+  </p:cSld>
+  <p:clrMapOvr>
+    <a:masterClrMapping/>
+  </p:clrMapOvr>
+  <p:timing>
+    <p:tnLst>
+      <p:par>
+        <p:cTn id="1" dur="indefinite" restart="never" nodeType="tmRoot"/>
+      </p:par>
+    </p:tnLst>
+  </p:timing>
+</p:sld>
+</file>
+
+<file path=ppt/slides/slide32.xml><?xml version="1.0" encoding="utf-8"?>
+<p:sld xmlns:a="http://schemas.openxmlformats.org/drawingml/2006/main" xmlns:r="http://schemas.openxmlformats.org/officeDocument/2006/relationships" xmlns:p="http://schemas.openxmlformats.org/presentationml/2006/main">
+  <p:cSld>
+    <p:spTree>
+      <p:nvGrpSpPr>
+        <p:cNvPr id="1" name=""/>
+        <p:cNvGrpSpPr/>
+        <p:nvPr/>
+      </p:nvGrpSpPr>
+      <p:grpSpPr>
+        <a:xfrm>
+          <a:off x="0" y="0"/>
+          <a:ext cx="0" cy="0"/>
+          <a:chOff x="0" y="0"/>
+          <a:chExt cx="0" cy="0"/>
+        </a:xfrm>
+      </p:grpSpPr>
+      <p:sp>
+        <p:nvSpPr>
           <p:cNvPr id="2" name="Title 1"/>
           <p:cNvSpPr>
             <a:spLocks noGrp="1"/>
@@ -24334,7 +24442,7 @@
           <a:p>
             <a:fld id="{CA22A544-1804-4386-8584-5A7D657EA902}" type="slidenum">
               <a:rPr lang="en-US" smtClean="0"/>
-              <a:t>31</a:t>
+              <a:t>32</a:t>
             </a:fld>
             <a:endParaRPr lang="en-US"/>
           </a:p>
@@ -24418,946 +24526,6 @@
 </p:sld>
 </file>
 
-<file path=ppt/slides/slide32.xml><?xml version="1.0" encoding="utf-8"?>
-<p:sld xmlns:a="http://schemas.openxmlformats.org/drawingml/2006/main" xmlns:r="http://schemas.openxmlformats.org/officeDocument/2006/relationships" xmlns:p="http://schemas.openxmlformats.org/presentationml/2006/main">
-  <p:cSld>
-    <p:spTree>
-      <p:nvGrpSpPr>
-        <p:cNvPr id="1" name=""/>
-        <p:cNvGrpSpPr/>
-        <p:nvPr/>
-      </p:nvGrpSpPr>
-      <p:grpSpPr>
-        <a:xfrm>
-          <a:off x="0" y="0"/>
-          <a:ext cx="0" cy="0"/>
-          <a:chOff x="0" y="0"/>
-          <a:chExt cx="0" cy="0"/>
-        </a:xfrm>
-      </p:grpSpPr>
-      <p:sp>
-        <p:nvSpPr>
-          <p:cNvPr id="2" name="Title 1"/>
-          <p:cNvSpPr>
-            <a:spLocks noGrp="1"/>
-          </p:cNvSpPr>
-          <p:nvPr>
-            <p:ph type="title"/>
-          </p:nvPr>
-        </p:nvSpPr>
-        <p:spPr/>
-        <p:txBody>
-          <a:bodyPr/>
-          <a:lstStyle/>
-          <a:p>
-            <a:r>
-              <a:rPr lang="en-US" dirty="0" smtClean="0"/>
-              <a:t>Copy paste errors</a:t>
-            </a:r>
-            <a:endParaRPr lang="en-US" dirty="0"/>
-          </a:p>
-        </p:txBody>
-      </p:sp>
-      <p:sp>
-        <p:nvSpPr>
-          <p:cNvPr id="4" name="Slide Number Placeholder 3"/>
-          <p:cNvSpPr>
-            <a:spLocks noGrp="1"/>
-          </p:cNvSpPr>
-          <p:nvPr>
-            <p:ph type="sldNum" sz="quarter" idx="12"/>
-          </p:nvPr>
-        </p:nvSpPr>
-        <p:spPr/>
-        <p:txBody>
-          <a:bodyPr/>
-          <a:lstStyle/>
-          <a:p>
-            <a:fld id="{CA22A544-1804-4386-8584-5A7D657EA902}" type="slidenum">
-              <a:rPr lang="en-US" smtClean="0"/>
-              <a:t>32</a:t>
-            </a:fld>
-            <a:endParaRPr lang="en-US"/>
-          </a:p>
-        </p:txBody>
-      </p:sp>
-      <p:sp>
-        <p:nvSpPr>
-          <p:cNvPr id="7" name="Rectangle 6"/>
-          <p:cNvSpPr/>
-          <p:nvPr/>
-        </p:nvSpPr>
-        <p:spPr>
-          <a:xfrm>
-            <a:off x="1676400" y="2327585"/>
-            <a:ext cx="9122664" cy="646331"/>
-          </a:xfrm>
-          <a:prstGeom prst="rect">
-            <a:avLst/>
-          </a:prstGeom>
-        </p:spPr>
-        <p:txBody>
-          <a:bodyPr wrap="square">
-            <a:spAutoFit/>
-          </a:bodyPr>
-          <a:lstStyle/>
-          <a:p>
-            <a:r>
-              <a:rPr lang="en-US" sz="1200" dirty="0" err="1" smtClean="0">
-                <a:solidFill>
-                  <a:srgbClr val="000000"/>
-                </a:solidFill>
-                <a:latin typeface="Courier New" panose="02070309020205020404" pitchFamily="49" charset="0"/>
-              </a:rPr>
-              <a:t>egen</a:t>
-            </a:r>
-            <a:r>
-              <a:rPr lang="en-US" sz="1200" dirty="0" smtClean="0">
-                <a:solidFill>
-                  <a:srgbClr val="000000"/>
-                </a:solidFill>
-                <a:latin typeface="Courier New" panose="02070309020205020404" pitchFamily="49" charset="0"/>
-              </a:rPr>
-              <a:t> </a:t>
-            </a:r>
-            <a:r>
-              <a:rPr lang="en-US" sz="1200" dirty="0" err="1" smtClean="0">
-                <a:solidFill>
-                  <a:srgbClr val="000000"/>
-                </a:solidFill>
-                <a:latin typeface="Courier New" panose="02070309020205020404" pitchFamily="49" charset="0"/>
-              </a:rPr>
-              <a:t>total_pc_potato</a:t>
-            </a:r>
-            <a:r>
-              <a:rPr lang="en-US" sz="1200" dirty="0" smtClean="0">
-                <a:solidFill>
-                  <a:srgbClr val="000000"/>
-                </a:solidFill>
-                <a:latin typeface="Courier New" panose="02070309020205020404" pitchFamily="49" charset="0"/>
-              </a:rPr>
-              <a:t> = total(</a:t>
-            </a:r>
-            <a:r>
-              <a:rPr lang="en-US" sz="1200" dirty="0" err="1" smtClean="0">
-                <a:solidFill>
-                  <a:srgbClr val="000000"/>
-                </a:solidFill>
-                <a:latin typeface="Courier New" panose="02070309020205020404" pitchFamily="49" charset="0"/>
-              </a:rPr>
-              <a:t>pc_potato</a:t>
-            </a:r>
-            <a:r>
-              <a:rPr lang="en-US" sz="1200" dirty="0" smtClean="0">
-                <a:solidFill>
-                  <a:srgbClr val="000000"/>
-                </a:solidFill>
-                <a:latin typeface="Courier New" panose="02070309020205020404" pitchFamily="49" charset="0"/>
-              </a:rPr>
-              <a:t>), by(state)</a:t>
-            </a:r>
-          </a:p>
-          <a:p>
-            <a:r>
-              <a:rPr lang="en-US" sz="1200" dirty="0" err="1" smtClean="0">
-                <a:solidFill>
-                  <a:srgbClr val="000000"/>
-                </a:solidFill>
-                <a:latin typeface="Courier New" panose="02070309020205020404" pitchFamily="49" charset="0"/>
-              </a:rPr>
-              <a:t>egen</a:t>
-            </a:r>
-            <a:r>
-              <a:rPr lang="en-US" sz="1200" dirty="0" smtClean="0">
-                <a:solidFill>
-                  <a:srgbClr val="000000"/>
-                </a:solidFill>
-                <a:latin typeface="Courier New" panose="02070309020205020404" pitchFamily="49" charset="0"/>
-              </a:rPr>
-              <a:t> </a:t>
-            </a:r>
-            <a:r>
-              <a:rPr lang="en-US" sz="1200" dirty="0" err="1" smtClean="0">
-                <a:solidFill>
-                  <a:srgbClr val="000000"/>
-                </a:solidFill>
-                <a:latin typeface="Courier New" panose="02070309020205020404" pitchFamily="49" charset="0"/>
-              </a:rPr>
-              <a:t>total_obs</a:t>
-            </a:r>
-            <a:r>
-              <a:rPr lang="en-US" sz="1200" dirty="0" smtClean="0">
-                <a:solidFill>
-                  <a:srgbClr val="000000"/>
-                </a:solidFill>
-                <a:latin typeface="Courier New" panose="02070309020205020404" pitchFamily="49" charset="0"/>
-              </a:rPr>
-              <a:t> = count(</a:t>
-            </a:r>
-            <a:r>
-              <a:rPr lang="en-US" sz="1200" dirty="0" err="1" smtClean="0">
-                <a:solidFill>
-                  <a:srgbClr val="000000"/>
-                </a:solidFill>
-                <a:latin typeface="Courier New" panose="02070309020205020404" pitchFamily="49" charset="0"/>
-              </a:rPr>
-              <a:t>pc_potato</a:t>
-            </a:r>
-            <a:r>
-              <a:rPr lang="en-US" sz="1200" dirty="0" smtClean="0">
-                <a:solidFill>
-                  <a:srgbClr val="000000"/>
-                </a:solidFill>
-                <a:latin typeface="Courier New" panose="02070309020205020404" pitchFamily="49" charset="0"/>
-              </a:rPr>
-              <a:t>), by(state)</a:t>
-            </a:r>
-          </a:p>
-          <a:p>
-            <a:r>
-              <a:rPr lang="en-US" sz="1200" dirty="0" smtClean="0">
-                <a:solidFill>
-                  <a:srgbClr val="000000"/>
-                </a:solidFill>
-                <a:latin typeface="Courier New" panose="02070309020205020404" pitchFamily="49" charset="0"/>
-              </a:rPr>
-              <a:t>gen </a:t>
-            </a:r>
-            <a:r>
-              <a:rPr lang="en-US" sz="1200" dirty="0" err="1" smtClean="0">
-                <a:solidFill>
-                  <a:srgbClr val="000000"/>
-                </a:solidFill>
-                <a:latin typeface="Courier New" panose="02070309020205020404" pitchFamily="49" charset="0"/>
-              </a:rPr>
-              <a:t>leaveout_state_pc_potato</a:t>
-            </a:r>
-            <a:r>
-              <a:rPr lang="en-US" sz="1200" dirty="0" smtClean="0">
-                <a:solidFill>
-                  <a:srgbClr val="000000"/>
-                </a:solidFill>
-                <a:latin typeface="Courier New" panose="02070309020205020404" pitchFamily="49" charset="0"/>
-              </a:rPr>
-              <a:t> = (</a:t>
-            </a:r>
-            <a:r>
-              <a:rPr lang="en-US" sz="1200" dirty="0" err="1" smtClean="0">
-                <a:solidFill>
-                  <a:srgbClr val="000000"/>
-                </a:solidFill>
-                <a:latin typeface="Courier New" panose="02070309020205020404" pitchFamily="49" charset="0"/>
-              </a:rPr>
-              <a:t>total_pc_potato</a:t>
-            </a:r>
-            <a:r>
-              <a:rPr lang="en-US" sz="1200" dirty="0" smtClean="0">
-                <a:solidFill>
-                  <a:srgbClr val="000000"/>
-                </a:solidFill>
-                <a:latin typeface="Courier New" panose="02070309020205020404" pitchFamily="49" charset="0"/>
-              </a:rPr>
-              <a:t> - </a:t>
-            </a:r>
-            <a:r>
-              <a:rPr lang="en-US" sz="1200" dirty="0" err="1" smtClean="0">
-                <a:solidFill>
-                  <a:srgbClr val="000000"/>
-                </a:solidFill>
-                <a:latin typeface="Courier New" panose="02070309020205020404" pitchFamily="49" charset="0"/>
-              </a:rPr>
-              <a:t>pc_potato</a:t>
-            </a:r>
-            <a:r>
-              <a:rPr lang="en-US" sz="1200" dirty="0" smtClean="0">
-                <a:solidFill>
-                  <a:srgbClr val="000000"/>
-                </a:solidFill>
-                <a:latin typeface="Courier New" panose="02070309020205020404" pitchFamily="49" charset="0"/>
-              </a:rPr>
-              <a:t>) / (</a:t>
-            </a:r>
-            <a:r>
-              <a:rPr lang="en-US" sz="1200" dirty="0" err="1" smtClean="0">
-                <a:solidFill>
-                  <a:srgbClr val="000000"/>
-                </a:solidFill>
-                <a:latin typeface="Courier New" panose="02070309020205020404" pitchFamily="49" charset="0"/>
-              </a:rPr>
-              <a:t>total_obs</a:t>
-            </a:r>
-            <a:r>
-              <a:rPr lang="en-US" sz="1200" dirty="0" smtClean="0">
-                <a:solidFill>
-                  <a:srgbClr val="000000"/>
-                </a:solidFill>
-                <a:latin typeface="Courier New" panose="02070309020205020404" pitchFamily="49" charset="0"/>
-              </a:rPr>
-              <a:t> - 1)</a:t>
-            </a:r>
-            <a:endParaRPr lang="en-US" sz="1200" b="0" i="0" dirty="0">
-              <a:solidFill>
-                <a:srgbClr val="000000"/>
-              </a:solidFill>
-              <a:effectLst/>
-              <a:latin typeface="Courier New" panose="02070309020205020404" pitchFamily="49" charset="0"/>
-            </a:endParaRPr>
-          </a:p>
-        </p:txBody>
-      </p:sp>
-      <p:sp>
-        <p:nvSpPr>
-          <p:cNvPr id="8" name="Rectangle 7"/>
-          <p:cNvSpPr/>
-          <p:nvPr/>
-        </p:nvSpPr>
-        <p:spPr>
-          <a:xfrm>
-            <a:off x="1676400" y="3259886"/>
-            <a:ext cx="9122664" cy="1015663"/>
-          </a:xfrm>
-          <a:prstGeom prst="rect">
-            <a:avLst/>
-          </a:prstGeom>
-        </p:spPr>
-        <p:txBody>
-          <a:bodyPr wrap="square">
-            <a:spAutoFit/>
-          </a:bodyPr>
-          <a:lstStyle/>
-          <a:p>
-            <a:r>
-              <a:rPr lang="en-US" sz="1200" dirty="0" err="1">
-                <a:solidFill>
-                  <a:srgbClr val="000000"/>
-                </a:solidFill>
-                <a:latin typeface="Courier New" panose="02070309020205020404" pitchFamily="49" charset="0"/>
-              </a:rPr>
-              <a:t>egen</a:t>
-            </a:r>
-            <a:r>
-              <a:rPr lang="en-US" sz="1200" dirty="0">
-                <a:solidFill>
-                  <a:srgbClr val="000000"/>
-                </a:solidFill>
-                <a:latin typeface="Courier New" panose="02070309020205020404" pitchFamily="49" charset="0"/>
-              </a:rPr>
-              <a:t> </a:t>
-            </a:r>
-            <a:r>
-              <a:rPr lang="en-US" sz="1200" dirty="0" err="1">
-                <a:solidFill>
-                  <a:srgbClr val="000000"/>
-                </a:solidFill>
-                <a:latin typeface="Courier New" panose="02070309020205020404" pitchFamily="49" charset="0"/>
-              </a:rPr>
-              <a:t>total_pc_potato</a:t>
-            </a:r>
-            <a:r>
-              <a:rPr lang="en-US" sz="1200" dirty="0">
-                <a:solidFill>
-                  <a:srgbClr val="000000"/>
-                </a:solidFill>
-                <a:latin typeface="Courier New" panose="02070309020205020404" pitchFamily="49" charset="0"/>
-              </a:rPr>
-              <a:t> = total(</a:t>
-            </a:r>
-            <a:r>
-              <a:rPr lang="en-US" sz="1200" dirty="0" err="1">
-                <a:solidFill>
-                  <a:srgbClr val="000000"/>
-                </a:solidFill>
-                <a:latin typeface="Courier New" panose="02070309020205020404" pitchFamily="49" charset="0"/>
-              </a:rPr>
-              <a:t>pc_potato</a:t>
-            </a:r>
-            <a:r>
-              <a:rPr lang="en-US" sz="1200" dirty="0">
-                <a:solidFill>
-                  <a:srgbClr val="000000"/>
-                </a:solidFill>
-                <a:latin typeface="Courier New" panose="02070309020205020404" pitchFamily="49" charset="0"/>
-              </a:rPr>
-              <a:t>), by(</a:t>
-            </a:r>
-            <a:r>
-              <a:rPr lang="en-US" sz="1200" dirty="0" err="1">
-                <a:solidFill>
-                  <a:srgbClr val="000000"/>
-                </a:solidFill>
-                <a:latin typeface="Courier New" panose="02070309020205020404" pitchFamily="49" charset="0"/>
-              </a:rPr>
-              <a:t>metroarea</a:t>
-            </a:r>
-            <a:r>
-              <a:rPr lang="en-US" sz="1200" dirty="0">
-                <a:solidFill>
-                  <a:srgbClr val="000000"/>
-                </a:solidFill>
-                <a:latin typeface="Courier New" panose="02070309020205020404" pitchFamily="49" charset="0"/>
-              </a:rPr>
-              <a:t>)</a:t>
-            </a:r>
-          </a:p>
-          <a:p>
-            <a:r>
-              <a:rPr lang="en-US" sz="1200" dirty="0" err="1">
-                <a:solidFill>
-                  <a:srgbClr val="000000"/>
-                </a:solidFill>
-                <a:latin typeface="Courier New" panose="02070309020205020404" pitchFamily="49" charset="0"/>
-              </a:rPr>
-              <a:t>egen</a:t>
-            </a:r>
-            <a:r>
-              <a:rPr lang="en-US" sz="1200" dirty="0">
-                <a:solidFill>
-                  <a:srgbClr val="000000"/>
-                </a:solidFill>
-                <a:latin typeface="Courier New" panose="02070309020205020404" pitchFamily="49" charset="0"/>
-              </a:rPr>
-              <a:t> </a:t>
-            </a:r>
-            <a:r>
-              <a:rPr lang="en-US" sz="1200" dirty="0" err="1">
-                <a:solidFill>
-                  <a:srgbClr val="000000"/>
-                </a:solidFill>
-                <a:latin typeface="Courier New" panose="02070309020205020404" pitchFamily="49" charset="0"/>
-              </a:rPr>
-              <a:t>total_obs</a:t>
-            </a:r>
-            <a:r>
-              <a:rPr lang="en-US" sz="1200" dirty="0">
-                <a:solidFill>
-                  <a:srgbClr val="000000"/>
-                </a:solidFill>
-                <a:latin typeface="Courier New" panose="02070309020205020404" pitchFamily="49" charset="0"/>
-              </a:rPr>
-              <a:t> = count(</a:t>
-            </a:r>
-            <a:r>
-              <a:rPr lang="en-US" sz="1200" dirty="0" err="1">
-                <a:solidFill>
-                  <a:srgbClr val="000000"/>
-                </a:solidFill>
-                <a:latin typeface="Courier New" panose="02070309020205020404" pitchFamily="49" charset="0"/>
-              </a:rPr>
-              <a:t>pc_potato</a:t>
-            </a:r>
-            <a:r>
-              <a:rPr lang="en-US" sz="1200" dirty="0">
-                <a:solidFill>
-                  <a:srgbClr val="000000"/>
-                </a:solidFill>
-                <a:latin typeface="Courier New" panose="02070309020205020404" pitchFamily="49" charset="0"/>
-              </a:rPr>
-              <a:t>), by(</a:t>
-            </a:r>
-            <a:r>
-              <a:rPr lang="en-US" sz="1200" dirty="0">
-                <a:solidFill>
-                  <a:srgbClr val="FF0000"/>
-                </a:solidFill>
-                <a:latin typeface="Courier New" panose="02070309020205020404" pitchFamily="49" charset="0"/>
-              </a:rPr>
-              <a:t>state</a:t>
-            </a:r>
-            <a:r>
-              <a:rPr lang="en-US" sz="1200" dirty="0">
-                <a:solidFill>
-                  <a:srgbClr val="000000"/>
-                </a:solidFill>
-                <a:latin typeface="Courier New" panose="02070309020205020404" pitchFamily="49" charset="0"/>
-              </a:rPr>
-              <a:t>)</a:t>
-            </a:r>
-          </a:p>
-          <a:p>
-            <a:r>
-              <a:rPr lang="en-US" sz="1200" dirty="0">
-                <a:solidFill>
-                  <a:srgbClr val="000000"/>
-                </a:solidFill>
-                <a:latin typeface="Courier New" panose="02070309020205020404" pitchFamily="49" charset="0"/>
-              </a:rPr>
-              <a:t>gen </a:t>
-            </a:r>
-            <a:r>
-              <a:rPr lang="en-US" sz="1200" dirty="0" err="1">
-                <a:solidFill>
-                  <a:srgbClr val="000000"/>
-                </a:solidFill>
-                <a:latin typeface="Courier New" panose="02070309020205020404" pitchFamily="49" charset="0"/>
-              </a:rPr>
-              <a:t>leaveout_metro_pc_potato</a:t>
-            </a:r>
-            <a:r>
-              <a:rPr lang="en-US" sz="1200" dirty="0">
-                <a:solidFill>
-                  <a:srgbClr val="000000"/>
-                </a:solidFill>
-                <a:latin typeface="Courier New" panose="02070309020205020404" pitchFamily="49" charset="0"/>
-              </a:rPr>
-              <a:t> = (</a:t>
-            </a:r>
-            <a:r>
-              <a:rPr lang="en-US" sz="1200" dirty="0" err="1">
-                <a:solidFill>
-                  <a:srgbClr val="000000"/>
-                </a:solidFill>
-                <a:latin typeface="Courier New" panose="02070309020205020404" pitchFamily="49" charset="0"/>
-              </a:rPr>
-              <a:t>total_pc_potato</a:t>
-            </a:r>
-            <a:r>
-              <a:rPr lang="en-US" sz="1200" dirty="0">
-                <a:solidFill>
-                  <a:srgbClr val="000000"/>
-                </a:solidFill>
-                <a:latin typeface="Courier New" panose="02070309020205020404" pitchFamily="49" charset="0"/>
-              </a:rPr>
-              <a:t> - </a:t>
-            </a:r>
-            <a:r>
-              <a:rPr lang="en-US" sz="1200" dirty="0" err="1">
-                <a:solidFill>
-                  <a:srgbClr val="000000"/>
-                </a:solidFill>
-                <a:latin typeface="Courier New" panose="02070309020205020404" pitchFamily="49" charset="0"/>
-              </a:rPr>
-              <a:t>pc_potato</a:t>
-            </a:r>
-            <a:r>
-              <a:rPr lang="en-US" sz="1200" dirty="0">
-                <a:solidFill>
-                  <a:srgbClr val="000000"/>
-                </a:solidFill>
-                <a:latin typeface="Courier New" panose="02070309020205020404" pitchFamily="49" charset="0"/>
-              </a:rPr>
-              <a:t>) / (</a:t>
-            </a:r>
-            <a:r>
-              <a:rPr lang="en-US" sz="1200" dirty="0" err="1">
-                <a:solidFill>
-                  <a:srgbClr val="000000"/>
-                </a:solidFill>
-                <a:latin typeface="Courier New" panose="02070309020205020404" pitchFamily="49" charset="0"/>
-              </a:rPr>
-              <a:t>total_obs</a:t>
-            </a:r>
-            <a:r>
-              <a:rPr lang="en-US" sz="1200" dirty="0">
-                <a:solidFill>
-                  <a:srgbClr val="000000"/>
-                </a:solidFill>
-                <a:latin typeface="Courier New" panose="02070309020205020404" pitchFamily="49" charset="0"/>
-              </a:rPr>
-              <a:t> - 1)</a:t>
-            </a:r>
-          </a:p>
-          <a:p>
-            <a:r>
-              <a:rPr lang="en-US" sz="1200" dirty="0"/>
-              <a:t/>
-            </a:r>
-            <a:br>
-              <a:rPr lang="en-US" sz="1200" dirty="0"/>
-            </a:br>
-            <a:endParaRPr lang="en-US" sz="1200" dirty="0"/>
-          </a:p>
-        </p:txBody>
-      </p:sp>
-      <p:sp>
-        <p:nvSpPr>
-          <p:cNvPr id="9" name="Rectangle 8"/>
-          <p:cNvSpPr/>
-          <p:nvPr/>
-        </p:nvSpPr>
-        <p:spPr>
-          <a:xfrm>
-            <a:off x="1676400" y="4184595"/>
-            <a:ext cx="9122664" cy="1015663"/>
-          </a:xfrm>
-          <a:prstGeom prst="rect">
-            <a:avLst/>
-          </a:prstGeom>
-        </p:spPr>
-        <p:txBody>
-          <a:bodyPr wrap="square">
-            <a:spAutoFit/>
-          </a:bodyPr>
-          <a:lstStyle/>
-          <a:p>
-            <a:r>
-              <a:rPr lang="en-US" sz="1200" dirty="0" err="1">
-                <a:solidFill>
-                  <a:srgbClr val="000000"/>
-                </a:solidFill>
-                <a:latin typeface="Courier New" panose="02070309020205020404" pitchFamily="49" charset="0"/>
-              </a:rPr>
-              <a:t>egen</a:t>
-            </a:r>
-            <a:r>
-              <a:rPr lang="en-US" sz="1200" dirty="0">
-                <a:solidFill>
-                  <a:srgbClr val="000000"/>
-                </a:solidFill>
-                <a:latin typeface="Courier New" panose="02070309020205020404" pitchFamily="49" charset="0"/>
-              </a:rPr>
-              <a:t> </a:t>
-            </a:r>
-            <a:r>
-              <a:rPr lang="en-US" sz="1200" dirty="0" err="1">
-                <a:solidFill>
-                  <a:srgbClr val="000000"/>
-                </a:solidFill>
-                <a:latin typeface="Courier New" panose="02070309020205020404" pitchFamily="49" charset="0"/>
-              </a:rPr>
-              <a:t>total_hh_potato</a:t>
-            </a:r>
-            <a:r>
-              <a:rPr lang="en-US" sz="1200" dirty="0">
-                <a:solidFill>
-                  <a:srgbClr val="000000"/>
-                </a:solidFill>
-                <a:latin typeface="Courier New" panose="02070309020205020404" pitchFamily="49" charset="0"/>
-              </a:rPr>
-              <a:t> = total(</a:t>
-            </a:r>
-            <a:r>
-              <a:rPr lang="en-US" sz="1200" dirty="0" err="1">
-                <a:solidFill>
-                  <a:srgbClr val="000000"/>
-                </a:solidFill>
-                <a:latin typeface="Courier New" panose="02070309020205020404" pitchFamily="49" charset="0"/>
-              </a:rPr>
-              <a:t>hh_potato</a:t>
-            </a:r>
-            <a:r>
-              <a:rPr lang="en-US" sz="1200" dirty="0">
-                <a:solidFill>
-                  <a:srgbClr val="000000"/>
-                </a:solidFill>
-                <a:latin typeface="Courier New" panose="02070309020205020404" pitchFamily="49" charset="0"/>
-              </a:rPr>
-              <a:t>), by(</a:t>
-            </a:r>
-            <a:r>
-              <a:rPr lang="en-US" sz="1200" dirty="0" err="1">
-                <a:latin typeface="Courier New" panose="02070309020205020404" pitchFamily="49" charset="0"/>
-              </a:rPr>
-              <a:t>metroarea</a:t>
-            </a:r>
-            <a:r>
-              <a:rPr lang="en-US" sz="1200" dirty="0">
-                <a:solidFill>
-                  <a:srgbClr val="000000"/>
-                </a:solidFill>
-                <a:latin typeface="Courier New" panose="02070309020205020404" pitchFamily="49" charset="0"/>
-              </a:rPr>
-              <a:t>)</a:t>
-            </a:r>
-          </a:p>
-          <a:p>
-            <a:r>
-              <a:rPr lang="en-US" sz="1200" dirty="0" err="1">
-                <a:solidFill>
-                  <a:srgbClr val="000000"/>
-                </a:solidFill>
-                <a:latin typeface="Courier New" panose="02070309020205020404" pitchFamily="49" charset="0"/>
-              </a:rPr>
-              <a:t>egen</a:t>
-            </a:r>
-            <a:r>
-              <a:rPr lang="en-US" sz="1200" dirty="0">
-                <a:solidFill>
-                  <a:srgbClr val="000000"/>
-                </a:solidFill>
-                <a:latin typeface="Courier New" panose="02070309020205020404" pitchFamily="49" charset="0"/>
-              </a:rPr>
-              <a:t> </a:t>
-            </a:r>
-            <a:r>
-              <a:rPr lang="en-US" sz="1200" dirty="0" err="1">
-                <a:solidFill>
-                  <a:srgbClr val="000000"/>
-                </a:solidFill>
-                <a:latin typeface="Courier New" panose="02070309020205020404" pitchFamily="49" charset="0"/>
-              </a:rPr>
-              <a:t>total_obs</a:t>
-            </a:r>
-            <a:r>
-              <a:rPr lang="en-US" sz="1200" dirty="0">
-                <a:solidFill>
-                  <a:srgbClr val="000000"/>
-                </a:solidFill>
-                <a:latin typeface="Courier New" panose="02070309020205020404" pitchFamily="49" charset="0"/>
-              </a:rPr>
-              <a:t> = count(</a:t>
-            </a:r>
-            <a:r>
-              <a:rPr lang="en-US" sz="1200" dirty="0" err="1">
-                <a:solidFill>
-                  <a:srgbClr val="000000"/>
-                </a:solidFill>
-                <a:latin typeface="Courier New" panose="02070309020205020404" pitchFamily="49" charset="0"/>
-              </a:rPr>
-              <a:t>hh_potato</a:t>
-            </a:r>
-            <a:r>
-              <a:rPr lang="en-US" sz="1200" dirty="0">
-                <a:solidFill>
-                  <a:srgbClr val="000000"/>
-                </a:solidFill>
-                <a:latin typeface="Courier New" panose="02070309020205020404" pitchFamily="49" charset="0"/>
-              </a:rPr>
-              <a:t>), by(</a:t>
-            </a:r>
-            <a:r>
-              <a:rPr lang="en-US" sz="1200" dirty="0">
-                <a:solidFill>
-                  <a:srgbClr val="FF0000"/>
-                </a:solidFill>
-                <a:latin typeface="Courier New" panose="02070309020205020404" pitchFamily="49" charset="0"/>
-              </a:rPr>
-              <a:t>state</a:t>
-            </a:r>
-            <a:r>
-              <a:rPr lang="en-US" sz="1200" dirty="0">
-                <a:solidFill>
-                  <a:srgbClr val="000000"/>
-                </a:solidFill>
-                <a:latin typeface="Courier New" panose="02070309020205020404" pitchFamily="49" charset="0"/>
-              </a:rPr>
-              <a:t>)</a:t>
-            </a:r>
-          </a:p>
-          <a:p>
-            <a:r>
-              <a:rPr lang="en-US" sz="1200" dirty="0">
-                <a:solidFill>
-                  <a:srgbClr val="000000"/>
-                </a:solidFill>
-                <a:latin typeface="Courier New" panose="02070309020205020404" pitchFamily="49" charset="0"/>
-              </a:rPr>
-              <a:t>gen </a:t>
-            </a:r>
-            <a:r>
-              <a:rPr lang="en-US" sz="1200" dirty="0" err="1">
-                <a:solidFill>
-                  <a:srgbClr val="000000"/>
-                </a:solidFill>
-                <a:latin typeface="Courier New" panose="02070309020205020404" pitchFamily="49" charset="0"/>
-              </a:rPr>
-              <a:t>leaveout_metro_hh_potato</a:t>
-            </a:r>
-            <a:r>
-              <a:rPr lang="en-US" sz="1200" dirty="0">
-                <a:solidFill>
-                  <a:srgbClr val="000000"/>
-                </a:solidFill>
-                <a:latin typeface="Courier New" panose="02070309020205020404" pitchFamily="49" charset="0"/>
-              </a:rPr>
-              <a:t> = (</a:t>
-            </a:r>
-            <a:r>
-              <a:rPr lang="en-US" sz="1200" dirty="0" err="1">
-                <a:solidFill>
-                  <a:srgbClr val="000000"/>
-                </a:solidFill>
-                <a:latin typeface="Courier New" panose="02070309020205020404" pitchFamily="49" charset="0"/>
-              </a:rPr>
-              <a:t>total_hh_potato</a:t>
-            </a:r>
-            <a:r>
-              <a:rPr lang="en-US" sz="1200" dirty="0">
-                <a:solidFill>
-                  <a:srgbClr val="000000"/>
-                </a:solidFill>
-                <a:latin typeface="Courier New" panose="02070309020205020404" pitchFamily="49" charset="0"/>
-              </a:rPr>
-              <a:t> - </a:t>
-            </a:r>
-            <a:r>
-              <a:rPr lang="en-US" sz="1200" dirty="0" err="1">
-                <a:solidFill>
-                  <a:srgbClr val="FF0000"/>
-                </a:solidFill>
-                <a:latin typeface="Courier New" panose="02070309020205020404" pitchFamily="49" charset="0"/>
-              </a:rPr>
-              <a:t>pc_potato</a:t>
-            </a:r>
-            <a:r>
-              <a:rPr lang="en-US" sz="1200" dirty="0">
-                <a:solidFill>
-                  <a:srgbClr val="000000"/>
-                </a:solidFill>
-                <a:latin typeface="Courier New" panose="02070309020205020404" pitchFamily="49" charset="0"/>
-              </a:rPr>
-              <a:t>) / (</a:t>
-            </a:r>
-            <a:r>
-              <a:rPr lang="en-US" sz="1200" dirty="0" err="1">
-                <a:solidFill>
-                  <a:srgbClr val="000000"/>
-                </a:solidFill>
-                <a:latin typeface="Courier New" panose="02070309020205020404" pitchFamily="49" charset="0"/>
-              </a:rPr>
-              <a:t>total_obs</a:t>
-            </a:r>
-            <a:r>
-              <a:rPr lang="en-US" sz="1200" dirty="0">
-                <a:solidFill>
-                  <a:srgbClr val="000000"/>
-                </a:solidFill>
-                <a:latin typeface="Courier New" panose="02070309020205020404" pitchFamily="49" charset="0"/>
-              </a:rPr>
-              <a:t> - 1)</a:t>
-            </a:r>
-          </a:p>
-          <a:p>
-            <a:r>
-              <a:rPr lang="en-US" sz="1200" dirty="0"/>
-              <a:t/>
-            </a:r>
-            <a:br>
-              <a:rPr lang="en-US" sz="1200" dirty="0"/>
-            </a:br>
-            <a:endParaRPr lang="en-US" sz="1200" dirty="0"/>
-          </a:p>
-        </p:txBody>
-      </p:sp>
-      <p:sp>
-        <p:nvSpPr>
-          <p:cNvPr id="10" name="TextBox 9"/>
-          <p:cNvSpPr txBox="1"/>
-          <p:nvPr/>
-        </p:nvSpPr>
-        <p:spPr>
-          <a:xfrm>
-            <a:off x="1069848" y="1653492"/>
-            <a:ext cx="3552191" cy="646331"/>
-          </a:xfrm>
-          <a:prstGeom prst="rect">
-            <a:avLst/>
-          </a:prstGeom>
-          <a:noFill/>
-        </p:spPr>
-        <p:txBody>
-          <a:bodyPr wrap="none" rtlCol="0">
-            <a:spAutoFit/>
-          </a:bodyPr>
-          <a:lstStyle/>
-          <a:p>
-            <a:r>
-              <a:rPr lang="en-US" dirty="0" smtClean="0"/>
-              <a:t>Leave-out of per capita (</a:t>
-            </a:r>
-            <a:r>
-              <a:rPr lang="en-US" dirty="0" err="1" smtClean="0"/>
-              <a:t>pc_potato</a:t>
-            </a:r>
-            <a:r>
-              <a:rPr lang="en-US" dirty="0" smtClean="0"/>
-              <a:t>) </a:t>
-            </a:r>
-          </a:p>
-          <a:p>
-            <a:r>
-              <a:rPr lang="en-US" dirty="0" smtClean="0"/>
-              <a:t>at county level</a:t>
-            </a:r>
-            <a:endParaRPr lang="en-US" dirty="0"/>
-          </a:p>
-        </p:txBody>
-      </p:sp>
-      <p:sp>
-        <p:nvSpPr>
-          <p:cNvPr id="11" name="Rectangle 10"/>
-          <p:cNvSpPr/>
-          <p:nvPr/>
-        </p:nvSpPr>
-        <p:spPr>
-          <a:xfrm>
-            <a:off x="1069848" y="2973916"/>
-            <a:ext cx="1463414" cy="369332"/>
-          </a:xfrm>
-          <a:prstGeom prst="rect">
-            <a:avLst/>
-          </a:prstGeom>
-        </p:spPr>
-        <p:txBody>
-          <a:bodyPr wrap="none">
-            <a:spAutoFit/>
-          </a:bodyPr>
-          <a:lstStyle/>
-          <a:p>
-            <a:r>
-              <a:rPr lang="en-US" dirty="0"/>
-              <a:t>at </a:t>
-            </a:r>
-            <a:r>
-              <a:rPr lang="en-US" dirty="0" smtClean="0"/>
-              <a:t>metro area</a:t>
-            </a:r>
-            <a:endParaRPr lang="en-US" dirty="0"/>
-          </a:p>
-        </p:txBody>
-      </p:sp>
-      <p:sp>
-        <p:nvSpPr>
-          <p:cNvPr id="12" name="Rectangle 11"/>
-          <p:cNvSpPr/>
-          <p:nvPr/>
-        </p:nvSpPr>
-        <p:spPr>
-          <a:xfrm>
-            <a:off x="1069848" y="3868974"/>
-            <a:ext cx="5109156" cy="369332"/>
-          </a:xfrm>
-          <a:prstGeom prst="rect">
-            <a:avLst/>
-          </a:prstGeom>
-        </p:spPr>
-        <p:txBody>
-          <a:bodyPr wrap="none">
-            <a:spAutoFit/>
-          </a:bodyPr>
-          <a:lstStyle/>
-          <a:p>
-            <a:r>
-              <a:rPr lang="en-US" dirty="0"/>
-              <a:t>at </a:t>
-            </a:r>
-            <a:r>
-              <a:rPr lang="en-US" dirty="0" smtClean="0"/>
-              <a:t>household (rather than capita) level at metro area</a:t>
-            </a:r>
-            <a:endParaRPr lang="en-US" dirty="0"/>
-          </a:p>
-        </p:txBody>
-      </p:sp>
-    </p:spTree>
-    <p:extLst>
-      <p:ext uri="{BB962C8B-B14F-4D97-AF65-F5344CB8AC3E}">
-        <p14:creationId xmlns:p14="http://schemas.microsoft.com/office/powerpoint/2010/main" val="2475556380"/>
-      </p:ext>
-    </p:extLst>
-  </p:cSld>
-  <p:clrMapOvr>
-    <a:masterClrMapping/>
-  </p:clrMapOvr>
-  <p:timing>
-    <p:tnLst>
-      <p:par>
-        <p:cTn id="1" dur="indefinite" restart="never" nodeType="tmRoot"/>
-      </p:par>
-    </p:tnLst>
-  </p:timing>
-</p:sld>
-</file>
-
 <file path=ppt/slides/slide33.xml><?xml version="1.0" encoding="utf-8"?>
 <p:sld xmlns:a="http://schemas.openxmlformats.org/drawingml/2006/main" xmlns:r="http://schemas.openxmlformats.org/officeDocument/2006/relationships" xmlns:p="http://schemas.openxmlformats.org/presentationml/2006/main">
   <p:cSld>
@@ -25392,377 +24560,9 @@
           <a:p>
             <a:r>
               <a:rPr lang="en-US" dirty="0" smtClean="0"/>
-              <a:t>Better way</a:t>
+              <a:t>Copy paste errors</a:t>
             </a:r>
             <a:endParaRPr lang="en-US" dirty="0"/>
-          </a:p>
-        </p:txBody>
-      </p:sp>
-      <p:sp>
-        <p:nvSpPr>
-          <p:cNvPr id="3" name="Content Placeholder 2"/>
-          <p:cNvSpPr>
-            <a:spLocks noGrp="1"/>
-          </p:cNvSpPr>
-          <p:nvPr>
-            <p:ph idx="1"/>
-          </p:nvPr>
-        </p:nvSpPr>
-        <p:spPr/>
-        <p:txBody>
-          <a:bodyPr>
-            <a:noAutofit/>
-          </a:bodyPr>
-          <a:lstStyle/>
-          <a:p>
-            <a:pPr marL="0" indent="0">
-              <a:buNone/>
-            </a:pPr>
-            <a:r>
-              <a:rPr lang="en-US" sz="1600" dirty="0"/>
-              <a:t>program </a:t>
-            </a:r>
-            <a:r>
-              <a:rPr lang="en-US" sz="1600" dirty="0" err="1"/>
-              <a:t>leaveout_mean</a:t>
-            </a:r>
-            <a:endParaRPr lang="en-US" sz="1600" dirty="0"/>
-          </a:p>
-          <a:p>
-            <a:pPr marL="0" indent="0">
-              <a:buNone/>
-            </a:pPr>
-            <a:r>
-              <a:rPr lang="en-US" sz="1600" dirty="0" smtClean="0"/>
-              <a:t>	syntax</a:t>
-            </a:r>
-            <a:r>
-              <a:rPr lang="en-US" sz="1600" dirty="0"/>
-              <a:t>, invar(</a:t>
-            </a:r>
-            <a:r>
-              <a:rPr lang="en-US" sz="1600" dirty="0" err="1"/>
-              <a:t>varname</a:t>
-            </a:r>
-            <a:r>
-              <a:rPr lang="en-US" sz="1600" dirty="0"/>
-              <a:t>) </a:t>
-            </a:r>
-            <a:r>
-              <a:rPr lang="en-US" sz="1600" dirty="0" err="1"/>
-              <a:t>outvar</a:t>
-            </a:r>
-            <a:r>
-              <a:rPr lang="en-US" sz="1600" dirty="0"/>
-              <a:t>(name) </a:t>
-            </a:r>
-            <a:r>
-              <a:rPr lang="en-US" sz="1600" dirty="0" err="1"/>
-              <a:t>byvar</a:t>
-            </a:r>
-            <a:r>
-              <a:rPr lang="en-US" sz="1600" dirty="0"/>
-              <a:t>(</a:t>
-            </a:r>
-            <a:r>
-              <a:rPr lang="en-US" sz="1600" dirty="0" err="1"/>
-              <a:t>varname</a:t>
-            </a:r>
-            <a:r>
-              <a:rPr lang="en-US" sz="1600" dirty="0"/>
-              <a:t>)</a:t>
-            </a:r>
-          </a:p>
-          <a:p>
-            <a:pPr marL="0" indent="0">
-              <a:buNone/>
-            </a:pPr>
-            <a:r>
-              <a:rPr lang="en-US" sz="1600" dirty="0" smtClean="0"/>
-              <a:t>	</a:t>
-            </a:r>
-            <a:r>
-              <a:rPr lang="en-US" sz="1600" dirty="0" err="1" smtClean="0"/>
-              <a:t>tempvar</a:t>
-            </a:r>
-            <a:r>
-              <a:rPr lang="en-US" sz="1600" dirty="0" smtClean="0"/>
-              <a:t> </a:t>
-            </a:r>
-            <a:r>
-              <a:rPr lang="en-US" sz="1600" dirty="0" err="1"/>
-              <a:t>tot_invar</a:t>
-            </a:r>
-            <a:r>
-              <a:rPr lang="en-US" sz="1600" dirty="0"/>
-              <a:t> </a:t>
-            </a:r>
-            <a:r>
-              <a:rPr lang="en-US" sz="1600" dirty="0" err="1"/>
-              <a:t>count_invar</a:t>
-            </a:r>
-            <a:endParaRPr lang="en-US" sz="1600" dirty="0"/>
-          </a:p>
-          <a:p>
-            <a:pPr marL="0" indent="0">
-              <a:buNone/>
-            </a:pPr>
-            <a:r>
-              <a:rPr lang="en-US" sz="1600" dirty="0" smtClean="0"/>
-              <a:t>	</a:t>
-            </a:r>
-            <a:r>
-              <a:rPr lang="en-US" sz="1600" dirty="0" err="1" smtClean="0"/>
-              <a:t>egen</a:t>
-            </a:r>
-            <a:r>
-              <a:rPr lang="en-US" sz="1600" dirty="0" smtClean="0"/>
-              <a:t> </a:t>
-            </a:r>
-            <a:r>
-              <a:rPr lang="en-US" sz="1600" dirty="0"/>
-              <a:t>`</a:t>
-            </a:r>
-            <a:r>
-              <a:rPr lang="en-US" sz="1600" dirty="0" err="1"/>
-              <a:t>tot_invar</a:t>
-            </a:r>
-            <a:r>
-              <a:rPr lang="en-US" sz="1600" dirty="0"/>
-              <a:t>'= total(`invar'), by(`</a:t>
-            </a:r>
-            <a:r>
-              <a:rPr lang="en-US" sz="1600" dirty="0" err="1"/>
-              <a:t>byvar</a:t>
-            </a:r>
-            <a:r>
-              <a:rPr lang="en-US" sz="1600" dirty="0"/>
-              <a:t>')</a:t>
-            </a:r>
-          </a:p>
-          <a:p>
-            <a:pPr marL="0" indent="0">
-              <a:buNone/>
-            </a:pPr>
-            <a:r>
-              <a:rPr lang="en-US" sz="1600" dirty="0" smtClean="0"/>
-              <a:t>	</a:t>
-            </a:r>
-            <a:r>
-              <a:rPr lang="en-US" sz="1600" dirty="0" err="1" smtClean="0"/>
-              <a:t>egen</a:t>
-            </a:r>
-            <a:r>
-              <a:rPr lang="en-US" sz="1600" dirty="0" smtClean="0"/>
-              <a:t> </a:t>
-            </a:r>
-            <a:r>
-              <a:rPr lang="en-US" sz="1600" dirty="0"/>
-              <a:t>`</a:t>
-            </a:r>
-            <a:r>
-              <a:rPr lang="en-US" sz="1600" dirty="0" err="1"/>
-              <a:t>count_invar</a:t>
-            </a:r>
-            <a:r>
-              <a:rPr lang="en-US" sz="1600" dirty="0"/>
-              <a:t>'= count(`invar'), by(`</a:t>
-            </a:r>
-            <a:r>
-              <a:rPr lang="en-US" sz="1600" dirty="0" err="1"/>
-              <a:t>byvar</a:t>
-            </a:r>
-            <a:r>
-              <a:rPr lang="en-US" sz="1600" dirty="0"/>
-              <a:t>')</a:t>
-            </a:r>
-          </a:p>
-          <a:p>
-            <a:pPr marL="0" indent="0">
-              <a:buNone/>
-            </a:pPr>
-            <a:r>
-              <a:rPr lang="en-US" sz="1600" dirty="0" smtClean="0"/>
-              <a:t>	gen </a:t>
-            </a:r>
-            <a:r>
-              <a:rPr lang="en-US" sz="1600" dirty="0"/>
-              <a:t>`</a:t>
-            </a:r>
-            <a:r>
-              <a:rPr lang="en-US" sz="1600" dirty="0" err="1"/>
-              <a:t>outvar</a:t>
-            </a:r>
-            <a:r>
-              <a:rPr lang="en-US" sz="1600" dirty="0"/>
-              <a:t>' = (`</a:t>
-            </a:r>
-            <a:r>
-              <a:rPr lang="en-US" sz="1600" dirty="0" err="1"/>
-              <a:t>tot_invar</a:t>
-            </a:r>
-            <a:r>
-              <a:rPr lang="en-US" sz="1600" dirty="0"/>
-              <a:t>' - `invar') / (`</a:t>
-            </a:r>
-            <a:r>
-              <a:rPr lang="en-US" sz="1600" dirty="0" err="1"/>
-              <a:t>count_invar</a:t>
-            </a:r>
-            <a:r>
-              <a:rPr lang="en-US" sz="1600" dirty="0"/>
-              <a:t>' - 1)</a:t>
-            </a:r>
-          </a:p>
-          <a:p>
-            <a:pPr marL="0" indent="0">
-              <a:buNone/>
-            </a:pPr>
-            <a:r>
-              <a:rPr lang="en-US" sz="1600" dirty="0"/>
-              <a:t>end</a:t>
-            </a:r>
-          </a:p>
-          <a:p>
-            <a:pPr marL="0" indent="0">
-              <a:buNone/>
-            </a:pPr>
-            <a:endParaRPr lang="en-US" sz="1600" dirty="0" smtClean="0"/>
-          </a:p>
-          <a:p>
-            <a:pPr marL="0" indent="0">
-              <a:buNone/>
-            </a:pPr>
-            <a:r>
-              <a:rPr lang="en-US" sz="1600" dirty="0" err="1" smtClean="0"/>
-              <a:t>leaveout_mean</a:t>
-            </a:r>
-            <a:r>
-              <a:rPr lang="en-US" sz="1600" dirty="0"/>
-              <a:t>, invar(</a:t>
-            </a:r>
-            <a:r>
-              <a:rPr lang="en-US" sz="1600" dirty="0" err="1"/>
-              <a:t>pc_potato</a:t>
-            </a:r>
-            <a:r>
-              <a:rPr lang="en-US" sz="1600" dirty="0"/>
-              <a:t>) </a:t>
-            </a:r>
-            <a:r>
-              <a:rPr lang="en-US" sz="1600" dirty="0" err="1"/>
-              <a:t>outvar</a:t>
-            </a:r>
-            <a:r>
-              <a:rPr lang="en-US" sz="1600" dirty="0"/>
-              <a:t>(</a:t>
-            </a:r>
-            <a:r>
-              <a:rPr lang="en-US" sz="1600" dirty="0" err="1"/>
-              <a:t>leaveout_state_pc_potato</a:t>
-            </a:r>
-            <a:r>
-              <a:rPr lang="en-US" sz="1600" dirty="0"/>
-              <a:t>) </a:t>
-            </a:r>
-            <a:r>
-              <a:rPr lang="en-US" sz="1600" dirty="0" err="1"/>
-              <a:t>byvar</a:t>
-            </a:r>
-            <a:r>
-              <a:rPr lang="en-US" sz="1600" dirty="0"/>
-              <a:t>(state)</a:t>
-            </a:r>
-          </a:p>
-          <a:p>
-            <a:pPr marL="0" indent="0">
-              <a:buNone/>
-            </a:pPr>
-            <a:r>
-              <a:rPr lang="en-US" sz="1600" dirty="0" err="1"/>
-              <a:t>leaveout_mean</a:t>
-            </a:r>
-            <a:r>
-              <a:rPr lang="en-US" sz="1600" dirty="0"/>
-              <a:t>, invar(</a:t>
-            </a:r>
-            <a:r>
-              <a:rPr lang="en-US" sz="1600" dirty="0" err="1"/>
-              <a:t>pc_potato</a:t>
-            </a:r>
-            <a:r>
-              <a:rPr lang="en-US" sz="1600" dirty="0"/>
-              <a:t>) </a:t>
-            </a:r>
-            <a:r>
-              <a:rPr lang="en-US" sz="1600" dirty="0" err="1"/>
-              <a:t>outvar</a:t>
-            </a:r>
-            <a:r>
-              <a:rPr lang="en-US" sz="1600" dirty="0"/>
-              <a:t>(</a:t>
-            </a:r>
-            <a:r>
-              <a:rPr lang="en-US" sz="1600" dirty="0" err="1"/>
-              <a:t>leaveout_metro_pc_potato</a:t>
-            </a:r>
-            <a:r>
-              <a:rPr lang="en-US" sz="1600" dirty="0"/>
-              <a:t>) </a:t>
-            </a:r>
-            <a:r>
-              <a:rPr lang="en-US" sz="1600" dirty="0" err="1"/>
-              <a:t>byvar</a:t>
-            </a:r>
-            <a:r>
-              <a:rPr lang="en-US" sz="1600" dirty="0"/>
-              <a:t>(metro)</a:t>
-            </a:r>
-          </a:p>
-          <a:p>
-            <a:pPr marL="0" indent="0">
-              <a:buNone/>
-            </a:pPr>
-            <a:r>
-              <a:rPr lang="en-US" sz="1600" dirty="0" err="1"/>
-              <a:t>leaveout_mean</a:t>
-            </a:r>
-            <a:r>
-              <a:rPr lang="en-US" sz="1600" dirty="0"/>
-              <a:t>, invar(</a:t>
-            </a:r>
-            <a:r>
-              <a:rPr lang="en-US" sz="1600" dirty="0" err="1"/>
-              <a:t>hh_potato</a:t>
-            </a:r>
-            <a:r>
-              <a:rPr lang="en-US" sz="1600" dirty="0"/>
-              <a:t>) </a:t>
-            </a:r>
-            <a:r>
-              <a:rPr lang="en-US" sz="1600" dirty="0" err="1"/>
-              <a:t>outvar</a:t>
-            </a:r>
-            <a:r>
-              <a:rPr lang="en-US" sz="1600" dirty="0"/>
-              <a:t>(</a:t>
-            </a:r>
-            <a:r>
-              <a:rPr lang="en-US" sz="1600" dirty="0" err="1"/>
-              <a:t>leaveout_metro_hh_potato</a:t>
-            </a:r>
-            <a:r>
-              <a:rPr lang="en-US" sz="1600" dirty="0"/>
-              <a:t>) </a:t>
-            </a:r>
-            <a:r>
-              <a:rPr lang="en-US" sz="1600" dirty="0" err="1"/>
-              <a:t>byvar</a:t>
-            </a:r>
-            <a:r>
-              <a:rPr lang="en-US" sz="1600" dirty="0"/>
-              <a:t>(metro)</a:t>
-            </a:r>
           </a:p>
         </p:txBody>
       </p:sp>
@@ -25789,10 +24589,867 @@
           </a:p>
         </p:txBody>
       </p:sp>
+      <p:sp>
+        <p:nvSpPr>
+          <p:cNvPr id="7" name="Rectangle 6"/>
+          <p:cNvSpPr/>
+          <p:nvPr/>
+        </p:nvSpPr>
+        <p:spPr>
+          <a:xfrm>
+            <a:off x="1676400" y="2327585"/>
+            <a:ext cx="9122664" cy="646331"/>
+          </a:xfrm>
+          <a:prstGeom prst="rect">
+            <a:avLst/>
+          </a:prstGeom>
+        </p:spPr>
+        <p:txBody>
+          <a:bodyPr wrap="square">
+            <a:spAutoFit/>
+          </a:bodyPr>
+          <a:lstStyle/>
+          <a:p>
+            <a:r>
+              <a:rPr lang="en-US" sz="1200" dirty="0" err="1" smtClean="0">
+                <a:solidFill>
+                  <a:srgbClr val="000000"/>
+                </a:solidFill>
+                <a:latin typeface="Courier New" panose="02070309020205020404" pitchFamily="49" charset="0"/>
+              </a:rPr>
+              <a:t>egen</a:t>
+            </a:r>
+            <a:r>
+              <a:rPr lang="en-US" sz="1200" dirty="0" smtClean="0">
+                <a:solidFill>
+                  <a:srgbClr val="000000"/>
+                </a:solidFill>
+                <a:latin typeface="Courier New" panose="02070309020205020404" pitchFamily="49" charset="0"/>
+              </a:rPr>
+              <a:t> </a:t>
+            </a:r>
+            <a:r>
+              <a:rPr lang="en-US" sz="1200" dirty="0" err="1" smtClean="0">
+                <a:solidFill>
+                  <a:srgbClr val="000000"/>
+                </a:solidFill>
+                <a:latin typeface="Courier New" panose="02070309020205020404" pitchFamily="49" charset="0"/>
+              </a:rPr>
+              <a:t>total_pc_potato</a:t>
+            </a:r>
+            <a:r>
+              <a:rPr lang="en-US" sz="1200" dirty="0" smtClean="0">
+                <a:solidFill>
+                  <a:srgbClr val="000000"/>
+                </a:solidFill>
+                <a:latin typeface="Courier New" panose="02070309020205020404" pitchFamily="49" charset="0"/>
+              </a:rPr>
+              <a:t> = total(</a:t>
+            </a:r>
+            <a:r>
+              <a:rPr lang="en-US" sz="1200" dirty="0" err="1" smtClean="0">
+                <a:solidFill>
+                  <a:srgbClr val="000000"/>
+                </a:solidFill>
+                <a:latin typeface="Courier New" panose="02070309020205020404" pitchFamily="49" charset="0"/>
+              </a:rPr>
+              <a:t>pc_potato</a:t>
+            </a:r>
+            <a:r>
+              <a:rPr lang="en-US" sz="1200" dirty="0" smtClean="0">
+                <a:solidFill>
+                  <a:srgbClr val="000000"/>
+                </a:solidFill>
+                <a:latin typeface="Courier New" panose="02070309020205020404" pitchFamily="49" charset="0"/>
+              </a:rPr>
+              <a:t>), by(state)</a:t>
+            </a:r>
+          </a:p>
+          <a:p>
+            <a:r>
+              <a:rPr lang="en-US" sz="1200" dirty="0" err="1" smtClean="0">
+                <a:solidFill>
+                  <a:srgbClr val="000000"/>
+                </a:solidFill>
+                <a:latin typeface="Courier New" panose="02070309020205020404" pitchFamily="49" charset="0"/>
+              </a:rPr>
+              <a:t>egen</a:t>
+            </a:r>
+            <a:r>
+              <a:rPr lang="en-US" sz="1200" dirty="0" smtClean="0">
+                <a:solidFill>
+                  <a:srgbClr val="000000"/>
+                </a:solidFill>
+                <a:latin typeface="Courier New" panose="02070309020205020404" pitchFamily="49" charset="0"/>
+              </a:rPr>
+              <a:t> </a:t>
+            </a:r>
+            <a:r>
+              <a:rPr lang="en-US" sz="1200" dirty="0" err="1" smtClean="0">
+                <a:solidFill>
+                  <a:srgbClr val="000000"/>
+                </a:solidFill>
+                <a:latin typeface="Courier New" panose="02070309020205020404" pitchFamily="49" charset="0"/>
+              </a:rPr>
+              <a:t>total_obs</a:t>
+            </a:r>
+            <a:r>
+              <a:rPr lang="en-US" sz="1200" dirty="0" smtClean="0">
+                <a:solidFill>
+                  <a:srgbClr val="000000"/>
+                </a:solidFill>
+                <a:latin typeface="Courier New" panose="02070309020205020404" pitchFamily="49" charset="0"/>
+              </a:rPr>
+              <a:t> = count(</a:t>
+            </a:r>
+            <a:r>
+              <a:rPr lang="en-US" sz="1200" dirty="0" err="1" smtClean="0">
+                <a:solidFill>
+                  <a:srgbClr val="000000"/>
+                </a:solidFill>
+                <a:latin typeface="Courier New" panose="02070309020205020404" pitchFamily="49" charset="0"/>
+              </a:rPr>
+              <a:t>pc_potato</a:t>
+            </a:r>
+            <a:r>
+              <a:rPr lang="en-US" sz="1200" dirty="0" smtClean="0">
+                <a:solidFill>
+                  <a:srgbClr val="000000"/>
+                </a:solidFill>
+                <a:latin typeface="Courier New" panose="02070309020205020404" pitchFamily="49" charset="0"/>
+              </a:rPr>
+              <a:t>), by(state)</a:t>
+            </a:r>
+          </a:p>
+          <a:p>
+            <a:r>
+              <a:rPr lang="en-US" sz="1200" dirty="0" smtClean="0">
+                <a:solidFill>
+                  <a:srgbClr val="000000"/>
+                </a:solidFill>
+                <a:latin typeface="Courier New" panose="02070309020205020404" pitchFamily="49" charset="0"/>
+              </a:rPr>
+              <a:t>gen </a:t>
+            </a:r>
+            <a:r>
+              <a:rPr lang="en-US" sz="1200" dirty="0" err="1" smtClean="0">
+                <a:solidFill>
+                  <a:srgbClr val="000000"/>
+                </a:solidFill>
+                <a:latin typeface="Courier New" panose="02070309020205020404" pitchFamily="49" charset="0"/>
+              </a:rPr>
+              <a:t>leaveout_state_pc_potato</a:t>
+            </a:r>
+            <a:r>
+              <a:rPr lang="en-US" sz="1200" dirty="0" smtClean="0">
+                <a:solidFill>
+                  <a:srgbClr val="000000"/>
+                </a:solidFill>
+                <a:latin typeface="Courier New" panose="02070309020205020404" pitchFamily="49" charset="0"/>
+              </a:rPr>
+              <a:t> = (</a:t>
+            </a:r>
+            <a:r>
+              <a:rPr lang="en-US" sz="1200" dirty="0" err="1" smtClean="0">
+                <a:solidFill>
+                  <a:srgbClr val="000000"/>
+                </a:solidFill>
+                <a:latin typeface="Courier New" panose="02070309020205020404" pitchFamily="49" charset="0"/>
+              </a:rPr>
+              <a:t>total_pc_potato</a:t>
+            </a:r>
+            <a:r>
+              <a:rPr lang="en-US" sz="1200" dirty="0" smtClean="0">
+                <a:solidFill>
+                  <a:srgbClr val="000000"/>
+                </a:solidFill>
+                <a:latin typeface="Courier New" panose="02070309020205020404" pitchFamily="49" charset="0"/>
+              </a:rPr>
+              <a:t> - </a:t>
+            </a:r>
+            <a:r>
+              <a:rPr lang="en-US" sz="1200" dirty="0" err="1" smtClean="0">
+                <a:solidFill>
+                  <a:srgbClr val="000000"/>
+                </a:solidFill>
+                <a:latin typeface="Courier New" panose="02070309020205020404" pitchFamily="49" charset="0"/>
+              </a:rPr>
+              <a:t>pc_potato</a:t>
+            </a:r>
+            <a:r>
+              <a:rPr lang="en-US" sz="1200" dirty="0" smtClean="0">
+                <a:solidFill>
+                  <a:srgbClr val="000000"/>
+                </a:solidFill>
+                <a:latin typeface="Courier New" panose="02070309020205020404" pitchFamily="49" charset="0"/>
+              </a:rPr>
+              <a:t>) / (</a:t>
+            </a:r>
+            <a:r>
+              <a:rPr lang="en-US" sz="1200" dirty="0" err="1" smtClean="0">
+                <a:solidFill>
+                  <a:srgbClr val="000000"/>
+                </a:solidFill>
+                <a:latin typeface="Courier New" panose="02070309020205020404" pitchFamily="49" charset="0"/>
+              </a:rPr>
+              <a:t>total_obs</a:t>
+            </a:r>
+            <a:r>
+              <a:rPr lang="en-US" sz="1200" dirty="0" smtClean="0">
+                <a:solidFill>
+                  <a:srgbClr val="000000"/>
+                </a:solidFill>
+                <a:latin typeface="Courier New" panose="02070309020205020404" pitchFamily="49" charset="0"/>
+              </a:rPr>
+              <a:t> - 1)</a:t>
+            </a:r>
+            <a:endParaRPr lang="en-US" sz="1200" b="0" i="0" dirty="0">
+              <a:solidFill>
+                <a:srgbClr val="000000"/>
+              </a:solidFill>
+              <a:effectLst/>
+              <a:latin typeface="Courier New" panose="02070309020205020404" pitchFamily="49" charset="0"/>
+            </a:endParaRPr>
+          </a:p>
+        </p:txBody>
+      </p:sp>
+      <p:sp>
+        <p:nvSpPr>
+          <p:cNvPr id="8" name="Rectangle 7"/>
+          <p:cNvSpPr/>
+          <p:nvPr/>
+        </p:nvSpPr>
+        <p:spPr>
+          <a:xfrm>
+            <a:off x="1676400" y="3259886"/>
+            <a:ext cx="9122664" cy="1015663"/>
+          </a:xfrm>
+          <a:prstGeom prst="rect">
+            <a:avLst/>
+          </a:prstGeom>
+        </p:spPr>
+        <p:txBody>
+          <a:bodyPr wrap="square">
+            <a:spAutoFit/>
+          </a:bodyPr>
+          <a:lstStyle/>
+          <a:p>
+            <a:r>
+              <a:rPr lang="en-US" sz="1200" dirty="0" err="1">
+                <a:solidFill>
+                  <a:srgbClr val="000000"/>
+                </a:solidFill>
+                <a:latin typeface="Courier New" panose="02070309020205020404" pitchFamily="49" charset="0"/>
+              </a:rPr>
+              <a:t>egen</a:t>
+            </a:r>
+            <a:r>
+              <a:rPr lang="en-US" sz="1200" dirty="0">
+                <a:solidFill>
+                  <a:srgbClr val="000000"/>
+                </a:solidFill>
+                <a:latin typeface="Courier New" panose="02070309020205020404" pitchFamily="49" charset="0"/>
+              </a:rPr>
+              <a:t> </a:t>
+            </a:r>
+            <a:r>
+              <a:rPr lang="en-US" sz="1200" dirty="0" err="1">
+                <a:solidFill>
+                  <a:srgbClr val="000000"/>
+                </a:solidFill>
+                <a:latin typeface="Courier New" panose="02070309020205020404" pitchFamily="49" charset="0"/>
+              </a:rPr>
+              <a:t>total_pc_potato</a:t>
+            </a:r>
+            <a:r>
+              <a:rPr lang="en-US" sz="1200" dirty="0">
+                <a:solidFill>
+                  <a:srgbClr val="000000"/>
+                </a:solidFill>
+                <a:latin typeface="Courier New" panose="02070309020205020404" pitchFamily="49" charset="0"/>
+              </a:rPr>
+              <a:t> = total(</a:t>
+            </a:r>
+            <a:r>
+              <a:rPr lang="en-US" sz="1200" dirty="0" err="1">
+                <a:solidFill>
+                  <a:srgbClr val="000000"/>
+                </a:solidFill>
+                <a:latin typeface="Courier New" panose="02070309020205020404" pitchFamily="49" charset="0"/>
+              </a:rPr>
+              <a:t>pc_potato</a:t>
+            </a:r>
+            <a:r>
+              <a:rPr lang="en-US" sz="1200" dirty="0">
+                <a:solidFill>
+                  <a:srgbClr val="000000"/>
+                </a:solidFill>
+                <a:latin typeface="Courier New" panose="02070309020205020404" pitchFamily="49" charset="0"/>
+              </a:rPr>
+              <a:t>), by(</a:t>
+            </a:r>
+            <a:r>
+              <a:rPr lang="en-US" sz="1200" dirty="0" err="1">
+                <a:solidFill>
+                  <a:srgbClr val="000000"/>
+                </a:solidFill>
+                <a:latin typeface="Courier New" panose="02070309020205020404" pitchFamily="49" charset="0"/>
+              </a:rPr>
+              <a:t>metroarea</a:t>
+            </a:r>
+            <a:r>
+              <a:rPr lang="en-US" sz="1200" dirty="0">
+                <a:solidFill>
+                  <a:srgbClr val="000000"/>
+                </a:solidFill>
+                <a:latin typeface="Courier New" panose="02070309020205020404" pitchFamily="49" charset="0"/>
+              </a:rPr>
+              <a:t>)</a:t>
+            </a:r>
+          </a:p>
+          <a:p>
+            <a:r>
+              <a:rPr lang="en-US" sz="1200" dirty="0" err="1">
+                <a:solidFill>
+                  <a:srgbClr val="000000"/>
+                </a:solidFill>
+                <a:latin typeface="Courier New" panose="02070309020205020404" pitchFamily="49" charset="0"/>
+              </a:rPr>
+              <a:t>egen</a:t>
+            </a:r>
+            <a:r>
+              <a:rPr lang="en-US" sz="1200" dirty="0">
+                <a:solidFill>
+                  <a:srgbClr val="000000"/>
+                </a:solidFill>
+                <a:latin typeface="Courier New" panose="02070309020205020404" pitchFamily="49" charset="0"/>
+              </a:rPr>
+              <a:t> </a:t>
+            </a:r>
+            <a:r>
+              <a:rPr lang="en-US" sz="1200" dirty="0" err="1">
+                <a:solidFill>
+                  <a:srgbClr val="000000"/>
+                </a:solidFill>
+                <a:latin typeface="Courier New" panose="02070309020205020404" pitchFamily="49" charset="0"/>
+              </a:rPr>
+              <a:t>total_obs</a:t>
+            </a:r>
+            <a:r>
+              <a:rPr lang="en-US" sz="1200" dirty="0">
+                <a:solidFill>
+                  <a:srgbClr val="000000"/>
+                </a:solidFill>
+                <a:latin typeface="Courier New" panose="02070309020205020404" pitchFamily="49" charset="0"/>
+              </a:rPr>
+              <a:t> = count(</a:t>
+            </a:r>
+            <a:r>
+              <a:rPr lang="en-US" sz="1200" dirty="0" err="1">
+                <a:solidFill>
+                  <a:srgbClr val="000000"/>
+                </a:solidFill>
+                <a:latin typeface="Courier New" panose="02070309020205020404" pitchFamily="49" charset="0"/>
+              </a:rPr>
+              <a:t>pc_potato</a:t>
+            </a:r>
+            <a:r>
+              <a:rPr lang="en-US" sz="1200" dirty="0">
+                <a:solidFill>
+                  <a:srgbClr val="000000"/>
+                </a:solidFill>
+                <a:latin typeface="Courier New" panose="02070309020205020404" pitchFamily="49" charset="0"/>
+              </a:rPr>
+              <a:t>), by(</a:t>
+            </a:r>
+            <a:r>
+              <a:rPr lang="en-US" sz="1200" dirty="0">
+                <a:solidFill>
+                  <a:srgbClr val="FF0000"/>
+                </a:solidFill>
+                <a:latin typeface="Courier New" panose="02070309020205020404" pitchFamily="49" charset="0"/>
+              </a:rPr>
+              <a:t>state</a:t>
+            </a:r>
+            <a:r>
+              <a:rPr lang="en-US" sz="1200" dirty="0">
+                <a:solidFill>
+                  <a:srgbClr val="000000"/>
+                </a:solidFill>
+                <a:latin typeface="Courier New" panose="02070309020205020404" pitchFamily="49" charset="0"/>
+              </a:rPr>
+              <a:t>)</a:t>
+            </a:r>
+          </a:p>
+          <a:p>
+            <a:r>
+              <a:rPr lang="en-US" sz="1200" dirty="0">
+                <a:solidFill>
+                  <a:srgbClr val="000000"/>
+                </a:solidFill>
+                <a:latin typeface="Courier New" panose="02070309020205020404" pitchFamily="49" charset="0"/>
+              </a:rPr>
+              <a:t>gen </a:t>
+            </a:r>
+            <a:r>
+              <a:rPr lang="en-US" sz="1200" dirty="0" err="1">
+                <a:solidFill>
+                  <a:srgbClr val="000000"/>
+                </a:solidFill>
+                <a:latin typeface="Courier New" panose="02070309020205020404" pitchFamily="49" charset="0"/>
+              </a:rPr>
+              <a:t>leaveout_metro_pc_potato</a:t>
+            </a:r>
+            <a:r>
+              <a:rPr lang="en-US" sz="1200" dirty="0">
+                <a:solidFill>
+                  <a:srgbClr val="000000"/>
+                </a:solidFill>
+                <a:latin typeface="Courier New" panose="02070309020205020404" pitchFamily="49" charset="0"/>
+              </a:rPr>
+              <a:t> = (</a:t>
+            </a:r>
+            <a:r>
+              <a:rPr lang="en-US" sz="1200" dirty="0" err="1">
+                <a:solidFill>
+                  <a:srgbClr val="000000"/>
+                </a:solidFill>
+                <a:latin typeface="Courier New" panose="02070309020205020404" pitchFamily="49" charset="0"/>
+              </a:rPr>
+              <a:t>total_pc_potato</a:t>
+            </a:r>
+            <a:r>
+              <a:rPr lang="en-US" sz="1200" dirty="0">
+                <a:solidFill>
+                  <a:srgbClr val="000000"/>
+                </a:solidFill>
+                <a:latin typeface="Courier New" panose="02070309020205020404" pitchFamily="49" charset="0"/>
+              </a:rPr>
+              <a:t> - </a:t>
+            </a:r>
+            <a:r>
+              <a:rPr lang="en-US" sz="1200" dirty="0" err="1">
+                <a:solidFill>
+                  <a:srgbClr val="000000"/>
+                </a:solidFill>
+                <a:latin typeface="Courier New" panose="02070309020205020404" pitchFamily="49" charset="0"/>
+              </a:rPr>
+              <a:t>pc_potato</a:t>
+            </a:r>
+            <a:r>
+              <a:rPr lang="en-US" sz="1200" dirty="0">
+                <a:solidFill>
+                  <a:srgbClr val="000000"/>
+                </a:solidFill>
+                <a:latin typeface="Courier New" panose="02070309020205020404" pitchFamily="49" charset="0"/>
+              </a:rPr>
+              <a:t>) / (</a:t>
+            </a:r>
+            <a:r>
+              <a:rPr lang="en-US" sz="1200" dirty="0" err="1">
+                <a:solidFill>
+                  <a:srgbClr val="000000"/>
+                </a:solidFill>
+                <a:latin typeface="Courier New" panose="02070309020205020404" pitchFamily="49" charset="0"/>
+              </a:rPr>
+              <a:t>total_obs</a:t>
+            </a:r>
+            <a:r>
+              <a:rPr lang="en-US" sz="1200" dirty="0">
+                <a:solidFill>
+                  <a:srgbClr val="000000"/>
+                </a:solidFill>
+                <a:latin typeface="Courier New" panose="02070309020205020404" pitchFamily="49" charset="0"/>
+              </a:rPr>
+              <a:t> - 1)</a:t>
+            </a:r>
+          </a:p>
+          <a:p>
+            <a:r>
+              <a:rPr lang="en-US" sz="1200" dirty="0"/>
+              <a:t/>
+            </a:r>
+            <a:br>
+              <a:rPr lang="en-US" sz="1200" dirty="0"/>
+            </a:br>
+            <a:endParaRPr lang="en-US" sz="1200" dirty="0"/>
+          </a:p>
+        </p:txBody>
+      </p:sp>
+      <p:sp>
+        <p:nvSpPr>
+          <p:cNvPr id="9" name="Rectangle 8"/>
+          <p:cNvSpPr/>
+          <p:nvPr/>
+        </p:nvSpPr>
+        <p:spPr>
+          <a:xfrm>
+            <a:off x="1676400" y="4184595"/>
+            <a:ext cx="9122664" cy="1015663"/>
+          </a:xfrm>
+          <a:prstGeom prst="rect">
+            <a:avLst/>
+          </a:prstGeom>
+        </p:spPr>
+        <p:txBody>
+          <a:bodyPr wrap="square">
+            <a:spAutoFit/>
+          </a:bodyPr>
+          <a:lstStyle/>
+          <a:p>
+            <a:r>
+              <a:rPr lang="en-US" sz="1200" dirty="0" err="1">
+                <a:solidFill>
+                  <a:srgbClr val="000000"/>
+                </a:solidFill>
+                <a:latin typeface="Courier New" panose="02070309020205020404" pitchFamily="49" charset="0"/>
+              </a:rPr>
+              <a:t>egen</a:t>
+            </a:r>
+            <a:r>
+              <a:rPr lang="en-US" sz="1200" dirty="0">
+                <a:solidFill>
+                  <a:srgbClr val="000000"/>
+                </a:solidFill>
+                <a:latin typeface="Courier New" panose="02070309020205020404" pitchFamily="49" charset="0"/>
+              </a:rPr>
+              <a:t> </a:t>
+            </a:r>
+            <a:r>
+              <a:rPr lang="en-US" sz="1200" dirty="0" err="1">
+                <a:solidFill>
+                  <a:srgbClr val="000000"/>
+                </a:solidFill>
+                <a:latin typeface="Courier New" panose="02070309020205020404" pitchFamily="49" charset="0"/>
+              </a:rPr>
+              <a:t>total_hh_potato</a:t>
+            </a:r>
+            <a:r>
+              <a:rPr lang="en-US" sz="1200" dirty="0">
+                <a:solidFill>
+                  <a:srgbClr val="000000"/>
+                </a:solidFill>
+                <a:latin typeface="Courier New" panose="02070309020205020404" pitchFamily="49" charset="0"/>
+              </a:rPr>
+              <a:t> = total(</a:t>
+            </a:r>
+            <a:r>
+              <a:rPr lang="en-US" sz="1200" dirty="0" err="1">
+                <a:solidFill>
+                  <a:srgbClr val="000000"/>
+                </a:solidFill>
+                <a:latin typeface="Courier New" panose="02070309020205020404" pitchFamily="49" charset="0"/>
+              </a:rPr>
+              <a:t>hh_potato</a:t>
+            </a:r>
+            <a:r>
+              <a:rPr lang="en-US" sz="1200" dirty="0">
+                <a:solidFill>
+                  <a:srgbClr val="000000"/>
+                </a:solidFill>
+                <a:latin typeface="Courier New" panose="02070309020205020404" pitchFamily="49" charset="0"/>
+              </a:rPr>
+              <a:t>), by(</a:t>
+            </a:r>
+            <a:r>
+              <a:rPr lang="en-US" sz="1200" dirty="0" err="1">
+                <a:latin typeface="Courier New" panose="02070309020205020404" pitchFamily="49" charset="0"/>
+              </a:rPr>
+              <a:t>metroarea</a:t>
+            </a:r>
+            <a:r>
+              <a:rPr lang="en-US" sz="1200" dirty="0">
+                <a:solidFill>
+                  <a:srgbClr val="000000"/>
+                </a:solidFill>
+                <a:latin typeface="Courier New" panose="02070309020205020404" pitchFamily="49" charset="0"/>
+              </a:rPr>
+              <a:t>)</a:t>
+            </a:r>
+          </a:p>
+          <a:p>
+            <a:r>
+              <a:rPr lang="en-US" sz="1200" dirty="0" err="1">
+                <a:solidFill>
+                  <a:srgbClr val="000000"/>
+                </a:solidFill>
+                <a:latin typeface="Courier New" panose="02070309020205020404" pitchFamily="49" charset="0"/>
+              </a:rPr>
+              <a:t>egen</a:t>
+            </a:r>
+            <a:r>
+              <a:rPr lang="en-US" sz="1200" dirty="0">
+                <a:solidFill>
+                  <a:srgbClr val="000000"/>
+                </a:solidFill>
+                <a:latin typeface="Courier New" panose="02070309020205020404" pitchFamily="49" charset="0"/>
+              </a:rPr>
+              <a:t> </a:t>
+            </a:r>
+            <a:r>
+              <a:rPr lang="en-US" sz="1200" dirty="0" err="1">
+                <a:solidFill>
+                  <a:srgbClr val="000000"/>
+                </a:solidFill>
+                <a:latin typeface="Courier New" panose="02070309020205020404" pitchFamily="49" charset="0"/>
+              </a:rPr>
+              <a:t>total_obs</a:t>
+            </a:r>
+            <a:r>
+              <a:rPr lang="en-US" sz="1200" dirty="0">
+                <a:solidFill>
+                  <a:srgbClr val="000000"/>
+                </a:solidFill>
+                <a:latin typeface="Courier New" panose="02070309020205020404" pitchFamily="49" charset="0"/>
+              </a:rPr>
+              <a:t> = count(</a:t>
+            </a:r>
+            <a:r>
+              <a:rPr lang="en-US" sz="1200" dirty="0" err="1">
+                <a:solidFill>
+                  <a:srgbClr val="000000"/>
+                </a:solidFill>
+                <a:latin typeface="Courier New" panose="02070309020205020404" pitchFamily="49" charset="0"/>
+              </a:rPr>
+              <a:t>hh_potato</a:t>
+            </a:r>
+            <a:r>
+              <a:rPr lang="en-US" sz="1200" dirty="0">
+                <a:solidFill>
+                  <a:srgbClr val="000000"/>
+                </a:solidFill>
+                <a:latin typeface="Courier New" panose="02070309020205020404" pitchFamily="49" charset="0"/>
+              </a:rPr>
+              <a:t>), by(</a:t>
+            </a:r>
+            <a:r>
+              <a:rPr lang="en-US" sz="1200" dirty="0">
+                <a:solidFill>
+                  <a:srgbClr val="FF0000"/>
+                </a:solidFill>
+                <a:latin typeface="Courier New" panose="02070309020205020404" pitchFamily="49" charset="0"/>
+              </a:rPr>
+              <a:t>state</a:t>
+            </a:r>
+            <a:r>
+              <a:rPr lang="en-US" sz="1200" dirty="0">
+                <a:solidFill>
+                  <a:srgbClr val="000000"/>
+                </a:solidFill>
+                <a:latin typeface="Courier New" panose="02070309020205020404" pitchFamily="49" charset="0"/>
+              </a:rPr>
+              <a:t>)</a:t>
+            </a:r>
+          </a:p>
+          <a:p>
+            <a:r>
+              <a:rPr lang="en-US" sz="1200" dirty="0">
+                <a:solidFill>
+                  <a:srgbClr val="000000"/>
+                </a:solidFill>
+                <a:latin typeface="Courier New" panose="02070309020205020404" pitchFamily="49" charset="0"/>
+              </a:rPr>
+              <a:t>gen </a:t>
+            </a:r>
+            <a:r>
+              <a:rPr lang="en-US" sz="1200" dirty="0" err="1">
+                <a:solidFill>
+                  <a:srgbClr val="000000"/>
+                </a:solidFill>
+                <a:latin typeface="Courier New" panose="02070309020205020404" pitchFamily="49" charset="0"/>
+              </a:rPr>
+              <a:t>leaveout_metro_hh_potato</a:t>
+            </a:r>
+            <a:r>
+              <a:rPr lang="en-US" sz="1200" dirty="0">
+                <a:solidFill>
+                  <a:srgbClr val="000000"/>
+                </a:solidFill>
+                <a:latin typeface="Courier New" panose="02070309020205020404" pitchFamily="49" charset="0"/>
+              </a:rPr>
+              <a:t> = (</a:t>
+            </a:r>
+            <a:r>
+              <a:rPr lang="en-US" sz="1200" dirty="0" err="1">
+                <a:solidFill>
+                  <a:srgbClr val="000000"/>
+                </a:solidFill>
+                <a:latin typeface="Courier New" panose="02070309020205020404" pitchFamily="49" charset="0"/>
+              </a:rPr>
+              <a:t>total_hh_potato</a:t>
+            </a:r>
+            <a:r>
+              <a:rPr lang="en-US" sz="1200" dirty="0">
+                <a:solidFill>
+                  <a:srgbClr val="000000"/>
+                </a:solidFill>
+                <a:latin typeface="Courier New" panose="02070309020205020404" pitchFamily="49" charset="0"/>
+              </a:rPr>
+              <a:t> - </a:t>
+            </a:r>
+            <a:r>
+              <a:rPr lang="en-US" sz="1200" dirty="0" err="1">
+                <a:solidFill>
+                  <a:srgbClr val="FF0000"/>
+                </a:solidFill>
+                <a:latin typeface="Courier New" panose="02070309020205020404" pitchFamily="49" charset="0"/>
+              </a:rPr>
+              <a:t>pc_potato</a:t>
+            </a:r>
+            <a:r>
+              <a:rPr lang="en-US" sz="1200" dirty="0">
+                <a:solidFill>
+                  <a:srgbClr val="000000"/>
+                </a:solidFill>
+                <a:latin typeface="Courier New" panose="02070309020205020404" pitchFamily="49" charset="0"/>
+              </a:rPr>
+              <a:t>) / (</a:t>
+            </a:r>
+            <a:r>
+              <a:rPr lang="en-US" sz="1200" dirty="0" err="1">
+                <a:solidFill>
+                  <a:srgbClr val="000000"/>
+                </a:solidFill>
+                <a:latin typeface="Courier New" panose="02070309020205020404" pitchFamily="49" charset="0"/>
+              </a:rPr>
+              <a:t>total_obs</a:t>
+            </a:r>
+            <a:r>
+              <a:rPr lang="en-US" sz="1200" dirty="0">
+                <a:solidFill>
+                  <a:srgbClr val="000000"/>
+                </a:solidFill>
+                <a:latin typeface="Courier New" panose="02070309020205020404" pitchFamily="49" charset="0"/>
+              </a:rPr>
+              <a:t> - 1)</a:t>
+            </a:r>
+          </a:p>
+          <a:p>
+            <a:r>
+              <a:rPr lang="en-US" sz="1200" dirty="0"/>
+              <a:t/>
+            </a:r>
+            <a:br>
+              <a:rPr lang="en-US" sz="1200" dirty="0"/>
+            </a:br>
+            <a:endParaRPr lang="en-US" sz="1200" dirty="0"/>
+          </a:p>
+        </p:txBody>
+      </p:sp>
+      <p:sp>
+        <p:nvSpPr>
+          <p:cNvPr id="10" name="TextBox 9"/>
+          <p:cNvSpPr txBox="1"/>
+          <p:nvPr/>
+        </p:nvSpPr>
+        <p:spPr>
+          <a:xfrm>
+            <a:off x="1069848" y="1653492"/>
+            <a:ext cx="3552191" cy="646331"/>
+          </a:xfrm>
+          <a:prstGeom prst="rect">
+            <a:avLst/>
+          </a:prstGeom>
+          <a:noFill/>
+        </p:spPr>
+        <p:txBody>
+          <a:bodyPr wrap="none" rtlCol="0">
+            <a:spAutoFit/>
+          </a:bodyPr>
+          <a:lstStyle/>
+          <a:p>
+            <a:r>
+              <a:rPr lang="en-US" dirty="0" smtClean="0"/>
+              <a:t>Leave-out of per capita (</a:t>
+            </a:r>
+            <a:r>
+              <a:rPr lang="en-US" dirty="0" err="1" smtClean="0"/>
+              <a:t>pc_potato</a:t>
+            </a:r>
+            <a:r>
+              <a:rPr lang="en-US" dirty="0" smtClean="0"/>
+              <a:t>) </a:t>
+            </a:r>
+          </a:p>
+          <a:p>
+            <a:r>
+              <a:rPr lang="en-US" dirty="0" smtClean="0"/>
+              <a:t>at county level</a:t>
+            </a:r>
+            <a:endParaRPr lang="en-US" dirty="0"/>
+          </a:p>
+        </p:txBody>
+      </p:sp>
+      <p:sp>
+        <p:nvSpPr>
+          <p:cNvPr id="11" name="Rectangle 10"/>
+          <p:cNvSpPr/>
+          <p:nvPr/>
+        </p:nvSpPr>
+        <p:spPr>
+          <a:xfrm>
+            <a:off x="1069848" y="2973916"/>
+            <a:ext cx="1463414" cy="369332"/>
+          </a:xfrm>
+          <a:prstGeom prst="rect">
+            <a:avLst/>
+          </a:prstGeom>
+        </p:spPr>
+        <p:txBody>
+          <a:bodyPr wrap="none">
+            <a:spAutoFit/>
+          </a:bodyPr>
+          <a:lstStyle/>
+          <a:p>
+            <a:r>
+              <a:rPr lang="en-US" dirty="0"/>
+              <a:t>at </a:t>
+            </a:r>
+            <a:r>
+              <a:rPr lang="en-US" dirty="0" smtClean="0"/>
+              <a:t>metro area</a:t>
+            </a:r>
+            <a:endParaRPr lang="en-US" dirty="0"/>
+          </a:p>
+        </p:txBody>
+      </p:sp>
+      <p:sp>
+        <p:nvSpPr>
+          <p:cNvPr id="12" name="Rectangle 11"/>
+          <p:cNvSpPr/>
+          <p:nvPr/>
+        </p:nvSpPr>
+        <p:spPr>
+          <a:xfrm>
+            <a:off x="1069848" y="3868974"/>
+            <a:ext cx="5109156" cy="369332"/>
+          </a:xfrm>
+          <a:prstGeom prst="rect">
+            <a:avLst/>
+          </a:prstGeom>
+        </p:spPr>
+        <p:txBody>
+          <a:bodyPr wrap="none">
+            <a:spAutoFit/>
+          </a:bodyPr>
+          <a:lstStyle/>
+          <a:p>
+            <a:r>
+              <a:rPr lang="en-US" dirty="0"/>
+              <a:t>at </a:t>
+            </a:r>
+            <a:r>
+              <a:rPr lang="en-US" dirty="0" smtClean="0"/>
+              <a:t>household (rather than capita) level at metro area</a:t>
+            </a:r>
+            <a:endParaRPr lang="en-US" dirty="0"/>
+          </a:p>
+        </p:txBody>
+      </p:sp>
     </p:spTree>
     <p:extLst>
       <p:ext uri="{BB962C8B-B14F-4D97-AF65-F5344CB8AC3E}">
-        <p14:creationId xmlns:p14="http://schemas.microsoft.com/office/powerpoint/2010/main" val="3169233395"/>
+        <p14:creationId xmlns:p14="http://schemas.microsoft.com/office/powerpoint/2010/main" val="2475556380"/>
       </p:ext>
     </p:extLst>
   </p:cSld>
@@ -25843,6 +25500,457 @@
           <a:p>
             <a:r>
               <a:rPr lang="en-US" dirty="0" smtClean="0"/>
+              <a:t>Better way</a:t>
+            </a:r>
+            <a:endParaRPr lang="en-US" dirty="0"/>
+          </a:p>
+        </p:txBody>
+      </p:sp>
+      <p:sp>
+        <p:nvSpPr>
+          <p:cNvPr id="3" name="Content Placeholder 2"/>
+          <p:cNvSpPr>
+            <a:spLocks noGrp="1"/>
+          </p:cNvSpPr>
+          <p:nvPr>
+            <p:ph idx="1"/>
+          </p:nvPr>
+        </p:nvSpPr>
+        <p:spPr/>
+        <p:txBody>
+          <a:bodyPr>
+            <a:noAutofit/>
+          </a:bodyPr>
+          <a:lstStyle/>
+          <a:p>
+            <a:pPr marL="0" indent="0">
+              <a:buNone/>
+            </a:pPr>
+            <a:r>
+              <a:rPr lang="en-US" sz="1600" dirty="0"/>
+              <a:t>program </a:t>
+            </a:r>
+            <a:r>
+              <a:rPr lang="en-US" sz="1600" dirty="0" err="1"/>
+              <a:t>leaveout_mean</a:t>
+            </a:r>
+            <a:endParaRPr lang="en-US" sz="1600" dirty="0"/>
+          </a:p>
+          <a:p>
+            <a:pPr marL="0" indent="0">
+              <a:buNone/>
+            </a:pPr>
+            <a:r>
+              <a:rPr lang="en-US" sz="1600" dirty="0" smtClean="0"/>
+              <a:t>	syntax</a:t>
+            </a:r>
+            <a:r>
+              <a:rPr lang="en-US" sz="1600" dirty="0"/>
+              <a:t>, invar(</a:t>
+            </a:r>
+            <a:r>
+              <a:rPr lang="en-US" sz="1600" dirty="0" err="1"/>
+              <a:t>varname</a:t>
+            </a:r>
+            <a:r>
+              <a:rPr lang="en-US" sz="1600" dirty="0"/>
+              <a:t>) </a:t>
+            </a:r>
+            <a:r>
+              <a:rPr lang="en-US" sz="1600" dirty="0" err="1"/>
+              <a:t>outvar</a:t>
+            </a:r>
+            <a:r>
+              <a:rPr lang="en-US" sz="1600" dirty="0"/>
+              <a:t>(name) </a:t>
+            </a:r>
+            <a:r>
+              <a:rPr lang="en-US" sz="1600" dirty="0" err="1"/>
+              <a:t>byvar</a:t>
+            </a:r>
+            <a:r>
+              <a:rPr lang="en-US" sz="1600" dirty="0"/>
+              <a:t>(</a:t>
+            </a:r>
+            <a:r>
+              <a:rPr lang="en-US" sz="1600" dirty="0" err="1"/>
+              <a:t>varname</a:t>
+            </a:r>
+            <a:r>
+              <a:rPr lang="en-US" sz="1600" dirty="0"/>
+              <a:t>)</a:t>
+            </a:r>
+          </a:p>
+          <a:p>
+            <a:pPr marL="0" indent="0">
+              <a:buNone/>
+            </a:pPr>
+            <a:r>
+              <a:rPr lang="en-US" sz="1600" dirty="0" smtClean="0"/>
+              <a:t>	</a:t>
+            </a:r>
+            <a:r>
+              <a:rPr lang="en-US" sz="1600" dirty="0" err="1" smtClean="0"/>
+              <a:t>tempvar</a:t>
+            </a:r>
+            <a:r>
+              <a:rPr lang="en-US" sz="1600" dirty="0" smtClean="0"/>
+              <a:t> </a:t>
+            </a:r>
+            <a:r>
+              <a:rPr lang="en-US" sz="1600" dirty="0" err="1"/>
+              <a:t>tot_invar</a:t>
+            </a:r>
+            <a:r>
+              <a:rPr lang="en-US" sz="1600" dirty="0"/>
+              <a:t> </a:t>
+            </a:r>
+            <a:r>
+              <a:rPr lang="en-US" sz="1600" dirty="0" err="1"/>
+              <a:t>count_invar</a:t>
+            </a:r>
+            <a:endParaRPr lang="en-US" sz="1600" dirty="0"/>
+          </a:p>
+          <a:p>
+            <a:pPr marL="0" indent="0">
+              <a:buNone/>
+            </a:pPr>
+            <a:r>
+              <a:rPr lang="en-US" sz="1600" dirty="0" smtClean="0"/>
+              <a:t>	</a:t>
+            </a:r>
+            <a:r>
+              <a:rPr lang="en-US" sz="1600" dirty="0" err="1" smtClean="0"/>
+              <a:t>egen</a:t>
+            </a:r>
+            <a:r>
+              <a:rPr lang="en-US" sz="1600" dirty="0" smtClean="0"/>
+              <a:t> </a:t>
+            </a:r>
+            <a:r>
+              <a:rPr lang="en-US" sz="1600" dirty="0"/>
+              <a:t>`</a:t>
+            </a:r>
+            <a:r>
+              <a:rPr lang="en-US" sz="1600" dirty="0" err="1"/>
+              <a:t>tot_invar</a:t>
+            </a:r>
+            <a:r>
+              <a:rPr lang="en-US" sz="1600" dirty="0"/>
+              <a:t>'= total(`invar'), by(`</a:t>
+            </a:r>
+            <a:r>
+              <a:rPr lang="en-US" sz="1600" dirty="0" err="1"/>
+              <a:t>byvar</a:t>
+            </a:r>
+            <a:r>
+              <a:rPr lang="en-US" sz="1600" dirty="0"/>
+              <a:t>')</a:t>
+            </a:r>
+          </a:p>
+          <a:p>
+            <a:pPr marL="0" indent="0">
+              <a:buNone/>
+            </a:pPr>
+            <a:r>
+              <a:rPr lang="en-US" sz="1600" dirty="0" smtClean="0"/>
+              <a:t>	</a:t>
+            </a:r>
+            <a:r>
+              <a:rPr lang="en-US" sz="1600" dirty="0" err="1" smtClean="0"/>
+              <a:t>egen</a:t>
+            </a:r>
+            <a:r>
+              <a:rPr lang="en-US" sz="1600" dirty="0" smtClean="0"/>
+              <a:t> </a:t>
+            </a:r>
+            <a:r>
+              <a:rPr lang="en-US" sz="1600" dirty="0"/>
+              <a:t>`</a:t>
+            </a:r>
+            <a:r>
+              <a:rPr lang="en-US" sz="1600" dirty="0" err="1"/>
+              <a:t>count_invar</a:t>
+            </a:r>
+            <a:r>
+              <a:rPr lang="en-US" sz="1600" dirty="0"/>
+              <a:t>'= count(`invar'), by(`</a:t>
+            </a:r>
+            <a:r>
+              <a:rPr lang="en-US" sz="1600" dirty="0" err="1"/>
+              <a:t>byvar</a:t>
+            </a:r>
+            <a:r>
+              <a:rPr lang="en-US" sz="1600" dirty="0"/>
+              <a:t>')</a:t>
+            </a:r>
+          </a:p>
+          <a:p>
+            <a:pPr marL="0" indent="0">
+              <a:buNone/>
+            </a:pPr>
+            <a:r>
+              <a:rPr lang="en-US" sz="1600" dirty="0" smtClean="0"/>
+              <a:t>	gen </a:t>
+            </a:r>
+            <a:r>
+              <a:rPr lang="en-US" sz="1600" dirty="0"/>
+              <a:t>`</a:t>
+            </a:r>
+            <a:r>
+              <a:rPr lang="en-US" sz="1600" dirty="0" err="1"/>
+              <a:t>outvar</a:t>
+            </a:r>
+            <a:r>
+              <a:rPr lang="en-US" sz="1600" dirty="0"/>
+              <a:t>' = (`</a:t>
+            </a:r>
+            <a:r>
+              <a:rPr lang="en-US" sz="1600" dirty="0" err="1"/>
+              <a:t>tot_invar</a:t>
+            </a:r>
+            <a:r>
+              <a:rPr lang="en-US" sz="1600" dirty="0"/>
+              <a:t>' - `invar') / (`</a:t>
+            </a:r>
+            <a:r>
+              <a:rPr lang="en-US" sz="1600" dirty="0" err="1"/>
+              <a:t>count_invar</a:t>
+            </a:r>
+            <a:r>
+              <a:rPr lang="en-US" sz="1600" dirty="0"/>
+              <a:t>' - 1)</a:t>
+            </a:r>
+          </a:p>
+          <a:p>
+            <a:pPr marL="0" indent="0">
+              <a:buNone/>
+            </a:pPr>
+            <a:r>
+              <a:rPr lang="en-US" sz="1600" dirty="0"/>
+              <a:t>end</a:t>
+            </a:r>
+          </a:p>
+          <a:p>
+            <a:pPr marL="0" indent="0">
+              <a:buNone/>
+            </a:pPr>
+            <a:endParaRPr lang="en-US" sz="1600" dirty="0" smtClean="0"/>
+          </a:p>
+          <a:p>
+            <a:pPr marL="0" indent="0">
+              <a:buNone/>
+            </a:pPr>
+            <a:r>
+              <a:rPr lang="en-US" sz="1600" dirty="0" err="1" smtClean="0"/>
+              <a:t>leaveout_mean</a:t>
+            </a:r>
+            <a:r>
+              <a:rPr lang="en-US" sz="1600" dirty="0"/>
+              <a:t>, invar(</a:t>
+            </a:r>
+            <a:r>
+              <a:rPr lang="en-US" sz="1600" dirty="0" err="1"/>
+              <a:t>pc_potato</a:t>
+            </a:r>
+            <a:r>
+              <a:rPr lang="en-US" sz="1600" dirty="0"/>
+              <a:t>) </a:t>
+            </a:r>
+            <a:r>
+              <a:rPr lang="en-US" sz="1600" dirty="0" err="1"/>
+              <a:t>outvar</a:t>
+            </a:r>
+            <a:r>
+              <a:rPr lang="en-US" sz="1600" dirty="0"/>
+              <a:t>(</a:t>
+            </a:r>
+            <a:r>
+              <a:rPr lang="en-US" sz="1600" dirty="0" err="1"/>
+              <a:t>leaveout_state_pc_potato</a:t>
+            </a:r>
+            <a:r>
+              <a:rPr lang="en-US" sz="1600" dirty="0"/>
+              <a:t>) </a:t>
+            </a:r>
+            <a:r>
+              <a:rPr lang="en-US" sz="1600" dirty="0" err="1"/>
+              <a:t>byvar</a:t>
+            </a:r>
+            <a:r>
+              <a:rPr lang="en-US" sz="1600" dirty="0"/>
+              <a:t>(state)</a:t>
+            </a:r>
+          </a:p>
+          <a:p>
+            <a:pPr marL="0" indent="0">
+              <a:buNone/>
+            </a:pPr>
+            <a:r>
+              <a:rPr lang="en-US" sz="1600" dirty="0" err="1"/>
+              <a:t>leaveout_mean</a:t>
+            </a:r>
+            <a:r>
+              <a:rPr lang="en-US" sz="1600" dirty="0"/>
+              <a:t>, invar(</a:t>
+            </a:r>
+            <a:r>
+              <a:rPr lang="en-US" sz="1600" dirty="0" err="1"/>
+              <a:t>pc_potato</a:t>
+            </a:r>
+            <a:r>
+              <a:rPr lang="en-US" sz="1600" dirty="0"/>
+              <a:t>) </a:t>
+            </a:r>
+            <a:r>
+              <a:rPr lang="en-US" sz="1600" dirty="0" err="1"/>
+              <a:t>outvar</a:t>
+            </a:r>
+            <a:r>
+              <a:rPr lang="en-US" sz="1600" dirty="0"/>
+              <a:t>(</a:t>
+            </a:r>
+            <a:r>
+              <a:rPr lang="en-US" sz="1600" dirty="0" err="1"/>
+              <a:t>leaveout_metro_pc_potato</a:t>
+            </a:r>
+            <a:r>
+              <a:rPr lang="en-US" sz="1600" dirty="0"/>
+              <a:t>) </a:t>
+            </a:r>
+            <a:r>
+              <a:rPr lang="en-US" sz="1600" dirty="0" err="1"/>
+              <a:t>byvar</a:t>
+            </a:r>
+            <a:r>
+              <a:rPr lang="en-US" sz="1600" dirty="0"/>
+              <a:t>(metro)</a:t>
+            </a:r>
+          </a:p>
+          <a:p>
+            <a:pPr marL="0" indent="0">
+              <a:buNone/>
+            </a:pPr>
+            <a:r>
+              <a:rPr lang="en-US" sz="1600" dirty="0" err="1"/>
+              <a:t>leaveout_mean</a:t>
+            </a:r>
+            <a:r>
+              <a:rPr lang="en-US" sz="1600" dirty="0"/>
+              <a:t>, invar(</a:t>
+            </a:r>
+            <a:r>
+              <a:rPr lang="en-US" sz="1600" dirty="0" err="1"/>
+              <a:t>hh_potato</a:t>
+            </a:r>
+            <a:r>
+              <a:rPr lang="en-US" sz="1600" dirty="0"/>
+              <a:t>) </a:t>
+            </a:r>
+            <a:r>
+              <a:rPr lang="en-US" sz="1600" dirty="0" err="1"/>
+              <a:t>outvar</a:t>
+            </a:r>
+            <a:r>
+              <a:rPr lang="en-US" sz="1600" dirty="0"/>
+              <a:t>(</a:t>
+            </a:r>
+            <a:r>
+              <a:rPr lang="en-US" sz="1600" dirty="0" err="1"/>
+              <a:t>leaveout_metro_hh_potato</a:t>
+            </a:r>
+            <a:r>
+              <a:rPr lang="en-US" sz="1600" dirty="0"/>
+              <a:t>) </a:t>
+            </a:r>
+            <a:r>
+              <a:rPr lang="en-US" sz="1600" dirty="0" err="1"/>
+              <a:t>byvar</a:t>
+            </a:r>
+            <a:r>
+              <a:rPr lang="en-US" sz="1600" dirty="0"/>
+              <a:t>(metro)</a:t>
+            </a:r>
+          </a:p>
+        </p:txBody>
+      </p:sp>
+      <p:sp>
+        <p:nvSpPr>
+          <p:cNvPr id="4" name="Slide Number Placeholder 3"/>
+          <p:cNvSpPr>
+            <a:spLocks noGrp="1"/>
+          </p:cNvSpPr>
+          <p:nvPr>
+            <p:ph type="sldNum" sz="quarter" idx="12"/>
+          </p:nvPr>
+        </p:nvSpPr>
+        <p:spPr/>
+        <p:txBody>
+          <a:bodyPr/>
+          <a:lstStyle/>
+          <a:p>
+            <a:fld id="{CA22A544-1804-4386-8584-5A7D657EA902}" type="slidenum">
+              <a:rPr lang="en-US" smtClean="0"/>
+              <a:t>34</a:t>
+            </a:fld>
+            <a:endParaRPr lang="en-US"/>
+          </a:p>
+        </p:txBody>
+      </p:sp>
+    </p:spTree>
+    <p:extLst>
+      <p:ext uri="{BB962C8B-B14F-4D97-AF65-F5344CB8AC3E}">
+        <p14:creationId xmlns:p14="http://schemas.microsoft.com/office/powerpoint/2010/main" val="3169233395"/>
+      </p:ext>
+    </p:extLst>
+  </p:cSld>
+  <p:clrMapOvr>
+    <a:masterClrMapping/>
+  </p:clrMapOvr>
+  <p:timing>
+    <p:tnLst>
+      <p:par>
+        <p:cTn id="1" dur="indefinite" restart="never" nodeType="tmRoot"/>
+      </p:par>
+    </p:tnLst>
+  </p:timing>
+</p:sld>
+</file>
+
+<file path=ppt/slides/slide35.xml><?xml version="1.0" encoding="utf-8"?>
+<p:sld xmlns:a="http://schemas.openxmlformats.org/drawingml/2006/main" xmlns:r="http://schemas.openxmlformats.org/officeDocument/2006/relationships" xmlns:p="http://schemas.openxmlformats.org/presentationml/2006/main">
+  <p:cSld>
+    <p:spTree>
+      <p:nvGrpSpPr>
+        <p:cNvPr id="1" name=""/>
+        <p:cNvGrpSpPr/>
+        <p:nvPr/>
+      </p:nvGrpSpPr>
+      <p:grpSpPr>
+        <a:xfrm>
+          <a:off x="0" y="0"/>
+          <a:ext cx="0" cy="0"/>
+          <a:chOff x="0" y="0"/>
+          <a:chExt cx="0" cy="0"/>
+        </a:xfrm>
+      </p:grpSpPr>
+      <p:sp>
+        <p:nvSpPr>
+          <p:cNvPr id="2" name="Title 1"/>
+          <p:cNvSpPr>
+            <a:spLocks noGrp="1"/>
+          </p:cNvSpPr>
+          <p:nvPr>
+            <p:ph type="title"/>
+          </p:nvPr>
+        </p:nvSpPr>
+        <p:spPr/>
+        <p:txBody>
+          <a:bodyPr/>
+          <a:lstStyle/>
+          <a:p>
+            <a:r>
+              <a:rPr lang="en-US" dirty="0" smtClean="0"/>
               <a:t>Documentation</a:t>
             </a:r>
             <a:endParaRPr lang="en-US" dirty="0"/>
@@ -25895,7 +26003,7 @@
           <a:p>
             <a:fld id="{CA22A544-1804-4386-8584-5A7D657EA902}" type="slidenum">
               <a:rPr lang="en-US" smtClean="0"/>
-              <a:t>34</a:t>
+              <a:t>35</a:t>
             </a:fld>
             <a:endParaRPr lang="en-US"/>
           </a:p>
@@ -25950,7 +26058,7 @@
 </p:sld>
 </file>
 
-<file path=ppt/slides/slide35.xml><?xml version="1.0" encoding="utf-8"?>
+<file path=ppt/slides/slide36.xml><?xml version="1.0" encoding="utf-8"?>
 <p:sld xmlns:a="http://schemas.openxmlformats.org/drawingml/2006/main" xmlns:r="http://schemas.openxmlformats.org/officeDocument/2006/relationships" xmlns:p="http://schemas.openxmlformats.org/presentationml/2006/main">
   <p:cSld>
     <p:spTree>
@@ -26035,7 +26143,7 @@
           <a:p>
             <a:fld id="{CA22A544-1804-4386-8584-5A7D657EA902}" type="slidenum">
               <a:rPr lang="en-US" smtClean="0"/>
-              <a:t>35</a:t>
+              <a:t>36</a:t>
             </a:fld>
             <a:endParaRPr lang="en-US"/>
           </a:p>
@@ -26106,7 +26214,7 @@
 </p:sld>
 </file>
 
-<file path=ppt/slides/slide36.xml><?xml version="1.0" encoding="utf-8"?>
+<file path=ppt/slides/slide37.xml><?xml version="1.0" encoding="utf-8"?>
 <p:sld xmlns:a="http://schemas.openxmlformats.org/drawingml/2006/main" xmlns:r="http://schemas.openxmlformats.org/officeDocument/2006/relationships" xmlns:p="http://schemas.openxmlformats.org/presentationml/2006/main">
   <p:cSld>
     <p:spTree>
@@ -26168,7 +26276,7 @@
           <a:p>
             <a:fld id="{CA22A544-1804-4386-8584-5A7D657EA902}" type="slidenum">
               <a:rPr lang="en-US" smtClean="0"/>
-              <a:t>36</a:t>
+              <a:t>37</a:t>
             </a:fld>
             <a:endParaRPr lang="en-US"/>
           </a:p>
@@ -26178,153 +26286,6 @@
     <p:extLst>
       <p:ext uri="{BB962C8B-B14F-4D97-AF65-F5344CB8AC3E}">
         <p14:creationId xmlns:p14="http://schemas.microsoft.com/office/powerpoint/2010/main" val="3810940655"/>
-      </p:ext>
-    </p:extLst>
-  </p:cSld>
-  <p:clrMapOvr>
-    <a:masterClrMapping/>
-  </p:clrMapOvr>
-  <p:timing>
-    <p:tnLst>
-      <p:par>
-        <p:cTn id="1" dur="indefinite" restart="never" nodeType="tmRoot"/>
-      </p:par>
-    </p:tnLst>
-  </p:timing>
-</p:sld>
-</file>
-
-<file path=ppt/slides/slide37.xml><?xml version="1.0" encoding="utf-8"?>
-<p:sld xmlns:a="http://schemas.openxmlformats.org/drawingml/2006/main" xmlns:r="http://schemas.openxmlformats.org/officeDocument/2006/relationships" xmlns:p="http://schemas.openxmlformats.org/presentationml/2006/main">
-  <p:cSld>
-    <p:spTree>
-      <p:nvGrpSpPr>
-        <p:cNvPr id="1" name=""/>
-        <p:cNvGrpSpPr/>
-        <p:nvPr/>
-      </p:nvGrpSpPr>
-      <p:grpSpPr>
-        <a:xfrm>
-          <a:off x="0" y="0"/>
-          <a:ext cx="0" cy="0"/>
-          <a:chOff x="0" y="0"/>
-          <a:chExt cx="0" cy="0"/>
-        </a:xfrm>
-      </p:grpSpPr>
-      <p:sp>
-        <p:nvSpPr>
-          <p:cNvPr id="2" name="Title 1"/>
-          <p:cNvSpPr>
-            <a:spLocks noGrp="1"/>
-          </p:cNvSpPr>
-          <p:nvPr>
-            <p:ph type="title"/>
-          </p:nvPr>
-        </p:nvSpPr>
-        <p:spPr/>
-        <p:txBody>
-          <a:bodyPr/>
-          <a:lstStyle/>
-          <a:p>
-            <a:endParaRPr lang="en-US"/>
-          </a:p>
-        </p:txBody>
-      </p:sp>
-      <p:sp>
-        <p:nvSpPr>
-          <p:cNvPr id="3" name="Content Placeholder 2"/>
-          <p:cNvSpPr>
-            <a:spLocks noGrp="1"/>
-          </p:cNvSpPr>
-          <p:nvPr>
-            <p:ph idx="1"/>
-          </p:nvPr>
-        </p:nvSpPr>
-        <p:spPr/>
-        <p:txBody>
-          <a:bodyPr>
-            <a:normAutofit/>
-          </a:bodyPr>
-          <a:lstStyle/>
-          <a:p>
-            <a:r>
-              <a:rPr lang="en-US" sz="2400" dirty="0" smtClean="0"/>
-              <a:t>Install </a:t>
-            </a:r>
-            <a:r>
-              <a:rPr lang="en-US" sz="2400" dirty="0" err="1"/>
-              <a:t>Git</a:t>
-            </a:r>
-            <a:r>
-              <a:rPr lang="en-US" sz="2400" dirty="0"/>
-              <a:t>: </a:t>
-            </a:r>
-            <a:r>
-              <a:rPr lang="en-US" sz="2400" u="sng" dirty="0">
-                <a:hlinkClick r:id="rId2"/>
-              </a:rPr>
-              <a:t>https://git-scm.com/downloads</a:t>
-            </a:r>
-            <a:endParaRPr lang="en-US" sz="2400" dirty="0"/>
-          </a:p>
-          <a:p>
-            <a:endParaRPr lang="en-US" sz="2400" dirty="0" smtClean="0"/>
-          </a:p>
-          <a:p>
-            <a:r>
-              <a:rPr lang="en-US" sz="2400" dirty="0" smtClean="0"/>
-              <a:t>Sign </a:t>
-            </a:r>
-            <a:r>
-              <a:rPr lang="en-US" sz="2400" dirty="0"/>
-              <a:t>up with GitHub.com using your @</a:t>
-            </a:r>
-            <a:r>
-              <a:rPr lang="en-US" sz="2400" u="sng" dirty="0">
-                <a:hlinkClick r:id="rId3"/>
-              </a:rPr>
-              <a:t>tilburguniversity.edu</a:t>
-            </a:r>
-            <a:r>
-              <a:rPr lang="en-US" sz="2400" dirty="0"/>
-              <a:t> address. Please email me your username.</a:t>
-            </a:r>
-          </a:p>
-          <a:p>
-            <a:endParaRPr lang="en-US" sz="2400" dirty="0" smtClean="0"/>
-          </a:p>
-          <a:p>
-            <a:endParaRPr lang="en-US" sz="2400" dirty="0"/>
-          </a:p>
-        </p:txBody>
-      </p:sp>
-      <p:sp>
-        <p:nvSpPr>
-          <p:cNvPr id="4" name="Slide Number Placeholder 3"/>
-          <p:cNvSpPr>
-            <a:spLocks noGrp="1"/>
-          </p:cNvSpPr>
-          <p:nvPr>
-            <p:ph type="sldNum" sz="quarter" idx="12"/>
-          </p:nvPr>
-        </p:nvSpPr>
-        <p:spPr/>
-        <p:txBody>
-          <a:bodyPr/>
-          <a:lstStyle/>
-          <a:p>
-            <a:fld id="{CA22A544-1804-4386-8584-5A7D657EA902}" type="slidenum">
-              <a:rPr lang="en-US" smtClean="0"/>
-              <a:t>37</a:t>
-            </a:fld>
-            <a:endParaRPr lang="en-US"/>
-          </a:p>
-        </p:txBody>
-      </p:sp>
-    </p:spTree>
-    <p:extLst>
-      <p:ext uri="{BB962C8B-B14F-4D97-AF65-F5344CB8AC3E}">
-        <p14:creationId xmlns:p14="http://schemas.microsoft.com/office/powerpoint/2010/main" val="2122636416"/>
       </p:ext>
     </p:extLst>
   </p:cSld>
@@ -26373,7 +26334,11 @@
           <a:bodyPr/>
           <a:lstStyle/>
           <a:p>
-            <a:endParaRPr lang="en-US"/>
+            <a:r>
+              <a:rPr lang="en-US" dirty="0" smtClean="0"/>
+              <a:t>In-class assignment</a:t>
+            </a:r>
+            <a:endParaRPr lang="en-US" dirty="0"/>
           </a:p>
         </p:txBody>
       </p:sp>
@@ -26389,10 +26354,37 @@
         </p:nvSpPr>
         <p:spPr/>
         <p:txBody>
-          <a:bodyPr/>
+          <a:bodyPr>
+            <a:normAutofit/>
+          </a:bodyPr>
           <a:lstStyle/>
           <a:p>
-            <a:endParaRPr lang="en-US"/>
+            <a:pPr marL="0" indent="0">
+              <a:buNone/>
+            </a:pPr>
+            <a:r>
+              <a:rPr lang="en-US" dirty="0" smtClean="0"/>
+              <a:t>We’re all working on a research project together, predicting prices of cars given some features about the car {mpg, length, turning radius etc.}</a:t>
+            </a:r>
+          </a:p>
+          <a:p>
+            <a:pPr marL="0" indent="0">
+              <a:buNone/>
+            </a:pPr>
+            <a:endParaRPr lang="en-US" dirty="0" smtClean="0"/>
+          </a:p>
+          <a:p>
+            <a:pPr marL="0" indent="0">
+              <a:buNone/>
+            </a:pPr>
+            <a:r>
+              <a:rPr lang="en-US" dirty="0" smtClean="0"/>
+              <a:t>You can work in pairs if that makes it easier.</a:t>
+            </a:r>
+            <a:endParaRPr lang="en-US" dirty="0"/>
+          </a:p>
+          <a:p>
+            <a:endParaRPr lang="en-US" dirty="0" smtClean="0"/>
           </a:p>
         </p:txBody>
       </p:sp>
@@ -26423,6 +26415,253 @@
     <p:extLst>
       <p:ext uri="{BB962C8B-B14F-4D97-AF65-F5344CB8AC3E}">
         <p14:creationId xmlns:p14="http://schemas.microsoft.com/office/powerpoint/2010/main" val="3348154639"/>
+      </p:ext>
+    </p:extLst>
+  </p:cSld>
+  <p:clrMapOvr>
+    <a:masterClrMapping/>
+  </p:clrMapOvr>
+  <p:timing>
+    <p:tnLst>
+      <p:par>
+        <p:cTn id="1" dur="indefinite" restart="never" nodeType="tmRoot"/>
+      </p:par>
+    </p:tnLst>
+  </p:timing>
+</p:sld>
+</file>
+
+<file path=ppt/slides/slide39.xml><?xml version="1.0" encoding="utf-8"?>
+<p:sld xmlns:a="http://schemas.openxmlformats.org/drawingml/2006/main" xmlns:r="http://schemas.openxmlformats.org/officeDocument/2006/relationships" xmlns:p="http://schemas.openxmlformats.org/presentationml/2006/main">
+  <p:cSld>
+    <p:spTree>
+      <p:nvGrpSpPr>
+        <p:cNvPr id="1" name=""/>
+        <p:cNvGrpSpPr/>
+        <p:nvPr/>
+      </p:nvGrpSpPr>
+      <p:grpSpPr>
+        <a:xfrm>
+          <a:off x="0" y="0"/>
+          <a:ext cx="0" cy="0"/>
+          <a:chOff x="0" y="0"/>
+          <a:chExt cx="0" cy="0"/>
+        </a:xfrm>
+      </p:grpSpPr>
+      <p:sp>
+        <p:nvSpPr>
+          <p:cNvPr id="2" name="Title 1"/>
+          <p:cNvSpPr>
+            <a:spLocks noGrp="1"/>
+          </p:cNvSpPr>
+          <p:nvPr>
+            <p:ph type="title"/>
+          </p:nvPr>
+        </p:nvSpPr>
+        <p:spPr/>
+        <p:txBody>
+          <a:bodyPr/>
+          <a:lstStyle/>
+          <a:p>
+            <a:r>
+              <a:rPr lang="en-US" dirty="0" smtClean="0"/>
+              <a:t>Set up local repository</a:t>
+            </a:r>
+            <a:endParaRPr lang="en-US" dirty="0"/>
+          </a:p>
+        </p:txBody>
+      </p:sp>
+      <p:sp>
+        <p:nvSpPr>
+          <p:cNvPr id="3" name="Content Placeholder 2"/>
+          <p:cNvSpPr>
+            <a:spLocks noGrp="1"/>
+          </p:cNvSpPr>
+          <p:nvPr>
+            <p:ph idx="1"/>
+          </p:nvPr>
+        </p:nvSpPr>
+        <p:spPr/>
+        <p:txBody>
+          <a:bodyPr>
+            <a:normAutofit/>
+          </a:bodyPr>
+          <a:lstStyle/>
+          <a:p>
+            <a:r>
+              <a:rPr lang="en-US" sz="2400" dirty="0" smtClean="0"/>
+              <a:t>(Install </a:t>
+            </a:r>
+            <a:r>
+              <a:rPr lang="en-US" sz="2400" dirty="0" err="1"/>
+              <a:t>Git</a:t>
+            </a:r>
+            <a:r>
+              <a:rPr lang="en-US" sz="2400" dirty="0"/>
+              <a:t>: </a:t>
+            </a:r>
+            <a:r>
+              <a:rPr lang="en-US" sz="2400" u="sng" dirty="0">
+                <a:hlinkClick r:id="rId2"/>
+              </a:rPr>
+              <a:t>https://</a:t>
+            </a:r>
+            <a:r>
+              <a:rPr lang="en-US" sz="2400" u="sng" dirty="0" smtClean="0">
+                <a:hlinkClick r:id="rId2"/>
+              </a:rPr>
+              <a:t>git-scm.com/downloads</a:t>
+            </a:r>
+            <a:r>
+              <a:rPr lang="en-US" sz="2400" u="sng" dirty="0" smtClean="0"/>
+              <a:t>)</a:t>
+            </a:r>
+          </a:p>
+          <a:p>
+            <a:endParaRPr lang="en-US" sz="2400" u="sng" dirty="0"/>
+          </a:p>
+          <a:p>
+            <a:r>
+              <a:rPr lang="en-US" sz="2400" dirty="0" smtClean="0"/>
+              <a:t>In some place where you want to save files locally, right click &amp; select </a:t>
+            </a:r>
+            <a:r>
+              <a:rPr lang="en-US" sz="2400" dirty="0" err="1" smtClean="0"/>
+              <a:t>Git</a:t>
+            </a:r>
+            <a:r>
+              <a:rPr lang="en-US" sz="2400" dirty="0" smtClean="0"/>
+              <a:t> Bash Here</a:t>
+            </a:r>
+          </a:p>
+          <a:p>
+            <a:endParaRPr lang="en-US" sz="2400" dirty="0" smtClean="0"/>
+          </a:p>
+          <a:p>
+            <a:endParaRPr lang="en-US" sz="2400" dirty="0" smtClean="0"/>
+          </a:p>
+          <a:p>
+            <a:pPr marL="0" indent="0">
+              <a:buNone/>
+            </a:pPr>
+            <a:endParaRPr lang="en-US" sz="2400" dirty="0" smtClean="0"/>
+          </a:p>
+          <a:p>
+            <a:pPr marL="0" indent="0">
+              <a:buNone/>
+            </a:pPr>
+            <a:endParaRPr lang="en-US" sz="2400" dirty="0"/>
+          </a:p>
+          <a:p>
+            <a:pPr marL="0" indent="0">
+              <a:buNone/>
+            </a:pPr>
+            <a:endParaRPr lang="en-US" sz="2000" dirty="0"/>
+          </a:p>
+          <a:p>
+            <a:endParaRPr lang="en-US" sz="2400" dirty="0" smtClean="0"/>
+          </a:p>
+          <a:p>
+            <a:endParaRPr lang="en-US" sz="2400" dirty="0"/>
+          </a:p>
+        </p:txBody>
+      </p:sp>
+      <p:sp>
+        <p:nvSpPr>
+          <p:cNvPr id="4" name="Slide Number Placeholder 3"/>
+          <p:cNvSpPr>
+            <a:spLocks noGrp="1"/>
+          </p:cNvSpPr>
+          <p:nvPr>
+            <p:ph type="sldNum" sz="quarter" idx="12"/>
+          </p:nvPr>
+        </p:nvSpPr>
+        <p:spPr/>
+        <p:txBody>
+          <a:bodyPr/>
+          <a:lstStyle/>
+          <a:p>
+            <a:fld id="{CA22A544-1804-4386-8584-5A7D657EA902}" type="slidenum">
+              <a:rPr lang="en-US" smtClean="0"/>
+              <a:t>39</a:t>
+            </a:fld>
+            <a:endParaRPr lang="en-US"/>
+          </a:p>
+        </p:txBody>
+      </p:sp>
+      <p:pic>
+        <p:nvPicPr>
+          <p:cNvPr id="5" name="Picture 4" descr="Screenshot 2018-03-07 15.20.22.png - Windows Photo Viewer"/>
+          <p:cNvPicPr>
+            <a:picLocks noChangeAspect="1"/>
+          </p:cNvPicPr>
+          <p:nvPr/>
+        </p:nvPicPr>
+        <p:blipFill rotWithShape="1">
+          <a:blip r:embed="rId3">
+            <a:extLst>
+              <a:ext uri="{28A0092B-C50C-407E-A947-70E740481C1C}">
+                <a14:useLocalDpi xmlns:a14="http://schemas.microsoft.com/office/drawing/2010/main" val="0"/>
+              </a:ext>
+            </a:extLst>
+          </a:blip>
+          <a:srcRect l="33889" t="21991" r="59792" b="63113"/>
+          <a:stretch/>
+        </p:blipFill>
+        <p:spPr>
+          <a:xfrm>
+            <a:off x="4648200" y="3657599"/>
+            <a:ext cx="1701801" cy="2188029"/>
+          </a:xfrm>
+          <a:prstGeom prst="rect">
+            <a:avLst/>
+          </a:prstGeom>
+        </p:spPr>
+      </p:pic>
+      <p:sp>
+        <p:nvSpPr>
+          <p:cNvPr id="6" name="Right Arrow 5"/>
+          <p:cNvSpPr/>
+          <p:nvPr/>
+        </p:nvSpPr>
+        <p:spPr>
+          <a:xfrm>
+            <a:off x="4131733" y="5122333"/>
+            <a:ext cx="516467" cy="143933"/>
+          </a:xfrm>
+          <a:prstGeom prst="rightArrow">
+            <a:avLst/>
+          </a:prstGeom>
+        </p:spPr>
+        <p:style>
+          <a:lnRef idx="2">
+            <a:schemeClr val="accent1">
+              <a:shade val="50000"/>
+            </a:schemeClr>
+          </a:lnRef>
+          <a:fillRef idx="1">
+            <a:schemeClr val="accent1"/>
+          </a:fillRef>
+          <a:effectRef idx="0">
+            <a:schemeClr val="accent1"/>
+          </a:effectRef>
+          <a:fontRef idx="minor">
+            <a:schemeClr val="lt1"/>
+          </a:fontRef>
+        </p:style>
+        <p:txBody>
+          <a:bodyPr rtlCol="0" anchor="ctr"/>
+          <a:lstStyle/>
+          <a:p>
+            <a:pPr algn="ctr"/>
+            <a:endParaRPr lang="en-US"/>
+          </a:p>
+        </p:txBody>
+      </p:sp>
+    </p:spTree>
+    <p:extLst>
+      <p:ext uri="{BB962C8B-B14F-4D97-AF65-F5344CB8AC3E}">
+        <p14:creationId xmlns:p14="http://schemas.microsoft.com/office/powerpoint/2010/main" val="2122636416"/>
       </p:ext>
     </p:extLst>
   </p:cSld>
@@ -26601,6 +26840,1166 @@
       </p:par>
     </p:tnLst>
   </p:timing>
+</p:sld>
+</file>
+
+<file path=ppt/slides/slide40.xml><?xml version="1.0" encoding="utf-8"?>
+<p:sld xmlns:a="http://schemas.openxmlformats.org/drawingml/2006/main" xmlns:r="http://schemas.openxmlformats.org/officeDocument/2006/relationships" xmlns:p="http://schemas.openxmlformats.org/presentationml/2006/main">
+  <p:cSld>
+    <p:spTree>
+      <p:nvGrpSpPr>
+        <p:cNvPr id="1" name=""/>
+        <p:cNvGrpSpPr/>
+        <p:nvPr/>
+      </p:nvGrpSpPr>
+      <p:grpSpPr>
+        <a:xfrm>
+          <a:off x="0" y="0"/>
+          <a:ext cx="0" cy="0"/>
+          <a:chOff x="0" y="0"/>
+          <a:chExt cx="0" cy="0"/>
+        </a:xfrm>
+      </p:grpSpPr>
+      <p:sp>
+        <p:nvSpPr>
+          <p:cNvPr id="5" name="Title 4"/>
+          <p:cNvSpPr>
+            <a:spLocks noGrp="1"/>
+          </p:cNvSpPr>
+          <p:nvPr>
+            <p:ph type="title"/>
+          </p:nvPr>
+        </p:nvSpPr>
+        <p:spPr/>
+        <p:txBody>
+          <a:bodyPr/>
+          <a:lstStyle/>
+          <a:p>
+            <a:r>
+              <a:rPr lang="en-US" dirty="0" smtClean="0"/>
+              <a:t>Clone directories</a:t>
+            </a:r>
+            <a:endParaRPr lang="en-US" dirty="0"/>
+          </a:p>
+        </p:txBody>
+      </p:sp>
+      <p:sp>
+        <p:nvSpPr>
+          <p:cNvPr id="6" name="Content Placeholder 5"/>
+          <p:cNvSpPr>
+            <a:spLocks noGrp="1"/>
+          </p:cNvSpPr>
+          <p:nvPr>
+            <p:ph sz="half" idx="1"/>
+          </p:nvPr>
+        </p:nvSpPr>
+        <p:spPr>
+          <a:xfrm>
+            <a:off x="838199" y="1825625"/>
+            <a:ext cx="5579533" cy="4351338"/>
+          </a:xfrm>
+        </p:spPr>
+        <p:txBody>
+          <a:bodyPr>
+            <a:normAutofit/>
+          </a:bodyPr>
+          <a:lstStyle/>
+          <a:p>
+            <a:pPr marL="0" indent="0">
+              <a:buNone/>
+            </a:pPr>
+            <a:endParaRPr lang="en-US" sz="2000" dirty="0" smtClean="0"/>
+          </a:p>
+          <a:p>
+            <a:pPr marL="0" indent="0">
+              <a:buNone/>
+            </a:pPr>
+            <a:r>
+              <a:rPr lang="en-US" sz="2000" dirty="0" err="1" smtClean="0"/>
+              <a:t>git</a:t>
+            </a:r>
+            <a:r>
+              <a:rPr lang="en-US" sz="2000" dirty="0" smtClean="0"/>
+              <a:t> </a:t>
+            </a:r>
+            <a:r>
+              <a:rPr lang="en-US" sz="2000" dirty="0" err="1" smtClean="0"/>
+              <a:t>init</a:t>
+            </a:r>
+            <a:endParaRPr lang="en-US" sz="2000" dirty="0" smtClean="0"/>
+          </a:p>
+          <a:p>
+            <a:pPr marL="0" indent="0">
+              <a:buNone/>
+            </a:pPr>
+            <a:endParaRPr lang="en-US" sz="2000" dirty="0"/>
+          </a:p>
+          <a:p>
+            <a:pPr marL="0" indent="0">
+              <a:buNone/>
+            </a:pPr>
+            <a:r>
+              <a:rPr lang="en-US" sz="2000" dirty="0" err="1" smtClean="0"/>
+              <a:t>git</a:t>
+            </a:r>
+            <a:r>
+              <a:rPr lang="en-US" sz="2000" dirty="0" smtClean="0"/>
+              <a:t> clone </a:t>
+            </a:r>
+            <a:r>
+              <a:rPr lang="en-US" sz="2000" dirty="0" smtClean="0">
+                <a:hlinkClick r:id="rId2"/>
+              </a:rPr>
+              <a:t>https</a:t>
+            </a:r>
+            <a:r>
+              <a:rPr lang="en-US" sz="2000" dirty="0">
+                <a:hlinkClick r:id="rId2"/>
+              </a:rPr>
+              <a:t>://</a:t>
+            </a:r>
+            <a:r>
+              <a:rPr lang="en-US" sz="2000" dirty="0" smtClean="0">
+                <a:hlinkClick r:id="rId2"/>
+              </a:rPr>
+              <a:t>github.com/gknox79/code_data.git</a:t>
+            </a:r>
+            <a:endParaRPr lang="en-US" sz="2000" dirty="0" smtClean="0"/>
+          </a:p>
+          <a:p>
+            <a:pPr marL="0" indent="0">
+              <a:buNone/>
+            </a:pPr>
+            <a:endParaRPr lang="en-US" sz="2000" dirty="0"/>
+          </a:p>
+        </p:txBody>
+      </p:sp>
+      <p:pic>
+        <p:nvPicPr>
+          <p:cNvPr id="9" name="Content Placeholder 8" descr="MINGW64:/d/UvT_comp/ART/test"/>
+          <p:cNvPicPr>
+            <a:picLocks noGrp="1" noChangeAspect="1"/>
+          </p:cNvPicPr>
+          <p:nvPr>
+            <p:ph sz="half" idx="2"/>
+          </p:nvPr>
+        </p:nvPicPr>
+        <p:blipFill>
+          <a:blip r:embed="rId3">
+            <a:extLst>
+              <a:ext uri="{28A0092B-C50C-407E-A947-70E740481C1C}">
+                <a14:useLocalDpi xmlns:a14="http://schemas.microsoft.com/office/drawing/2010/main" val="0"/>
+              </a:ext>
+            </a:extLst>
+          </a:blip>
+          <a:stretch>
+            <a:fillRect/>
+          </a:stretch>
+        </p:blipFill>
+        <p:spPr>
+          <a:xfrm>
+            <a:off x="3505200" y="3682501"/>
+            <a:ext cx="5181600" cy="2856411"/>
+          </a:xfrm>
+        </p:spPr>
+      </p:pic>
+      <p:sp>
+        <p:nvSpPr>
+          <p:cNvPr id="4" name="Slide Number Placeholder 3"/>
+          <p:cNvSpPr>
+            <a:spLocks noGrp="1"/>
+          </p:cNvSpPr>
+          <p:nvPr>
+            <p:ph type="sldNum" sz="quarter" idx="12"/>
+          </p:nvPr>
+        </p:nvSpPr>
+        <p:spPr/>
+        <p:txBody>
+          <a:bodyPr/>
+          <a:lstStyle/>
+          <a:p>
+            <a:fld id="{CA22A544-1804-4386-8584-5A7D657EA902}" type="slidenum">
+              <a:rPr lang="en-US" smtClean="0"/>
+              <a:t>40</a:t>
+            </a:fld>
+            <a:endParaRPr lang="en-US"/>
+          </a:p>
+        </p:txBody>
+      </p:sp>
+    </p:spTree>
+    <p:extLst>
+      <p:ext uri="{BB962C8B-B14F-4D97-AF65-F5344CB8AC3E}">
+        <p14:creationId xmlns:p14="http://schemas.microsoft.com/office/powerpoint/2010/main" val="3386330083"/>
+      </p:ext>
+    </p:extLst>
+  </p:cSld>
+  <p:clrMapOvr>
+    <a:masterClrMapping/>
+  </p:clrMapOvr>
+</p:sld>
+</file>
+
+<file path=ppt/slides/slide41.xml><?xml version="1.0" encoding="utf-8"?>
+<p:sld xmlns:a="http://schemas.openxmlformats.org/drawingml/2006/main" xmlns:r="http://schemas.openxmlformats.org/officeDocument/2006/relationships" xmlns:p="http://schemas.openxmlformats.org/presentationml/2006/main">
+  <p:cSld>
+    <p:spTree>
+      <p:nvGrpSpPr>
+        <p:cNvPr id="1" name=""/>
+        <p:cNvGrpSpPr/>
+        <p:nvPr/>
+      </p:nvGrpSpPr>
+      <p:grpSpPr>
+        <a:xfrm>
+          <a:off x="0" y="0"/>
+          <a:ext cx="0" cy="0"/>
+          <a:chOff x="0" y="0"/>
+          <a:chExt cx="0" cy="0"/>
+        </a:xfrm>
+      </p:grpSpPr>
+      <p:sp>
+        <p:nvSpPr>
+          <p:cNvPr id="2" name="Title 1"/>
+          <p:cNvSpPr>
+            <a:spLocks noGrp="1"/>
+          </p:cNvSpPr>
+          <p:nvPr>
+            <p:ph type="title"/>
+          </p:nvPr>
+        </p:nvSpPr>
+        <p:spPr/>
+        <p:txBody>
+          <a:bodyPr/>
+          <a:lstStyle/>
+          <a:p>
+            <a:r>
+              <a:rPr lang="en-US" dirty="0" smtClean="0"/>
+              <a:t>Inspect the code</a:t>
+            </a:r>
+            <a:endParaRPr lang="en-US" dirty="0"/>
+          </a:p>
+        </p:txBody>
+      </p:sp>
+      <p:sp>
+        <p:nvSpPr>
+          <p:cNvPr id="3" name="Content Placeholder 2"/>
+          <p:cNvSpPr>
+            <a:spLocks noGrp="1"/>
+          </p:cNvSpPr>
+          <p:nvPr>
+            <p:ph idx="1"/>
+          </p:nvPr>
+        </p:nvSpPr>
+        <p:spPr/>
+        <p:txBody>
+          <a:bodyPr>
+            <a:normAutofit lnSpcReduction="10000"/>
+          </a:bodyPr>
+          <a:lstStyle/>
+          <a:p>
+            <a:r>
+              <a:rPr lang="en-US" dirty="0" smtClean="0"/>
+              <a:t>run make.bat: does it work? </a:t>
+            </a:r>
+            <a:r>
+              <a:rPr lang="en-US" dirty="0"/>
+              <a:t>do you see log files, output, etc</a:t>
+            </a:r>
+            <a:r>
+              <a:rPr lang="en-US" dirty="0" smtClean="0"/>
+              <a:t>.?</a:t>
+            </a:r>
+          </a:p>
+          <a:p>
+            <a:endParaRPr lang="en-US" dirty="0" smtClean="0"/>
+          </a:p>
+          <a:p>
+            <a:r>
+              <a:rPr lang="en-US" dirty="0" smtClean="0"/>
+              <a:t>Key line of code you’ll probably have to adjust:</a:t>
+            </a:r>
+          </a:p>
+          <a:p>
+            <a:endParaRPr lang="en-US" dirty="0"/>
+          </a:p>
+          <a:p>
+            <a:pPr marL="0" indent="0">
+              <a:buNone/>
+            </a:pPr>
+            <a:r>
+              <a:rPr lang="en-US" dirty="0" smtClean="0"/>
+              <a:t>	open make.bat in notepad or something similar</a:t>
+            </a:r>
+          </a:p>
+          <a:p>
+            <a:pPr marL="0" indent="0">
+              <a:buNone/>
+            </a:pPr>
+            <a:endParaRPr lang="en-US" dirty="0" smtClean="0"/>
+          </a:p>
+          <a:p>
+            <a:pPr marL="0" indent="0">
+              <a:buNone/>
+            </a:pPr>
+            <a:r>
+              <a:rPr lang="en-US" dirty="0" smtClean="0"/>
+              <a:t>Wherever </a:t>
+            </a:r>
+            <a:r>
+              <a:rPr lang="en-US" dirty="0" err="1" smtClean="0"/>
+              <a:t>stata</a:t>
+            </a:r>
+            <a:r>
+              <a:rPr lang="en-US" dirty="0" smtClean="0"/>
+              <a:t> resides on your machine:</a:t>
+            </a:r>
+          </a:p>
+          <a:p>
+            <a:pPr marL="0" indent="0">
+              <a:buNone/>
+            </a:pPr>
+            <a:endParaRPr lang="en-US" dirty="0"/>
+          </a:p>
+          <a:p>
+            <a:pPr marL="0" indent="0">
+              <a:buNone/>
+            </a:pPr>
+            <a:r>
+              <a:rPr lang="en-US" dirty="0"/>
+              <a:t>"C:\Program Files (x86)\Stata14\StataSE-64.exe"</a:t>
+            </a:r>
+          </a:p>
+          <a:p>
+            <a:pPr marL="0" indent="0">
+              <a:buNone/>
+            </a:pPr>
+            <a:endParaRPr lang="en-US" dirty="0"/>
+          </a:p>
+        </p:txBody>
+      </p:sp>
+      <p:sp>
+        <p:nvSpPr>
+          <p:cNvPr id="5" name="Slide Number Placeholder 4"/>
+          <p:cNvSpPr>
+            <a:spLocks noGrp="1"/>
+          </p:cNvSpPr>
+          <p:nvPr>
+            <p:ph type="sldNum" sz="quarter" idx="12"/>
+          </p:nvPr>
+        </p:nvSpPr>
+        <p:spPr/>
+        <p:txBody>
+          <a:bodyPr/>
+          <a:lstStyle/>
+          <a:p>
+            <a:fld id="{CA22A544-1804-4386-8584-5A7D657EA902}" type="slidenum">
+              <a:rPr lang="en-US" smtClean="0"/>
+              <a:t>41</a:t>
+            </a:fld>
+            <a:endParaRPr lang="en-US"/>
+          </a:p>
+        </p:txBody>
+      </p:sp>
+    </p:spTree>
+    <p:extLst>
+      <p:ext uri="{BB962C8B-B14F-4D97-AF65-F5344CB8AC3E}">
+        <p14:creationId xmlns:p14="http://schemas.microsoft.com/office/powerpoint/2010/main" val="3308843362"/>
+      </p:ext>
+    </p:extLst>
+  </p:cSld>
+  <p:clrMapOvr>
+    <a:masterClrMapping/>
+  </p:clrMapOvr>
+</p:sld>
+</file>
+
+<file path=ppt/slides/slide42.xml><?xml version="1.0" encoding="utf-8"?>
+<p:sld xmlns:a="http://schemas.openxmlformats.org/drawingml/2006/main" xmlns:r="http://schemas.openxmlformats.org/officeDocument/2006/relationships" xmlns:p="http://schemas.openxmlformats.org/presentationml/2006/main">
+  <p:cSld>
+    <p:spTree>
+      <p:nvGrpSpPr>
+        <p:cNvPr id="1" name=""/>
+        <p:cNvGrpSpPr/>
+        <p:nvPr/>
+      </p:nvGrpSpPr>
+      <p:grpSpPr>
+        <a:xfrm>
+          <a:off x="0" y="0"/>
+          <a:ext cx="0" cy="0"/>
+          <a:chOff x="0" y="0"/>
+          <a:chExt cx="0" cy="0"/>
+        </a:xfrm>
+      </p:grpSpPr>
+      <p:sp>
+        <p:nvSpPr>
+          <p:cNvPr id="5" name="Title 4"/>
+          <p:cNvSpPr>
+            <a:spLocks noGrp="1"/>
+          </p:cNvSpPr>
+          <p:nvPr>
+            <p:ph type="title"/>
+          </p:nvPr>
+        </p:nvSpPr>
+        <p:spPr/>
+        <p:txBody>
+          <a:bodyPr/>
+          <a:lstStyle/>
+          <a:p>
+            <a:r>
+              <a:rPr lang="en-US" dirty="0" smtClean="0"/>
+              <a:t>Output directory: tables.rtf and </a:t>
+            </a:r>
+            <a:r>
+              <a:rPr lang="en-US" dirty="0" err="1" smtClean="0"/>
+              <a:t>coef</a:t>
+            </a:r>
+            <a:r>
+              <a:rPr lang="en-US" dirty="0" smtClean="0"/>
+              <a:t>…</a:t>
+            </a:r>
+            <a:r>
+              <a:rPr lang="en-US" dirty="0" err="1" smtClean="0"/>
+              <a:t>png</a:t>
+            </a:r>
+            <a:endParaRPr lang="en-US" dirty="0"/>
+          </a:p>
+        </p:txBody>
+      </p:sp>
+      <p:pic>
+        <p:nvPicPr>
+          <p:cNvPr id="11" name="Content Placeholder 10"/>
+          <p:cNvPicPr>
+            <a:picLocks noGrp="1" noChangeAspect="1"/>
+          </p:cNvPicPr>
+          <p:nvPr>
+            <p:ph sz="half" idx="1"/>
+          </p:nvPr>
+        </p:nvPicPr>
+        <p:blipFill>
+          <a:blip r:embed="rId2"/>
+          <a:stretch>
+            <a:fillRect/>
+          </a:stretch>
+        </p:blipFill>
+        <p:spPr>
+          <a:xfrm>
+            <a:off x="838200" y="1965873"/>
+            <a:ext cx="5181600" cy="4070842"/>
+          </a:xfrm>
+          <a:prstGeom prst="rect">
+            <a:avLst/>
+          </a:prstGeom>
+        </p:spPr>
+      </p:pic>
+      <p:pic>
+        <p:nvPicPr>
+          <p:cNvPr id="8" name="Content Placeholder 7"/>
+          <p:cNvPicPr>
+            <a:picLocks noGrp="1" noChangeAspect="1"/>
+          </p:cNvPicPr>
+          <p:nvPr>
+            <p:ph sz="half" idx="2"/>
+          </p:nvPr>
+        </p:nvPicPr>
+        <p:blipFill>
+          <a:blip r:embed="rId3" cstate="print">
+            <a:extLst>
+              <a:ext uri="{28A0092B-C50C-407E-A947-70E740481C1C}">
+                <a14:useLocalDpi xmlns:a14="http://schemas.microsoft.com/office/drawing/2010/main" val="0"/>
+              </a:ext>
+            </a:extLst>
+          </a:blip>
+          <a:stretch>
+            <a:fillRect/>
+          </a:stretch>
+        </p:blipFill>
+        <p:spPr>
+          <a:xfrm>
+            <a:off x="6172200" y="2116487"/>
+            <a:ext cx="5181600" cy="3769614"/>
+          </a:xfrm>
+        </p:spPr>
+      </p:pic>
+      <p:sp>
+        <p:nvSpPr>
+          <p:cNvPr id="4" name="Slide Number Placeholder 3"/>
+          <p:cNvSpPr>
+            <a:spLocks noGrp="1"/>
+          </p:cNvSpPr>
+          <p:nvPr>
+            <p:ph type="sldNum" sz="quarter" idx="12"/>
+          </p:nvPr>
+        </p:nvSpPr>
+        <p:spPr/>
+        <p:txBody>
+          <a:bodyPr/>
+          <a:lstStyle/>
+          <a:p>
+            <a:fld id="{CA22A544-1804-4386-8584-5A7D657EA902}" type="slidenum">
+              <a:rPr lang="en-US" smtClean="0"/>
+              <a:t>42</a:t>
+            </a:fld>
+            <a:endParaRPr lang="en-US"/>
+          </a:p>
+        </p:txBody>
+      </p:sp>
+    </p:spTree>
+    <p:extLst>
+      <p:ext uri="{BB962C8B-B14F-4D97-AF65-F5344CB8AC3E}">
+        <p14:creationId xmlns:p14="http://schemas.microsoft.com/office/powerpoint/2010/main" val="2750083126"/>
+      </p:ext>
+    </p:extLst>
+  </p:cSld>
+  <p:clrMapOvr>
+    <a:masterClrMapping/>
+  </p:clrMapOvr>
+</p:sld>
+</file>
+
+<file path=ppt/slides/slide43.xml><?xml version="1.0" encoding="utf-8"?>
+<p:sld xmlns:a="http://schemas.openxmlformats.org/drawingml/2006/main" xmlns:r="http://schemas.openxmlformats.org/officeDocument/2006/relationships" xmlns:p="http://schemas.openxmlformats.org/presentationml/2006/main">
+  <p:cSld>
+    <p:spTree>
+      <p:nvGrpSpPr>
+        <p:cNvPr id="1" name=""/>
+        <p:cNvGrpSpPr/>
+        <p:nvPr/>
+      </p:nvGrpSpPr>
+      <p:grpSpPr>
+        <a:xfrm>
+          <a:off x="0" y="0"/>
+          <a:ext cx="0" cy="0"/>
+          <a:chOff x="0" y="0"/>
+          <a:chExt cx="0" cy="0"/>
+        </a:xfrm>
+      </p:grpSpPr>
+      <p:sp>
+        <p:nvSpPr>
+          <p:cNvPr id="2" name="Title 1"/>
+          <p:cNvSpPr>
+            <a:spLocks noGrp="1"/>
+          </p:cNvSpPr>
+          <p:nvPr>
+            <p:ph type="title"/>
+          </p:nvPr>
+        </p:nvSpPr>
+        <p:spPr/>
+        <p:txBody>
+          <a:bodyPr/>
+          <a:lstStyle/>
+          <a:p>
+            <a:r>
+              <a:rPr lang="en-US" dirty="0" smtClean="0"/>
+              <a:t>Check out directory</a:t>
+            </a:r>
+            <a:endParaRPr lang="en-US" dirty="0"/>
+          </a:p>
+        </p:txBody>
+      </p:sp>
+      <p:sp>
+        <p:nvSpPr>
+          <p:cNvPr id="3" name="Content Placeholder 2"/>
+          <p:cNvSpPr>
+            <a:spLocks noGrp="1"/>
+          </p:cNvSpPr>
+          <p:nvPr>
+            <p:ph idx="1"/>
+          </p:nvPr>
+        </p:nvSpPr>
+        <p:spPr/>
+        <p:txBody>
+          <a:bodyPr/>
+          <a:lstStyle/>
+          <a:p>
+            <a:r>
+              <a:rPr lang="en-US" dirty="0"/>
+              <a:t>Clone my directory</a:t>
+            </a:r>
+          </a:p>
+          <a:p>
+            <a:pPr lvl="1"/>
+            <a:r>
+              <a:rPr lang="en-US" dirty="0"/>
+              <a:t>Create a branch, check it out</a:t>
+            </a:r>
+          </a:p>
+          <a:p>
+            <a:pPr lvl="1"/>
+            <a:r>
+              <a:rPr lang="en-US" dirty="0"/>
+              <a:t>Work on it, make some improvements</a:t>
+            </a:r>
+          </a:p>
+          <a:p>
+            <a:endParaRPr lang="en-US" dirty="0"/>
+          </a:p>
+          <a:p>
+            <a:r>
+              <a:rPr lang="en-US" dirty="0" smtClean="0"/>
+              <a:t>Merge </a:t>
+            </a:r>
+            <a:r>
+              <a:rPr lang="en-US" dirty="0"/>
+              <a:t>it back to the origin </a:t>
+            </a:r>
+            <a:endParaRPr lang="en-US" dirty="0" smtClean="0"/>
+          </a:p>
+          <a:p>
+            <a:endParaRPr lang="en-US" dirty="0"/>
+          </a:p>
+          <a:p>
+            <a:pPr marL="0" indent="0">
+              <a:buNone/>
+            </a:pPr>
+            <a:endParaRPr lang="en-US" dirty="0"/>
+          </a:p>
+          <a:p>
+            <a:endParaRPr lang="en-US" dirty="0"/>
+          </a:p>
+        </p:txBody>
+      </p:sp>
+      <p:sp>
+        <p:nvSpPr>
+          <p:cNvPr id="5" name="Slide Number Placeholder 4"/>
+          <p:cNvSpPr>
+            <a:spLocks noGrp="1"/>
+          </p:cNvSpPr>
+          <p:nvPr>
+            <p:ph type="sldNum" sz="quarter" idx="12"/>
+          </p:nvPr>
+        </p:nvSpPr>
+        <p:spPr/>
+        <p:txBody>
+          <a:bodyPr/>
+          <a:lstStyle/>
+          <a:p>
+            <a:fld id="{CA22A544-1804-4386-8584-5A7D657EA902}" type="slidenum">
+              <a:rPr lang="en-US" smtClean="0"/>
+              <a:t>43</a:t>
+            </a:fld>
+            <a:endParaRPr lang="en-US"/>
+          </a:p>
+        </p:txBody>
+      </p:sp>
+    </p:spTree>
+    <p:extLst>
+      <p:ext uri="{BB962C8B-B14F-4D97-AF65-F5344CB8AC3E}">
+        <p14:creationId xmlns:p14="http://schemas.microsoft.com/office/powerpoint/2010/main" val="4159941096"/>
+      </p:ext>
+    </p:extLst>
+  </p:cSld>
+  <p:clrMapOvr>
+    <a:masterClrMapping/>
+  </p:clrMapOvr>
+</p:sld>
+</file>
+
+<file path=ppt/slides/slide44.xml><?xml version="1.0" encoding="utf-8"?>
+<p:sld xmlns:a="http://schemas.openxmlformats.org/drawingml/2006/main" xmlns:r="http://schemas.openxmlformats.org/officeDocument/2006/relationships" xmlns:p="http://schemas.openxmlformats.org/presentationml/2006/main">
+  <p:cSld>
+    <p:spTree>
+      <p:nvGrpSpPr>
+        <p:cNvPr id="1" name=""/>
+        <p:cNvGrpSpPr/>
+        <p:nvPr/>
+      </p:nvGrpSpPr>
+      <p:grpSpPr>
+        <a:xfrm>
+          <a:off x="0" y="0"/>
+          <a:ext cx="0" cy="0"/>
+          <a:chOff x="0" y="0"/>
+          <a:chExt cx="0" cy="0"/>
+        </a:xfrm>
+      </p:grpSpPr>
+      <p:sp>
+        <p:nvSpPr>
+          <p:cNvPr id="2" name="Title 1"/>
+          <p:cNvSpPr>
+            <a:spLocks noGrp="1"/>
+          </p:cNvSpPr>
+          <p:nvPr>
+            <p:ph type="title"/>
+          </p:nvPr>
+        </p:nvSpPr>
+        <p:spPr/>
+        <p:txBody>
+          <a:bodyPr/>
+          <a:lstStyle/>
+          <a:p>
+            <a:r>
+              <a:rPr lang="en-US" dirty="0" smtClean="0"/>
+              <a:t>Improvements</a:t>
+            </a:r>
+            <a:endParaRPr lang="en-US" dirty="0"/>
+          </a:p>
+        </p:txBody>
+      </p:sp>
+      <p:sp>
+        <p:nvSpPr>
+          <p:cNvPr id="3" name="Content Placeholder 2"/>
+          <p:cNvSpPr>
+            <a:spLocks noGrp="1"/>
+          </p:cNvSpPr>
+          <p:nvPr>
+            <p:ph idx="1"/>
+          </p:nvPr>
+        </p:nvSpPr>
+        <p:spPr/>
+        <p:txBody>
+          <a:bodyPr/>
+          <a:lstStyle/>
+          <a:p>
+            <a:pPr marL="514350" indent="-514350">
+              <a:buFont typeface="+mj-lt"/>
+              <a:buAutoNum type="arabicPeriod"/>
+            </a:pPr>
+            <a:r>
+              <a:rPr lang="en-US" dirty="0" smtClean="0"/>
+              <a:t>Compare the results where the DV is price in levels and logs: show all comparisons in the table and figure. (think of writing a program that cycles through all DV’s).</a:t>
+            </a:r>
+          </a:p>
+          <a:p>
+            <a:pPr marL="514350" indent="-514350">
+              <a:buFont typeface="+mj-lt"/>
+              <a:buAutoNum type="arabicPeriod"/>
+            </a:pPr>
+            <a:r>
+              <a:rPr lang="en-US" dirty="0" smtClean="0"/>
+              <a:t>Same thing for the Volvo data point.  Compare with and without.</a:t>
+            </a:r>
+          </a:p>
+          <a:p>
+            <a:pPr marL="514350" indent="-514350">
+              <a:buFont typeface="+mj-lt"/>
+              <a:buAutoNum type="arabicPeriod"/>
+            </a:pPr>
+            <a:r>
+              <a:rPr lang="en-US" dirty="0" smtClean="0"/>
+              <a:t>Same thing with inverse gear ratio and the gear ratio.</a:t>
+            </a:r>
+          </a:p>
+          <a:p>
+            <a:pPr marL="514350" indent="-514350">
+              <a:buFont typeface="+mj-lt"/>
+              <a:buAutoNum type="arabicPeriod"/>
+            </a:pPr>
+            <a:r>
+              <a:rPr lang="en-US" dirty="0" smtClean="0"/>
+              <a:t>Add some descriptive analysis, summary statistics and histogram plots of the variables</a:t>
+            </a:r>
+          </a:p>
+          <a:p>
+            <a:pPr marL="514350" indent="-514350">
+              <a:buAutoNum type="arabicPeriod" startAt="5"/>
+            </a:pPr>
+            <a:r>
+              <a:rPr lang="en-US" dirty="0" smtClean="0"/>
+              <a:t>…	</a:t>
+            </a:r>
+          </a:p>
+          <a:p>
+            <a:pPr marL="514350" indent="-514350">
+              <a:buAutoNum type="arabicPeriod" startAt="5"/>
+            </a:pPr>
+            <a:endParaRPr lang="en-US" dirty="0" smtClean="0"/>
+          </a:p>
+          <a:p>
+            <a:pPr marL="514350" indent="-514350">
+              <a:buFont typeface="+mj-lt"/>
+              <a:buAutoNum type="arabicPeriod"/>
+            </a:pPr>
+            <a:endParaRPr lang="en-US" dirty="0" smtClean="0"/>
+          </a:p>
+        </p:txBody>
+      </p:sp>
+      <p:sp>
+        <p:nvSpPr>
+          <p:cNvPr id="4" name="Slide Number Placeholder 3"/>
+          <p:cNvSpPr>
+            <a:spLocks noGrp="1"/>
+          </p:cNvSpPr>
+          <p:nvPr>
+            <p:ph type="sldNum" sz="quarter" idx="12"/>
+          </p:nvPr>
+        </p:nvSpPr>
+        <p:spPr/>
+        <p:txBody>
+          <a:bodyPr/>
+          <a:lstStyle/>
+          <a:p>
+            <a:fld id="{CA22A544-1804-4386-8584-5A7D657EA902}" type="slidenum">
+              <a:rPr lang="en-US" smtClean="0"/>
+              <a:t>44</a:t>
+            </a:fld>
+            <a:endParaRPr lang="en-US"/>
+          </a:p>
+        </p:txBody>
+      </p:sp>
+    </p:spTree>
+    <p:extLst>
+      <p:ext uri="{BB962C8B-B14F-4D97-AF65-F5344CB8AC3E}">
+        <p14:creationId xmlns:p14="http://schemas.microsoft.com/office/powerpoint/2010/main" val="1483103926"/>
+      </p:ext>
+    </p:extLst>
+  </p:cSld>
+  <p:clrMapOvr>
+    <a:masterClrMapping/>
+  </p:clrMapOvr>
+</p:sld>
+</file>
+
+<file path=ppt/slides/slide45.xml><?xml version="1.0" encoding="utf-8"?>
+<p:sld xmlns:a="http://schemas.openxmlformats.org/drawingml/2006/main" xmlns:r="http://schemas.openxmlformats.org/officeDocument/2006/relationships" xmlns:p="http://schemas.openxmlformats.org/presentationml/2006/main">
+  <p:cSld>
+    <p:spTree>
+      <p:nvGrpSpPr>
+        <p:cNvPr id="1" name=""/>
+        <p:cNvGrpSpPr/>
+        <p:nvPr/>
+      </p:nvGrpSpPr>
+      <p:grpSpPr>
+        <a:xfrm>
+          <a:off x="0" y="0"/>
+          <a:ext cx="0" cy="0"/>
+          <a:chOff x="0" y="0"/>
+          <a:chExt cx="0" cy="0"/>
+        </a:xfrm>
+      </p:grpSpPr>
+      <p:sp>
+        <p:nvSpPr>
+          <p:cNvPr id="2" name="Title 1"/>
+          <p:cNvSpPr>
+            <a:spLocks noGrp="1"/>
+          </p:cNvSpPr>
+          <p:nvPr>
+            <p:ph type="title"/>
+          </p:nvPr>
+        </p:nvSpPr>
+        <p:spPr/>
+        <p:txBody>
+          <a:bodyPr/>
+          <a:lstStyle/>
+          <a:p>
+            <a:r>
+              <a:rPr lang="en-US" dirty="0" smtClean="0"/>
+              <a:t>Some useful comments</a:t>
+            </a:r>
+            <a:endParaRPr lang="en-US" dirty="0"/>
+          </a:p>
+        </p:txBody>
+      </p:sp>
+      <p:sp>
+        <p:nvSpPr>
+          <p:cNvPr id="3" name="Content Placeholder 2"/>
+          <p:cNvSpPr>
+            <a:spLocks noGrp="1"/>
+          </p:cNvSpPr>
+          <p:nvPr>
+            <p:ph sz="half" idx="1"/>
+          </p:nvPr>
+        </p:nvSpPr>
+        <p:spPr/>
+        <p:txBody>
+          <a:bodyPr>
+            <a:normAutofit fontScale="40000" lnSpcReduction="20000"/>
+          </a:bodyPr>
+          <a:lstStyle/>
+          <a:p>
+            <a:pPr marL="0" indent="0">
+              <a:buNone/>
+            </a:pPr>
+            <a:endParaRPr lang="en-US" dirty="0" smtClean="0"/>
+          </a:p>
+          <a:p>
+            <a:pPr marL="0" indent="0">
+              <a:buNone/>
+            </a:pPr>
+            <a:r>
+              <a:rPr lang="en-US" dirty="0" smtClean="0"/>
+              <a:t>Create a branch and check it out.</a:t>
+            </a:r>
+          </a:p>
+          <a:p>
+            <a:pPr marL="0" indent="0">
+              <a:buNone/>
+            </a:pPr>
+            <a:endParaRPr lang="en-US" dirty="0"/>
+          </a:p>
+          <a:p>
+            <a:pPr marL="0" indent="0">
+              <a:buNone/>
+            </a:pPr>
+            <a:r>
+              <a:rPr lang="en-US" dirty="0" err="1" smtClean="0"/>
+              <a:t>git</a:t>
+            </a:r>
+            <a:r>
+              <a:rPr lang="en-US" dirty="0" smtClean="0"/>
+              <a:t> branch ____</a:t>
+            </a:r>
+          </a:p>
+          <a:p>
+            <a:pPr marL="0" indent="0">
+              <a:buNone/>
+            </a:pPr>
+            <a:endParaRPr lang="en-US" dirty="0"/>
+          </a:p>
+          <a:p>
+            <a:pPr marL="0" indent="0">
+              <a:buNone/>
+            </a:pPr>
+            <a:r>
+              <a:rPr lang="en-US" dirty="0" err="1" smtClean="0"/>
+              <a:t>git</a:t>
+            </a:r>
+            <a:r>
+              <a:rPr lang="en-US" dirty="0" smtClean="0"/>
+              <a:t> checkout ____</a:t>
+            </a:r>
+          </a:p>
+          <a:p>
+            <a:pPr marL="0" indent="0">
+              <a:buNone/>
+            </a:pPr>
+            <a:endParaRPr lang="en-US" dirty="0"/>
+          </a:p>
+          <a:p>
+            <a:pPr marL="0" indent="0">
+              <a:buNone/>
+            </a:pPr>
+            <a:r>
+              <a:rPr lang="en-US" dirty="0" smtClean="0"/>
+              <a:t>make changes</a:t>
+            </a:r>
+          </a:p>
+          <a:p>
+            <a:pPr marL="0" indent="0">
+              <a:buNone/>
+            </a:pPr>
+            <a:endParaRPr lang="en-US" dirty="0"/>
+          </a:p>
+        </p:txBody>
+      </p:sp>
+      <p:sp>
+        <p:nvSpPr>
+          <p:cNvPr id="4" name="Content Placeholder 3"/>
+          <p:cNvSpPr>
+            <a:spLocks noGrp="1"/>
+          </p:cNvSpPr>
+          <p:nvPr>
+            <p:ph sz="half" idx="2"/>
+          </p:nvPr>
+        </p:nvSpPr>
+        <p:spPr/>
+        <p:txBody>
+          <a:bodyPr>
+            <a:normAutofit fontScale="40000" lnSpcReduction="20000"/>
+          </a:bodyPr>
+          <a:lstStyle/>
+          <a:p>
+            <a:pPr marL="0" indent="0">
+              <a:buNone/>
+            </a:pPr>
+            <a:r>
+              <a:rPr lang="en-US" dirty="0" err="1"/>
+              <a:t>git</a:t>
+            </a:r>
+            <a:r>
+              <a:rPr lang="en-US" dirty="0"/>
+              <a:t> status</a:t>
+            </a:r>
+          </a:p>
+          <a:p>
+            <a:pPr marL="0" indent="0">
+              <a:buNone/>
+            </a:pPr>
+            <a:endParaRPr lang="en-US" dirty="0" smtClean="0"/>
+          </a:p>
+          <a:p>
+            <a:pPr marL="0" indent="0">
+              <a:buNone/>
+            </a:pPr>
+            <a:r>
+              <a:rPr lang="en-US" dirty="0" err="1" smtClean="0"/>
+              <a:t>git</a:t>
+            </a:r>
+            <a:r>
+              <a:rPr lang="en-US" dirty="0" smtClean="0"/>
+              <a:t> add –A</a:t>
+            </a:r>
+          </a:p>
+          <a:p>
+            <a:pPr marL="0" indent="0">
+              <a:buNone/>
+            </a:pPr>
+            <a:endParaRPr lang="en-US" dirty="0"/>
+          </a:p>
+          <a:p>
+            <a:pPr marL="0" indent="0">
+              <a:buNone/>
+            </a:pPr>
+            <a:r>
+              <a:rPr lang="en-US" dirty="0" err="1" smtClean="0"/>
+              <a:t>git</a:t>
+            </a:r>
+            <a:r>
+              <a:rPr lang="en-US" dirty="0" smtClean="0"/>
+              <a:t> commit –m “statement”</a:t>
+            </a:r>
+          </a:p>
+          <a:p>
+            <a:pPr marL="0" indent="0">
+              <a:buNone/>
+            </a:pPr>
+            <a:endParaRPr lang="en-US" dirty="0"/>
+          </a:p>
+          <a:p>
+            <a:pPr marL="0" indent="0">
+              <a:buNone/>
+            </a:pPr>
+            <a:r>
+              <a:rPr lang="en-US" dirty="0" err="1" smtClean="0"/>
+              <a:t>git</a:t>
+            </a:r>
+            <a:r>
+              <a:rPr lang="en-US" dirty="0" smtClean="0"/>
+              <a:t> push –u origin ____</a:t>
+            </a:r>
+          </a:p>
+          <a:p>
+            <a:pPr marL="0" indent="0">
+              <a:buNone/>
+            </a:pPr>
+            <a:endParaRPr lang="en-US" dirty="0"/>
+          </a:p>
+          <a:p>
+            <a:pPr marL="0" indent="0">
+              <a:buNone/>
+            </a:pPr>
+            <a:r>
+              <a:rPr lang="en-US" dirty="0" err="1" smtClean="0"/>
+              <a:t>git</a:t>
+            </a:r>
+            <a:r>
+              <a:rPr lang="en-US" dirty="0" smtClean="0"/>
+              <a:t> checkout master</a:t>
+            </a:r>
+          </a:p>
+          <a:p>
+            <a:pPr marL="0" indent="0">
+              <a:buNone/>
+            </a:pPr>
+            <a:endParaRPr lang="en-US" dirty="0"/>
+          </a:p>
+          <a:p>
+            <a:pPr marL="0" indent="0">
+              <a:buNone/>
+            </a:pPr>
+            <a:r>
+              <a:rPr lang="en-US" dirty="0" err="1" smtClean="0"/>
+              <a:t>git</a:t>
+            </a:r>
+            <a:r>
+              <a:rPr lang="en-US" dirty="0" smtClean="0"/>
+              <a:t> pull </a:t>
+            </a:r>
+          </a:p>
+          <a:p>
+            <a:pPr marL="0" indent="0">
+              <a:buNone/>
+            </a:pPr>
+            <a:endParaRPr lang="en-US" dirty="0"/>
+          </a:p>
+          <a:p>
+            <a:pPr marL="0" indent="0">
+              <a:buNone/>
+            </a:pPr>
+            <a:r>
+              <a:rPr lang="en-US" dirty="0" err="1" smtClean="0"/>
+              <a:t>git</a:t>
+            </a:r>
+            <a:r>
+              <a:rPr lang="en-US" dirty="0" smtClean="0"/>
+              <a:t> merge ____</a:t>
+            </a:r>
+          </a:p>
+          <a:p>
+            <a:pPr marL="0" indent="0">
+              <a:buNone/>
+            </a:pPr>
+            <a:endParaRPr lang="en-US" dirty="0"/>
+          </a:p>
+          <a:p>
+            <a:pPr marL="0" indent="0">
+              <a:buNone/>
+            </a:pPr>
+            <a:r>
+              <a:rPr lang="en-US" dirty="0" err="1" smtClean="0"/>
+              <a:t>git</a:t>
+            </a:r>
+            <a:r>
+              <a:rPr lang="en-US" dirty="0" smtClean="0"/>
+              <a:t> push origin master</a:t>
+            </a:r>
+          </a:p>
+          <a:p>
+            <a:pPr marL="0" indent="0">
+              <a:buNone/>
+            </a:pPr>
+            <a:r>
+              <a:rPr lang="en-US" dirty="0" smtClean="0"/>
+              <a:t>Delete branch</a:t>
+            </a:r>
+            <a:endParaRPr lang="en-US" dirty="0"/>
+          </a:p>
+          <a:p>
+            <a:pPr marL="0" indent="0">
+              <a:buNone/>
+            </a:pPr>
+            <a:r>
+              <a:rPr lang="en-US" dirty="0" err="1" smtClean="0"/>
+              <a:t>git</a:t>
+            </a:r>
+            <a:r>
+              <a:rPr lang="en-US" dirty="0" smtClean="0"/>
+              <a:t> push origin –delete ____</a:t>
+            </a:r>
+            <a:endParaRPr lang="en-US" dirty="0"/>
+          </a:p>
+        </p:txBody>
+      </p:sp>
+      <p:sp>
+        <p:nvSpPr>
+          <p:cNvPr id="5" name="Slide Number Placeholder 4"/>
+          <p:cNvSpPr>
+            <a:spLocks noGrp="1"/>
+          </p:cNvSpPr>
+          <p:nvPr>
+            <p:ph type="sldNum" sz="quarter" idx="12"/>
+          </p:nvPr>
+        </p:nvSpPr>
+        <p:spPr/>
+        <p:txBody>
+          <a:bodyPr/>
+          <a:lstStyle/>
+          <a:p>
+            <a:fld id="{CA22A544-1804-4386-8584-5A7D657EA902}" type="slidenum">
+              <a:rPr lang="en-US" smtClean="0"/>
+              <a:t>45</a:t>
+            </a:fld>
+            <a:endParaRPr lang="en-US"/>
+          </a:p>
+        </p:txBody>
+      </p:sp>
+    </p:spTree>
+    <p:extLst>
+      <p:ext uri="{BB962C8B-B14F-4D97-AF65-F5344CB8AC3E}">
+        <p14:creationId xmlns:p14="http://schemas.microsoft.com/office/powerpoint/2010/main" val="3076708193"/>
+      </p:ext>
+    </p:extLst>
+  </p:cSld>
+  <p:clrMapOvr>
+    <a:masterClrMapping/>
+  </p:clrMapOvr>
 </p:sld>
 </file>
 

--- a/Code and Data.pptx
+++ b/Code and Data.pptx
@@ -5,7 +5,7 @@
     <p:sldMasterId id="2147483648" r:id="rId1"/>
   </p:sldMasterIdLst>
   <p:notesMasterIdLst>
-    <p:notesMasterId r:id="rId40"/>
+    <p:notesMasterId r:id="rId49"/>
   </p:notesMasterIdLst>
   <p:sldIdLst>
     <p:sldId id="256" r:id="rId2"/>
@@ -25,27 +25,36 @@
     <p:sldId id="276" r:id="rId16"/>
     <p:sldId id="269" r:id="rId17"/>
     <p:sldId id="271" r:id="rId18"/>
-    <p:sldId id="272" r:id="rId19"/>
-    <p:sldId id="277" r:id="rId20"/>
-    <p:sldId id="275" r:id="rId21"/>
-    <p:sldId id="279" r:id="rId22"/>
-    <p:sldId id="280" r:id="rId23"/>
-    <p:sldId id="295" r:id="rId24"/>
-    <p:sldId id="273" r:id="rId25"/>
-    <p:sldId id="281" r:id="rId26"/>
-    <p:sldId id="284" r:id="rId27"/>
-    <p:sldId id="283" r:id="rId28"/>
-    <p:sldId id="285" r:id="rId29"/>
-    <p:sldId id="286" r:id="rId30"/>
-    <p:sldId id="287" r:id="rId31"/>
-    <p:sldId id="288" r:id="rId32"/>
-    <p:sldId id="289" r:id="rId33"/>
-    <p:sldId id="290" r:id="rId34"/>
-    <p:sldId id="291" r:id="rId35"/>
-    <p:sldId id="292" r:id="rId36"/>
-    <p:sldId id="293" r:id="rId37"/>
-    <p:sldId id="294" r:id="rId38"/>
+    <p:sldId id="303" r:id="rId19"/>
+    <p:sldId id="272" r:id="rId20"/>
+    <p:sldId id="277" r:id="rId21"/>
+    <p:sldId id="275" r:id="rId22"/>
+    <p:sldId id="279" r:id="rId23"/>
+    <p:sldId id="280" r:id="rId24"/>
+    <p:sldId id="295" r:id="rId25"/>
+    <p:sldId id="273" r:id="rId26"/>
+    <p:sldId id="281" r:id="rId27"/>
+    <p:sldId id="284" r:id="rId28"/>
+    <p:sldId id="283" r:id="rId29"/>
+    <p:sldId id="285" r:id="rId30"/>
+    <p:sldId id="286" r:id="rId31"/>
+    <p:sldId id="287" r:id="rId32"/>
+    <p:sldId id="288" r:id="rId33"/>
+    <p:sldId id="289" r:id="rId34"/>
+    <p:sldId id="290" r:id="rId35"/>
+    <p:sldId id="291" r:id="rId36"/>
+    <p:sldId id="292" r:id="rId37"/>
+    <p:sldId id="293" r:id="rId38"/>
     <p:sldId id="296" r:id="rId39"/>
+    <p:sldId id="298" r:id="rId40"/>
+    <p:sldId id="304" r:id="rId41"/>
+    <p:sldId id="305" r:id="rId42"/>
+    <p:sldId id="294" r:id="rId43"/>
+    <p:sldId id="297" r:id="rId44"/>
+    <p:sldId id="300" r:id="rId45"/>
+    <p:sldId id="301" r:id="rId46"/>
+    <p:sldId id="302" r:id="rId47"/>
+    <p:sldId id="299" r:id="rId48"/>
   </p:sldIdLst>
   <p:sldSz cx="12192000" cy="6858000"/>
   <p:notesSz cx="6858000" cy="9144000"/>
@@ -178,6 +187,7 @@
             <p14:sldId id="276"/>
             <p14:sldId id="269"/>
             <p14:sldId id="271"/>
+            <p14:sldId id="303"/>
             <p14:sldId id="272"/>
             <p14:sldId id="277"/>
             <p14:sldId id="275"/>
@@ -221,8 +231,16 @@
         </p14:section>
         <p14:section name="Assignment" id="{CE5C9723-AD53-43EB-B248-8521B51ED104}">
           <p14:sldIdLst>
+            <p14:sldId id="296"/>
+            <p14:sldId id="298"/>
+            <p14:sldId id="304"/>
+            <p14:sldId id="305"/>
             <p14:sldId id="294"/>
-            <p14:sldId id="296"/>
+            <p14:sldId id="297"/>
+            <p14:sldId id="300"/>
+            <p14:sldId id="301"/>
+            <p14:sldId id="302"/>
+            <p14:sldId id="299"/>
           </p14:sldIdLst>
         </p14:section>
       </p14:sectionLst>
@@ -316,7 +334,7 @@
           <a:p>
             <a:fld id="{2B417D8A-955C-4341-9B08-BF598ECF5D4A}" type="datetimeFigureOut">
               <a:rPr lang="en-US" smtClean="0"/>
-              <a:t>3/7/2018</a:t>
+              <a:t>3/13/2018</a:t>
             </a:fld>
             <a:endParaRPr lang="en-US"/>
           </a:p>
@@ -649,7 +667,7 @@
           <a:p>
             <a:fld id="{225DA50D-0A6F-44DE-A31F-AC441CF2C209}" type="slidenum">
               <a:rPr lang="en-US" smtClean="0"/>
-              <a:t>22</a:t>
+              <a:t>23</a:t>
             </a:fld>
             <a:endParaRPr lang="en-US"/>
           </a:p>
@@ -733,7 +751,7 @@
           <a:p>
             <a:fld id="{225DA50D-0A6F-44DE-A31F-AC441CF2C209}" type="slidenum">
               <a:rPr lang="en-US" smtClean="0"/>
-              <a:t>24</a:t>
+              <a:t>25</a:t>
             </a:fld>
             <a:endParaRPr lang="en-US"/>
           </a:p>
@@ -883,7 +901,7 @@
           <a:p>
             <a:fld id="{D3C56EE3-7B41-438F-B2D7-FB149C2332AC}" type="datetime1">
               <a:rPr lang="en-US" smtClean="0"/>
-              <a:t>3/7/2018</a:t>
+              <a:t>3/13/2018</a:t>
             </a:fld>
             <a:endParaRPr lang="en-US"/>
           </a:p>
@@ -1057,7 +1075,7 @@
           <a:p>
             <a:fld id="{01619F89-33D4-4F20-BD46-609358E17B5C}" type="datetime1">
               <a:rPr lang="en-US" smtClean="0"/>
-              <a:t>3/7/2018</a:t>
+              <a:t>3/13/2018</a:t>
             </a:fld>
             <a:endParaRPr lang="en-US"/>
           </a:p>
@@ -1241,7 +1259,7 @@
           <a:p>
             <a:fld id="{AF5C3AA5-A0B0-48C1-B3AE-E5C28A627E27}" type="datetime1">
               <a:rPr lang="en-US" smtClean="0"/>
-              <a:t>3/7/2018</a:t>
+              <a:t>3/13/2018</a:t>
             </a:fld>
             <a:endParaRPr lang="en-US"/>
           </a:p>
@@ -1415,7 +1433,7 @@
           <a:p>
             <a:fld id="{E375881D-B873-476F-BF6C-A5D03DB55670}" type="datetime1">
               <a:rPr lang="en-US" smtClean="0"/>
-              <a:t>3/7/2018</a:t>
+              <a:t>3/13/2018</a:t>
             </a:fld>
             <a:endParaRPr lang="en-US"/>
           </a:p>
@@ -1672,7 +1690,7 @@
           <a:p>
             <a:fld id="{01FDEF78-69FE-45C0-A60A-E8846B6865A3}" type="datetime1">
               <a:rPr lang="en-US" smtClean="0"/>
-              <a:t>3/7/2018</a:t>
+              <a:t>3/13/2018</a:t>
             </a:fld>
             <a:endParaRPr lang="en-US"/>
           </a:p>
@@ -1915,7 +1933,7 @@
           <a:p>
             <a:fld id="{6FBE0ADE-559C-4A7A-B08F-9D4F75826970}" type="datetime1">
               <a:rPr lang="en-US" smtClean="0"/>
-              <a:t>3/7/2018</a:t>
+              <a:t>3/13/2018</a:t>
             </a:fld>
             <a:endParaRPr lang="en-US"/>
           </a:p>
@@ -2286,7 +2304,7 @@
           <a:p>
             <a:fld id="{74894A5A-0D10-4B14-A277-93CC188BE210}" type="datetime1">
               <a:rPr lang="en-US" smtClean="0"/>
-              <a:t>3/7/2018</a:t>
+              <a:t>3/13/2018</a:t>
             </a:fld>
             <a:endParaRPr lang="en-US"/>
           </a:p>
@@ -2408,7 +2426,7 @@
           <a:p>
             <a:fld id="{577B3D55-1C30-4FA3-94FB-914CE37CACFE}" type="datetime1">
               <a:rPr lang="en-US" smtClean="0"/>
-              <a:t>3/7/2018</a:t>
+              <a:t>3/13/2018</a:t>
             </a:fld>
             <a:endParaRPr lang="en-US"/>
           </a:p>
@@ -2507,7 +2525,7 @@
           <a:p>
             <a:fld id="{76BDFE66-F1C7-439C-8120-3CEE120CAC96}" type="datetime1">
               <a:rPr lang="en-US" smtClean="0"/>
-              <a:t>3/7/2018</a:t>
+              <a:t>3/13/2018</a:t>
             </a:fld>
             <a:endParaRPr lang="en-US"/>
           </a:p>
@@ -2788,7 +2806,7 @@
           <a:p>
             <a:fld id="{0C9C451C-D1A4-4190-B1EE-E586C30E2F38}" type="datetime1">
               <a:rPr lang="en-US" smtClean="0"/>
-              <a:t>3/7/2018</a:t>
+              <a:t>3/13/2018</a:t>
             </a:fld>
             <a:endParaRPr lang="en-US"/>
           </a:p>
@@ -3045,7 +3063,7 @@
           <a:p>
             <a:fld id="{9B6269CE-4149-4BC1-B2E3-A688B1DE4C43}" type="datetime1">
               <a:rPr lang="en-US" smtClean="0"/>
-              <a:t>3/7/2018</a:t>
+              <a:t>3/13/2018</a:t>
             </a:fld>
             <a:endParaRPr lang="en-US"/>
           </a:p>
@@ -3262,7 +3280,7 @@
           <a:p>
             <a:fld id="{171D9BC2-FA8B-490C-86DD-3BD9CB7B67EB}" type="datetime1">
               <a:rPr lang="en-US" smtClean="0"/>
-              <a:t>3/7/2018</a:t>
+              <a:t>3/13/2018</a:t>
             </a:fld>
             <a:endParaRPr lang="en-US"/>
           </a:p>
@@ -3705,11 +3723,7 @@
             </a:br>
             <a:r>
               <a:rPr lang="en-US" dirty="0" smtClean="0"/>
-              <a:t>for the Social </a:t>
-            </a:r>
-            <a:r>
-              <a:rPr lang="en-US" dirty="0" smtClean="0"/>
-              <a:t>Sciences:</a:t>
+              <a:t>for the Social Sciences:</a:t>
             </a:r>
             <a:br>
               <a:rPr lang="en-US" dirty="0" smtClean="0"/>
@@ -8306,11 +8320,7 @@
           <a:p>
             <a:r>
               <a:rPr lang="en-US" dirty="0" smtClean="0"/>
-              <a:t>3.	Version </a:t>
-            </a:r>
-            <a:r>
-              <a:rPr lang="en-US" dirty="0" smtClean="0"/>
-              <a:t>control: the old way</a:t>
+              <a:t>3.	Version control: the old way</a:t>
             </a:r>
             <a:endParaRPr lang="en-US" dirty="0"/>
           </a:p>
@@ -9122,6 +9132,116 @@
 </file>
 
 <file path=ppt/slides/slide18.xml><?xml version="1.0" encoding="utf-8"?>
+<p:sld xmlns:a="http://schemas.openxmlformats.org/drawingml/2006/main" xmlns:r="http://schemas.openxmlformats.org/officeDocument/2006/relationships" xmlns:p="http://schemas.openxmlformats.org/presentationml/2006/main">
+  <p:cSld>
+    <p:spTree>
+      <p:nvGrpSpPr>
+        <p:cNvPr id="1" name=""/>
+        <p:cNvGrpSpPr/>
+        <p:nvPr/>
+      </p:nvGrpSpPr>
+      <p:grpSpPr>
+        <a:xfrm>
+          <a:off x="0" y="0"/>
+          <a:ext cx="0" cy="0"/>
+          <a:chOff x="0" y="0"/>
+          <a:chExt cx="0" cy="0"/>
+        </a:xfrm>
+      </p:grpSpPr>
+      <p:pic>
+        <p:nvPicPr>
+          <p:cNvPr id="5" name="Content Placeholder 4" descr="Complaint"/>
+          <p:cNvPicPr>
+            <a:picLocks noGrp="1" noChangeAspect="1"/>
+          </p:cNvPicPr>
+          <p:nvPr>
+            <p:ph idx="1"/>
+          </p:nvPr>
+        </p:nvPicPr>
+        <p:blipFill rotWithShape="1">
+          <a:blip r:embed="rId2" cstate="print">
+            <a:extLst>
+              <a:ext uri="{28A0092B-C50C-407E-A947-70E740481C1C}">
+                <a14:useLocalDpi xmlns:a14="http://schemas.microsoft.com/office/drawing/2010/main" val="0"/>
+              </a:ext>
+            </a:extLst>
+          </a:blip>
+          <a:srcRect l="25935" t="3272" r="15198"/>
+          <a:stretch/>
+        </p:blipFill>
+        <p:spPr>
+          <a:xfrm>
+            <a:off x="72927" y="0"/>
+            <a:ext cx="6473728" cy="6816725"/>
+          </a:xfrm>
+        </p:spPr>
+      </p:pic>
+      <p:sp>
+        <p:nvSpPr>
+          <p:cNvPr id="4" name="Slide Number Placeholder 3"/>
+          <p:cNvSpPr>
+            <a:spLocks noGrp="1"/>
+          </p:cNvSpPr>
+          <p:nvPr>
+            <p:ph type="sldNum" sz="quarter" idx="12"/>
+          </p:nvPr>
+        </p:nvSpPr>
+        <p:spPr/>
+        <p:txBody>
+          <a:bodyPr/>
+          <a:lstStyle/>
+          <a:p>
+            <a:fld id="{CA22A544-1804-4386-8584-5A7D657EA902}" type="slidenum">
+              <a:rPr lang="en-US" smtClean="0"/>
+              <a:t>18</a:t>
+            </a:fld>
+            <a:endParaRPr lang="en-US"/>
+          </a:p>
+        </p:txBody>
+      </p:sp>
+      <p:pic>
+        <p:nvPicPr>
+          <p:cNvPr id="8" name="Picture 7" descr="Layout 1 - Google Chrome"/>
+          <p:cNvPicPr>
+            <a:picLocks noChangeAspect="1"/>
+          </p:cNvPicPr>
+          <p:nvPr/>
+        </p:nvPicPr>
+        <p:blipFill rotWithShape="1">
+          <a:blip r:embed="rId3" cstate="print">
+            <a:extLst>
+              <a:ext uri="{28A0092B-C50C-407E-A947-70E740481C1C}">
+                <a14:useLocalDpi xmlns:a14="http://schemas.microsoft.com/office/drawing/2010/main" val="0"/>
+              </a:ext>
+            </a:extLst>
+          </a:blip>
+          <a:srcRect l="31146" t="11370" r="32003" b="4377"/>
+          <a:stretch/>
+        </p:blipFill>
+        <p:spPr>
+          <a:xfrm>
+            <a:off x="7461055" y="504883"/>
+            <a:ext cx="3943702" cy="5778111"/>
+          </a:xfrm>
+          <a:prstGeom prst="rect">
+            <a:avLst/>
+          </a:prstGeom>
+        </p:spPr>
+      </p:pic>
+    </p:spTree>
+    <p:extLst>
+      <p:ext uri="{BB962C8B-B14F-4D97-AF65-F5344CB8AC3E}">
+        <p14:creationId xmlns:p14="http://schemas.microsoft.com/office/powerpoint/2010/main" val="4158360887"/>
+      </p:ext>
+    </p:extLst>
+  </p:cSld>
+  <p:clrMapOvr>
+    <a:masterClrMapping/>
+  </p:clrMapOvr>
+</p:sld>
+</file>
+
+<file path=ppt/slides/slide19.xml><?xml version="1.0" encoding="utf-8"?>
 <p:sld xmlns:a="http://schemas.openxmlformats.org/drawingml/2006/main" xmlns:r="http://schemas.openxmlformats.org/officeDocument/2006/relationships" xmlns:p="http://schemas.openxmlformats.org/presentationml/2006/main">
   <p:cSld>
     <p:spTree>
@@ -9279,7 +9399,7 @@
           <a:p>
             <a:fld id="{CA22A544-1804-4386-8584-5A7D657EA902}" type="slidenum">
               <a:rPr lang="en-US" smtClean="0"/>
-              <a:t>18</a:t>
+              <a:t>19</a:t>
             </a:fld>
             <a:endParaRPr lang="en-US"/>
           </a:p>
@@ -9305,7 +9425,223 @@
 </p:sld>
 </file>
 
-<file path=ppt/slides/slide19.xml><?xml version="1.0" encoding="utf-8"?>
+<file path=ppt/slides/slide2.xml><?xml version="1.0" encoding="utf-8"?>
+<p:sld xmlns:a="http://schemas.openxmlformats.org/drawingml/2006/main" xmlns:r="http://schemas.openxmlformats.org/officeDocument/2006/relationships" xmlns:p="http://schemas.openxmlformats.org/presentationml/2006/main">
+  <p:cSld>
+    <p:spTree>
+      <p:nvGrpSpPr>
+        <p:cNvPr id="1" name=""/>
+        <p:cNvGrpSpPr/>
+        <p:nvPr/>
+      </p:nvGrpSpPr>
+      <p:grpSpPr>
+        <a:xfrm>
+          <a:off x="0" y="0"/>
+          <a:ext cx="0" cy="0"/>
+          <a:chOff x="0" y="0"/>
+          <a:chExt cx="0" cy="0"/>
+        </a:xfrm>
+      </p:grpSpPr>
+      <p:sp>
+        <p:nvSpPr>
+          <p:cNvPr id="2" name="Title 1"/>
+          <p:cNvSpPr>
+            <a:spLocks noGrp="1"/>
+          </p:cNvSpPr>
+          <p:nvPr>
+            <p:ph type="title"/>
+          </p:nvPr>
+        </p:nvSpPr>
+        <p:spPr/>
+        <p:txBody>
+          <a:bodyPr/>
+          <a:lstStyle/>
+          <a:p>
+            <a:r>
+              <a:rPr lang="en-US" dirty="0" smtClean="0"/>
+              <a:t>Agenda</a:t>
+            </a:r>
+            <a:endParaRPr lang="en-US" dirty="0"/>
+          </a:p>
+        </p:txBody>
+      </p:sp>
+      <p:sp>
+        <p:nvSpPr>
+          <p:cNvPr id="3" name="Content Placeholder 2"/>
+          <p:cNvSpPr>
+            <a:spLocks noGrp="1"/>
+          </p:cNvSpPr>
+          <p:nvPr>
+            <p:ph idx="1"/>
+          </p:nvPr>
+        </p:nvSpPr>
+        <p:spPr/>
+        <p:txBody>
+          <a:bodyPr>
+            <a:normAutofit lnSpcReduction="10000"/>
+          </a:bodyPr>
+          <a:lstStyle/>
+          <a:p>
+            <a:pPr marL="514350" indent="-514350">
+              <a:buFont typeface="+mj-lt"/>
+              <a:buAutoNum type="arabicPeriod"/>
+            </a:pPr>
+            <a:r>
+              <a:rPr lang="en-US" dirty="0" smtClean="0">
+                <a:hlinkClick r:id="rId2" action="ppaction://hlinksldjump"/>
+              </a:rPr>
+              <a:t>Intro</a:t>
+            </a:r>
+            <a:endParaRPr lang="en-US" dirty="0" smtClean="0"/>
+          </a:p>
+          <a:p>
+            <a:pPr marL="514350" indent="-514350">
+              <a:buFont typeface="+mj-lt"/>
+              <a:buAutoNum type="arabicPeriod"/>
+            </a:pPr>
+            <a:r>
+              <a:rPr lang="en-US" dirty="0" smtClean="0">
+                <a:hlinkClick r:id="rId3" action="ppaction://hlinksldjump"/>
+              </a:rPr>
+              <a:t>Automation</a:t>
+            </a:r>
+            <a:endParaRPr lang="en-US" dirty="0" smtClean="0"/>
+          </a:p>
+          <a:p>
+            <a:pPr marL="514350" indent="-514350">
+              <a:buFont typeface="+mj-lt"/>
+              <a:buAutoNum type="arabicPeriod"/>
+            </a:pPr>
+            <a:r>
+              <a:rPr lang="en-US" dirty="0" smtClean="0">
+                <a:hlinkClick r:id="rId4" action="ppaction://hlinksldjump"/>
+              </a:rPr>
+              <a:t>Version Control</a:t>
+            </a:r>
+            <a:endParaRPr lang="en-US" dirty="0" smtClean="0"/>
+          </a:p>
+          <a:p>
+            <a:pPr marL="514350" indent="-514350">
+              <a:buFont typeface="+mj-lt"/>
+              <a:buAutoNum type="arabicPeriod"/>
+            </a:pPr>
+            <a:r>
+              <a:rPr lang="en-US" dirty="0" smtClean="0">
+                <a:hlinkClick r:id="rId5" action="ppaction://hlinksldjump"/>
+              </a:rPr>
+              <a:t>Directories</a:t>
+            </a:r>
+            <a:endParaRPr lang="en-US" dirty="0" smtClean="0"/>
+          </a:p>
+          <a:p>
+            <a:pPr marL="514350" indent="-514350">
+              <a:buFont typeface="+mj-lt"/>
+              <a:buAutoNum type="arabicPeriod"/>
+            </a:pPr>
+            <a:r>
+              <a:rPr lang="en-US" dirty="0" smtClean="0">
+                <a:hlinkClick r:id="rId6" action="ppaction://hlinksldjump"/>
+              </a:rPr>
+              <a:t>Keys</a:t>
+            </a:r>
+            <a:endParaRPr lang="en-US" dirty="0" smtClean="0"/>
+          </a:p>
+          <a:p>
+            <a:pPr marL="514350" indent="-514350">
+              <a:buFont typeface="+mj-lt"/>
+              <a:buAutoNum type="arabicPeriod"/>
+            </a:pPr>
+            <a:r>
+              <a:rPr lang="en-US" dirty="0" smtClean="0">
+                <a:hlinkClick r:id="rId7" action="ppaction://hlinksldjump"/>
+              </a:rPr>
+              <a:t>Abstraction</a:t>
+            </a:r>
+            <a:endParaRPr lang="en-US" dirty="0" smtClean="0"/>
+          </a:p>
+          <a:p>
+            <a:pPr marL="514350" indent="-514350">
+              <a:buFont typeface="+mj-lt"/>
+              <a:buAutoNum type="arabicPeriod"/>
+            </a:pPr>
+            <a:r>
+              <a:rPr lang="en-US" dirty="0" smtClean="0">
+                <a:hlinkClick r:id="rId8" action="ppaction://hlinksldjump"/>
+              </a:rPr>
+              <a:t>Documentation</a:t>
+            </a:r>
+            <a:endParaRPr lang="en-US" dirty="0" smtClean="0"/>
+          </a:p>
+          <a:p>
+            <a:pPr marL="514350" indent="-514350">
+              <a:buFont typeface="+mj-lt"/>
+              <a:buAutoNum type="arabicPeriod"/>
+            </a:pPr>
+            <a:r>
+              <a:rPr lang="en-US" dirty="0" smtClean="0">
+                <a:hlinkClick r:id="rId9" action="ppaction://hlinksldjump"/>
+              </a:rPr>
+              <a:t>Management</a:t>
+            </a:r>
+            <a:endParaRPr lang="en-US" dirty="0" smtClean="0"/>
+          </a:p>
+          <a:p>
+            <a:pPr marL="514350" indent="-514350">
+              <a:buFont typeface="+mj-lt"/>
+              <a:buAutoNum type="arabicPeriod"/>
+            </a:pPr>
+            <a:r>
+              <a:rPr lang="en-US" dirty="0" smtClean="0"/>
+              <a:t>GitHub exercise</a:t>
+            </a:r>
+            <a:endParaRPr lang="en-US" dirty="0"/>
+          </a:p>
+        </p:txBody>
+      </p:sp>
+      <p:sp>
+        <p:nvSpPr>
+          <p:cNvPr id="4" name="Slide Number Placeholder 3"/>
+          <p:cNvSpPr>
+            <a:spLocks noGrp="1"/>
+          </p:cNvSpPr>
+          <p:nvPr>
+            <p:ph type="sldNum" sz="quarter" idx="12"/>
+          </p:nvPr>
+        </p:nvSpPr>
+        <p:spPr/>
+        <p:txBody>
+          <a:bodyPr/>
+          <a:lstStyle/>
+          <a:p>
+            <a:fld id="{CA22A544-1804-4386-8584-5A7D657EA902}" type="slidenum">
+              <a:rPr lang="en-US" smtClean="0"/>
+              <a:t>2</a:t>
+            </a:fld>
+            <a:endParaRPr lang="en-US"/>
+          </a:p>
+        </p:txBody>
+      </p:sp>
+    </p:spTree>
+    <p:extLst>
+      <p:ext uri="{BB962C8B-B14F-4D97-AF65-F5344CB8AC3E}">
+        <p14:creationId xmlns:p14="http://schemas.microsoft.com/office/powerpoint/2010/main" val="1455952325"/>
+      </p:ext>
+    </p:extLst>
+  </p:cSld>
+  <p:clrMapOvr>
+    <a:masterClrMapping/>
+  </p:clrMapOvr>
+  <p:timing>
+    <p:tnLst>
+      <p:par>
+        <p:cTn id="1" dur="indefinite" restart="never" nodeType="tmRoot"/>
+      </p:par>
+    </p:tnLst>
+  </p:timing>
+</p:sld>
+</file>
+
+<file path=ppt/slides/slide20.xml><?xml version="1.0" encoding="utf-8"?>
 <p:sld xmlns:a="http://schemas.openxmlformats.org/drawingml/2006/main" xmlns:r="http://schemas.openxmlformats.org/officeDocument/2006/relationships" xmlns:p="http://schemas.openxmlformats.org/presentationml/2006/main">
   <p:cSld>
     <p:spTree>
@@ -9562,7 +9898,7 @@
           <a:p>
             <a:fld id="{CA22A544-1804-4386-8584-5A7D657EA902}" type="slidenum">
               <a:rPr lang="en-US" smtClean="0"/>
-              <a:t>19</a:t>
+              <a:t>20</a:t>
             </a:fld>
             <a:endParaRPr lang="en-US"/>
           </a:p>
@@ -9742,223 +10078,7 @@
 </p:sld>
 </file>
 
-<file path=ppt/slides/slide2.xml><?xml version="1.0" encoding="utf-8"?>
-<p:sld xmlns:a="http://schemas.openxmlformats.org/drawingml/2006/main" xmlns:r="http://schemas.openxmlformats.org/officeDocument/2006/relationships" xmlns:p="http://schemas.openxmlformats.org/presentationml/2006/main">
-  <p:cSld>
-    <p:spTree>
-      <p:nvGrpSpPr>
-        <p:cNvPr id="1" name=""/>
-        <p:cNvGrpSpPr/>
-        <p:nvPr/>
-      </p:nvGrpSpPr>
-      <p:grpSpPr>
-        <a:xfrm>
-          <a:off x="0" y="0"/>
-          <a:ext cx="0" cy="0"/>
-          <a:chOff x="0" y="0"/>
-          <a:chExt cx="0" cy="0"/>
-        </a:xfrm>
-      </p:grpSpPr>
-      <p:sp>
-        <p:nvSpPr>
-          <p:cNvPr id="2" name="Title 1"/>
-          <p:cNvSpPr>
-            <a:spLocks noGrp="1"/>
-          </p:cNvSpPr>
-          <p:nvPr>
-            <p:ph type="title"/>
-          </p:nvPr>
-        </p:nvSpPr>
-        <p:spPr/>
-        <p:txBody>
-          <a:bodyPr/>
-          <a:lstStyle/>
-          <a:p>
-            <a:r>
-              <a:rPr lang="en-US" dirty="0" smtClean="0"/>
-              <a:t>Agenda</a:t>
-            </a:r>
-            <a:endParaRPr lang="en-US" dirty="0"/>
-          </a:p>
-        </p:txBody>
-      </p:sp>
-      <p:sp>
-        <p:nvSpPr>
-          <p:cNvPr id="3" name="Content Placeholder 2"/>
-          <p:cNvSpPr>
-            <a:spLocks noGrp="1"/>
-          </p:cNvSpPr>
-          <p:nvPr>
-            <p:ph idx="1"/>
-          </p:nvPr>
-        </p:nvSpPr>
-        <p:spPr/>
-        <p:txBody>
-          <a:bodyPr>
-            <a:normAutofit lnSpcReduction="10000"/>
-          </a:bodyPr>
-          <a:lstStyle/>
-          <a:p>
-            <a:pPr marL="514350" indent="-514350">
-              <a:buFont typeface="+mj-lt"/>
-              <a:buAutoNum type="arabicPeriod"/>
-            </a:pPr>
-            <a:r>
-              <a:rPr lang="en-US" dirty="0" smtClean="0">
-                <a:hlinkClick r:id="rId2" action="ppaction://hlinksldjump"/>
-              </a:rPr>
-              <a:t>Intro</a:t>
-            </a:r>
-            <a:endParaRPr lang="en-US" dirty="0" smtClean="0"/>
-          </a:p>
-          <a:p>
-            <a:pPr marL="514350" indent="-514350">
-              <a:buFont typeface="+mj-lt"/>
-              <a:buAutoNum type="arabicPeriod"/>
-            </a:pPr>
-            <a:r>
-              <a:rPr lang="en-US" dirty="0" smtClean="0">
-                <a:hlinkClick r:id="rId3" action="ppaction://hlinksldjump"/>
-              </a:rPr>
-              <a:t>Automation</a:t>
-            </a:r>
-            <a:endParaRPr lang="en-US" dirty="0" smtClean="0"/>
-          </a:p>
-          <a:p>
-            <a:pPr marL="514350" indent="-514350">
-              <a:buFont typeface="+mj-lt"/>
-              <a:buAutoNum type="arabicPeriod"/>
-            </a:pPr>
-            <a:r>
-              <a:rPr lang="en-US" dirty="0" smtClean="0">
-                <a:hlinkClick r:id="rId4" action="ppaction://hlinksldjump"/>
-              </a:rPr>
-              <a:t>Version Control</a:t>
-            </a:r>
-            <a:endParaRPr lang="en-US" dirty="0" smtClean="0"/>
-          </a:p>
-          <a:p>
-            <a:pPr marL="514350" indent="-514350">
-              <a:buFont typeface="+mj-lt"/>
-              <a:buAutoNum type="arabicPeriod"/>
-            </a:pPr>
-            <a:r>
-              <a:rPr lang="en-US" dirty="0" smtClean="0">
-                <a:hlinkClick r:id="rId5" action="ppaction://hlinksldjump"/>
-              </a:rPr>
-              <a:t>Directories</a:t>
-            </a:r>
-            <a:endParaRPr lang="en-US" dirty="0" smtClean="0"/>
-          </a:p>
-          <a:p>
-            <a:pPr marL="514350" indent="-514350">
-              <a:buFont typeface="+mj-lt"/>
-              <a:buAutoNum type="arabicPeriod"/>
-            </a:pPr>
-            <a:r>
-              <a:rPr lang="en-US" dirty="0" smtClean="0">
-                <a:hlinkClick r:id="rId6" action="ppaction://hlinksldjump"/>
-              </a:rPr>
-              <a:t>Keys</a:t>
-            </a:r>
-            <a:endParaRPr lang="en-US" dirty="0" smtClean="0"/>
-          </a:p>
-          <a:p>
-            <a:pPr marL="514350" indent="-514350">
-              <a:buFont typeface="+mj-lt"/>
-              <a:buAutoNum type="arabicPeriod"/>
-            </a:pPr>
-            <a:r>
-              <a:rPr lang="en-US" dirty="0" smtClean="0">
-                <a:hlinkClick r:id="rId7" action="ppaction://hlinksldjump"/>
-              </a:rPr>
-              <a:t>Abstraction</a:t>
-            </a:r>
-            <a:endParaRPr lang="en-US" dirty="0" smtClean="0"/>
-          </a:p>
-          <a:p>
-            <a:pPr marL="514350" indent="-514350">
-              <a:buFont typeface="+mj-lt"/>
-              <a:buAutoNum type="arabicPeriod"/>
-            </a:pPr>
-            <a:r>
-              <a:rPr lang="en-US" dirty="0" smtClean="0">
-                <a:hlinkClick r:id="rId8" action="ppaction://hlinksldjump"/>
-              </a:rPr>
-              <a:t>Documentation</a:t>
-            </a:r>
-            <a:endParaRPr lang="en-US" dirty="0" smtClean="0"/>
-          </a:p>
-          <a:p>
-            <a:pPr marL="514350" indent="-514350">
-              <a:buFont typeface="+mj-lt"/>
-              <a:buAutoNum type="arabicPeriod"/>
-            </a:pPr>
-            <a:r>
-              <a:rPr lang="en-US" dirty="0" smtClean="0">
-                <a:hlinkClick r:id="rId9" action="ppaction://hlinksldjump"/>
-              </a:rPr>
-              <a:t>Management</a:t>
-            </a:r>
-            <a:endParaRPr lang="en-US" dirty="0" smtClean="0"/>
-          </a:p>
-          <a:p>
-            <a:pPr marL="514350" indent="-514350">
-              <a:buFont typeface="+mj-lt"/>
-              <a:buAutoNum type="arabicPeriod"/>
-            </a:pPr>
-            <a:r>
-              <a:rPr lang="en-US" dirty="0" smtClean="0"/>
-              <a:t>GitHub exercise</a:t>
-            </a:r>
-            <a:endParaRPr lang="en-US" dirty="0"/>
-          </a:p>
-        </p:txBody>
-      </p:sp>
-      <p:sp>
-        <p:nvSpPr>
-          <p:cNvPr id="4" name="Slide Number Placeholder 3"/>
-          <p:cNvSpPr>
-            <a:spLocks noGrp="1"/>
-          </p:cNvSpPr>
-          <p:nvPr>
-            <p:ph type="sldNum" sz="quarter" idx="12"/>
-          </p:nvPr>
-        </p:nvSpPr>
-        <p:spPr/>
-        <p:txBody>
-          <a:bodyPr/>
-          <a:lstStyle/>
-          <a:p>
-            <a:fld id="{CA22A544-1804-4386-8584-5A7D657EA902}" type="slidenum">
-              <a:rPr lang="en-US" smtClean="0"/>
-              <a:t>2</a:t>
-            </a:fld>
-            <a:endParaRPr lang="en-US"/>
-          </a:p>
-        </p:txBody>
-      </p:sp>
-    </p:spTree>
-    <p:extLst>
-      <p:ext uri="{BB962C8B-B14F-4D97-AF65-F5344CB8AC3E}">
-        <p14:creationId xmlns:p14="http://schemas.microsoft.com/office/powerpoint/2010/main" val="1455952325"/>
-      </p:ext>
-    </p:extLst>
-  </p:cSld>
-  <p:clrMapOvr>
-    <a:masterClrMapping/>
-  </p:clrMapOvr>
-  <p:timing>
-    <p:tnLst>
-      <p:par>
-        <p:cTn id="1" dur="indefinite" restart="never" nodeType="tmRoot"/>
-      </p:par>
-    </p:tnLst>
-  </p:timing>
-</p:sld>
-</file>
-
-<file path=ppt/slides/slide20.xml><?xml version="1.0" encoding="utf-8"?>
+<file path=ppt/slides/slide21.xml><?xml version="1.0" encoding="utf-8"?>
 <p:sld xmlns:a="http://schemas.openxmlformats.org/drawingml/2006/main" xmlns:r="http://schemas.openxmlformats.org/officeDocument/2006/relationships" xmlns:p="http://schemas.openxmlformats.org/presentationml/2006/main">
   <p:cSld>
     <p:spTree>
@@ -10370,7 +10490,7 @@
           <a:p>
             <a:fld id="{CA22A544-1804-4386-8584-5A7D657EA902}" type="slidenum">
               <a:rPr lang="en-US" smtClean="0"/>
-              <a:t>20</a:t>
+              <a:t>21</a:t>
             </a:fld>
             <a:endParaRPr lang="en-US"/>
           </a:p>
@@ -10482,7 +10602,7 @@
 </p:sld>
 </file>
 
-<file path=ppt/slides/slide21.xml><?xml version="1.0" encoding="utf-8"?>
+<file path=ppt/slides/slide22.xml><?xml version="1.0" encoding="utf-8"?>
 <p:sld xmlns:a="http://schemas.openxmlformats.org/drawingml/2006/main" xmlns:r="http://schemas.openxmlformats.org/officeDocument/2006/relationships" xmlns:p="http://schemas.openxmlformats.org/presentationml/2006/main">
   <p:cSld>
     <p:spTree>
@@ -11118,7 +11238,7 @@
           <a:p>
             <a:fld id="{CA22A544-1804-4386-8584-5A7D657EA902}" type="slidenum">
               <a:rPr lang="en-US" smtClean="0"/>
-              <a:t>21</a:t>
+              <a:t>22</a:t>
             </a:fld>
             <a:endParaRPr lang="en-US"/>
           </a:p>
@@ -11144,7 +11264,7 @@
 </p:sld>
 </file>
 
-<file path=ppt/slides/slide22.xml><?xml version="1.0" encoding="utf-8"?>
+<file path=ppt/slides/slide23.xml><?xml version="1.0" encoding="utf-8"?>
 <p:sld xmlns:a="http://schemas.openxmlformats.org/drawingml/2006/main" xmlns:r="http://schemas.openxmlformats.org/officeDocument/2006/relationships" xmlns:p="http://schemas.openxmlformats.org/presentationml/2006/main">
   <p:cSld>
     <p:spTree>
@@ -11767,7 +11887,7 @@
           <a:p>
             <a:fld id="{CA22A544-1804-4386-8584-5A7D657EA902}" type="slidenum">
               <a:rPr lang="en-US" smtClean="0"/>
-              <a:t>22</a:t>
+              <a:t>23</a:t>
             </a:fld>
             <a:endParaRPr lang="en-US"/>
           </a:p>
@@ -11777,229 +11897,6 @@
     <p:extLst>
       <p:ext uri="{BB962C8B-B14F-4D97-AF65-F5344CB8AC3E}">
         <p14:creationId xmlns:p14="http://schemas.microsoft.com/office/powerpoint/2010/main" val="4174360281"/>
-      </p:ext>
-    </p:extLst>
-  </p:cSld>
-  <p:clrMapOvr>
-    <a:masterClrMapping/>
-  </p:clrMapOvr>
-  <p:timing>
-    <p:tnLst>
-      <p:par>
-        <p:cTn id="1" dur="indefinite" restart="never" nodeType="tmRoot"/>
-      </p:par>
-    </p:tnLst>
-  </p:timing>
-</p:sld>
-</file>
-
-<file path=ppt/slides/slide23.xml><?xml version="1.0" encoding="utf-8"?>
-<p:sld xmlns:a="http://schemas.openxmlformats.org/drawingml/2006/main" xmlns:r="http://schemas.openxmlformats.org/officeDocument/2006/relationships" xmlns:p="http://schemas.openxmlformats.org/presentationml/2006/main">
-  <p:cSld>
-    <p:spTree>
-      <p:nvGrpSpPr>
-        <p:cNvPr id="1" name=""/>
-        <p:cNvGrpSpPr/>
-        <p:nvPr/>
-      </p:nvGrpSpPr>
-      <p:grpSpPr>
-        <a:xfrm>
-          <a:off x="0" y="0"/>
-          <a:ext cx="0" cy="0"/>
-          <a:chOff x="0" y="0"/>
-          <a:chExt cx="0" cy="0"/>
-        </a:xfrm>
-      </p:grpSpPr>
-      <p:sp>
-        <p:nvSpPr>
-          <p:cNvPr id="2" name="Title 1"/>
-          <p:cNvSpPr>
-            <a:spLocks noGrp="1"/>
-          </p:cNvSpPr>
-          <p:nvPr>
-            <p:ph type="title"/>
-          </p:nvPr>
-        </p:nvSpPr>
-        <p:spPr/>
-        <p:txBody>
-          <a:bodyPr/>
-          <a:lstStyle/>
-          <a:p>
-            <a:r>
-              <a:rPr lang="en-US" dirty="0" smtClean="0"/>
-              <a:t>Version control</a:t>
-            </a:r>
-            <a:endParaRPr lang="en-US" dirty="0"/>
-          </a:p>
-        </p:txBody>
-      </p:sp>
-      <p:sp>
-        <p:nvSpPr>
-          <p:cNvPr id="3" name="Content Placeholder 2"/>
-          <p:cNvSpPr>
-            <a:spLocks noGrp="1"/>
-          </p:cNvSpPr>
-          <p:nvPr>
-            <p:ph idx="1"/>
-          </p:nvPr>
-        </p:nvSpPr>
-        <p:spPr/>
-        <p:txBody>
-          <a:bodyPr>
-            <a:normAutofit fontScale="92500" lnSpcReduction="20000"/>
-          </a:bodyPr>
-          <a:lstStyle/>
-          <a:p>
-            <a:r>
-              <a:rPr lang="en-US" dirty="0"/>
-              <a:t>There are many systems</a:t>
-            </a:r>
-          </a:p>
-          <a:p>
-            <a:pPr lvl="1"/>
-            <a:r>
-              <a:rPr lang="en-US" dirty="0" err="1" smtClean="0"/>
-              <a:t>Git</a:t>
-            </a:r>
-            <a:r>
-              <a:rPr lang="en-US" dirty="0" smtClean="0"/>
-              <a:t> </a:t>
-            </a:r>
-            <a:r>
-              <a:rPr lang="en-US" dirty="0"/>
-              <a:t>is most popular today (that’s why I use it)</a:t>
-            </a:r>
-          </a:p>
-          <a:p>
-            <a:endParaRPr lang="en-US" dirty="0"/>
-          </a:p>
-          <a:p>
-            <a:r>
-              <a:rPr lang="en-US" dirty="0"/>
-              <a:t>Main difference with legacy systems</a:t>
-            </a:r>
-          </a:p>
-          <a:p>
-            <a:pPr lvl="1"/>
-            <a:r>
-              <a:rPr lang="en-US" dirty="0"/>
-              <a:t>legacy systems require a server – </a:t>
-            </a:r>
-            <a:r>
-              <a:rPr lang="en-US" dirty="0" err="1"/>
-              <a:t>Git</a:t>
-            </a:r>
-            <a:r>
-              <a:rPr lang="en-US" dirty="0"/>
-              <a:t> stores history locally</a:t>
-            </a:r>
-          </a:p>
-          <a:p>
-            <a:pPr lvl="1"/>
-            <a:r>
-              <a:rPr lang="en-US" dirty="0" err="1"/>
-              <a:t>git</a:t>
-            </a:r>
-            <a:r>
-              <a:rPr lang="en-US" dirty="0"/>
-              <a:t> uses “remotes” [optional] – online sharing/collaboration</a:t>
-            </a:r>
-          </a:p>
-          <a:p>
-            <a:pPr lvl="1"/>
-            <a:r>
-              <a:rPr lang="en-US" dirty="0"/>
-              <a:t>active “open source” community of </a:t>
-            </a:r>
-            <a:r>
-              <a:rPr lang="en-US" dirty="0" err="1"/>
-              <a:t>Git</a:t>
-            </a:r>
-            <a:endParaRPr lang="en-US" dirty="0"/>
-          </a:p>
-          <a:p>
-            <a:pPr lvl="1"/>
-            <a:endParaRPr lang="en-US" dirty="0"/>
-          </a:p>
-          <a:p>
-            <a:r>
-              <a:rPr lang="en-US" dirty="0"/>
-              <a:t>I combine </a:t>
-            </a:r>
-            <a:r>
-              <a:rPr lang="en-US" dirty="0" err="1"/>
-              <a:t>Git</a:t>
-            </a:r>
-            <a:r>
-              <a:rPr lang="en-US" dirty="0"/>
-              <a:t> with other things</a:t>
-            </a:r>
-          </a:p>
-          <a:p>
-            <a:pPr lvl="1"/>
-            <a:r>
-              <a:rPr lang="en-US" dirty="0" err="1"/>
-              <a:t>Git</a:t>
-            </a:r>
-            <a:r>
-              <a:rPr lang="en-US" dirty="0"/>
-              <a:t>: version control for text/code files</a:t>
-            </a:r>
-          </a:p>
-          <a:p>
-            <a:pPr lvl="1"/>
-            <a:r>
-              <a:rPr lang="en-US" dirty="0"/>
-              <a:t>[</a:t>
-            </a:r>
-            <a:r>
-              <a:rPr lang="en-US" dirty="0" err="1"/>
-              <a:t>Git</a:t>
-            </a:r>
-            <a:r>
-              <a:rPr lang="en-US" dirty="0"/>
-              <a:t> LFS (large file system): version control for large files] (e.g., pictures)</a:t>
-            </a:r>
-          </a:p>
-          <a:p>
-            <a:pPr lvl="1"/>
-            <a:r>
-              <a:rPr lang="en-US" dirty="0"/>
-              <a:t>Amazon’s AWS S3 for huge files (&gt;1GB)</a:t>
-            </a:r>
-          </a:p>
-          <a:p>
-            <a:endParaRPr lang="en-US" dirty="0"/>
-          </a:p>
-        </p:txBody>
-      </p:sp>
-      <p:sp>
-        <p:nvSpPr>
-          <p:cNvPr id="4" name="Slide Number Placeholder 3"/>
-          <p:cNvSpPr>
-            <a:spLocks noGrp="1"/>
-          </p:cNvSpPr>
-          <p:nvPr>
-            <p:ph type="sldNum" sz="quarter" idx="12"/>
-          </p:nvPr>
-        </p:nvSpPr>
-        <p:spPr/>
-        <p:txBody>
-          <a:bodyPr/>
-          <a:lstStyle/>
-          <a:p>
-            <a:fld id="{CA22A544-1804-4386-8584-5A7D657EA902}" type="slidenum">
-              <a:rPr lang="en-US" smtClean="0"/>
-              <a:t>23</a:t>
-            </a:fld>
-            <a:endParaRPr lang="en-US"/>
-          </a:p>
-        </p:txBody>
-      </p:sp>
-    </p:spTree>
-    <p:extLst>
-      <p:ext uri="{BB962C8B-B14F-4D97-AF65-F5344CB8AC3E}">
-        <p14:creationId xmlns:p14="http://schemas.microsoft.com/office/powerpoint/2010/main" val="1584393061"/>
       </p:ext>
     </p:extLst>
   </p:cSld>
@@ -12050,6 +11947,229 @@
           <a:p>
             <a:r>
               <a:rPr lang="en-US" dirty="0" smtClean="0"/>
+              <a:t>Version control</a:t>
+            </a:r>
+            <a:endParaRPr lang="en-US" dirty="0"/>
+          </a:p>
+        </p:txBody>
+      </p:sp>
+      <p:sp>
+        <p:nvSpPr>
+          <p:cNvPr id="3" name="Content Placeholder 2"/>
+          <p:cNvSpPr>
+            <a:spLocks noGrp="1"/>
+          </p:cNvSpPr>
+          <p:nvPr>
+            <p:ph idx="1"/>
+          </p:nvPr>
+        </p:nvSpPr>
+        <p:spPr/>
+        <p:txBody>
+          <a:bodyPr>
+            <a:normAutofit fontScale="92500" lnSpcReduction="20000"/>
+          </a:bodyPr>
+          <a:lstStyle/>
+          <a:p>
+            <a:r>
+              <a:rPr lang="en-US" dirty="0"/>
+              <a:t>There are many systems</a:t>
+            </a:r>
+          </a:p>
+          <a:p>
+            <a:pPr lvl="1"/>
+            <a:r>
+              <a:rPr lang="en-US" dirty="0" err="1" smtClean="0"/>
+              <a:t>Git</a:t>
+            </a:r>
+            <a:r>
+              <a:rPr lang="en-US" dirty="0" smtClean="0"/>
+              <a:t> </a:t>
+            </a:r>
+            <a:r>
+              <a:rPr lang="en-US" dirty="0"/>
+              <a:t>is most popular today (that’s why I use it)</a:t>
+            </a:r>
+          </a:p>
+          <a:p>
+            <a:endParaRPr lang="en-US" dirty="0"/>
+          </a:p>
+          <a:p>
+            <a:r>
+              <a:rPr lang="en-US" dirty="0"/>
+              <a:t>Main difference with legacy systems</a:t>
+            </a:r>
+          </a:p>
+          <a:p>
+            <a:pPr lvl="1"/>
+            <a:r>
+              <a:rPr lang="en-US" dirty="0"/>
+              <a:t>legacy systems require a server – </a:t>
+            </a:r>
+            <a:r>
+              <a:rPr lang="en-US" dirty="0" err="1"/>
+              <a:t>Git</a:t>
+            </a:r>
+            <a:r>
+              <a:rPr lang="en-US" dirty="0"/>
+              <a:t> stores history locally</a:t>
+            </a:r>
+          </a:p>
+          <a:p>
+            <a:pPr lvl="1"/>
+            <a:r>
+              <a:rPr lang="en-US" dirty="0" err="1"/>
+              <a:t>git</a:t>
+            </a:r>
+            <a:r>
+              <a:rPr lang="en-US" dirty="0"/>
+              <a:t> uses “remotes” [optional] – online sharing/collaboration</a:t>
+            </a:r>
+          </a:p>
+          <a:p>
+            <a:pPr lvl="1"/>
+            <a:r>
+              <a:rPr lang="en-US" dirty="0"/>
+              <a:t>active “open source” community of </a:t>
+            </a:r>
+            <a:r>
+              <a:rPr lang="en-US" dirty="0" err="1"/>
+              <a:t>Git</a:t>
+            </a:r>
+            <a:endParaRPr lang="en-US" dirty="0"/>
+          </a:p>
+          <a:p>
+            <a:pPr lvl="1"/>
+            <a:endParaRPr lang="en-US" dirty="0"/>
+          </a:p>
+          <a:p>
+            <a:r>
+              <a:rPr lang="en-US" dirty="0"/>
+              <a:t>I combine </a:t>
+            </a:r>
+            <a:r>
+              <a:rPr lang="en-US" dirty="0" err="1"/>
+              <a:t>Git</a:t>
+            </a:r>
+            <a:r>
+              <a:rPr lang="en-US" dirty="0"/>
+              <a:t> with other things</a:t>
+            </a:r>
+          </a:p>
+          <a:p>
+            <a:pPr lvl="1"/>
+            <a:r>
+              <a:rPr lang="en-US" dirty="0" err="1"/>
+              <a:t>Git</a:t>
+            </a:r>
+            <a:r>
+              <a:rPr lang="en-US" dirty="0"/>
+              <a:t>: version control for text/code files</a:t>
+            </a:r>
+          </a:p>
+          <a:p>
+            <a:pPr lvl="1"/>
+            <a:r>
+              <a:rPr lang="en-US" dirty="0"/>
+              <a:t>[</a:t>
+            </a:r>
+            <a:r>
+              <a:rPr lang="en-US" dirty="0" err="1"/>
+              <a:t>Git</a:t>
+            </a:r>
+            <a:r>
+              <a:rPr lang="en-US" dirty="0"/>
+              <a:t> LFS (large file system): version control for large files] (e.g., pictures)</a:t>
+            </a:r>
+          </a:p>
+          <a:p>
+            <a:pPr lvl="1"/>
+            <a:r>
+              <a:rPr lang="en-US" dirty="0"/>
+              <a:t>Amazon’s AWS S3 for huge files (&gt;1GB)</a:t>
+            </a:r>
+          </a:p>
+          <a:p>
+            <a:endParaRPr lang="en-US" dirty="0"/>
+          </a:p>
+        </p:txBody>
+      </p:sp>
+      <p:sp>
+        <p:nvSpPr>
+          <p:cNvPr id="4" name="Slide Number Placeholder 3"/>
+          <p:cNvSpPr>
+            <a:spLocks noGrp="1"/>
+          </p:cNvSpPr>
+          <p:nvPr>
+            <p:ph type="sldNum" sz="quarter" idx="12"/>
+          </p:nvPr>
+        </p:nvSpPr>
+        <p:spPr/>
+        <p:txBody>
+          <a:bodyPr/>
+          <a:lstStyle/>
+          <a:p>
+            <a:fld id="{CA22A544-1804-4386-8584-5A7D657EA902}" type="slidenum">
+              <a:rPr lang="en-US" smtClean="0"/>
+              <a:t>24</a:t>
+            </a:fld>
+            <a:endParaRPr lang="en-US"/>
+          </a:p>
+        </p:txBody>
+      </p:sp>
+    </p:spTree>
+    <p:extLst>
+      <p:ext uri="{BB962C8B-B14F-4D97-AF65-F5344CB8AC3E}">
+        <p14:creationId xmlns:p14="http://schemas.microsoft.com/office/powerpoint/2010/main" val="1584393061"/>
+      </p:ext>
+    </p:extLst>
+  </p:cSld>
+  <p:clrMapOvr>
+    <a:masterClrMapping/>
+  </p:clrMapOvr>
+  <p:timing>
+    <p:tnLst>
+      <p:par>
+        <p:cTn id="1" dur="indefinite" restart="never" nodeType="tmRoot"/>
+      </p:par>
+    </p:tnLst>
+  </p:timing>
+</p:sld>
+</file>
+
+<file path=ppt/slides/slide25.xml><?xml version="1.0" encoding="utf-8"?>
+<p:sld xmlns:a="http://schemas.openxmlformats.org/drawingml/2006/main" xmlns:r="http://schemas.openxmlformats.org/officeDocument/2006/relationships" xmlns:p="http://schemas.openxmlformats.org/presentationml/2006/main">
+  <p:cSld>
+    <p:spTree>
+      <p:nvGrpSpPr>
+        <p:cNvPr id="1" name=""/>
+        <p:cNvGrpSpPr/>
+        <p:nvPr/>
+      </p:nvGrpSpPr>
+      <p:grpSpPr>
+        <a:xfrm>
+          <a:off x="0" y="0"/>
+          <a:ext cx="0" cy="0"/>
+          <a:chOff x="0" y="0"/>
+          <a:chExt cx="0" cy="0"/>
+        </a:xfrm>
+      </p:grpSpPr>
+      <p:sp>
+        <p:nvSpPr>
+          <p:cNvPr id="2" name="Title 1"/>
+          <p:cNvSpPr>
+            <a:spLocks noGrp="1"/>
+          </p:cNvSpPr>
+          <p:nvPr>
+            <p:ph type="title"/>
+          </p:nvPr>
+        </p:nvSpPr>
+        <p:spPr/>
+        <p:txBody>
+          <a:bodyPr/>
+          <a:lstStyle/>
+          <a:p>
+            <a:r>
+              <a:rPr lang="en-US" dirty="0" smtClean="0"/>
               <a:t>4. Directories</a:t>
             </a:r>
             <a:endParaRPr lang="en-US" dirty="0"/>
@@ -13149,7 +13269,7 @@
           <a:p>
             <a:fld id="{CA22A544-1804-4386-8584-5A7D657EA902}" type="slidenum">
               <a:rPr lang="en-US" smtClean="0"/>
-              <a:t>24</a:t>
+              <a:t>25</a:t>
             </a:fld>
             <a:endParaRPr lang="en-US"/>
           </a:p>
@@ -13217,7 +13337,7 @@
 </p:sld>
 </file>
 
-<file path=ppt/slides/slide25.xml><?xml version="1.0" encoding="utf-8"?>
+<file path=ppt/slides/slide26.xml><?xml version="1.0" encoding="utf-8"?>
 <p:sld xmlns:a="http://schemas.openxmlformats.org/drawingml/2006/main" xmlns:r="http://schemas.openxmlformats.org/officeDocument/2006/relationships" xmlns:p="http://schemas.openxmlformats.org/presentationml/2006/main">
   <p:cSld>
     <p:spTree>
@@ -15208,7 +15328,7 @@
           <a:p>
             <a:fld id="{CA22A544-1804-4386-8584-5A7D657EA902}" type="slidenum">
               <a:rPr lang="en-US" smtClean="0"/>
-              <a:t>25</a:t>
+              <a:t>26</a:t>
             </a:fld>
             <a:endParaRPr lang="en-US"/>
           </a:p>
@@ -15835,7 +15955,7 @@
 </p:sld>
 </file>
 
-<file path=ppt/slides/slide26.xml><?xml version="1.0" encoding="utf-8"?>
+<file path=ppt/slides/slide27.xml><?xml version="1.0" encoding="utf-8"?>
 <p:sld xmlns:a="http://schemas.openxmlformats.org/drawingml/2006/main" xmlns:r="http://schemas.openxmlformats.org/officeDocument/2006/relationships" xmlns:p="http://schemas.openxmlformats.org/presentationml/2006/main">
   <p:cSld>
     <p:spTree>
@@ -15892,7 +16012,7 @@
           <a:p>
             <a:fld id="{CA22A544-1804-4386-8584-5A7D657EA902}" type="slidenum">
               <a:rPr lang="en-US" smtClean="0"/>
-              <a:t>26</a:t>
+              <a:t>27</a:t>
             </a:fld>
             <a:endParaRPr lang="en-US"/>
           </a:p>
@@ -16119,7 +16239,7 @@
 </p:sld>
 </file>
 
-<file path=ppt/slides/slide27.xml><?xml version="1.0" encoding="utf-8"?>
+<file path=ppt/slides/slide28.xml><?xml version="1.0" encoding="utf-8"?>
 <p:sld xmlns:a="http://schemas.openxmlformats.org/drawingml/2006/main" xmlns:r="http://schemas.openxmlformats.org/officeDocument/2006/relationships" xmlns:p="http://schemas.openxmlformats.org/presentationml/2006/main">
   <p:cSld>
     <p:spTree>
@@ -18890,7 +19010,7 @@
           <a:p>
             <a:fld id="{CA22A544-1804-4386-8584-5A7D657EA902}" type="slidenum">
               <a:rPr lang="en-US" smtClean="0"/>
-              <a:t>27</a:t>
+              <a:t>28</a:t>
             </a:fld>
             <a:endParaRPr lang="en-US"/>
           </a:p>
@@ -18916,7 +19036,7 @@
 </p:sld>
 </file>
 
-<file path=ppt/slides/slide28.xml><?xml version="1.0" encoding="utf-8"?>
+<file path=ppt/slides/slide29.xml><?xml version="1.0" encoding="utf-8"?>
 <p:sld xmlns:a="http://schemas.openxmlformats.org/drawingml/2006/main" xmlns:r="http://schemas.openxmlformats.org/officeDocument/2006/relationships" xmlns:p="http://schemas.openxmlformats.org/presentationml/2006/main">
   <p:cSld>
     <p:spTree>
@@ -21704,7 +21824,7 @@
           <a:p>
             <a:fld id="{CA22A544-1804-4386-8584-5A7D657EA902}" type="slidenum">
               <a:rPr lang="en-US" smtClean="0"/>
-              <a:t>28</a:t>
+              <a:t>29</a:t>
             </a:fld>
             <a:endParaRPr lang="en-US"/>
           </a:p>
@@ -21730,7 +21850,161 @@
 </p:sld>
 </file>
 
-<file path=ppt/slides/slide29.xml><?xml version="1.0" encoding="utf-8"?>
+<file path=ppt/slides/slide3.xml><?xml version="1.0" encoding="utf-8"?>
+<p:sld xmlns:a="http://schemas.openxmlformats.org/drawingml/2006/main" xmlns:r="http://schemas.openxmlformats.org/officeDocument/2006/relationships" xmlns:p="http://schemas.openxmlformats.org/presentationml/2006/main">
+  <p:cSld>
+    <p:spTree>
+      <p:nvGrpSpPr>
+        <p:cNvPr id="1" name=""/>
+        <p:cNvGrpSpPr/>
+        <p:nvPr/>
+      </p:nvGrpSpPr>
+      <p:grpSpPr>
+        <a:xfrm>
+          <a:off x="0" y="0"/>
+          <a:ext cx="0" cy="0"/>
+          <a:chOff x="0" y="0"/>
+          <a:chExt cx="0" cy="0"/>
+        </a:xfrm>
+      </p:grpSpPr>
+      <p:sp>
+        <p:nvSpPr>
+          <p:cNvPr id="2" name="Title 1"/>
+          <p:cNvSpPr>
+            <a:spLocks noGrp="1"/>
+          </p:cNvSpPr>
+          <p:nvPr>
+            <p:ph type="title"/>
+          </p:nvPr>
+        </p:nvSpPr>
+        <p:spPr/>
+        <p:txBody>
+          <a:bodyPr/>
+          <a:lstStyle/>
+          <a:p>
+            <a:r>
+              <a:rPr lang="en-US" dirty="0" smtClean="0"/>
+              <a:t>Introduction</a:t>
+            </a:r>
+            <a:endParaRPr lang="en-US" dirty="0"/>
+          </a:p>
+        </p:txBody>
+      </p:sp>
+      <p:sp>
+        <p:nvSpPr>
+          <p:cNvPr id="3" name="Content Placeholder 2"/>
+          <p:cNvSpPr>
+            <a:spLocks noGrp="1"/>
+          </p:cNvSpPr>
+          <p:nvPr>
+            <p:ph idx="1"/>
+          </p:nvPr>
+        </p:nvSpPr>
+        <p:spPr/>
+        <p:txBody>
+          <a:bodyPr/>
+          <a:lstStyle/>
+          <a:p>
+            <a:r>
+              <a:rPr lang="en-US" dirty="0" smtClean="0"/>
+              <a:t>As a masters/PhD student, two of the most important skills for my career which I didn’t appreciate at the time:</a:t>
+            </a:r>
+          </a:p>
+          <a:p>
+            <a:pPr marL="914400" lvl="1" indent="-457200">
+              <a:buFont typeface="+mj-lt"/>
+              <a:buAutoNum type="arabicPeriod"/>
+            </a:pPr>
+            <a:r>
+              <a:rPr lang="en-US" dirty="0" smtClean="0"/>
+              <a:t>Writing </a:t>
+            </a:r>
+          </a:p>
+          <a:p>
+            <a:pPr marL="914400" lvl="1" indent="-457200">
+              <a:buFont typeface="+mj-lt"/>
+              <a:buAutoNum type="arabicPeriod"/>
+            </a:pPr>
+            <a:r>
+              <a:rPr lang="en-US" dirty="0" smtClean="0"/>
+              <a:t>Coding (our focus today)</a:t>
+            </a:r>
+          </a:p>
+          <a:p>
+            <a:pPr marL="914400" lvl="1" indent="-457200">
+              <a:buFont typeface="+mj-lt"/>
+              <a:buAutoNum type="arabicPeriod"/>
+            </a:pPr>
+            <a:endParaRPr lang="en-US" dirty="0"/>
+          </a:p>
+          <a:p>
+            <a:r>
+              <a:rPr lang="en-US" dirty="0" smtClean="0"/>
+              <a:t>Most learning here self-taught, just-in-time (what GS call “seat-of-the-pants”) to solve a particular problem</a:t>
+            </a:r>
+          </a:p>
+          <a:p>
+            <a:endParaRPr lang="en-US" dirty="0"/>
+          </a:p>
+          <a:p>
+            <a:r>
+              <a:rPr lang="en-US" dirty="0" smtClean="0"/>
+              <a:t>Limits to this approach as data sets get messier, more collaborators, replication policies at journals.</a:t>
+            </a:r>
+          </a:p>
+          <a:p>
+            <a:pPr lvl="1"/>
+            <a:endParaRPr lang="en-US" dirty="0" smtClean="0"/>
+          </a:p>
+          <a:p>
+            <a:endParaRPr lang="en-US" dirty="0"/>
+          </a:p>
+        </p:txBody>
+      </p:sp>
+      <p:sp>
+        <p:nvSpPr>
+          <p:cNvPr id="4" name="Slide Number Placeholder 3"/>
+          <p:cNvSpPr>
+            <a:spLocks noGrp="1"/>
+          </p:cNvSpPr>
+          <p:nvPr>
+            <p:ph type="sldNum" sz="quarter" idx="12"/>
+          </p:nvPr>
+        </p:nvSpPr>
+        <p:spPr/>
+        <p:txBody>
+          <a:bodyPr/>
+          <a:lstStyle/>
+          <a:p>
+            <a:fld id="{CA22A544-1804-4386-8584-5A7D657EA902}" type="slidenum">
+              <a:rPr lang="en-US" smtClean="0"/>
+              <a:t>3</a:t>
+            </a:fld>
+            <a:endParaRPr lang="en-US"/>
+          </a:p>
+        </p:txBody>
+      </p:sp>
+    </p:spTree>
+    <p:extLst>
+      <p:ext uri="{BB962C8B-B14F-4D97-AF65-F5344CB8AC3E}">
+        <p14:creationId xmlns:p14="http://schemas.microsoft.com/office/powerpoint/2010/main" val="3238486635"/>
+      </p:ext>
+    </p:extLst>
+  </p:cSld>
+  <p:clrMapOvr>
+    <a:masterClrMapping/>
+  </p:clrMapOvr>
+  <p:timing>
+    <p:tnLst>
+      <p:par>
+        <p:cTn id="1" dur="indefinite" restart="never" nodeType="tmRoot"/>
+      </p:par>
+    </p:tnLst>
+  </p:timing>
+</p:sld>
+</file>
+
+<file path=ppt/slides/slide30.xml><?xml version="1.0" encoding="utf-8"?>
 <p:sld xmlns:a="http://schemas.openxmlformats.org/drawingml/2006/main" xmlns:r="http://schemas.openxmlformats.org/officeDocument/2006/relationships" xmlns:p="http://schemas.openxmlformats.org/presentationml/2006/main">
   <p:cSld>
     <p:spTree>
@@ -23801,7 +24075,7 @@
           <a:p>
             <a:fld id="{CA22A544-1804-4386-8584-5A7D657EA902}" type="slidenum">
               <a:rPr lang="en-US" smtClean="0"/>
-              <a:t>29</a:t>
+              <a:t>30</a:t>
             </a:fld>
             <a:endParaRPr lang="en-US"/>
           </a:p>
@@ -23937,330 +24211,6 @@
     <p:extLst>
       <p:ext uri="{BB962C8B-B14F-4D97-AF65-F5344CB8AC3E}">
         <p14:creationId xmlns:p14="http://schemas.microsoft.com/office/powerpoint/2010/main" val="3291805779"/>
-      </p:ext>
-    </p:extLst>
-  </p:cSld>
-  <p:clrMapOvr>
-    <a:masterClrMapping/>
-  </p:clrMapOvr>
-  <p:timing>
-    <p:tnLst>
-      <p:par>
-        <p:cTn id="1" dur="indefinite" restart="never" nodeType="tmRoot"/>
-      </p:par>
-    </p:tnLst>
-  </p:timing>
-</p:sld>
-</file>
-
-<file path=ppt/slides/slide3.xml><?xml version="1.0" encoding="utf-8"?>
-<p:sld xmlns:a="http://schemas.openxmlformats.org/drawingml/2006/main" xmlns:r="http://schemas.openxmlformats.org/officeDocument/2006/relationships" xmlns:p="http://schemas.openxmlformats.org/presentationml/2006/main">
-  <p:cSld>
-    <p:spTree>
-      <p:nvGrpSpPr>
-        <p:cNvPr id="1" name=""/>
-        <p:cNvGrpSpPr/>
-        <p:nvPr/>
-      </p:nvGrpSpPr>
-      <p:grpSpPr>
-        <a:xfrm>
-          <a:off x="0" y="0"/>
-          <a:ext cx="0" cy="0"/>
-          <a:chOff x="0" y="0"/>
-          <a:chExt cx="0" cy="0"/>
-        </a:xfrm>
-      </p:grpSpPr>
-      <p:sp>
-        <p:nvSpPr>
-          <p:cNvPr id="2" name="Title 1"/>
-          <p:cNvSpPr>
-            <a:spLocks noGrp="1"/>
-          </p:cNvSpPr>
-          <p:nvPr>
-            <p:ph type="title"/>
-          </p:nvPr>
-        </p:nvSpPr>
-        <p:spPr/>
-        <p:txBody>
-          <a:bodyPr/>
-          <a:lstStyle/>
-          <a:p>
-            <a:r>
-              <a:rPr lang="en-US" dirty="0" smtClean="0"/>
-              <a:t>Introduction</a:t>
-            </a:r>
-            <a:endParaRPr lang="en-US" dirty="0"/>
-          </a:p>
-        </p:txBody>
-      </p:sp>
-      <p:sp>
-        <p:nvSpPr>
-          <p:cNvPr id="3" name="Content Placeholder 2"/>
-          <p:cNvSpPr>
-            <a:spLocks noGrp="1"/>
-          </p:cNvSpPr>
-          <p:nvPr>
-            <p:ph idx="1"/>
-          </p:nvPr>
-        </p:nvSpPr>
-        <p:spPr/>
-        <p:txBody>
-          <a:bodyPr/>
-          <a:lstStyle/>
-          <a:p>
-            <a:r>
-              <a:rPr lang="en-US" dirty="0" smtClean="0"/>
-              <a:t>As a masters/PhD student, two of the most important skills for my career which I didn’t appreciate at the time:</a:t>
-            </a:r>
-          </a:p>
-          <a:p>
-            <a:pPr marL="914400" lvl="1" indent="-457200">
-              <a:buFont typeface="+mj-lt"/>
-              <a:buAutoNum type="arabicPeriod"/>
-            </a:pPr>
-            <a:r>
-              <a:rPr lang="en-US" dirty="0" smtClean="0"/>
-              <a:t>Writing </a:t>
-            </a:r>
-          </a:p>
-          <a:p>
-            <a:pPr marL="914400" lvl="1" indent="-457200">
-              <a:buFont typeface="+mj-lt"/>
-              <a:buAutoNum type="arabicPeriod"/>
-            </a:pPr>
-            <a:r>
-              <a:rPr lang="en-US" dirty="0" smtClean="0"/>
-              <a:t>Coding (our focus today)</a:t>
-            </a:r>
-          </a:p>
-          <a:p>
-            <a:pPr marL="914400" lvl="1" indent="-457200">
-              <a:buFont typeface="+mj-lt"/>
-              <a:buAutoNum type="arabicPeriod"/>
-            </a:pPr>
-            <a:endParaRPr lang="en-US" dirty="0"/>
-          </a:p>
-          <a:p>
-            <a:r>
-              <a:rPr lang="en-US" dirty="0" smtClean="0"/>
-              <a:t>Most learning here self-taught, just-in-time (what GS call “seat-of-the-pants”) to solve a particular problem</a:t>
-            </a:r>
-          </a:p>
-          <a:p>
-            <a:endParaRPr lang="en-US" dirty="0"/>
-          </a:p>
-          <a:p>
-            <a:r>
-              <a:rPr lang="en-US" dirty="0" smtClean="0"/>
-              <a:t>Limits to this approach as data sets get messier, more collaborators, replication policies at </a:t>
-            </a:r>
-            <a:r>
-              <a:rPr lang="en-US" dirty="0" smtClean="0"/>
-              <a:t>journals</a:t>
-            </a:r>
-            <a:r>
-              <a:rPr lang="en-US" dirty="0" smtClean="0"/>
-              <a:t>.</a:t>
-            </a:r>
-          </a:p>
-          <a:p>
-            <a:pPr lvl="1"/>
-            <a:endParaRPr lang="en-US" dirty="0" smtClean="0"/>
-          </a:p>
-          <a:p>
-            <a:endParaRPr lang="en-US" dirty="0"/>
-          </a:p>
-        </p:txBody>
-      </p:sp>
-      <p:sp>
-        <p:nvSpPr>
-          <p:cNvPr id="4" name="Slide Number Placeholder 3"/>
-          <p:cNvSpPr>
-            <a:spLocks noGrp="1"/>
-          </p:cNvSpPr>
-          <p:nvPr>
-            <p:ph type="sldNum" sz="quarter" idx="12"/>
-          </p:nvPr>
-        </p:nvSpPr>
-        <p:spPr/>
-        <p:txBody>
-          <a:bodyPr/>
-          <a:lstStyle/>
-          <a:p>
-            <a:fld id="{CA22A544-1804-4386-8584-5A7D657EA902}" type="slidenum">
-              <a:rPr lang="en-US" smtClean="0"/>
-              <a:t>3</a:t>
-            </a:fld>
-            <a:endParaRPr lang="en-US"/>
-          </a:p>
-        </p:txBody>
-      </p:sp>
-    </p:spTree>
-    <p:extLst>
-      <p:ext uri="{BB962C8B-B14F-4D97-AF65-F5344CB8AC3E}">
-        <p14:creationId xmlns:p14="http://schemas.microsoft.com/office/powerpoint/2010/main" val="3238486635"/>
-      </p:ext>
-    </p:extLst>
-  </p:cSld>
-  <p:clrMapOvr>
-    <a:masterClrMapping/>
-  </p:clrMapOvr>
-  <p:timing>
-    <p:tnLst>
-      <p:par>
-        <p:cTn id="1" dur="indefinite" restart="never" nodeType="tmRoot"/>
-      </p:par>
-    </p:tnLst>
-  </p:timing>
-</p:sld>
-</file>
-
-<file path=ppt/slides/slide30.xml><?xml version="1.0" encoding="utf-8"?>
-<p:sld xmlns:a="http://schemas.openxmlformats.org/drawingml/2006/main" xmlns:r="http://schemas.openxmlformats.org/officeDocument/2006/relationships" xmlns:p="http://schemas.openxmlformats.org/presentationml/2006/main">
-  <p:cSld>
-    <p:spTree>
-      <p:nvGrpSpPr>
-        <p:cNvPr id="1" name=""/>
-        <p:cNvGrpSpPr/>
-        <p:nvPr/>
-      </p:nvGrpSpPr>
-      <p:grpSpPr>
-        <a:xfrm>
-          <a:off x="0" y="0"/>
-          <a:ext cx="0" cy="0"/>
-          <a:chOff x="0" y="0"/>
-          <a:chExt cx="0" cy="0"/>
-        </a:xfrm>
-      </p:grpSpPr>
-      <p:sp>
-        <p:nvSpPr>
-          <p:cNvPr id="6" name="Title 5"/>
-          <p:cNvSpPr>
-            <a:spLocks noGrp="1"/>
-          </p:cNvSpPr>
-          <p:nvPr>
-            <p:ph type="title"/>
-          </p:nvPr>
-        </p:nvSpPr>
-        <p:spPr/>
-        <p:txBody>
-          <a:bodyPr/>
-          <a:lstStyle/>
-          <a:p>
-            <a:r>
-              <a:rPr lang="en-US" dirty="0" smtClean="0"/>
-              <a:t>Steps</a:t>
-            </a:r>
-            <a:endParaRPr lang="en-US" dirty="0"/>
-          </a:p>
-        </p:txBody>
-      </p:sp>
-      <p:sp>
-        <p:nvSpPr>
-          <p:cNvPr id="3" name="Content Placeholder 2"/>
-          <p:cNvSpPr>
-            <a:spLocks noGrp="1"/>
-          </p:cNvSpPr>
-          <p:nvPr>
-            <p:ph idx="1"/>
-          </p:nvPr>
-        </p:nvSpPr>
-        <p:spPr/>
-        <p:txBody>
-          <a:bodyPr>
-            <a:normAutofit/>
-          </a:bodyPr>
-          <a:lstStyle/>
-          <a:p>
-            <a:r>
-              <a:rPr lang="en-US" dirty="0" smtClean="0"/>
-              <a:t>To run the analysis, you need to </a:t>
-            </a:r>
-            <a:r>
-              <a:rPr lang="en-US" u="sng" dirty="0" smtClean="0"/>
-              <a:t>merge the data</a:t>
-            </a:r>
-          </a:p>
-          <a:p>
-            <a:endParaRPr lang="en-US" dirty="0"/>
-          </a:p>
-          <a:p>
-            <a:r>
-              <a:rPr lang="en-US" dirty="0" smtClean="0"/>
-              <a:t>Do this last</a:t>
-            </a:r>
-          </a:p>
-          <a:p>
-            <a:endParaRPr lang="en-US" dirty="0"/>
-          </a:p>
-          <a:p>
-            <a:pPr marL="514350" indent="-514350">
-              <a:buFont typeface="+mj-lt"/>
-              <a:buAutoNum type="arabicPeriod"/>
-            </a:pPr>
-            <a:r>
-              <a:rPr lang="en-US" dirty="0" smtClean="0"/>
-              <a:t>Store data in normalized format</a:t>
-            </a:r>
-          </a:p>
-          <a:p>
-            <a:pPr marL="514350" indent="-514350">
-              <a:buFont typeface="+mj-lt"/>
-              <a:buAutoNum type="arabicPeriod"/>
-            </a:pPr>
-            <a:r>
-              <a:rPr lang="en-US" dirty="0" smtClean="0"/>
-              <a:t>Construct second set of files with key transformations (log population)</a:t>
-            </a:r>
-          </a:p>
-          <a:p>
-            <a:pPr marL="514350" indent="-514350">
-              <a:buFont typeface="+mj-lt"/>
-              <a:buAutoNum type="arabicPeriod"/>
-            </a:pPr>
-            <a:r>
-              <a:rPr lang="en-US" dirty="0" smtClean="0"/>
-              <a:t>Merge data together and run the analysis</a:t>
-            </a:r>
-          </a:p>
-          <a:p>
-            <a:pPr marL="0" indent="0">
-              <a:buNone/>
-            </a:pPr>
-            <a:endParaRPr lang="en-US" dirty="0"/>
-          </a:p>
-          <a:p>
-            <a:endParaRPr lang="en-US" dirty="0"/>
-          </a:p>
-        </p:txBody>
-      </p:sp>
-      <p:sp>
-        <p:nvSpPr>
-          <p:cNvPr id="5" name="Slide Number Placeholder 4"/>
-          <p:cNvSpPr>
-            <a:spLocks noGrp="1"/>
-          </p:cNvSpPr>
-          <p:nvPr>
-            <p:ph type="sldNum" sz="quarter" idx="12"/>
-          </p:nvPr>
-        </p:nvSpPr>
-        <p:spPr/>
-        <p:txBody>
-          <a:bodyPr/>
-          <a:lstStyle/>
-          <a:p>
-            <a:fld id="{CA22A544-1804-4386-8584-5A7D657EA902}" type="slidenum">
-              <a:rPr lang="en-US" smtClean="0"/>
-              <a:t>30</a:t>
-            </a:fld>
-            <a:endParaRPr lang="en-US"/>
-          </a:p>
-        </p:txBody>
-      </p:sp>
-    </p:spTree>
-    <p:extLst>
-      <p:ext uri="{BB962C8B-B14F-4D97-AF65-F5344CB8AC3E}">
-        <p14:creationId xmlns:p14="http://schemas.microsoft.com/office/powerpoint/2010/main" val="1108649473"/>
       </p:ext>
     </p:extLst>
   </p:cSld>
@@ -24296,6 +24246,168 @@
       </p:grpSpPr>
       <p:sp>
         <p:nvSpPr>
+          <p:cNvPr id="6" name="Title 5"/>
+          <p:cNvSpPr>
+            <a:spLocks noGrp="1"/>
+          </p:cNvSpPr>
+          <p:nvPr>
+            <p:ph type="title"/>
+          </p:nvPr>
+        </p:nvSpPr>
+        <p:spPr/>
+        <p:txBody>
+          <a:bodyPr/>
+          <a:lstStyle/>
+          <a:p>
+            <a:r>
+              <a:rPr lang="en-US" dirty="0" smtClean="0"/>
+              <a:t>Steps</a:t>
+            </a:r>
+            <a:endParaRPr lang="en-US" dirty="0"/>
+          </a:p>
+        </p:txBody>
+      </p:sp>
+      <p:sp>
+        <p:nvSpPr>
+          <p:cNvPr id="3" name="Content Placeholder 2"/>
+          <p:cNvSpPr>
+            <a:spLocks noGrp="1"/>
+          </p:cNvSpPr>
+          <p:nvPr>
+            <p:ph idx="1"/>
+          </p:nvPr>
+        </p:nvSpPr>
+        <p:spPr/>
+        <p:txBody>
+          <a:bodyPr>
+            <a:normAutofit/>
+          </a:bodyPr>
+          <a:lstStyle/>
+          <a:p>
+            <a:r>
+              <a:rPr lang="en-US" dirty="0" smtClean="0"/>
+              <a:t>To run the analysis, you need to </a:t>
+            </a:r>
+            <a:r>
+              <a:rPr lang="en-US" u="sng" dirty="0" smtClean="0"/>
+              <a:t>merge the data</a:t>
+            </a:r>
+          </a:p>
+          <a:p>
+            <a:endParaRPr lang="en-US" dirty="0"/>
+          </a:p>
+          <a:p>
+            <a:r>
+              <a:rPr lang="en-US" dirty="0" smtClean="0"/>
+              <a:t>Do this last</a:t>
+            </a:r>
+          </a:p>
+          <a:p>
+            <a:endParaRPr lang="en-US" dirty="0"/>
+          </a:p>
+          <a:p>
+            <a:pPr marL="514350" indent="-514350">
+              <a:buFont typeface="+mj-lt"/>
+              <a:buAutoNum type="arabicPeriod"/>
+            </a:pPr>
+            <a:r>
+              <a:rPr lang="en-US" dirty="0" smtClean="0"/>
+              <a:t>Store data in normalized format</a:t>
+            </a:r>
+          </a:p>
+          <a:p>
+            <a:pPr marL="514350" indent="-514350">
+              <a:buFont typeface="+mj-lt"/>
+              <a:buAutoNum type="arabicPeriod"/>
+            </a:pPr>
+            <a:r>
+              <a:rPr lang="en-US" dirty="0" smtClean="0"/>
+              <a:t>Construct second set of files with key transformations (log population)</a:t>
+            </a:r>
+          </a:p>
+          <a:p>
+            <a:pPr marL="514350" indent="-514350">
+              <a:buFont typeface="+mj-lt"/>
+              <a:buAutoNum type="arabicPeriod"/>
+            </a:pPr>
+            <a:r>
+              <a:rPr lang="en-US" dirty="0" smtClean="0"/>
+              <a:t>Merge data together and run the analysis</a:t>
+            </a:r>
+          </a:p>
+          <a:p>
+            <a:pPr marL="0" indent="0">
+              <a:buNone/>
+            </a:pPr>
+            <a:endParaRPr lang="en-US" dirty="0"/>
+          </a:p>
+          <a:p>
+            <a:endParaRPr lang="en-US" dirty="0"/>
+          </a:p>
+        </p:txBody>
+      </p:sp>
+      <p:sp>
+        <p:nvSpPr>
+          <p:cNvPr id="5" name="Slide Number Placeholder 4"/>
+          <p:cNvSpPr>
+            <a:spLocks noGrp="1"/>
+          </p:cNvSpPr>
+          <p:nvPr>
+            <p:ph type="sldNum" sz="quarter" idx="12"/>
+          </p:nvPr>
+        </p:nvSpPr>
+        <p:spPr/>
+        <p:txBody>
+          <a:bodyPr/>
+          <a:lstStyle/>
+          <a:p>
+            <a:fld id="{CA22A544-1804-4386-8584-5A7D657EA902}" type="slidenum">
+              <a:rPr lang="en-US" smtClean="0"/>
+              <a:t>31</a:t>
+            </a:fld>
+            <a:endParaRPr lang="en-US"/>
+          </a:p>
+        </p:txBody>
+      </p:sp>
+    </p:spTree>
+    <p:extLst>
+      <p:ext uri="{BB962C8B-B14F-4D97-AF65-F5344CB8AC3E}">
+        <p14:creationId xmlns:p14="http://schemas.microsoft.com/office/powerpoint/2010/main" val="1108649473"/>
+      </p:ext>
+    </p:extLst>
+  </p:cSld>
+  <p:clrMapOvr>
+    <a:masterClrMapping/>
+  </p:clrMapOvr>
+  <p:timing>
+    <p:tnLst>
+      <p:par>
+        <p:cTn id="1" dur="indefinite" restart="never" nodeType="tmRoot"/>
+      </p:par>
+    </p:tnLst>
+  </p:timing>
+</p:sld>
+</file>
+
+<file path=ppt/slides/slide32.xml><?xml version="1.0" encoding="utf-8"?>
+<p:sld xmlns:a="http://schemas.openxmlformats.org/drawingml/2006/main" xmlns:r="http://schemas.openxmlformats.org/officeDocument/2006/relationships" xmlns:p="http://schemas.openxmlformats.org/presentationml/2006/main">
+  <p:cSld>
+    <p:spTree>
+      <p:nvGrpSpPr>
+        <p:cNvPr id="1" name=""/>
+        <p:cNvGrpSpPr/>
+        <p:nvPr/>
+      </p:nvGrpSpPr>
+      <p:grpSpPr>
+        <a:xfrm>
+          <a:off x="0" y="0"/>
+          <a:ext cx="0" cy="0"/>
+          <a:chOff x="0" y="0"/>
+          <a:chExt cx="0" cy="0"/>
+        </a:xfrm>
+      </p:grpSpPr>
+      <p:sp>
+        <p:nvSpPr>
           <p:cNvPr id="2" name="Title 1"/>
           <p:cNvSpPr>
             <a:spLocks noGrp="1"/>
@@ -24334,7 +24446,7 @@
           <a:p>
             <a:fld id="{CA22A544-1804-4386-8584-5A7D657EA902}" type="slidenum">
               <a:rPr lang="en-US" smtClean="0"/>
-              <a:t>31</a:t>
+              <a:t>32</a:t>
             </a:fld>
             <a:endParaRPr lang="en-US"/>
           </a:p>
@@ -24418,946 +24530,6 @@
 </p:sld>
 </file>
 
-<file path=ppt/slides/slide32.xml><?xml version="1.0" encoding="utf-8"?>
-<p:sld xmlns:a="http://schemas.openxmlformats.org/drawingml/2006/main" xmlns:r="http://schemas.openxmlformats.org/officeDocument/2006/relationships" xmlns:p="http://schemas.openxmlformats.org/presentationml/2006/main">
-  <p:cSld>
-    <p:spTree>
-      <p:nvGrpSpPr>
-        <p:cNvPr id="1" name=""/>
-        <p:cNvGrpSpPr/>
-        <p:nvPr/>
-      </p:nvGrpSpPr>
-      <p:grpSpPr>
-        <a:xfrm>
-          <a:off x="0" y="0"/>
-          <a:ext cx="0" cy="0"/>
-          <a:chOff x="0" y="0"/>
-          <a:chExt cx="0" cy="0"/>
-        </a:xfrm>
-      </p:grpSpPr>
-      <p:sp>
-        <p:nvSpPr>
-          <p:cNvPr id="2" name="Title 1"/>
-          <p:cNvSpPr>
-            <a:spLocks noGrp="1"/>
-          </p:cNvSpPr>
-          <p:nvPr>
-            <p:ph type="title"/>
-          </p:nvPr>
-        </p:nvSpPr>
-        <p:spPr/>
-        <p:txBody>
-          <a:bodyPr/>
-          <a:lstStyle/>
-          <a:p>
-            <a:r>
-              <a:rPr lang="en-US" dirty="0" smtClean="0"/>
-              <a:t>Copy paste errors</a:t>
-            </a:r>
-            <a:endParaRPr lang="en-US" dirty="0"/>
-          </a:p>
-        </p:txBody>
-      </p:sp>
-      <p:sp>
-        <p:nvSpPr>
-          <p:cNvPr id="4" name="Slide Number Placeholder 3"/>
-          <p:cNvSpPr>
-            <a:spLocks noGrp="1"/>
-          </p:cNvSpPr>
-          <p:nvPr>
-            <p:ph type="sldNum" sz="quarter" idx="12"/>
-          </p:nvPr>
-        </p:nvSpPr>
-        <p:spPr/>
-        <p:txBody>
-          <a:bodyPr/>
-          <a:lstStyle/>
-          <a:p>
-            <a:fld id="{CA22A544-1804-4386-8584-5A7D657EA902}" type="slidenum">
-              <a:rPr lang="en-US" smtClean="0"/>
-              <a:t>32</a:t>
-            </a:fld>
-            <a:endParaRPr lang="en-US"/>
-          </a:p>
-        </p:txBody>
-      </p:sp>
-      <p:sp>
-        <p:nvSpPr>
-          <p:cNvPr id="7" name="Rectangle 6"/>
-          <p:cNvSpPr/>
-          <p:nvPr/>
-        </p:nvSpPr>
-        <p:spPr>
-          <a:xfrm>
-            <a:off x="1676400" y="2327585"/>
-            <a:ext cx="9122664" cy="646331"/>
-          </a:xfrm>
-          <a:prstGeom prst="rect">
-            <a:avLst/>
-          </a:prstGeom>
-        </p:spPr>
-        <p:txBody>
-          <a:bodyPr wrap="square">
-            <a:spAutoFit/>
-          </a:bodyPr>
-          <a:lstStyle/>
-          <a:p>
-            <a:r>
-              <a:rPr lang="en-US" sz="1200" dirty="0" err="1" smtClean="0">
-                <a:solidFill>
-                  <a:srgbClr val="000000"/>
-                </a:solidFill>
-                <a:latin typeface="Courier New" panose="02070309020205020404" pitchFamily="49" charset="0"/>
-              </a:rPr>
-              <a:t>egen</a:t>
-            </a:r>
-            <a:r>
-              <a:rPr lang="en-US" sz="1200" dirty="0" smtClean="0">
-                <a:solidFill>
-                  <a:srgbClr val="000000"/>
-                </a:solidFill>
-                <a:latin typeface="Courier New" panose="02070309020205020404" pitchFamily="49" charset="0"/>
-              </a:rPr>
-              <a:t> </a:t>
-            </a:r>
-            <a:r>
-              <a:rPr lang="en-US" sz="1200" dirty="0" err="1" smtClean="0">
-                <a:solidFill>
-                  <a:srgbClr val="000000"/>
-                </a:solidFill>
-                <a:latin typeface="Courier New" panose="02070309020205020404" pitchFamily="49" charset="0"/>
-              </a:rPr>
-              <a:t>total_pc_potato</a:t>
-            </a:r>
-            <a:r>
-              <a:rPr lang="en-US" sz="1200" dirty="0" smtClean="0">
-                <a:solidFill>
-                  <a:srgbClr val="000000"/>
-                </a:solidFill>
-                <a:latin typeface="Courier New" panose="02070309020205020404" pitchFamily="49" charset="0"/>
-              </a:rPr>
-              <a:t> = total(</a:t>
-            </a:r>
-            <a:r>
-              <a:rPr lang="en-US" sz="1200" dirty="0" err="1" smtClean="0">
-                <a:solidFill>
-                  <a:srgbClr val="000000"/>
-                </a:solidFill>
-                <a:latin typeface="Courier New" panose="02070309020205020404" pitchFamily="49" charset="0"/>
-              </a:rPr>
-              <a:t>pc_potato</a:t>
-            </a:r>
-            <a:r>
-              <a:rPr lang="en-US" sz="1200" dirty="0" smtClean="0">
-                <a:solidFill>
-                  <a:srgbClr val="000000"/>
-                </a:solidFill>
-                <a:latin typeface="Courier New" panose="02070309020205020404" pitchFamily="49" charset="0"/>
-              </a:rPr>
-              <a:t>), by(state)</a:t>
-            </a:r>
-          </a:p>
-          <a:p>
-            <a:r>
-              <a:rPr lang="en-US" sz="1200" dirty="0" err="1" smtClean="0">
-                <a:solidFill>
-                  <a:srgbClr val="000000"/>
-                </a:solidFill>
-                <a:latin typeface="Courier New" panose="02070309020205020404" pitchFamily="49" charset="0"/>
-              </a:rPr>
-              <a:t>egen</a:t>
-            </a:r>
-            <a:r>
-              <a:rPr lang="en-US" sz="1200" dirty="0" smtClean="0">
-                <a:solidFill>
-                  <a:srgbClr val="000000"/>
-                </a:solidFill>
-                <a:latin typeface="Courier New" panose="02070309020205020404" pitchFamily="49" charset="0"/>
-              </a:rPr>
-              <a:t> </a:t>
-            </a:r>
-            <a:r>
-              <a:rPr lang="en-US" sz="1200" dirty="0" err="1" smtClean="0">
-                <a:solidFill>
-                  <a:srgbClr val="000000"/>
-                </a:solidFill>
-                <a:latin typeface="Courier New" panose="02070309020205020404" pitchFamily="49" charset="0"/>
-              </a:rPr>
-              <a:t>total_obs</a:t>
-            </a:r>
-            <a:r>
-              <a:rPr lang="en-US" sz="1200" dirty="0" smtClean="0">
-                <a:solidFill>
-                  <a:srgbClr val="000000"/>
-                </a:solidFill>
-                <a:latin typeface="Courier New" panose="02070309020205020404" pitchFamily="49" charset="0"/>
-              </a:rPr>
-              <a:t> = count(</a:t>
-            </a:r>
-            <a:r>
-              <a:rPr lang="en-US" sz="1200" dirty="0" err="1" smtClean="0">
-                <a:solidFill>
-                  <a:srgbClr val="000000"/>
-                </a:solidFill>
-                <a:latin typeface="Courier New" panose="02070309020205020404" pitchFamily="49" charset="0"/>
-              </a:rPr>
-              <a:t>pc_potato</a:t>
-            </a:r>
-            <a:r>
-              <a:rPr lang="en-US" sz="1200" dirty="0" smtClean="0">
-                <a:solidFill>
-                  <a:srgbClr val="000000"/>
-                </a:solidFill>
-                <a:latin typeface="Courier New" panose="02070309020205020404" pitchFamily="49" charset="0"/>
-              </a:rPr>
-              <a:t>), by(state)</a:t>
-            </a:r>
-          </a:p>
-          <a:p>
-            <a:r>
-              <a:rPr lang="en-US" sz="1200" dirty="0" smtClean="0">
-                <a:solidFill>
-                  <a:srgbClr val="000000"/>
-                </a:solidFill>
-                <a:latin typeface="Courier New" panose="02070309020205020404" pitchFamily="49" charset="0"/>
-              </a:rPr>
-              <a:t>gen </a:t>
-            </a:r>
-            <a:r>
-              <a:rPr lang="en-US" sz="1200" dirty="0" err="1" smtClean="0">
-                <a:solidFill>
-                  <a:srgbClr val="000000"/>
-                </a:solidFill>
-                <a:latin typeface="Courier New" panose="02070309020205020404" pitchFamily="49" charset="0"/>
-              </a:rPr>
-              <a:t>leaveout_state_pc_potato</a:t>
-            </a:r>
-            <a:r>
-              <a:rPr lang="en-US" sz="1200" dirty="0" smtClean="0">
-                <a:solidFill>
-                  <a:srgbClr val="000000"/>
-                </a:solidFill>
-                <a:latin typeface="Courier New" panose="02070309020205020404" pitchFamily="49" charset="0"/>
-              </a:rPr>
-              <a:t> = (</a:t>
-            </a:r>
-            <a:r>
-              <a:rPr lang="en-US" sz="1200" dirty="0" err="1" smtClean="0">
-                <a:solidFill>
-                  <a:srgbClr val="000000"/>
-                </a:solidFill>
-                <a:latin typeface="Courier New" panose="02070309020205020404" pitchFamily="49" charset="0"/>
-              </a:rPr>
-              <a:t>total_pc_potato</a:t>
-            </a:r>
-            <a:r>
-              <a:rPr lang="en-US" sz="1200" dirty="0" smtClean="0">
-                <a:solidFill>
-                  <a:srgbClr val="000000"/>
-                </a:solidFill>
-                <a:latin typeface="Courier New" panose="02070309020205020404" pitchFamily="49" charset="0"/>
-              </a:rPr>
-              <a:t> - </a:t>
-            </a:r>
-            <a:r>
-              <a:rPr lang="en-US" sz="1200" dirty="0" err="1" smtClean="0">
-                <a:solidFill>
-                  <a:srgbClr val="000000"/>
-                </a:solidFill>
-                <a:latin typeface="Courier New" panose="02070309020205020404" pitchFamily="49" charset="0"/>
-              </a:rPr>
-              <a:t>pc_potato</a:t>
-            </a:r>
-            <a:r>
-              <a:rPr lang="en-US" sz="1200" dirty="0" smtClean="0">
-                <a:solidFill>
-                  <a:srgbClr val="000000"/>
-                </a:solidFill>
-                <a:latin typeface="Courier New" panose="02070309020205020404" pitchFamily="49" charset="0"/>
-              </a:rPr>
-              <a:t>) / (</a:t>
-            </a:r>
-            <a:r>
-              <a:rPr lang="en-US" sz="1200" dirty="0" err="1" smtClean="0">
-                <a:solidFill>
-                  <a:srgbClr val="000000"/>
-                </a:solidFill>
-                <a:latin typeface="Courier New" panose="02070309020205020404" pitchFamily="49" charset="0"/>
-              </a:rPr>
-              <a:t>total_obs</a:t>
-            </a:r>
-            <a:r>
-              <a:rPr lang="en-US" sz="1200" dirty="0" smtClean="0">
-                <a:solidFill>
-                  <a:srgbClr val="000000"/>
-                </a:solidFill>
-                <a:latin typeface="Courier New" panose="02070309020205020404" pitchFamily="49" charset="0"/>
-              </a:rPr>
-              <a:t> - 1)</a:t>
-            </a:r>
-            <a:endParaRPr lang="en-US" sz="1200" b="0" i="0" dirty="0">
-              <a:solidFill>
-                <a:srgbClr val="000000"/>
-              </a:solidFill>
-              <a:effectLst/>
-              <a:latin typeface="Courier New" panose="02070309020205020404" pitchFamily="49" charset="0"/>
-            </a:endParaRPr>
-          </a:p>
-        </p:txBody>
-      </p:sp>
-      <p:sp>
-        <p:nvSpPr>
-          <p:cNvPr id="8" name="Rectangle 7"/>
-          <p:cNvSpPr/>
-          <p:nvPr/>
-        </p:nvSpPr>
-        <p:spPr>
-          <a:xfrm>
-            <a:off x="1676400" y="3259886"/>
-            <a:ext cx="9122664" cy="1015663"/>
-          </a:xfrm>
-          <a:prstGeom prst="rect">
-            <a:avLst/>
-          </a:prstGeom>
-        </p:spPr>
-        <p:txBody>
-          <a:bodyPr wrap="square">
-            <a:spAutoFit/>
-          </a:bodyPr>
-          <a:lstStyle/>
-          <a:p>
-            <a:r>
-              <a:rPr lang="en-US" sz="1200" dirty="0" err="1">
-                <a:solidFill>
-                  <a:srgbClr val="000000"/>
-                </a:solidFill>
-                <a:latin typeface="Courier New" panose="02070309020205020404" pitchFamily="49" charset="0"/>
-              </a:rPr>
-              <a:t>egen</a:t>
-            </a:r>
-            <a:r>
-              <a:rPr lang="en-US" sz="1200" dirty="0">
-                <a:solidFill>
-                  <a:srgbClr val="000000"/>
-                </a:solidFill>
-                <a:latin typeface="Courier New" panose="02070309020205020404" pitchFamily="49" charset="0"/>
-              </a:rPr>
-              <a:t> </a:t>
-            </a:r>
-            <a:r>
-              <a:rPr lang="en-US" sz="1200" dirty="0" err="1">
-                <a:solidFill>
-                  <a:srgbClr val="000000"/>
-                </a:solidFill>
-                <a:latin typeface="Courier New" panose="02070309020205020404" pitchFamily="49" charset="0"/>
-              </a:rPr>
-              <a:t>total_pc_potato</a:t>
-            </a:r>
-            <a:r>
-              <a:rPr lang="en-US" sz="1200" dirty="0">
-                <a:solidFill>
-                  <a:srgbClr val="000000"/>
-                </a:solidFill>
-                <a:latin typeface="Courier New" panose="02070309020205020404" pitchFamily="49" charset="0"/>
-              </a:rPr>
-              <a:t> = total(</a:t>
-            </a:r>
-            <a:r>
-              <a:rPr lang="en-US" sz="1200" dirty="0" err="1">
-                <a:solidFill>
-                  <a:srgbClr val="000000"/>
-                </a:solidFill>
-                <a:latin typeface="Courier New" panose="02070309020205020404" pitchFamily="49" charset="0"/>
-              </a:rPr>
-              <a:t>pc_potato</a:t>
-            </a:r>
-            <a:r>
-              <a:rPr lang="en-US" sz="1200" dirty="0">
-                <a:solidFill>
-                  <a:srgbClr val="000000"/>
-                </a:solidFill>
-                <a:latin typeface="Courier New" panose="02070309020205020404" pitchFamily="49" charset="0"/>
-              </a:rPr>
-              <a:t>), by(</a:t>
-            </a:r>
-            <a:r>
-              <a:rPr lang="en-US" sz="1200" dirty="0" err="1">
-                <a:solidFill>
-                  <a:srgbClr val="000000"/>
-                </a:solidFill>
-                <a:latin typeface="Courier New" panose="02070309020205020404" pitchFamily="49" charset="0"/>
-              </a:rPr>
-              <a:t>metroarea</a:t>
-            </a:r>
-            <a:r>
-              <a:rPr lang="en-US" sz="1200" dirty="0">
-                <a:solidFill>
-                  <a:srgbClr val="000000"/>
-                </a:solidFill>
-                <a:latin typeface="Courier New" panose="02070309020205020404" pitchFamily="49" charset="0"/>
-              </a:rPr>
-              <a:t>)</a:t>
-            </a:r>
-          </a:p>
-          <a:p>
-            <a:r>
-              <a:rPr lang="en-US" sz="1200" dirty="0" err="1">
-                <a:solidFill>
-                  <a:srgbClr val="000000"/>
-                </a:solidFill>
-                <a:latin typeface="Courier New" panose="02070309020205020404" pitchFamily="49" charset="0"/>
-              </a:rPr>
-              <a:t>egen</a:t>
-            </a:r>
-            <a:r>
-              <a:rPr lang="en-US" sz="1200" dirty="0">
-                <a:solidFill>
-                  <a:srgbClr val="000000"/>
-                </a:solidFill>
-                <a:latin typeface="Courier New" panose="02070309020205020404" pitchFamily="49" charset="0"/>
-              </a:rPr>
-              <a:t> </a:t>
-            </a:r>
-            <a:r>
-              <a:rPr lang="en-US" sz="1200" dirty="0" err="1">
-                <a:solidFill>
-                  <a:srgbClr val="000000"/>
-                </a:solidFill>
-                <a:latin typeface="Courier New" panose="02070309020205020404" pitchFamily="49" charset="0"/>
-              </a:rPr>
-              <a:t>total_obs</a:t>
-            </a:r>
-            <a:r>
-              <a:rPr lang="en-US" sz="1200" dirty="0">
-                <a:solidFill>
-                  <a:srgbClr val="000000"/>
-                </a:solidFill>
-                <a:latin typeface="Courier New" panose="02070309020205020404" pitchFamily="49" charset="0"/>
-              </a:rPr>
-              <a:t> = count(</a:t>
-            </a:r>
-            <a:r>
-              <a:rPr lang="en-US" sz="1200" dirty="0" err="1">
-                <a:solidFill>
-                  <a:srgbClr val="000000"/>
-                </a:solidFill>
-                <a:latin typeface="Courier New" panose="02070309020205020404" pitchFamily="49" charset="0"/>
-              </a:rPr>
-              <a:t>pc_potato</a:t>
-            </a:r>
-            <a:r>
-              <a:rPr lang="en-US" sz="1200" dirty="0">
-                <a:solidFill>
-                  <a:srgbClr val="000000"/>
-                </a:solidFill>
-                <a:latin typeface="Courier New" panose="02070309020205020404" pitchFamily="49" charset="0"/>
-              </a:rPr>
-              <a:t>), by(</a:t>
-            </a:r>
-            <a:r>
-              <a:rPr lang="en-US" sz="1200" dirty="0">
-                <a:solidFill>
-                  <a:srgbClr val="FF0000"/>
-                </a:solidFill>
-                <a:latin typeface="Courier New" panose="02070309020205020404" pitchFamily="49" charset="0"/>
-              </a:rPr>
-              <a:t>state</a:t>
-            </a:r>
-            <a:r>
-              <a:rPr lang="en-US" sz="1200" dirty="0">
-                <a:solidFill>
-                  <a:srgbClr val="000000"/>
-                </a:solidFill>
-                <a:latin typeface="Courier New" panose="02070309020205020404" pitchFamily="49" charset="0"/>
-              </a:rPr>
-              <a:t>)</a:t>
-            </a:r>
-          </a:p>
-          <a:p>
-            <a:r>
-              <a:rPr lang="en-US" sz="1200" dirty="0">
-                <a:solidFill>
-                  <a:srgbClr val="000000"/>
-                </a:solidFill>
-                <a:latin typeface="Courier New" panose="02070309020205020404" pitchFamily="49" charset="0"/>
-              </a:rPr>
-              <a:t>gen </a:t>
-            </a:r>
-            <a:r>
-              <a:rPr lang="en-US" sz="1200" dirty="0" err="1">
-                <a:solidFill>
-                  <a:srgbClr val="000000"/>
-                </a:solidFill>
-                <a:latin typeface="Courier New" panose="02070309020205020404" pitchFamily="49" charset="0"/>
-              </a:rPr>
-              <a:t>leaveout_metro_pc_potato</a:t>
-            </a:r>
-            <a:r>
-              <a:rPr lang="en-US" sz="1200" dirty="0">
-                <a:solidFill>
-                  <a:srgbClr val="000000"/>
-                </a:solidFill>
-                <a:latin typeface="Courier New" panose="02070309020205020404" pitchFamily="49" charset="0"/>
-              </a:rPr>
-              <a:t> = (</a:t>
-            </a:r>
-            <a:r>
-              <a:rPr lang="en-US" sz="1200" dirty="0" err="1">
-                <a:solidFill>
-                  <a:srgbClr val="000000"/>
-                </a:solidFill>
-                <a:latin typeface="Courier New" panose="02070309020205020404" pitchFamily="49" charset="0"/>
-              </a:rPr>
-              <a:t>total_pc_potato</a:t>
-            </a:r>
-            <a:r>
-              <a:rPr lang="en-US" sz="1200" dirty="0">
-                <a:solidFill>
-                  <a:srgbClr val="000000"/>
-                </a:solidFill>
-                <a:latin typeface="Courier New" panose="02070309020205020404" pitchFamily="49" charset="0"/>
-              </a:rPr>
-              <a:t> - </a:t>
-            </a:r>
-            <a:r>
-              <a:rPr lang="en-US" sz="1200" dirty="0" err="1">
-                <a:solidFill>
-                  <a:srgbClr val="000000"/>
-                </a:solidFill>
-                <a:latin typeface="Courier New" panose="02070309020205020404" pitchFamily="49" charset="0"/>
-              </a:rPr>
-              <a:t>pc_potato</a:t>
-            </a:r>
-            <a:r>
-              <a:rPr lang="en-US" sz="1200" dirty="0">
-                <a:solidFill>
-                  <a:srgbClr val="000000"/>
-                </a:solidFill>
-                <a:latin typeface="Courier New" panose="02070309020205020404" pitchFamily="49" charset="0"/>
-              </a:rPr>
-              <a:t>) / (</a:t>
-            </a:r>
-            <a:r>
-              <a:rPr lang="en-US" sz="1200" dirty="0" err="1">
-                <a:solidFill>
-                  <a:srgbClr val="000000"/>
-                </a:solidFill>
-                <a:latin typeface="Courier New" panose="02070309020205020404" pitchFamily="49" charset="0"/>
-              </a:rPr>
-              <a:t>total_obs</a:t>
-            </a:r>
-            <a:r>
-              <a:rPr lang="en-US" sz="1200" dirty="0">
-                <a:solidFill>
-                  <a:srgbClr val="000000"/>
-                </a:solidFill>
-                <a:latin typeface="Courier New" panose="02070309020205020404" pitchFamily="49" charset="0"/>
-              </a:rPr>
-              <a:t> - 1)</a:t>
-            </a:r>
-          </a:p>
-          <a:p>
-            <a:r>
-              <a:rPr lang="en-US" sz="1200" dirty="0"/>
-              <a:t/>
-            </a:r>
-            <a:br>
-              <a:rPr lang="en-US" sz="1200" dirty="0"/>
-            </a:br>
-            <a:endParaRPr lang="en-US" sz="1200" dirty="0"/>
-          </a:p>
-        </p:txBody>
-      </p:sp>
-      <p:sp>
-        <p:nvSpPr>
-          <p:cNvPr id="9" name="Rectangle 8"/>
-          <p:cNvSpPr/>
-          <p:nvPr/>
-        </p:nvSpPr>
-        <p:spPr>
-          <a:xfrm>
-            <a:off x="1676400" y="4184595"/>
-            <a:ext cx="9122664" cy="1015663"/>
-          </a:xfrm>
-          <a:prstGeom prst="rect">
-            <a:avLst/>
-          </a:prstGeom>
-        </p:spPr>
-        <p:txBody>
-          <a:bodyPr wrap="square">
-            <a:spAutoFit/>
-          </a:bodyPr>
-          <a:lstStyle/>
-          <a:p>
-            <a:r>
-              <a:rPr lang="en-US" sz="1200" dirty="0" err="1">
-                <a:solidFill>
-                  <a:srgbClr val="000000"/>
-                </a:solidFill>
-                <a:latin typeface="Courier New" panose="02070309020205020404" pitchFamily="49" charset="0"/>
-              </a:rPr>
-              <a:t>egen</a:t>
-            </a:r>
-            <a:r>
-              <a:rPr lang="en-US" sz="1200" dirty="0">
-                <a:solidFill>
-                  <a:srgbClr val="000000"/>
-                </a:solidFill>
-                <a:latin typeface="Courier New" panose="02070309020205020404" pitchFamily="49" charset="0"/>
-              </a:rPr>
-              <a:t> </a:t>
-            </a:r>
-            <a:r>
-              <a:rPr lang="en-US" sz="1200" dirty="0" err="1">
-                <a:solidFill>
-                  <a:srgbClr val="000000"/>
-                </a:solidFill>
-                <a:latin typeface="Courier New" panose="02070309020205020404" pitchFamily="49" charset="0"/>
-              </a:rPr>
-              <a:t>total_hh_potato</a:t>
-            </a:r>
-            <a:r>
-              <a:rPr lang="en-US" sz="1200" dirty="0">
-                <a:solidFill>
-                  <a:srgbClr val="000000"/>
-                </a:solidFill>
-                <a:latin typeface="Courier New" panose="02070309020205020404" pitchFamily="49" charset="0"/>
-              </a:rPr>
-              <a:t> = total(</a:t>
-            </a:r>
-            <a:r>
-              <a:rPr lang="en-US" sz="1200" dirty="0" err="1">
-                <a:solidFill>
-                  <a:srgbClr val="000000"/>
-                </a:solidFill>
-                <a:latin typeface="Courier New" panose="02070309020205020404" pitchFamily="49" charset="0"/>
-              </a:rPr>
-              <a:t>hh_potato</a:t>
-            </a:r>
-            <a:r>
-              <a:rPr lang="en-US" sz="1200" dirty="0">
-                <a:solidFill>
-                  <a:srgbClr val="000000"/>
-                </a:solidFill>
-                <a:latin typeface="Courier New" panose="02070309020205020404" pitchFamily="49" charset="0"/>
-              </a:rPr>
-              <a:t>), by(</a:t>
-            </a:r>
-            <a:r>
-              <a:rPr lang="en-US" sz="1200" dirty="0" err="1">
-                <a:latin typeface="Courier New" panose="02070309020205020404" pitchFamily="49" charset="0"/>
-              </a:rPr>
-              <a:t>metroarea</a:t>
-            </a:r>
-            <a:r>
-              <a:rPr lang="en-US" sz="1200" dirty="0">
-                <a:solidFill>
-                  <a:srgbClr val="000000"/>
-                </a:solidFill>
-                <a:latin typeface="Courier New" panose="02070309020205020404" pitchFamily="49" charset="0"/>
-              </a:rPr>
-              <a:t>)</a:t>
-            </a:r>
-          </a:p>
-          <a:p>
-            <a:r>
-              <a:rPr lang="en-US" sz="1200" dirty="0" err="1">
-                <a:solidFill>
-                  <a:srgbClr val="000000"/>
-                </a:solidFill>
-                <a:latin typeface="Courier New" panose="02070309020205020404" pitchFamily="49" charset="0"/>
-              </a:rPr>
-              <a:t>egen</a:t>
-            </a:r>
-            <a:r>
-              <a:rPr lang="en-US" sz="1200" dirty="0">
-                <a:solidFill>
-                  <a:srgbClr val="000000"/>
-                </a:solidFill>
-                <a:latin typeface="Courier New" panose="02070309020205020404" pitchFamily="49" charset="0"/>
-              </a:rPr>
-              <a:t> </a:t>
-            </a:r>
-            <a:r>
-              <a:rPr lang="en-US" sz="1200" dirty="0" err="1">
-                <a:solidFill>
-                  <a:srgbClr val="000000"/>
-                </a:solidFill>
-                <a:latin typeface="Courier New" panose="02070309020205020404" pitchFamily="49" charset="0"/>
-              </a:rPr>
-              <a:t>total_obs</a:t>
-            </a:r>
-            <a:r>
-              <a:rPr lang="en-US" sz="1200" dirty="0">
-                <a:solidFill>
-                  <a:srgbClr val="000000"/>
-                </a:solidFill>
-                <a:latin typeface="Courier New" panose="02070309020205020404" pitchFamily="49" charset="0"/>
-              </a:rPr>
-              <a:t> = count(</a:t>
-            </a:r>
-            <a:r>
-              <a:rPr lang="en-US" sz="1200" dirty="0" err="1">
-                <a:solidFill>
-                  <a:srgbClr val="000000"/>
-                </a:solidFill>
-                <a:latin typeface="Courier New" panose="02070309020205020404" pitchFamily="49" charset="0"/>
-              </a:rPr>
-              <a:t>hh_potato</a:t>
-            </a:r>
-            <a:r>
-              <a:rPr lang="en-US" sz="1200" dirty="0">
-                <a:solidFill>
-                  <a:srgbClr val="000000"/>
-                </a:solidFill>
-                <a:latin typeface="Courier New" panose="02070309020205020404" pitchFamily="49" charset="0"/>
-              </a:rPr>
-              <a:t>), by(</a:t>
-            </a:r>
-            <a:r>
-              <a:rPr lang="en-US" sz="1200" dirty="0">
-                <a:solidFill>
-                  <a:srgbClr val="FF0000"/>
-                </a:solidFill>
-                <a:latin typeface="Courier New" panose="02070309020205020404" pitchFamily="49" charset="0"/>
-              </a:rPr>
-              <a:t>state</a:t>
-            </a:r>
-            <a:r>
-              <a:rPr lang="en-US" sz="1200" dirty="0">
-                <a:solidFill>
-                  <a:srgbClr val="000000"/>
-                </a:solidFill>
-                <a:latin typeface="Courier New" panose="02070309020205020404" pitchFamily="49" charset="0"/>
-              </a:rPr>
-              <a:t>)</a:t>
-            </a:r>
-          </a:p>
-          <a:p>
-            <a:r>
-              <a:rPr lang="en-US" sz="1200" dirty="0">
-                <a:solidFill>
-                  <a:srgbClr val="000000"/>
-                </a:solidFill>
-                <a:latin typeface="Courier New" panose="02070309020205020404" pitchFamily="49" charset="0"/>
-              </a:rPr>
-              <a:t>gen </a:t>
-            </a:r>
-            <a:r>
-              <a:rPr lang="en-US" sz="1200" dirty="0" err="1">
-                <a:solidFill>
-                  <a:srgbClr val="000000"/>
-                </a:solidFill>
-                <a:latin typeface="Courier New" panose="02070309020205020404" pitchFamily="49" charset="0"/>
-              </a:rPr>
-              <a:t>leaveout_metro_hh_potato</a:t>
-            </a:r>
-            <a:r>
-              <a:rPr lang="en-US" sz="1200" dirty="0">
-                <a:solidFill>
-                  <a:srgbClr val="000000"/>
-                </a:solidFill>
-                <a:latin typeface="Courier New" panose="02070309020205020404" pitchFamily="49" charset="0"/>
-              </a:rPr>
-              <a:t> = (</a:t>
-            </a:r>
-            <a:r>
-              <a:rPr lang="en-US" sz="1200" dirty="0" err="1">
-                <a:solidFill>
-                  <a:srgbClr val="000000"/>
-                </a:solidFill>
-                <a:latin typeface="Courier New" panose="02070309020205020404" pitchFamily="49" charset="0"/>
-              </a:rPr>
-              <a:t>total_hh_potato</a:t>
-            </a:r>
-            <a:r>
-              <a:rPr lang="en-US" sz="1200" dirty="0">
-                <a:solidFill>
-                  <a:srgbClr val="000000"/>
-                </a:solidFill>
-                <a:latin typeface="Courier New" panose="02070309020205020404" pitchFamily="49" charset="0"/>
-              </a:rPr>
-              <a:t> - </a:t>
-            </a:r>
-            <a:r>
-              <a:rPr lang="en-US" sz="1200" dirty="0" err="1">
-                <a:solidFill>
-                  <a:srgbClr val="FF0000"/>
-                </a:solidFill>
-                <a:latin typeface="Courier New" panose="02070309020205020404" pitchFamily="49" charset="0"/>
-              </a:rPr>
-              <a:t>pc_potato</a:t>
-            </a:r>
-            <a:r>
-              <a:rPr lang="en-US" sz="1200" dirty="0">
-                <a:solidFill>
-                  <a:srgbClr val="000000"/>
-                </a:solidFill>
-                <a:latin typeface="Courier New" panose="02070309020205020404" pitchFamily="49" charset="0"/>
-              </a:rPr>
-              <a:t>) / (</a:t>
-            </a:r>
-            <a:r>
-              <a:rPr lang="en-US" sz="1200" dirty="0" err="1">
-                <a:solidFill>
-                  <a:srgbClr val="000000"/>
-                </a:solidFill>
-                <a:latin typeface="Courier New" panose="02070309020205020404" pitchFamily="49" charset="0"/>
-              </a:rPr>
-              <a:t>total_obs</a:t>
-            </a:r>
-            <a:r>
-              <a:rPr lang="en-US" sz="1200" dirty="0">
-                <a:solidFill>
-                  <a:srgbClr val="000000"/>
-                </a:solidFill>
-                <a:latin typeface="Courier New" panose="02070309020205020404" pitchFamily="49" charset="0"/>
-              </a:rPr>
-              <a:t> - 1)</a:t>
-            </a:r>
-          </a:p>
-          <a:p>
-            <a:r>
-              <a:rPr lang="en-US" sz="1200" dirty="0"/>
-              <a:t/>
-            </a:r>
-            <a:br>
-              <a:rPr lang="en-US" sz="1200" dirty="0"/>
-            </a:br>
-            <a:endParaRPr lang="en-US" sz="1200" dirty="0"/>
-          </a:p>
-        </p:txBody>
-      </p:sp>
-      <p:sp>
-        <p:nvSpPr>
-          <p:cNvPr id="10" name="TextBox 9"/>
-          <p:cNvSpPr txBox="1"/>
-          <p:nvPr/>
-        </p:nvSpPr>
-        <p:spPr>
-          <a:xfrm>
-            <a:off x="1069848" y="1653492"/>
-            <a:ext cx="3552191" cy="646331"/>
-          </a:xfrm>
-          <a:prstGeom prst="rect">
-            <a:avLst/>
-          </a:prstGeom>
-          <a:noFill/>
-        </p:spPr>
-        <p:txBody>
-          <a:bodyPr wrap="none" rtlCol="0">
-            <a:spAutoFit/>
-          </a:bodyPr>
-          <a:lstStyle/>
-          <a:p>
-            <a:r>
-              <a:rPr lang="en-US" dirty="0" smtClean="0"/>
-              <a:t>Leave-out of per capita (</a:t>
-            </a:r>
-            <a:r>
-              <a:rPr lang="en-US" dirty="0" err="1" smtClean="0"/>
-              <a:t>pc_potato</a:t>
-            </a:r>
-            <a:r>
-              <a:rPr lang="en-US" dirty="0" smtClean="0"/>
-              <a:t>) </a:t>
-            </a:r>
-          </a:p>
-          <a:p>
-            <a:r>
-              <a:rPr lang="en-US" dirty="0" smtClean="0"/>
-              <a:t>at county level</a:t>
-            </a:r>
-            <a:endParaRPr lang="en-US" dirty="0"/>
-          </a:p>
-        </p:txBody>
-      </p:sp>
-      <p:sp>
-        <p:nvSpPr>
-          <p:cNvPr id="11" name="Rectangle 10"/>
-          <p:cNvSpPr/>
-          <p:nvPr/>
-        </p:nvSpPr>
-        <p:spPr>
-          <a:xfrm>
-            <a:off x="1069848" y="2973916"/>
-            <a:ext cx="1463414" cy="369332"/>
-          </a:xfrm>
-          <a:prstGeom prst="rect">
-            <a:avLst/>
-          </a:prstGeom>
-        </p:spPr>
-        <p:txBody>
-          <a:bodyPr wrap="none">
-            <a:spAutoFit/>
-          </a:bodyPr>
-          <a:lstStyle/>
-          <a:p>
-            <a:r>
-              <a:rPr lang="en-US" dirty="0"/>
-              <a:t>at </a:t>
-            </a:r>
-            <a:r>
-              <a:rPr lang="en-US" dirty="0" smtClean="0"/>
-              <a:t>metro area</a:t>
-            </a:r>
-            <a:endParaRPr lang="en-US" dirty="0"/>
-          </a:p>
-        </p:txBody>
-      </p:sp>
-      <p:sp>
-        <p:nvSpPr>
-          <p:cNvPr id="12" name="Rectangle 11"/>
-          <p:cNvSpPr/>
-          <p:nvPr/>
-        </p:nvSpPr>
-        <p:spPr>
-          <a:xfrm>
-            <a:off x="1069848" y="3868974"/>
-            <a:ext cx="5109156" cy="369332"/>
-          </a:xfrm>
-          <a:prstGeom prst="rect">
-            <a:avLst/>
-          </a:prstGeom>
-        </p:spPr>
-        <p:txBody>
-          <a:bodyPr wrap="none">
-            <a:spAutoFit/>
-          </a:bodyPr>
-          <a:lstStyle/>
-          <a:p>
-            <a:r>
-              <a:rPr lang="en-US" dirty="0"/>
-              <a:t>at </a:t>
-            </a:r>
-            <a:r>
-              <a:rPr lang="en-US" dirty="0" smtClean="0"/>
-              <a:t>household (rather than capita) level at metro area</a:t>
-            </a:r>
-            <a:endParaRPr lang="en-US" dirty="0"/>
-          </a:p>
-        </p:txBody>
-      </p:sp>
-    </p:spTree>
-    <p:extLst>
-      <p:ext uri="{BB962C8B-B14F-4D97-AF65-F5344CB8AC3E}">
-        <p14:creationId xmlns:p14="http://schemas.microsoft.com/office/powerpoint/2010/main" val="2475556380"/>
-      </p:ext>
-    </p:extLst>
-  </p:cSld>
-  <p:clrMapOvr>
-    <a:masterClrMapping/>
-  </p:clrMapOvr>
-  <p:timing>
-    <p:tnLst>
-      <p:par>
-        <p:cTn id="1" dur="indefinite" restart="never" nodeType="tmRoot"/>
-      </p:par>
-    </p:tnLst>
-  </p:timing>
-</p:sld>
-</file>
-
 <file path=ppt/slides/slide33.xml><?xml version="1.0" encoding="utf-8"?>
 <p:sld xmlns:a="http://schemas.openxmlformats.org/drawingml/2006/main" xmlns:r="http://schemas.openxmlformats.org/officeDocument/2006/relationships" xmlns:p="http://schemas.openxmlformats.org/presentationml/2006/main">
   <p:cSld>
@@ -25392,377 +24564,9 @@
           <a:p>
             <a:r>
               <a:rPr lang="en-US" dirty="0" smtClean="0"/>
-              <a:t>Better way</a:t>
+              <a:t>Copy paste errors</a:t>
             </a:r>
             <a:endParaRPr lang="en-US" dirty="0"/>
-          </a:p>
-        </p:txBody>
-      </p:sp>
-      <p:sp>
-        <p:nvSpPr>
-          <p:cNvPr id="3" name="Content Placeholder 2"/>
-          <p:cNvSpPr>
-            <a:spLocks noGrp="1"/>
-          </p:cNvSpPr>
-          <p:nvPr>
-            <p:ph idx="1"/>
-          </p:nvPr>
-        </p:nvSpPr>
-        <p:spPr/>
-        <p:txBody>
-          <a:bodyPr>
-            <a:noAutofit/>
-          </a:bodyPr>
-          <a:lstStyle/>
-          <a:p>
-            <a:pPr marL="0" indent="0">
-              <a:buNone/>
-            </a:pPr>
-            <a:r>
-              <a:rPr lang="en-US" sz="1600" dirty="0"/>
-              <a:t>program </a:t>
-            </a:r>
-            <a:r>
-              <a:rPr lang="en-US" sz="1600" dirty="0" err="1"/>
-              <a:t>leaveout_mean</a:t>
-            </a:r>
-            <a:endParaRPr lang="en-US" sz="1600" dirty="0"/>
-          </a:p>
-          <a:p>
-            <a:pPr marL="0" indent="0">
-              <a:buNone/>
-            </a:pPr>
-            <a:r>
-              <a:rPr lang="en-US" sz="1600" dirty="0" smtClean="0"/>
-              <a:t>	syntax</a:t>
-            </a:r>
-            <a:r>
-              <a:rPr lang="en-US" sz="1600" dirty="0"/>
-              <a:t>, invar(</a:t>
-            </a:r>
-            <a:r>
-              <a:rPr lang="en-US" sz="1600" dirty="0" err="1"/>
-              <a:t>varname</a:t>
-            </a:r>
-            <a:r>
-              <a:rPr lang="en-US" sz="1600" dirty="0"/>
-              <a:t>) </a:t>
-            </a:r>
-            <a:r>
-              <a:rPr lang="en-US" sz="1600" dirty="0" err="1"/>
-              <a:t>outvar</a:t>
-            </a:r>
-            <a:r>
-              <a:rPr lang="en-US" sz="1600" dirty="0"/>
-              <a:t>(name) </a:t>
-            </a:r>
-            <a:r>
-              <a:rPr lang="en-US" sz="1600" dirty="0" err="1"/>
-              <a:t>byvar</a:t>
-            </a:r>
-            <a:r>
-              <a:rPr lang="en-US" sz="1600" dirty="0"/>
-              <a:t>(</a:t>
-            </a:r>
-            <a:r>
-              <a:rPr lang="en-US" sz="1600" dirty="0" err="1"/>
-              <a:t>varname</a:t>
-            </a:r>
-            <a:r>
-              <a:rPr lang="en-US" sz="1600" dirty="0"/>
-              <a:t>)</a:t>
-            </a:r>
-          </a:p>
-          <a:p>
-            <a:pPr marL="0" indent="0">
-              <a:buNone/>
-            </a:pPr>
-            <a:r>
-              <a:rPr lang="en-US" sz="1600" dirty="0" smtClean="0"/>
-              <a:t>	</a:t>
-            </a:r>
-            <a:r>
-              <a:rPr lang="en-US" sz="1600" dirty="0" err="1" smtClean="0"/>
-              <a:t>tempvar</a:t>
-            </a:r>
-            <a:r>
-              <a:rPr lang="en-US" sz="1600" dirty="0" smtClean="0"/>
-              <a:t> </a:t>
-            </a:r>
-            <a:r>
-              <a:rPr lang="en-US" sz="1600" dirty="0" err="1"/>
-              <a:t>tot_invar</a:t>
-            </a:r>
-            <a:r>
-              <a:rPr lang="en-US" sz="1600" dirty="0"/>
-              <a:t> </a:t>
-            </a:r>
-            <a:r>
-              <a:rPr lang="en-US" sz="1600" dirty="0" err="1"/>
-              <a:t>count_invar</a:t>
-            </a:r>
-            <a:endParaRPr lang="en-US" sz="1600" dirty="0"/>
-          </a:p>
-          <a:p>
-            <a:pPr marL="0" indent="0">
-              <a:buNone/>
-            </a:pPr>
-            <a:r>
-              <a:rPr lang="en-US" sz="1600" dirty="0" smtClean="0"/>
-              <a:t>	</a:t>
-            </a:r>
-            <a:r>
-              <a:rPr lang="en-US" sz="1600" dirty="0" err="1" smtClean="0"/>
-              <a:t>egen</a:t>
-            </a:r>
-            <a:r>
-              <a:rPr lang="en-US" sz="1600" dirty="0" smtClean="0"/>
-              <a:t> </a:t>
-            </a:r>
-            <a:r>
-              <a:rPr lang="en-US" sz="1600" dirty="0"/>
-              <a:t>`</a:t>
-            </a:r>
-            <a:r>
-              <a:rPr lang="en-US" sz="1600" dirty="0" err="1"/>
-              <a:t>tot_invar</a:t>
-            </a:r>
-            <a:r>
-              <a:rPr lang="en-US" sz="1600" dirty="0"/>
-              <a:t>'= total(`invar'), by(`</a:t>
-            </a:r>
-            <a:r>
-              <a:rPr lang="en-US" sz="1600" dirty="0" err="1"/>
-              <a:t>byvar</a:t>
-            </a:r>
-            <a:r>
-              <a:rPr lang="en-US" sz="1600" dirty="0"/>
-              <a:t>')</a:t>
-            </a:r>
-          </a:p>
-          <a:p>
-            <a:pPr marL="0" indent="0">
-              <a:buNone/>
-            </a:pPr>
-            <a:r>
-              <a:rPr lang="en-US" sz="1600" dirty="0" smtClean="0"/>
-              <a:t>	</a:t>
-            </a:r>
-            <a:r>
-              <a:rPr lang="en-US" sz="1600" dirty="0" err="1" smtClean="0"/>
-              <a:t>egen</a:t>
-            </a:r>
-            <a:r>
-              <a:rPr lang="en-US" sz="1600" dirty="0" smtClean="0"/>
-              <a:t> </a:t>
-            </a:r>
-            <a:r>
-              <a:rPr lang="en-US" sz="1600" dirty="0"/>
-              <a:t>`</a:t>
-            </a:r>
-            <a:r>
-              <a:rPr lang="en-US" sz="1600" dirty="0" err="1"/>
-              <a:t>count_invar</a:t>
-            </a:r>
-            <a:r>
-              <a:rPr lang="en-US" sz="1600" dirty="0"/>
-              <a:t>'= count(`invar'), by(`</a:t>
-            </a:r>
-            <a:r>
-              <a:rPr lang="en-US" sz="1600" dirty="0" err="1"/>
-              <a:t>byvar</a:t>
-            </a:r>
-            <a:r>
-              <a:rPr lang="en-US" sz="1600" dirty="0"/>
-              <a:t>')</a:t>
-            </a:r>
-          </a:p>
-          <a:p>
-            <a:pPr marL="0" indent="0">
-              <a:buNone/>
-            </a:pPr>
-            <a:r>
-              <a:rPr lang="en-US" sz="1600" dirty="0" smtClean="0"/>
-              <a:t>	gen </a:t>
-            </a:r>
-            <a:r>
-              <a:rPr lang="en-US" sz="1600" dirty="0"/>
-              <a:t>`</a:t>
-            </a:r>
-            <a:r>
-              <a:rPr lang="en-US" sz="1600" dirty="0" err="1"/>
-              <a:t>outvar</a:t>
-            </a:r>
-            <a:r>
-              <a:rPr lang="en-US" sz="1600" dirty="0"/>
-              <a:t>' = (`</a:t>
-            </a:r>
-            <a:r>
-              <a:rPr lang="en-US" sz="1600" dirty="0" err="1"/>
-              <a:t>tot_invar</a:t>
-            </a:r>
-            <a:r>
-              <a:rPr lang="en-US" sz="1600" dirty="0"/>
-              <a:t>' - `invar') / (`</a:t>
-            </a:r>
-            <a:r>
-              <a:rPr lang="en-US" sz="1600" dirty="0" err="1"/>
-              <a:t>count_invar</a:t>
-            </a:r>
-            <a:r>
-              <a:rPr lang="en-US" sz="1600" dirty="0"/>
-              <a:t>' - 1)</a:t>
-            </a:r>
-          </a:p>
-          <a:p>
-            <a:pPr marL="0" indent="0">
-              <a:buNone/>
-            </a:pPr>
-            <a:r>
-              <a:rPr lang="en-US" sz="1600" dirty="0"/>
-              <a:t>end</a:t>
-            </a:r>
-          </a:p>
-          <a:p>
-            <a:pPr marL="0" indent="0">
-              <a:buNone/>
-            </a:pPr>
-            <a:endParaRPr lang="en-US" sz="1600" dirty="0" smtClean="0"/>
-          </a:p>
-          <a:p>
-            <a:pPr marL="0" indent="0">
-              <a:buNone/>
-            </a:pPr>
-            <a:r>
-              <a:rPr lang="en-US" sz="1600" dirty="0" err="1" smtClean="0"/>
-              <a:t>leaveout_mean</a:t>
-            </a:r>
-            <a:r>
-              <a:rPr lang="en-US" sz="1600" dirty="0"/>
-              <a:t>, invar(</a:t>
-            </a:r>
-            <a:r>
-              <a:rPr lang="en-US" sz="1600" dirty="0" err="1"/>
-              <a:t>pc_potato</a:t>
-            </a:r>
-            <a:r>
-              <a:rPr lang="en-US" sz="1600" dirty="0"/>
-              <a:t>) </a:t>
-            </a:r>
-            <a:r>
-              <a:rPr lang="en-US" sz="1600" dirty="0" err="1"/>
-              <a:t>outvar</a:t>
-            </a:r>
-            <a:r>
-              <a:rPr lang="en-US" sz="1600" dirty="0"/>
-              <a:t>(</a:t>
-            </a:r>
-            <a:r>
-              <a:rPr lang="en-US" sz="1600" dirty="0" err="1"/>
-              <a:t>leaveout_state_pc_potato</a:t>
-            </a:r>
-            <a:r>
-              <a:rPr lang="en-US" sz="1600" dirty="0"/>
-              <a:t>) </a:t>
-            </a:r>
-            <a:r>
-              <a:rPr lang="en-US" sz="1600" dirty="0" err="1"/>
-              <a:t>byvar</a:t>
-            </a:r>
-            <a:r>
-              <a:rPr lang="en-US" sz="1600" dirty="0"/>
-              <a:t>(state)</a:t>
-            </a:r>
-          </a:p>
-          <a:p>
-            <a:pPr marL="0" indent="0">
-              <a:buNone/>
-            </a:pPr>
-            <a:r>
-              <a:rPr lang="en-US" sz="1600" dirty="0" err="1"/>
-              <a:t>leaveout_mean</a:t>
-            </a:r>
-            <a:r>
-              <a:rPr lang="en-US" sz="1600" dirty="0"/>
-              <a:t>, invar(</a:t>
-            </a:r>
-            <a:r>
-              <a:rPr lang="en-US" sz="1600" dirty="0" err="1"/>
-              <a:t>pc_potato</a:t>
-            </a:r>
-            <a:r>
-              <a:rPr lang="en-US" sz="1600" dirty="0"/>
-              <a:t>) </a:t>
-            </a:r>
-            <a:r>
-              <a:rPr lang="en-US" sz="1600" dirty="0" err="1"/>
-              <a:t>outvar</a:t>
-            </a:r>
-            <a:r>
-              <a:rPr lang="en-US" sz="1600" dirty="0"/>
-              <a:t>(</a:t>
-            </a:r>
-            <a:r>
-              <a:rPr lang="en-US" sz="1600" dirty="0" err="1"/>
-              <a:t>leaveout_metro_pc_potato</a:t>
-            </a:r>
-            <a:r>
-              <a:rPr lang="en-US" sz="1600" dirty="0"/>
-              <a:t>) </a:t>
-            </a:r>
-            <a:r>
-              <a:rPr lang="en-US" sz="1600" dirty="0" err="1"/>
-              <a:t>byvar</a:t>
-            </a:r>
-            <a:r>
-              <a:rPr lang="en-US" sz="1600" dirty="0"/>
-              <a:t>(metro)</a:t>
-            </a:r>
-          </a:p>
-          <a:p>
-            <a:pPr marL="0" indent="0">
-              <a:buNone/>
-            </a:pPr>
-            <a:r>
-              <a:rPr lang="en-US" sz="1600" dirty="0" err="1"/>
-              <a:t>leaveout_mean</a:t>
-            </a:r>
-            <a:r>
-              <a:rPr lang="en-US" sz="1600" dirty="0"/>
-              <a:t>, invar(</a:t>
-            </a:r>
-            <a:r>
-              <a:rPr lang="en-US" sz="1600" dirty="0" err="1"/>
-              <a:t>hh_potato</a:t>
-            </a:r>
-            <a:r>
-              <a:rPr lang="en-US" sz="1600" dirty="0"/>
-              <a:t>) </a:t>
-            </a:r>
-            <a:r>
-              <a:rPr lang="en-US" sz="1600" dirty="0" err="1"/>
-              <a:t>outvar</a:t>
-            </a:r>
-            <a:r>
-              <a:rPr lang="en-US" sz="1600" dirty="0"/>
-              <a:t>(</a:t>
-            </a:r>
-            <a:r>
-              <a:rPr lang="en-US" sz="1600" dirty="0" err="1"/>
-              <a:t>leaveout_metro_hh_potato</a:t>
-            </a:r>
-            <a:r>
-              <a:rPr lang="en-US" sz="1600" dirty="0"/>
-              <a:t>) </a:t>
-            </a:r>
-            <a:r>
-              <a:rPr lang="en-US" sz="1600" dirty="0" err="1"/>
-              <a:t>byvar</a:t>
-            </a:r>
-            <a:r>
-              <a:rPr lang="en-US" sz="1600" dirty="0"/>
-              <a:t>(metro)</a:t>
-            </a:r>
           </a:p>
         </p:txBody>
       </p:sp>
@@ -25789,10 +24593,867 @@
           </a:p>
         </p:txBody>
       </p:sp>
+      <p:sp>
+        <p:nvSpPr>
+          <p:cNvPr id="7" name="Rectangle 6"/>
+          <p:cNvSpPr/>
+          <p:nvPr/>
+        </p:nvSpPr>
+        <p:spPr>
+          <a:xfrm>
+            <a:off x="1676400" y="2327585"/>
+            <a:ext cx="9122664" cy="646331"/>
+          </a:xfrm>
+          <a:prstGeom prst="rect">
+            <a:avLst/>
+          </a:prstGeom>
+        </p:spPr>
+        <p:txBody>
+          <a:bodyPr wrap="square">
+            <a:spAutoFit/>
+          </a:bodyPr>
+          <a:lstStyle/>
+          <a:p>
+            <a:r>
+              <a:rPr lang="en-US" sz="1200" dirty="0" err="1" smtClean="0">
+                <a:solidFill>
+                  <a:srgbClr val="000000"/>
+                </a:solidFill>
+                <a:latin typeface="Courier New" panose="02070309020205020404" pitchFamily="49" charset="0"/>
+              </a:rPr>
+              <a:t>egen</a:t>
+            </a:r>
+            <a:r>
+              <a:rPr lang="en-US" sz="1200" dirty="0" smtClean="0">
+                <a:solidFill>
+                  <a:srgbClr val="000000"/>
+                </a:solidFill>
+                <a:latin typeface="Courier New" panose="02070309020205020404" pitchFamily="49" charset="0"/>
+              </a:rPr>
+              <a:t> </a:t>
+            </a:r>
+            <a:r>
+              <a:rPr lang="en-US" sz="1200" dirty="0" err="1" smtClean="0">
+                <a:solidFill>
+                  <a:srgbClr val="000000"/>
+                </a:solidFill>
+                <a:latin typeface="Courier New" panose="02070309020205020404" pitchFamily="49" charset="0"/>
+              </a:rPr>
+              <a:t>total_pc_potato</a:t>
+            </a:r>
+            <a:r>
+              <a:rPr lang="en-US" sz="1200" dirty="0" smtClean="0">
+                <a:solidFill>
+                  <a:srgbClr val="000000"/>
+                </a:solidFill>
+                <a:latin typeface="Courier New" panose="02070309020205020404" pitchFamily="49" charset="0"/>
+              </a:rPr>
+              <a:t> = total(</a:t>
+            </a:r>
+            <a:r>
+              <a:rPr lang="en-US" sz="1200" dirty="0" err="1" smtClean="0">
+                <a:solidFill>
+                  <a:srgbClr val="000000"/>
+                </a:solidFill>
+                <a:latin typeface="Courier New" panose="02070309020205020404" pitchFamily="49" charset="0"/>
+              </a:rPr>
+              <a:t>pc_potato</a:t>
+            </a:r>
+            <a:r>
+              <a:rPr lang="en-US" sz="1200" dirty="0" smtClean="0">
+                <a:solidFill>
+                  <a:srgbClr val="000000"/>
+                </a:solidFill>
+                <a:latin typeface="Courier New" panose="02070309020205020404" pitchFamily="49" charset="0"/>
+              </a:rPr>
+              <a:t>), by(state)</a:t>
+            </a:r>
+          </a:p>
+          <a:p>
+            <a:r>
+              <a:rPr lang="en-US" sz="1200" dirty="0" err="1" smtClean="0">
+                <a:solidFill>
+                  <a:srgbClr val="000000"/>
+                </a:solidFill>
+                <a:latin typeface="Courier New" panose="02070309020205020404" pitchFamily="49" charset="0"/>
+              </a:rPr>
+              <a:t>egen</a:t>
+            </a:r>
+            <a:r>
+              <a:rPr lang="en-US" sz="1200" dirty="0" smtClean="0">
+                <a:solidFill>
+                  <a:srgbClr val="000000"/>
+                </a:solidFill>
+                <a:latin typeface="Courier New" panose="02070309020205020404" pitchFamily="49" charset="0"/>
+              </a:rPr>
+              <a:t> </a:t>
+            </a:r>
+            <a:r>
+              <a:rPr lang="en-US" sz="1200" dirty="0" err="1" smtClean="0">
+                <a:solidFill>
+                  <a:srgbClr val="000000"/>
+                </a:solidFill>
+                <a:latin typeface="Courier New" panose="02070309020205020404" pitchFamily="49" charset="0"/>
+              </a:rPr>
+              <a:t>total_obs</a:t>
+            </a:r>
+            <a:r>
+              <a:rPr lang="en-US" sz="1200" dirty="0" smtClean="0">
+                <a:solidFill>
+                  <a:srgbClr val="000000"/>
+                </a:solidFill>
+                <a:latin typeface="Courier New" panose="02070309020205020404" pitchFamily="49" charset="0"/>
+              </a:rPr>
+              <a:t> = count(</a:t>
+            </a:r>
+            <a:r>
+              <a:rPr lang="en-US" sz="1200" dirty="0" err="1" smtClean="0">
+                <a:solidFill>
+                  <a:srgbClr val="000000"/>
+                </a:solidFill>
+                <a:latin typeface="Courier New" panose="02070309020205020404" pitchFamily="49" charset="0"/>
+              </a:rPr>
+              <a:t>pc_potato</a:t>
+            </a:r>
+            <a:r>
+              <a:rPr lang="en-US" sz="1200" dirty="0" smtClean="0">
+                <a:solidFill>
+                  <a:srgbClr val="000000"/>
+                </a:solidFill>
+                <a:latin typeface="Courier New" panose="02070309020205020404" pitchFamily="49" charset="0"/>
+              </a:rPr>
+              <a:t>), by(state)</a:t>
+            </a:r>
+          </a:p>
+          <a:p>
+            <a:r>
+              <a:rPr lang="en-US" sz="1200" dirty="0" smtClean="0">
+                <a:solidFill>
+                  <a:srgbClr val="000000"/>
+                </a:solidFill>
+                <a:latin typeface="Courier New" panose="02070309020205020404" pitchFamily="49" charset="0"/>
+              </a:rPr>
+              <a:t>gen </a:t>
+            </a:r>
+            <a:r>
+              <a:rPr lang="en-US" sz="1200" dirty="0" err="1" smtClean="0">
+                <a:solidFill>
+                  <a:srgbClr val="000000"/>
+                </a:solidFill>
+                <a:latin typeface="Courier New" panose="02070309020205020404" pitchFamily="49" charset="0"/>
+              </a:rPr>
+              <a:t>leaveout_state_pc_potato</a:t>
+            </a:r>
+            <a:r>
+              <a:rPr lang="en-US" sz="1200" dirty="0" smtClean="0">
+                <a:solidFill>
+                  <a:srgbClr val="000000"/>
+                </a:solidFill>
+                <a:latin typeface="Courier New" panose="02070309020205020404" pitchFamily="49" charset="0"/>
+              </a:rPr>
+              <a:t> = (</a:t>
+            </a:r>
+            <a:r>
+              <a:rPr lang="en-US" sz="1200" dirty="0" err="1" smtClean="0">
+                <a:solidFill>
+                  <a:srgbClr val="000000"/>
+                </a:solidFill>
+                <a:latin typeface="Courier New" panose="02070309020205020404" pitchFamily="49" charset="0"/>
+              </a:rPr>
+              <a:t>total_pc_potato</a:t>
+            </a:r>
+            <a:r>
+              <a:rPr lang="en-US" sz="1200" dirty="0" smtClean="0">
+                <a:solidFill>
+                  <a:srgbClr val="000000"/>
+                </a:solidFill>
+                <a:latin typeface="Courier New" panose="02070309020205020404" pitchFamily="49" charset="0"/>
+              </a:rPr>
+              <a:t> - </a:t>
+            </a:r>
+            <a:r>
+              <a:rPr lang="en-US" sz="1200" dirty="0" err="1" smtClean="0">
+                <a:solidFill>
+                  <a:srgbClr val="000000"/>
+                </a:solidFill>
+                <a:latin typeface="Courier New" panose="02070309020205020404" pitchFamily="49" charset="0"/>
+              </a:rPr>
+              <a:t>pc_potato</a:t>
+            </a:r>
+            <a:r>
+              <a:rPr lang="en-US" sz="1200" dirty="0" smtClean="0">
+                <a:solidFill>
+                  <a:srgbClr val="000000"/>
+                </a:solidFill>
+                <a:latin typeface="Courier New" panose="02070309020205020404" pitchFamily="49" charset="0"/>
+              </a:rPr>
+              <a:t>) / (</a:t>
+            </a:r>
+            <a:r>
+              <a:rPr lang="en-US" sz="1200" dirty="0" err="1" smtClean="0">
+                <a:solidFill>
+                  <a:srgbClr val="000000"/>
+                </a:solidFill>
+                <a:latin typeface="Courier New" panose="02070309020205020404" pitchFamily="49" charset="0"/>
+              </a:rPr>
+              <a:t>total_obs</a:t>
+            </a:r>
+            <a:r>
+              <a:rPr lang="en-US" sz="1200" dirty="0" smtClean="0">
+                <a:solidFill>
+                  <a:srgbClr val="000000"/>
+                </a:solidFill>
+                <a:latin typeface="Courier New" panose="02070309020205020404" pitchFamily="49" charset="0"/>
+              </a:rPr>
+              <a:t> - 1)</a:t>
+            </a:r>
+            <a:endParaRPr lang="en-US" sz="1200" b="0" i="0" dirty="0">
+              <a:solidFill>
+                <a:srgbClr val="000000"/>
+              </a:solidFill>
+              <a:effectLst/>
+              <a:latin typeface="Courier New" panose="02070309020205020404" pitchFamily="49" charset="0"/>
+            </a:endParaRPr>
+          </a:p>
+        </p:txBody>
+      </p:sp>
+      <p:sp>
+        <p:nvSpPr>
+          <p:cNvPr id="8" name="Rectangle 7"/>
+          <p:cNvSpPr/>
+          <p:nvPr/>
+        </p:nvSpPr>
+        <p:spPr>
+          <a:xfrm>
+            <a:off x="1676400" y="3259886"/>
+            <a:ext cx="9122664" cy="1015663"/>
+          </a:xfrm>
+          <a:prstGeom prst="rect">
+            <a:avLst/>
+          </a:prstGeom>
+        </p:spPr>
+        <p:txBody>
+          <a:bodyPr wrap="square">
+            <a:spAutoFit/>
+          </a:bodyPr>
+          <a:lstStyle/>
+          <a:p>
+            <a:r>
+              <a:rPr lang="en-US" sz="1200" dirty="0" err="1">
+                <a:solidFill>
+                  <a:srgbClr val="000000"/>
+                </a:solidFill>
+                <a:latin typeface="Courier New" panose="02070309020205020404" pitchFamily="49" charset="0"/>
+              </a:rPr>
+              <a:t>egen</a:t>
+            </a:r>
+            <a:r>
+              <a:rPr lang="en-US" sz="1200" dirty="0">
+                <a:solidFill>
+                  <a:srgbClr val="000000"/>
+                </a:solidFill>
+                <a:latin typeface="Courier New" panose="02070309020205020404" pitchFamily="49" charset="0"/>
+              </a:rPr>
+              <a:t> </a:t>
+            </a:r>
+            <a:r>
+              <a:rPr lang="en-US" sz="1200" dirty="0" err="1">
+                <a:solidFill>
+                  <a:srgbClr val="000000"/>
+                </a:solidFill>
+                <a:latin typeface="Courier New" panose="02070309020205020404" pitchFamily="49" charset="0"/>
+              </a:rPr>
+              <a:t>total_pc_potato</a:t>
+            </a:r>
+            <a:r>
+              <a:rPr lang="en-US" sz="1200" dirty="0">
+                <a:solidFill>
+                  <a:srgbClr val="000000"/>
+                </a:solidFill>
+                <a:latin typeface="Courier New" panose="02070309020205020404" pitchFamily="49" charset="0"/>
+              </a:rPr>
+              <a:t> = total(</a:t>
+            </a:r>
+            <a:r>
+              <a:rPr lang="en-US" sz="1200" dirty="0" err="1">
+                <a:solidFill>
+                  <a:srgbClr val="000000"/>
+                </a:solidFill>
+                <a:latin typeface="Courier New" panose="02070309020205020404" pitchFamily="49" charset="0"/>
+              </a:rPr>
+              <a:t>pc_potato</a:t>
+            </a:r>
+            <a:r>
+              <a:rPr lang="en-US" sz="1200" dirty="0">
+                <a:solidFill>
+                  <a:srgbClr val="000000"/>
+                </a:solidFill>
+                <a:latin typeface="Courier New" panose="02070309020205020404" pitchFamily="49" charset="0"/>
+              </a:rPr>
+              <a:t>), by(</a:t>
+            </a:r>
+            <a:r>
+              <a:rPr lang="en-US" sz="1200" dirty="0" err="1">
+                <a:solidFill>
+                  <a:srgbClr val="000000"/>
+                </a:solidFill>
+                <a:latin typeface="Courier New" panose="02070309020205020404" pitchFamily="49" charset="0"/>
+              </a:rPr>
+              <a:t>metroarea</a:t>
+            </a:r>
+            <a:r>
+              <a:rPr lang="en-US" sz="1200" dirty="0">
+                <a:solidFill>
+                  <a:srgbClr val="000000"/>
+                </a:solidFill>
+                <a:latin typeface="Courier New" panose="02070309020205020404" pitchFamily="49" charset="0"/>
+              </a:rPr>
+              <a:t>)</a:t>
+            </a:r>
+          </a:p>
+          <a:p>
+            <a:r>
+              <a:rPr lang="en-US" sz="1200" dirty="0" err="1">
+                <a:solidFill>
+                  <a:srgbClr val="000000"/>
+                </a:solidFill>
+                <a:latin typeface="Courier New" panose="02070309020205020404" pitchFamily="49" charset="0"/>
+              </a:rPr>
+              <a:t>egen</a:t>
+            </a:r>
+            <a:r>
+              <a:rPr lang="en-US" sz="1200" dirty="0">
+                <a:solidFill>
+                  <a:srgbClr val="000000"/>
+                </a:solidFill>
+                <a:latin typeface="Courier New" panose="02070309020205020404" pitchFamily="49" charset="0"/>
+              </a:rPr>
+              <a:t> </a:t>
+            </a:r>
+            <a:r>
+              <a:rPr lang="en-US" sz="1200" dirty="0" err="1">
+                <a:solidFill>
+                  <a:srgbClr val="000000"/>
+                </a:solidFill>
+                <a:latin typeface="Courier New" panose="02070309020205020404" pitchFamily="49" charset="0"/>
+              </a:rPr>
+              <a:t>total_obs</a:t>
+            </a:r>
+            <a:r>
+              <a:rPr lang="en-US" sz="1200" dirty="0">
+                <a:solidFill>
+                  <a:srgbClr val="000000"/>
+                </a:solidFill>
+                <a:latin typeface="Courier New" panose="02070309020205020404" pitchFamily="49" charset="0"/>
+              </a:rPr>
+              <a:t> = count(</a:t>
+            </a:r>
+            <a:r>
+              <a:rPr lang="en-US" sz="1200" dirty="0" err="1">
+                <a:solidFill>
+                  <a:srgbClr val="000000"/>
+                </a:solidFill>
+                <a:latin typeface="Courier New" panose="02070309020205020404" pitchFamily="49" charset="0"/>
+              </a:rPr>
+              <a:t>pc_potato</a:t>
+            </a:r>
+            <a:r>
+              <a:rPr lang="en-US" sz="1200" dirty="0">
+                <a:solidFill>
+                  <a:srgbClr val="000000"/>
+                </a:solidFill>
+                <a:latin typeface="Courier New" panose="02070309020205020404" pitchFamily="49" charset="0"/>
+              </a:rPr>
+              <a:t>), by(</a:t>
+            </a:r>
+            <a:r>
+              <a:rPr lang="en-US" sz="1200" dirty="0">
+                <a:solidFill>
+                  <a:srgbClr val="FF0000"/>
+                </a:solidFill>
+                <a:latin typeface="Courier New" panose="02070309020205020404" pitchFamily="49" charset="0"/>
+              </a:rPr>
+              <a:t>state</a:t>
+            </a:r>
+            <a:r>
+              <a:rPr lang="en-US" sz="1200" dirty="0">
+                <a:solidFill>
+                  <a:srgbClr val="000000"/>
+                </a:solidFill>
+                <a:latin typeface="Courier New" panose="02070309020205020404" pitchFamily="49" charset="0"/>
+              </a:rPr>
+              <a:t>)</a:t>
+            </a:r>
+          </a:p>
+          <a:p>
+            <a:r>
+              <a:rPr lang="en-US" sz="1200" dirty="0">
+                <a:solidFill>
+                  <a:srgbClr val="000000"/>
+                </a:solidFill>
+                <a:latin typeface="Courier New" panose="02070309020205020404" pitchFamily="49" charset="0"/>
+              </a:rPr>
+              <a:t>gen </a:t>
+            </a:r>
+            <a:r>
+              <a:rPr lang="en-US" sz="1200" dirty="0" err="1">
+                <a:solidFill>
+                  <a:srgbClr val="000000"/>
+                </a:solidFill>
+                <a:latin typeface="Courier New" panose="02070309020205020404" pitchFamily="49" charset="0"/>
+              </a:rPr>
+              <a:t>leaveout_metro_pc_potato</a:t>
+            </a:r>
+            <a:r>
+              <a:rPr lang="en-US" sz="1200" dirty="0">
+                <a:solidFill>
+                  <a:srgbClr val="000000"/>
+                </a:solidFill>
+                <a:latin typeface="Courier New" panose="02070309020205020404" pitchFamily="49" charset="0"/>
+              </a:rPr>
+              <a:t> = (</a:t>
+            </a:r>
+            <a:r>
+              <a:rPr lang="en-US" sz="1200" dirty="0" err="1">
+                <a:solidFill>
+                  <a:srgbClr val="000000"/>
+                </a:solidFill>
+                <a:latin typeface="Courier New" panose="02070309020205020404" pitchFamily="49" charset="0"/>
+              </a:rPr>
+              <a:t>total_pc_potato</a:t>
+            </a:r>
+            <a:r>
+              <a:rPr lang="en-US" sz="1200" dirty="0">
+                <a:solidFill>
+                  <a:srgbClr val="000000"/>
+                </a:solidFill>
+                <a:latin typeface="Courier New" panose="02070309020205020404" pitchFamily="49" charset="0"/>
+              </a:rPr>
+              <a:t> - </a:t>
+            </a:r>
+            <a:r>
+              <a:rPr lang="en-US" sz="1200" dirty="0" err="1">
+                <a:solidFill>
+                  <a:srgbClr val="000000"/>
+                </a:solidFill>
+                <a:latin typeface="Courier New" panose="02070309020205020404" pitchFamily="49" charset="0"/>
+              </a:rPr>
+              <a:t>pc_potato</a:t>
+            </a:r>
+            <a:r>
+              <a:rPr lang="en-US" sz="1200" dirty="0">
+                <a:solidFill>
+                  <a:srgbClr val="000000"/>
+                </a:solidFill>
+                <a:latin typeface="Courier New" panose="02070309020205020404" pitchFamily="49" charset="0"/>
+              </a:rPr>
+              <a:t>) / (</a:t>
+            </a:r>
+            <a:r>
+              <a:rPr lang="en-US" sz="1200" dirty="0" err="1">
+                <a:solidFill>
+                  <a:srgbClr val="000000"/>
+                </a:solidFill>
+                <a:latin typeface="Courier New" panose="02070309020205020404" pitchFamily="49" charset="0"/>
+              </a:rPr>
+              <a:t>total_obs</a:t>
+            </a:r>
+            <a:r>
+              <a:rPr lang="en-US" sz="1200" dirty="0">
+                <a:solidFill>
+                  <a:srgbClr val="000000"/>
+                </a:solidFill>
+                <a:latin typeface="Courier New" panose="02070309020205020404" pitchFamily="49" charset="0"/>
+              </a:rPr>
+              <a:t> - 1)</a:t>
+            </a:r>
+          </a:p>
+          <a:p>
+            <a:r>
+              <a:rPr lang="en-US" sz="1200" dirty="0"/>
+              <a:t/>
+            </a:r>
+            <a:br>
+              <a:rPr lang="en-US" sz="1200" dirty="0"/>
+            </a:br>
+            <a:endParaRPr lang="en-US" sz="1200" dirty="0"/>
+          </a:p>
+        </p:txBody>
+      </p:sp>
+      <p:sp>
+        <p:nvSpPr>
+          <p:cNvPr id="9" name="Rectangle 8"/>
+          <p:cNvSpPr/>
+          <p:nvPr/>
+        </p:nvSpPr>
+        <p:spPr>
+          <a:xfrm>
+            <a:off x="1676400" y="4184595"/>
+            <a:ext cx="9122664" cy="1015663"/>
+          </a:xfrm>
+          <a:prstGeom prst="rect">
+            <a:avLst/>
+          </a:prstGeom>
+        </p:spPr>
+        <p:txBody>
+          <a:bodyPr wrap="square">
+            <a:spAutoFit/>
+          </a:bodyPr>
+          <a:lstStyle/>
+          <a:p>
+            <a:r>
+              <a:rPr lang="en-US" sz="1200" dirty="0" err="1">
+                <a:solidFill>
+                  <a:srgbClr val="000000"/>
+                </a:solidFill>
+                <a:latin typeface="Courier New" panose="02070309020205020404" pitchFamily="49" charset="0"/>
+              </a:rPr>
+              <a:t>egen</a:t>
+            </a:r>
+            <a:r>
+              <a:rPr lang="en-US" sz="1200" dirty="0">
+                <a:solidFill>
+                  <a:srgbClr val="000000"/>
+                </a:solidFill>
+                <a:latin typeface="Courier New" panose="02070309020205020404" pitchFamily="49" charset="0"/>
+              </a:rPr>
+              <a:t> </a:t>
+            </a:r>
+            <a:r>
+              <a:rPr lang="en-US" sz="1200" dirty="0" err="1">
+                <a:solidFill>
+                  <a:srgbClr val="000000"/>
+                </a:solidFill>
+                <a:latin typeface="Courier New" panose="02070309020205020404" pitchFamily="49" charset="0"/>
+              </a:rPr>
+              <a:t>total_hh_potato</a:t>
+            </a:r>
+            <a:r>
+              <a:rPr lang="en-US" sz="1200" dirty="0">
+                <a:solidFill>
+                  <a:srgbClr val="000000"/>
+                </a:solidFill>
+                <a:latin typeface="Courier New" panose="02070309020205020404" pitchFamily="49" charset="0"/>
+              </a:rPr>
+              <a:t> = total(</a:t>
+            </a:r>
+            <a:r>
+              <a:rPr lang="en-US" sz="1200" dirty="0" err="1">
+                <a:solidFill>
+                  <a:srgbClr val="000000"/>
+                </a:solidFill>
+                <a:latin typeface="Courier New" panose="02070309020205020404" pitchFamily="49" charset="0"/>
+              </a:rPr>
+              <a:t>hh_potato</a:t>
+            </a:r>
+            <a:r>
+              <a:rPr lang="en-US" sz="1200" dirty="0">
+                <a:solidFill>
+                  <a:srgbClr val="000000"/>
+                </a:solidFill>
+                <a:latin typeface="Courier New" panose="02070309020205020404" pitchFamily="49" charset="0"/>
+              </a:rPr>
+              <a:t>), by(</a:t>
+            </a:r>
+            <a:r>
+              <a:rPr lang="en-US" sz="1200" dirty="0" err="1">
+                <a:latin typeface="Courier New" panose="02070309020205020404" pitchFamily="49" charset="0"/>
+              </a:rPr>
+              <a:t>metroarea</a:t>
+            </a:r>
+            <a:r>
+              <a:rPr lang="en-US" sz="1200" dirty="0">
+                <a:solidFill>
+                  <a:srgbClr val="000000"/>
+                </a:solidFill>
+                <a:latin typeface="Courier New" panose="02070309020205020404" pitchFamily="49" charset="0"/>
+              </a:rPr>
+              <a:t>)</a:t>
+            </a:r>
+          </a:p>
+          <a:p>
+            <a:r>
+              <a:rPr lang="en-US" sz="1200" dirty="0" err="1">
+                <a:solidFill>
+                  <a:srgbClr val="000000"/>
+                </a:solidFill>
+                <a:latin typeface="Courier New" panose="02070309020205020404" pitchFamily="49" charset="0"/>
+              </a:rPr>
+              <a:t>egen</a:t>
+            </a:r>
+            <a:r>
+              <a:rPr lang="en-US" sz="1200" dirty="0">
+                <a:solidFill>
+                  <a:srgbClr val="000000"/>
+                </a:solidFill>
+                <a:latin typeface="Courier New" panose="02070309020205020404" pitchFamily="49" charset="0"/>
+              </a:rPr>
+              <a:t> </a:t>
+            </a:r>
+            <a:r>
+              <a:rPr lang="en-US" sz="1200" dirty="0" err="1">
+                <a:solidFill>
+                  <a:srgbClr val="000000"/>
+                </a:solidFill>
+                <a:latin typeface="Courier New" panose="02070309020205020404" pitchFamily="49" charset="0"/>
+              </a:rPr>
+              <a:t>total_obs</a:t>
+            </a:r>
+            <a:r>
+              <a:rPr lang="en-US" sz="1200" dirty="0">
+                <a:solidFill>
+                  <a:srgbClr val="000000"/>
+                </a:solidFill>
+                <a:latin typeface="Courier New" panose="02070309020205020404" pitchFamily="49" charset="0"/>
+              </a:rPr>
+              <a:t> = count(</a:t>
+            </a:r>
+            <a:r>
+              <a:rPr lang="en-US" sz="1200" dirty="0" err="1">
+                <a:solidFill>
+                  <a:srgbClr val="000000"/>
+                </a:solidFill>
+                <a:latin typeface="Courier New" panose="02070309020205020404" pitchFamily="49" charset="0"/>
+              </a:rPr>
+              <a:t>hh_potato</a:t>
+            </a:r>
+            <a:r>
+              <a:rPr lang="en-US" sz="1200" dirty="0">
+                <a:solidFill>
+                  <a:srgbClr val="000000"/>
+                </a:solidFill>
+                <a:latin typeface="Courier New" panose="02070309020205020404" pitchFamily="49" charset="0"/>
+              </a:rPr>
+              <a:t>), by(</a:t>
+            </a:r>
+            <a:r>
+              <a:rPr lang="en-US" sz="1200" dirty="0">
+                <a:solidFill>
+                  <a:srgbClr val="FF0000"/>
+                </a:solidFill>
+                <a:latin typeface="Courier New" panose="02070309020205020404" pitchFamily="49" charset="0"/>
+              </a:rPr>
+              <a:t>state</a:t>
+            </a:r>
+            <a:r>
+              <a:rPr lang="en-US" sz="1200" dirty="0">
+                <a:solidFill>
+                  <a:srgbClr val="000000"/>
+                </a:solidFill>
+                <a:latin typeface="Courier New" panose="02070309020205020404" pitchFamily="49" charset="0"/>
+              </a:rPr>
+              <a:t>)</a:t>
+            </a:r>
+          </a:p>
+          <a:p>
+            <a:r>
+              <a:rPr lang="en-US" sz="1200" dirty="0">
+                <a:solidFill>
+                  <a:srgbClr val="000000"/>
+                </a:solidFill>
+                <a:latin typeface="Courier New" panose="02070309020205020404" pitchFamily="49" charset="0"/>
+              </a:rPr>
+              <a:t>gen </a:t>
+            </a:r>
+            <a:r>
+              <a:rPr lang="en-US" sz="1200" dirty="0" err="1">
+                <a:solidFill>
+                  <a:srgbClr val="000000"/>
+                </a:solidFill>
+                <a:latin typeface="Courier New" panose="02070309020205020404" pitchFamily="49" charset="0"/>
+              </a:rPr>
+              <a:t>leaveout_metro_hh_potato</a:t>
+            </a:r>
+            <a:r>
+              <a:rPr lang="en-US" sz="1200" dirty="0">
+                <a:solidFill>
+                  <a:srgbClr val="000000"/>
+                </a:solidFill>
+                <a:latin typeface="Courier New" panose="02070309020205020404" pitchFamily="49" charset="0"/>
+              </a:rPr>
+              <a:t> = (</a:t>
+            </a:r>
+            <a:r>
+              <a:rPr lang="en-US" sz="1200" dirty="0" err="1">
+                <a:solidFill>
+                  <a:srgbClr val="000000"/>
+                </a:solidFill>
+                <a:latin typeface="Courier New" panose="02070309020205020404" pitchFamily="49" charset="0"/>
+              </a:rPr>
+              <a:t>total_hh_potato</a:t>
+            </a:r>
+            <a:r>
+              <a:rPr lang="en-US" sz="1200" dirty="0">
+                <a:solidFill>
+                  <a:srgbClr val="000000"/>
+                </a:solidFill>
+                <a:latin typeface="Courier New" panose="02070309020205020404" pitchFamily="49" charset="0"/>
+              </a:rPr>
+              <a:t> - </a:t>
+            </a:r>
+            <a:r>
+              <a:rPr lang="en-US" sz="1200" dirty="0" err="1">
+                <a:solidFill>
+                  <a:srgbClr val="FF0000"/>
+                </a:solidFill>
+                <a:latin typeface="Courier New" panose="02070309020205020404" pitchFamily="49" charset="0"/>
+              </a:rPr>
+              <a:t>pc_potato</a:t>
+            </a:r>
+            <a:r>
+              <a:rPr lang="en-US" sz="1200" dirty="0">
+                <a:solidFill>
+                  <a:srgbClr val="000000"/>
+                </a:solidFill>
+                <a:latin typeface="Courier New" panose="02070309020205020404" pitchFamily="49" charset="0"/>
+              </a:rPr>
+              <a:t>) / (</a:t>
+            </a:r>
+            <a:r>
+              <a:rPr lang="en-US" sz="1200" dirty="0" err="1">
+                <a:solidFill>
+                  <a:srgbClr val="000000"/>
+                </a:solidFill>
+                <a:latin typeface="Courier New" panose="02070309020205020404" pitchFamily="49" charset="0"/>
+              </a:rPr>
+              <a:t>total_obs</a:t>
+            </a:r>
+            <a:r>
+              <a:rPr lang="en-US" sz="1200" dirty="0">
+                <a:solidFill>
+                  <a:srgbClr val="000000"/>
+                </a:solidFill>
+                <a:latin typeface="Courier New" panose="02070309020205020404" pitchFamily="49" charset="0"/>
+              </a:rPr>
+              <a:t> - 1)</a:t>
+            </a:r>
+          </a:p>
+          <a:p>
+            <a:r>
+              <a:rPr lang="en-US" sz="1200" dirty="0"/>
+              <a:t/>
+            </a:r>
+            <a:br>
+              <a:rPr lang="en-US" sz="1200" dirty="0"/>
+            </a:br>
+            <a:endParaRPr lang="en-US" sz="1200" dirty="0"/>
+          </a:p>
+        </p:txBody>
+      </p:sp>
+      <p:sp>
+        <p:nvSpPr>
+          <p:cNvPr id="10" name="TextBox 9"/>
+          <p:cNvSpPr txBox="1"/>
+          <p:nvPr/>
+        </p:nvSpPr>
+        <p:spPr>
+          <a:xfrm>
+            <a:off x="1069848" y="1653492"/>
+            <a:ext cx="3552191" cy="646331"/>
+          </a:xfrm>
+          <a:prstGeom prst="rect">
+            <a:avLst/>
+          </a:prstGeom>
+          <a:noFill/>
+        </p:spPr>
+        <p:txBody>
+          <a:bodyPr wrap="none" rtlCol="0">
+            <a:spAutoFit/>
+          </a:bodyPr>
+          <a:lstStyle/>
+          <a:p>
+            <a:r>
+              <a:rPr lang="en-US" dirty="0" smtClean="0"/>
+              <a:t>Leave-out of per capita (</a:t>
+            </a:r>
+            <a:r>
+              <a:rPr lang="en-US" dirty="0" err="1" smtClean="0"/>
+              <a:t>pc_potato</a:t>
+            </a:r>
+            <a:r>
+              <a:rPr lang="en-US" dirty="0" smtClean="0"/>
+              <a:t>) </a:t>
+            </a:r>
+          </a:p>
+          <a:p>
+            <a:r>
+              <a:rPr lang="en-US" dirty="0" smtClean="0"/>
+              <a:t>at county level</a:t>
+            </a:r>
+            <a:endParaRPr lang="en-US" dirty="0"/>
+          </a:p>
+        </p:txBody>
+      </p:sp>
+      <p:sp>
+        <p:nvSpPr>
+          <p:cNvPr id="11" name="Rectangle 10"/>
+          <p:cNvSpPr/>
+          <p:nvPr/>
+        </p:nvSpPr>
+        <p:spPr>
+          <a:xfrm>
+            <a:off x="1069848" y="2973916"/>
+            <a:ext cx="1463414" cy="369332"/>
+          </a:xfrm>
+          <a:prstGeom prst="rect">
+            <a:avLst/>
+          </a:prstGeom>
+        </p:spPr>
+        <p:txBody>
+          <a:bodyPr wrap="none">
+            <a:spAutoFit/>
+          </a:bodyPr>
+          <a:lstStyle/>
+          <a:p>
+            <a:r>
+              <a:rPr lang="en-US" dirty="0"/>
+              <a:t>at </a:t>
+            </a:r>
+            <a:r>
+              <a:rPr lang="en-US" dirty="0" smtClean="0"/>
+              <a:t>metro area</a:t>
+            </a:r>
+            <a:endParaRPr lang="en-US" dirty="0"/>
+          </a:p>
+        </p:txBody>
+      </p:sp>
+      <p:sp>
+        <p:nvSpPr>
+          <p:cNvPr id="12" name="Rectangle 11"/>
+          <p:cNvSpPr/>
+          <p:nvPr/>
+        </p:nvSpPr>
+        <p:spPr>
+          <a:xfrm>
+            <a:off x="1069848" y="3868974"/>
+            <a:ext cx="5109156" cy="369332"/>
+          </a:xfrm>
+          <a:prstGeom prst="rect">
+            <a:avLst/>
+          </a:prstGeom>
+        </p:spPr>
+        <p:txBody>
+          <a:bodyPr wrap="none">
+            <a:spAutoFit/>
+          </a:bodyPr>
+          <a:lstStyle/>
+          <a:p>
+            <a:r>
+              <a:rPr lang="en-US" dirty="0"/>
+              <a:t>at </a:t>
+            </a:r>
+            <a:r>
+              <a:rPr lang="en-US" dirty="0" smtClean="0"/>
+              <a:t>household (rather than capita) level at metro area</a:t>
+            </a:r>
+            <a:endParaRPr lang="en-US" dirty="0"/>
+          </a:p>
+        </p:txBody>
+      </p:sp>
     </p:spTree>
     <p:extLst>
       <p:ext uri="{BB962C8B-B14F-4D97-AF65-F5344CB8AC3E}">
-        <p14:creationId xmlns:p14="http://schemas.microsoft.com/office/powerpoint/2010/main" val="3169233395"/>
+        <p14:creationId xmlns:p14="http://schemas.microsoft.com/office/powerpoint/2010/main" val="2475556380"/>
       </p:ext>
     </p:extLst>
   </p:cSld>
@@ -25843,6 +25504,457 @@
           <a:p>
             <a:r>
               <a:rPr lang="en-US" dirty="0" smtClean="0"/>
+              <a:t>Better way</a:t>
+            </a:r>
+            <a:endParaRPr lang="en-US" dirty="0"/>
+          </a:p>
+        </p:txBody>
+      </p:sp>
+      <p:sp>
+        <p:nvSpPr>
+          <p:cNvPr id="3" name="Content Placeholder 2"/>
+          <p:cNvSpPr>
+            <a:spLocks noGrp="1"/>
+          </p:cNvSpPr>
+          <p:nvPr>
+            <p:ph idx="1"/>
+          </p:nvPr>
+        </p:nvSpPr>
+        <p:spPr/>
+        <p:txBody>
+          <a:bodyPr>
+            <a:noAutofit/>
+          </a:bodyPr>
+          <a:lstStyle/>
+          <a:p>
+            <a:pPr marL="0" indent="0">
+              <a:buNone/>
+            </a:pPr>
+            <a:r>
+              <a:rPr lang="en-US" sz="1600" dirty="0"/>
+              <a:t>program </a:t>
+            </a:r>
+            <a:r>
+              <a:rPr lang="en-US" sz="1600" dirty="0" err="1"/>
+              <a:t>leaveout_mean</a:t>
+            </a:r>
+            <a:endParaRPr lang="en-US" sz="1600" dirty="0"/>
+          </a:p>
+          <a:p>
+            <a:pPr marL="0" indent="0">
+              <a:buNone/>
+            </a:pPr>
+            <a:r>
+              <a:rPr lang="en-US" sz="1600" dirty="0" smtClean="0"/>
+              <a:t>	syntax</a:t>
+            </a:r>
+            <a:r>
+              <a:rPr lang="en-US" sz="1600" dirty="0"/>
+              <a:t>, invar(</a:t>
+            </a:r>
+            <a:r>
+              <a:rPr lang="en-US" sz="1600" dirty="0" err="1"/>
+              <a:t>varname</a:t>
+            </a:r>
+            <a:r>
+              <a:rPr lang="en-US" sz="1600" dirty="0"/>
+              <a:t>) </a:t>
+            </a:r>
+            <a:r>
+              <a:rPr lang="en-US" sz="1600" dirty="0" err="1"/>
+              <a:t>outvar</a:t>
+            </a:r>
+            <a:r>
+              <a:rPr lang="en-US" sz="1600" dirty="0"/>
+              <a:t>(name) </a:t>
+            </a:r>
+            <a:r>
+              <a:rPr lang="en-US" sz="1600" dirty="0" err="1"/>
+              <a:t>byvar</a:t>
+            </a:r>
+            <a:r>
+              <a:rPr lang="en-US" sz="1600" dirty="0"/>
+              <a:t>(</a:t>
+            </a:r>
+            <a:r>
+              <a:rPr lang="en-US" sz="1600" dirty="0" err="1"/>
+              <a:t>varname</a:t>
+            </a:r>
+            <a:r>
+              <a:rPr lang="en-US" sz="1600" dirty="0"/>
+              <a:t>)</a:t>
+            </a:r>
+          </a:p>
+          <a:p>
+            <a:pPr marL="0" indent="0">
+              <a:buNone/>
+            </a:pPr>
+            <a:r>
+              <a:rPr lang="en-US" sz="1600" dirty="0" smtClean="0"/>
+              <a:t>	</a:t>
+            </a:r>
+            <a:r>
+              <a:rPr lang="en-US" sz="1600" dirty="0" err="1" smtClean="0"/>
+              <a:t>tempvar</a:t>
+            </a:r>
+            <a:r>
+              <a:rPr lang="en-US" sz="1600" dirty="0" smtClean="0"/>
+              <a:t> </a:t>
+            </a:r>
+            <a:r>
+              <a:rPr lang="en-US" sz="1600" dirty="0" err="1"/>
+              <a:t>tot_invar</a:t>
+            </a:r>
+            <a:r>
+              <a:rPr lang="en-US" sz="1600" dirty="0"/>
+              <a:t> </a:t>
+            </a:r>
+            <a:r>
+              <a:rPr lang="en-US" sz="1600" dirty="0" err="1"/>
+              <a:t>count_invar</a:t>
+            </a:r>
+            <a:endParaRPr lang="en-US" sz="1600" dirty="0"/>
+          </a:p>
+          <a:p>
+            <a:pPr marL="0" indent="0">
+              <a:buNone/>
+            </a:pPr>
+            <a:r>
+              <a:rPr lang="en-US" sz="1600" dirty="0" smtClean="0"/>
+              <a:t>	</a:t>
+            </a:r>
+            <a:r>
+              <a:rPr lang="en-US" sz="1600" dirty="0" err="1" smtClean="0"/>
+              <a:t>egen</a:t>
+            </a:r>
+            <a:r>
+              <a:rPr lang="en-US" sz="1600" dirty="0" smtClean="0"/>
+              <a:t> </a:t>
+            </a:r>
+            <a:r>
+              <a:rPr lang="en-US" sz="1600" dirty="0"/>
+              <a:t>`</a:t>
+            </a:r>
+            <a:r>
+              <a:rPr lang="en-US" sz="1600" dirty="0" err="1"/>
+              <a:t>tot_invar</a:t>
+            </a:r>
+            <a:r>
+              <a:rPr lang="en-US" sz="1600" dirty="0"/>
+              <a:t>'= total(`invar'), by(`</a:t>
+            </a:r>
+            <a:r>
+              <a:rPr lang="en-US" sz="1600" dirty="0" err="1"/>
+              <a:t>byvar</a:t>
+            </a:r>
+            <a:r>
+              <a:rPr lang="en-US" sz="1600" dirty="0"/>
+              <a:t>')</a:t>
+            </a:r>
+          </a:p>
+          <a:p>
+            <a:pPr marL="0" indent="0">
+              <a:buNone/>
+            </a:pPr>
+            <a:r>
+              <a:rPr lang="en-US" sz="1600" dirty="0" smtClean="0"/>
+              <a:t>	</a:t>
+            </a:r>
+            <a:r>
+              <a:rPr lang="en-US" sz="1600" dirty="0" err="1" smtClean="0"/>
+              <a:t>egen</a:t>
+            </a:r>
+            <a:r>
+              <a:rPr lang="en-US" sz="1600" dirty="0" smtClean="0"/>
+              <a:t> </a:t>
+            </a:r>
+            <a:r>
+              <a:rPr lang="en-US" sz="1600" dirty="0"/>
+              <a:t>`</a:t>
+            </a:r>
+            <a:r>
+              <a:rPr lang="en-US" sz="1600" dirty="0" err="1"/>
+              <a:t>count_invar</a:t>
+            </a:r>
+            <a:r>
+              <a:rPr lang="en-US" sz="1600" dirty="0"/>
+              <a:t>'= count(`invar'), by(`</a:t>
+            </a:r>
+            <a:r>
+              <a:rPr lang="en-US" sz="1600" dirty="0" err="1"/>
+              <a:t>byvar</a:t>
+            </a:r>
+            <a:r>
+              <a:rPr lang="en-US" sz="1600" dirty="0"/>
+              <a:t>')</a:t>
+            </a:r>
+          </a:p>
+          <a:p>
+            <a:pPr marL="0" indent="0">
+              <a:buNone/>
+            </a:pPr>
+            <a:r>
+              <a:rPr lang="en-US" sz="1600" dirty="0" smtClean="0"/>
+              <a:t>	gen </a:t>
+            </a:r>
+            <a:r>
+              <a:rPr lang="en-US" sz="1600" dirty="0"/>
+              <a:t>`</a:t>
+            </a:r>
+            <a:r>
+              <a:rPr lang="en-US" sz="1600" dirty="0" err="1"/>
+              <a:t>outvar</a:t>
+            </a:r>
+            <a:r>
+              <a:rPr lang="en-US" sz="1600" dirty="0"/>
+              <a:t>' = (`</a:t>
+            </a:r>
+            <a:r>
+              <a:rPr lang="en-US" sz="1600" dirty="0" err="1"/>
+              <a:t>tot_invar</a:t>
+            </a:r>
+            <a:r>
+              <a:rPr lang="en-US" sz="1600" dirty="0"/>
+              <a:t>' - `invar') / (`</a:t>
+            </a:r>
+            <a:r>
+              <a:rPr lang="en-US" sz="1600" dirty="0" err="1"/>
+              <a:t>count_invar</a:t>
+            </a:r>
+            <a:r>
+              <a:rPr lang="en-US" sz="1600" dirty="0"/>
+              <a:t>' - 1)</a:t>
+            </a:r>
+          </a:p>
+          <a:p>
+            <a:pPr marL="0" indent="0">
+              <a:buNone/>
+            </a:pPr>
+            <a:r>
+              <a:rPr lang="en-US" sz="1600" dirty="0"/>
+              <a:t>end</a:t>
+            </a:r>
+          </a:p>
+          <a:p>
+            <a:pPr marL="0" indent="0">
+              <a:buNone/>
+            </a:pPr>
+            <a:endParaRPr lang="en-US" sz="1600" dirty="0" smtClean="0"/>
+          </a:p>
+          <a:p>
+            <a:pPr marL="0" indent="0">
+              <a:buNone/>
+            </a:pPr>
+            <a:r>
+              <a:rPr lang="en-US" sz="1600" dirty="0" err="1" smtClean="0"/>
+              <a:t>leaveout_mean</a:t>
+            </a:r>
+            <a:r>
+              <a:rPr lang="en-US" sz="1600" dirty="0"/>
+              <a:t>, invar(</a:t>
+            </a:r>
+            <a:r>
+              <a:rPr lang="en-US" sz="1600" dirty="0" err="1"/>
+              <a:t>pc_potato</a:t>
+            </a:r>
+            <a:r>
+              <a:rPr lang="en-US" sz="1600" dirty="0"/>
+              <a:t>) </a:t>
+            </a:r>
+            <a:r>
+              <a:rPr lang="en-US" sz="1600" dirty="0" err="1"/>
+              <a:t>outvar</a:t>
+            </a:r>
+            <a:r>
+              <a:rPr lang="en-US" sz="1600" dirty="0"/>
+              <a:t>(</a:t>
+            </a:r>
+            <a:r>
+              <a:rPr lang="en-US" sz="1600" dirty="0" err="1"/>
+              <a:t>leaveout_state_pc_potato</a:t>
+            </a:r>
+            <a:r>
+              <a:rPr lang="en-US" sz="1600" dirty="0"/>
+              <a:t>) </a:t>
+            </a:r>
+            <a:r>
+              <a:rPr lang="en-US" sz="1600" dirty="0" err="1"/>
+              <a:t>byvar</a:t>
+            </a:r>
+            <a:r>
+              <a:rPr lang="en-US" sz="1600" dirty="0"/>
+              <a:t>(state)</a:t>
+            </a:r>
+          </a:p>
+          <a:p>
+            <a:pPr marL="0" indent="0">
+              <a:buNone/>
+            </a:pPr>
+            <a:r>
+              <a:rPr lang="en-US" sz="1600" dirty="0" err="1"/>
+              <a:t>leaveout_mean</a:t>
+            </a:r>
+            <a:r>
+              <a:rPr lang="en-US" sz="1600" dirty="0"/>
+              <a:t>, invar(</a:t>
+            </a:r>
+            <a:r>
+              <a:rPr lang="en-US" sz="1600" dirty="0" err="1"/>
+              <a:t>pc_potato</a:t>
+            </a:r>
+            <a:r>
+              <a:rPr lang="en-US" sz="1600" dirty="0"/>
+              <a:t>) </a:t>
+            </a:r>
+            <a:r>
+              <a:rPr lang="en-US" sz="1600" dirty="0" err="1"/>
+              <a:t>outvar</a:t>
+            </a:r>
+            <a:r>
+              <a:rPr lang="en-US" sz="1600" dirty="0"/>
+              <a:t>(</a:t>
+            </a:r>
+            <a:r>
+              <a:rPr lang="en-US" sz="1600" dirty="0" err="1"/>
+              <a:t>leaveout_metro_pc_potato</a:t>
+            </a:r>
+            <a:r>
+              <a:rPr lang="en-US" sz="1600" dirty="0"/>
+              <a:t>) </a:t>
+            </a:r>
+            <a:r>
+              <a:rPr lang="en-US" sz="1600" dirty="0" err="1"/>
+              <a:t>byvar</a:t>
+            </a:r>
+            <a:r>
+              <a:rPr lang="en-US" sz="1600" dirty="0"/>
+              <a:t>(metro)</a:t>
+            </a:r>
+          </a:p>
+          <a:p>
+            <a:pPr marL="0" indent="0">
+              <a:buNone/>
+            </a:pPr>
+            <a:r>
+              <a:rPr lang="en-US" sz="1600" dirty="0" err="1"/>
+              <a:t>leaveout_mean</a:t>
+            </a:r>
+            <a:r>
+              <a:rPr lang="en-US" sz="1600" dirty="0"/>
+              <a:t>, invar(</a:t>
+            </a:r>
+            <a:r>
+              <a:rPr lang="en-US" sz="1600" dirty="0" err="1"/>
+              <a:t>hh_potato</a:t>
+            </a:r>
+            <a:r>
+              <a:rPr lang="en-US" sz="1600" dirty="0"/>
+              <a:t>) </a:t>
+            </a:r>
+            <a:r>
+              <a:rPr lang="en-US" sz="1600" dirty="0" err="1"/>
+              <a:t>outvar</a:t>
+            </a:r>
+            <a:r>
+              <a:rPr lang="en-US" sz="1600" dirty="0"/>
+              <a:t>(</a:t>
+            </a:r>
+            <a:r>
+              <a:rPr lang="en-US" sz="1600" dirty="0" err="1"/>
+              <a:t>leaveout_metro_hh_potato</a:t>
+            </a:r>
+            <a:r>
+              <a:rPr lang="en-US" sz="1600" dirty="0"/>
+              <a:t>) </a:t>
+            </a:r>
+            <a:r>
+              <a:rPr lang="en-US" sz="1600" dirty="0" err="1"/>
+              <a:t>byvar</a:t>
+            </a:r>
+            <a:r>
+              <a:rPr lang="en-US" sz="1600" dirty="0"/>
+              <a:t>(metro)</a:t>
+            </a:r>
+          </a:p>
+        </p:txBody>
+      </p:sp>
+      <p:sp>
+        <p:nvSpPr>
+          <p:cNvPr id="4" name="Slide Number Placeholder 3"/>
+          <p:cNvSpPr>
+            <a:spLocks noGrp="1"/>
+          </p:cNvSpPr>
+          <p:nvPr>
+            <p:ph type="sldNum" sz="quarter" idx="12"/>
+          </p:nvPr>
+        </p:nvSpPr>
+        <p:spPr/>
+        <p:txBody>
+          <a:bodyPr/>
+          <a:lstStyle/>
+          <a:p>
+            <a:fld id="{CA22A544-1804-4386-8584-5A7D657EA902}" type="slidenum">
+              <a:rPr lang="en-US" smtClean="0"/>
+              <a:t>34</a:t>
+            </a:fld>
+            <a:endParaRPr lang="en-US"/>
+          </a:p>
+        </p:txBody>
+      </p:sp>
+    </p:spTree>
+    <p:extLst>
+      <p:ext uri="{BB962C8B-B14F-4D97-AF65-F5344CB8AC3E}">
+        <p14:creationId xmlns:p14="http://schemas.microsoft.com/office/powerpoint/2010/main" val="3169233395"/>
+      </p:ext>
+    </p:extLst>
+  </p:cSld>
+  <p:clrMapOvr>
+    <a:masterClrMapping/>
+  </p:clrMapOvr>
+  <p:timing>
+    <p:tnLst>
+      <p:par>
+        <p:cTn id="1" dur="indefinite" restart="never" nodeType="tmRoot"/>
+      </p:par>
+    </p:tnLst>
+  </p:timing>
+</p:sld>
+</file>
+
+<file path=ppt/slides/slide35.xml><?xml version="1.0" encoding="utf-8"?>
+<p:sld xmlns:a="http://schemas.openxmlformats.org/drawingml/2006/main" xmlns:r="http://schemas.openxmlformats.org/officeDocument/2006/relationships" xmlns:p="http://schemas.openxmlformats.org/presentationml/2006/main">
+  <p:cSld>
+    <p:spTree>
+      <p:nvGrpSpPr>
+        <p:cNvPr id="1" name=""/>
+        <p:cNvGrpSpPr/>
+        <p:nvPr/>
+      </p:nvGrpSpPr>
+      <p:grpSpPr>
+        <a:xfrm>
+          <a:off x="0" y="0"/>
+          <a:ext cx="0" cy="0"/>
+          <a:chOff x="0" y="0"/>
+          <a:chExt cx="0" cy="0"/>
+        </a:xfrm>
+      </p:grpSpPr>
+      <p:sp>
+        <p:nvSpPr>
+          <p:cNvPr id="2" name="Title 1"/>
+          <p:cNvSpPr>
+            <a:spLocks noGrp="1"/>
+          </p:cNvSpPr>
+          <p:nvPr>
+            <p:ph type="title"/>
+          </p:nvPr>
+        </p:nvSpPr>
+        <p:spPr/>
+        <p:txBody>
+          <a:bodyPr/>
+          <a:lstStyle/>
+          <a:p>
+            <a:r>
+              <a:rPr lang="en-US" dirty="0" smtClean="0"/>
               <a:t>Documentation</a:t>
             </a:r>
             <a:endParaRPr lang="en-US" dirty="0"/>
@@ -25895,7 +26007,7 @@
           <a:p>
             <a:fld id="{CA22A544-1804-4386-8584-5A7D657EA902}" type="slidenum">
               <a:rPr lang="en-US" smtClean="0"/>
-              <a:t>34</a:t>
+              <a:t>35</a:t>
             </a:fld>
             <a:endParaRPr lang="en-US"/>
           </a:p>
@@ -25950,7 +26062,7 @@
 </p:sld>
 </file>
 
-<file path=ppt/slides/slide35.xml><?xml version="1.0" encoding="utf-8"?>
+<file path=ppt/slides/slide36.xml><?xml version="1.0" encoding="utf-8"?>
 <p:sld xmlns:a="http://schemas.openxmlformats.org/drawingml/2006/main" xmlns:r="http://schemas.openxmlformats.org/officeDocument/2006/relationships" xmlns:p="http://schemas.openxmlformats.org/presentationml/2006/main">
   <p:cSld>
     <p:spTree>
@@ -26035,7 +26147,7 @@
           <a:p>
             <a:fld id="{CA22A544-1804-4386-8584-5A7D657EA902}" type="slidenum">
               <a:rPr lang="en-US" smtClean="0"/>
-              <a:t>35</a:t>
+              <a:t>36</a:t>
             </a:fld>
             <a:endParaRPr lang="en-US"/>
           </a:p>
@@ -26106,7 +26218,7 @@
 </p:sld>
 </file>
 
-<file path=ppt/slides/slide36.xml><?xml version="1.0" encoding="utf-8"?>
+<file path=ppt/slides/slide37.xml><?xml version="1.0" encoding="utf-8"?>
 <p:sld xmlns:a="http://schemas.openxmlformats.org/drawingml/2006/main" xmlns:r="http://schemas.openxmlformats.org/officeDocument/2006/relationships" xmlns:p="http://schemas.openxmlformats.org/presentationml/2006/main">
   <p:cSld>
     <p:spTree>
@@ -26168,7 +26280,7 @@
           <a:p>
             <a:fld id="{CA22A544-1804-4386-8584-5A7D657EA902}" type="slidenum">
               <a:rPr lang="en-US" smtClean="0"/>
-              <a:t>36</a:t>
+              <a:t>37</a:t>
             </a:fld>
             <a:endParaRPr lang="en-US"/>
           </a:p>
@@ -26178,153 +26290,6 @@
     <p:extLst>
       <p:ext uri="{BB962C8B-B14F-4D97-AF65-F5344CB8AC3E}">
         <p14:creationId xmlns:p14="http://schemas.microsoft.com/office/powerpoint/2010/main" val="3810940655"/>
-      </p:ext>
-    </p:extLst>
-  </p:cSld>
-  <p:clrMapOvr>
-    <a:masterClrMapping/>
-  </p:clrMapOvr>
-  <p:timing>
-    <p:tnLst>
-      <p:par>
-        <p:cTn id="1" dur="indefinite" restart="never" nodeType="tmRoot"/>
-      </p:par>
-    </p:tnLst>
-  </p:timing>
-</p:sld>
-</file>
-
-<file path=ppt/slides/slide37.xml><?xml version="1.0" encoding="utf-8"?>
-<p:sld xmlns:a="http://schemas.openxmlformats.org/drawingml/2006/main" xmlns:r="http://schemas.openxmlformats.org/officeDocument/2006/relationships" xmlns:p="http://schemas.openxmlformats.org/presentationml/2006/main">
-  <p:cSld>
-    <p:spTree>
-      <p:nvGrpSpPr>
-        <p:cNvPr id="1" name=""/>
-        <p:cNvGrpSpPr/>
-        <p:nvPr/>
-      </p:nvGrpSpPr>
-      <p:grpSpPr>
-        <a:xfrm>
-          <a:off x="0" y="0"/>
-          <a:ext cx="0" cy="0"/>
-          <a:chOff x="0" y="0"/>
-          <a:chExt cx="0" cy="0"/>
-        </a:xfrm>
-      </p:grpSpPr>
-      <p:sp>
-        <p:nvSpPr>
-          <p:cNvPr id="2" name="Title 1"/>
-          <p:cNvSpPr>
-            <a:spLocks noGrp="1"/>
-          </p:cNvSpPr>
-          <p:nvPr>
-            <p:ph type="title"/>
-          </p:nvPr>
-        </p:nvSpPr>
-        <p:spPr/>
-        <p:txBody>
-          <a:bodyPr/>
-          <a:lstStyle/>
-          <a:p>
-            <a:endParaRPr lang="en-US"/>
-          </a:p>
-        </p:txBody>
-      </p:sp>
-      <p:sp>
-        <p:nvSpPr>
-          <p:cNvPr id="3" name="Content Placeholder 2"/>
-          <p:cNvSpPr>
-            <a:spLocks noGrp="1"/>
-          </p:cNvSpPr>
-          <p:nvPr>
-            <p:ph idx="1"/>
-          </p:nvPr>
-        </p:nvSpPr>
-        <p:spPr/>
-        <p:txBody>
-          <a:bodyPr>
-            <a:normAutofit/>
-          </a:bodyPr>
-          <a:lstStyle/>
-          <a:p>
-            <a:r>
-              <a:rPr lang="en-US" sz="2400" dirty="0" smtClean="0"/>
-              <a:t>Install </a:t>
-            </a:r>
-            <a:r>
-              <a:rPr lang="en-US" sz="2400" dirty="0" err="1"/>
-              <a:t>Git</a:t>
-            </a:r>
-            <a:r>
-              <a:rPr lang="en-US" sz="2400" dirty="0"/>
-              <a:t>: </a:t>
-            </a:r>
-            <a:r>
-              <a:rPr lang="en-US" sz="2400" u="sng" dirty="0">
-                <a:hlinkClick r:id="rId2"/>
-              </a:rPr>
-              <a:t>https://git-scm.com/downloads</a:t>
-            </a:r>
-            <a:endParaRPr lang="en-US" sz="2400" dirty="0"/>
-          </a:p>
-          <a:p>
-            <a:endParaRPr lang="en-US" sz="2400" dirty="0" smtClean="0"/>
-          </a:p>
-          <a:p>
-            <a:r>
-              <a:rPr lang="en-US" sz="2400" dirty="0" smtClean="0"/>
-              <a:t>Sign </a:t>
-            </a:r>
-            <a:r>
-              <a:rPr lang="en-US" sz="2400" dirty="0"/>
-              <a:t>up with GitHub.com using your @</a:t>
-            </a:r>
-            <a:r>
-              <a:rPr lang="en-US" sz="2400" u="sng" dirty="0">
-                <a:hlinkClick r:id="rId3"/>
-              </a:rPr>
-              <a:t>tilburguniversity.edu</a:t>
-            </a:r>
-            <a:r>
-              <a:rPr lang="en-US" sz="2400" dirty="0"/>
-              <a:t> address. Please email me your username.</a:t>
-            </a:r>
-          </a:p>
-          <a:p>
-            <a:endParaRPr lang="en-US" sz="2400" dirty="0" smtClean="0"/>
-          </a:p>
-          <a:p>
-            <a:endParaRPr lang="en-US" sz="2400" dirty="0"/>
-          </a:p>
-        </p:txBody>
-      </p:sp>
-      <p:sp>
-        <p:nvSpPr>
-          <p:cNvPr id="4" name="Slide Number Placeholder 3"/>
-          <p:cNvSpPr>
-            <a:spLocks noGrp="1"/>
-          </p:cNvSpPr>
-          <p:nvPr>
-            <p:ph type="sldNum" sz="quarter" idx="12"/>
-          </p:nvPr>
-        </p:nvSpPr>
-        <p:spPr/>
-        <p:txBody>
-          <a:bodyPr/>
-          <a:lstStyle/>
-          <a:p>
-            <a:fld id="{CA22A544-1804-4386-8584-5A7D657EA902}" type="slidenum">
-              <a:rPr lang="en-US" smtClean="0"/>
-              <a:t>37</a:t>
-            </a:fld>
-            <a:endParaRPr lang="en-US"/>
-          </a:p>
-        </p:txBody>
-      </p:sp>
-    </p:spTree>
-    <p:extLst>
-      <p:ext uri="{BB962C8B-B14F-4D97-AF65-F5344CB8AC3E}">
-        <p14:creationId xmlns:p14="http://schemas.microsoft.com/office/powerpoint/2010/main" val="2122636416"/>
       </p:ext>
     </p:extLst>
   </p:cSld>
@@ -26373,7 +26338,11 @@
           <a:bodyPr/>
           <a:lstStyle/>
           <a:p>
-            <a:endParaRPr lang="en-US"/>
+            <a:r>
+              <a:rPr lang="en-US" dirty="0" smtClean="0"/>
+              <a:t>In-class assignment</a:t>
+            </a:r>
+            <a:endParaRPr lang="en-US" dirty="0"/>
           </a:p>
         </p:txBody>
       </p:sp>
@@ -26389,10 +26358,37 @@
         </p:nvSpPr>
         <p:spPr/>
         <p:txBody>
-          <a:bodyPr/>
+          <a:bodyPr>
+            <a:normAutofit/>
+          </a:bodyPr>
           <a:lstStyle/>
           <a:p>
-            <a:endParaRPr lang="en-US"/>
+            <a:pPr marL="0" indent="0">
+              <a:buNone/>
+            </a:pPr>
+            <a:r>
+              <a:rPr lang="en-US" dirty="0" smtClean="0"/>
+              <a:t>We’re all working on a research project together, predicting prices of cars given some features about the car {mpg, length, turning radius etc.}</a:t>
+            </a:r>
+          </a:p>
+          <a:p>
+            <a:pPr marL="0" indent="0">
+              <a:buNone/>
+            </a:pPr>
+            <a:endParaRPr lang="en-US" dirty="0" smtClean="0"/>
+          </a:p>
+          <a:p>
+            <a:pPr marL="0" indent="0">
+              <a:buNone/>
+            </a:pPr>
+            <a:r>
+              <a:rPr lang="en-US" dirty="0" smtClean="0"/>
+              <a:t>You can work in pairs if that makes it easier.</a:t>
+            </a:r>
+            <a:endParaRPr lang="en-US" dirty="0"/>
+          </a:p>
+          <a:p>
+            <a:endParaRPr lang="en-US" dirty="0" smtClean="0"/>
           </a:p>
         </p:txBody>
       </p:sp>
@@ -26436,6 +26432,164 @@
       </p:par>
     </p:tnLst>
   </p:timing>
+</p:sld>
+</file>
+
+<file path=ppt/slides/slide39.xml><?xml version="1.0" encoding="utf-8"?>
+<p:sld xmlns:a="http://schemas.openxmlformats.org/drawingml/2006/main" xmlns:r="http://schemas.openxmlformats.org/officeDocument/2006/relationships" xmlns:p="http://schemas.openxmlformats.org/presentationml/2006/main">
+  <p:cSld>
+    <p:spTree>
+      <p:nvGrpSpPr>
+        <p:cNvPr id="1" name=""/>
+        <p:cNvGrpSpPr/>
+        <p:nvPr/>
+      </p:nvGrpSpPr>
+      <p:grpSpPr>
+        <a:xfrm>
+          <a:off x="0" y="0"/>
+          <a:ext cx="0" cy="0"/>
+          <a:chOff x="0" y="0"/>
+          <a:chExt cx="0" cy="0"/>
+        </a:xfrm>
+      </p:grpSpPr>
+      <p:sp>
+        <p:nvSpPr>
+          <p:cNvPr id="2" name="Title 1"/>
+          <p:cNvSpPr>
+            <a:spLocks noGrp="1"/>
+          </p:cNvSpPr>
+          <p:nvPr>
+            <p:ph type="title"/>
+          </p:nvPr>
+        </p:nvSpPr>
+        <p:spPr/>
+        <p:txBody>
+          <a:bodyPr/>
+          <a:lstStyle/>
+          <a:p>
+            <a:r>
+              <a:rPr lang="en-US" dirty="0" smtClean="0"/>
+              <a:t>Fork a repo</a:t>
+            </a:r>
+            <a:endParaRPr lang="en-US" dirty="0"/>
+          </a:p>
+        </p:txBody>
+      </p:sp>
+      <p:sp>
+        <p:nvSpPr>
+          <p:cNvPr id="3" name="Content Placeholder 2"/>
+          <p:cNvSpPr>
+            <a:spLocks noGrp="1"/>
+          </p:cNvSpPr>
+          <p:nvPr>
+            <p:ph idx="1"/>
+          </p:nvPr>
+        </p:nvSpPr>
+        <p:spPr/>
+        <p:txBody>
+          <a:bodyPr>
+            <a:normAutofit/>
+          </a:bodyPr>
+          <a:lstStyle/>
+          <a:p>
+            <a:pPr marL="0" indent="0" fontAlgn="base">
+              <a:buNone/>
+            </a:pPr>
+            <a:endParaRPr lang="en-US" dirty="0" smtClean="0"/>
+          </a:p>
+          <a:p>
+            <a:pPr marL="0" indent="0" fontAlgn="base">
+              <a:buNone/>
+            </a:pPr>
+            <a:r>
+              <a:rPr lang="en-US" dirty="0" smtClean="0"/>
+              <a:t>A</a:t>
+            </a:r>
+            <a:r>
+              <a:rPr lang="en-US" dirty="0"/>
+              <a:t> </a:t>
+            </a:r>
+            <a:r>
+              <a:rPr lang="en-US" i="1" dirty="0"/>
+              <a:t>fork</a:t>
+            </a:r>
+            <a:r>
+              <a:rPr lang="en-US" dirty="0"/>
+              <a:t> is a copy of a repository. Forking a repository allows you to freely experiment with changes without affecting the original project.</a:t>
+            </a:r>
+          </a:p>
+          <a:p>
+            <a:endParaRPr lang="en-US" dirty="0"/>
+          </a:p>
+          <a:p>
+            <a:pPr marL="0" indent="0">
+              <a:buNone/>
+            </a:pPr>
+            <a:endParaRPr lang="en-US" dirty="0"/>
+          </a:p>
+          <a:p>
+            <a:pPr marL="0" indent="0">
+              <a:buNone/>
+            </a:pPr>
+            <a:r>
+              <a:rPr lang="en-US" dirty="0" smtClean="0"/>
+              <a:t>from </a:t>
+            </a:r>
+            <a:r>
+              <a:rPr lang="en-US" dirty="0">
+                <a:hlinkClick r:id="rId2"/>
+              </a:rPr>
+              <a:t>https://help.github.com/articles/fork-a-repo</a:t>
+            </a:r>
+            <a:r>
+              <a:rPr lang="en-US" dirty="0" smtClean="0">
+                <a:hlinkClick r:id="rId2"/>
+              </a:rPr>
+              <a:t>/</a:t>
+            </a:r>
+            <a:endParaRPr lang="en-US" dirty="0" smtClean="0"/>
+          </a:p>
+          <a:p>
+            <a:pPr marL="0" indent="0">
+              <a:buNone/>
+            </a:pPr>
+            <a:endParaRPr lang="en-US" dirty="0"/>
+          </a:p>
+        </p:txBody>
+      </p:sp>
+      <p:sp>
+        <p:nvSpPr>
+          <p:cNvPr id="5" name="Slide Number Placeholder 4"/>
+          <p:cNvSpPr>
+            <a:spLocks noGrp="1"/>
+          </p:cNvSpPr>
+          <p:nvPr>
+            <p:ph type="sldNum" sz="quarter" idx="12"/>
+          </p:nvPr>
+        </p:nvSpPr>
+        <p:spPr/>
+        <p:txBody>
+          <a:bodyPr/>
+          <a:lstStyle/>
+          <a:p>
+            <a:fld id="{CA22A544-1804-4386-8584-5A7D657EA902}" type="slidenum">
+              <a:rPr lang="en-US" smtClean="0"/>
+              <a:t>39</a:t>
+            </a:fld>
+            <a:endParaRPr lang="en-US"/>
+          </a:p>
+        </p:txBody>
+      </p:sp>
+    </p:spTree>
+    <p:extLst>
+      <p:ext uri="{BB962C8B-B14F-4D97-AF65-F5344CB8AC3E}">
+        <p14:creationId xmlns:p14="http://schemas.microsoft.com/office/powerpoint/2010/main" val="4159941096"/>
+      </p:ext>
+    </p:extLst>
+  </p:cSld>
+  <p:clrMapOvr>
+    <a:masterClrMapping/>
+  </p:clrMapOvr>
 </p:sld>
 </file>
 
@@ -26601,6 +26755,1641 @@
       </p:par>
     </p:tnLst>
   </p:timing>
+</p:sld>
+</file>
+
+<file path=ppt/slides/slide40.xml><?xml version="1.0" encoding="utf-8"?>
+<p:sld xmlns:a="http://schemas.openxmlformats.org/drawingml/2006/main" xmlns:r="http://schemas.openxmlformats.org/officeDocument/2006/relationships" xmlns:p="http://schemas.openxmlformats.org/presentationml/2006/main">
+  <p:cSld>
+    <p:spTree>
+      <p:nvGrpSpPr>
+        <p:cNvPr id="1" name=""/>
+        <p:cNvGrpSpPr/>
+        <p:nvPr/>
+      </p:nvGrpSpPr>
+      <p:grpSpPr>
+        <a:xfrm>
+          <a:off x="0" y="0"/>
+          <a:ext cx="0" cy="0"/>
+          <a:chOff x="0" y="0"/>
+          <a:chExt cx="0" cy="0"/>
+        </a:xfrm>
+      </p:grpSpPr>
+      <p:sp>
+        <p:nvSpPr>
+          <p:cNvPr id="5" name="Title 4"/>
+          <p:cNvSpPr>
+            <a:spLocks noGrp="1"/>
+          </p:cNvSpPr>
+          <p:nvPr>
+            <p:ph type="title"/>
+          </p:nvPr>
+        </p:nvSpPr>
+        <p:spPr/>
+        <p:txBody>
+          <a:bodyPr/>
+          <a:lstStyle/>
+          <a:p>
+            <a:r>
+              <a:rPr lang="en-US" dirty="0" smtClean="0"/>
+              <a:t>Fork a repo</a:t>
+            </a:r>
+            <a:endParaRPr lang="en-US" dirty="0"/>
+          </a:p>
+        </p:txBody>
+      </p:sp>
+      <p:sp>
+        <p:nvSpPr>
+          <p:cNvPr id="6" name="Content Placeholder 5"/>
+          <p:cNvSpPr>
+            <a:spLocks noGrp="1"/>
+          </p:cNvSpPr>
+          <p:nvPr>
+            <p:ph sz="half" idx="1"/>
+          </p:nvPr>
+        </p:nvSpPr>
+        <p:spPr/>
+        <p:txBody>
+          <a:bodyPr>
+            <a:normAutofit/>
+          </a:bodyPr>
+          <a:lstStyle/>
+          <a:p>
+            <a:pPr marL="0" indent="0" fontAlgn="base">
+              <a:buNone/>
+            </a:pPr>
+            <a:r>
+              <a:rPr lang="en-US" b="1" dirty="0" smtClean="0"/>
+              <a:t>Propose </a:t>
+            </a:r>
+            <a:r>
+              <a:rPr lang="en-US" b="1" dirty="0"/>
+              <a:t>changes to someone else's project</a:t>
+            </a:r>
+          </a:p>
+          <a:p>
+            <a:pPr lvl="1" fontAlgn="base"/>
+            <a:r>
+              <a:rPr lang="en-US" dirty="0"/>
+              <a:t>A great example of using forks to propose changes is for bug fixes. Rather than logging an issue for a bug you've found, you can:</a:t>
+            </a:r>
+          </a:p>
+          <a:p>
+            <a:pPr lvl="1" fontAlgn="base"/>
+            <a:r>
+              <a:rPr lang="en-US" dirty="0"/>
+              <a:t>Fork the repository.</a:t>
+            </a:r>
+          </a:p>
+          <a:p>
+            <a:pPr lvl="1" fontAlgn="base"/>
+            <a:r>
+              <a:rPr lang="en-US" dirty="0"/>
+              <a:t>Make the fix.</a:t>
+            </a:r>
+          </a:p>
+          <a:p>
+            <a:pPr lvl="1" fontAlgn="base"/>
+            <a:r>
+              <a:rPr lang="en-US" dirty="0"/>
+              <a:t>Submit a </a:t>
+            </a:r>
+            <a:r>
+              <a:rPr lang="en-US" i="1" dirty="0"/>
+              <a:t>pull request</a:t>
+            </a:r>
+            <a:r>
+              <a:rPr lang="en-US" dirty="0"/>
+              <a:t> to the project owner</a:t>
+            </a:r>
+            <a:r>
+              <a:rPr lang="en-US" dirty="0" smtClean="0"/>
+              <a:t>.</a:t>
+            </a:r>
+          </a:p>
+          <a:p>
+            <a:endParaRPr lang="en-US" dirty="0"/>
+          </a:p>
+        </p:txBody>
+      </p:sp>
+      <p:sp>
+        <p:nvSpPr>
+          <p:cNvPr id="7" name="Content Placeholder 6"/>
+          <p:cNvSpPr>
+            <a:spLocks noGrp="1"/>
+          </p:cNvSpPr>
+          <p:nvPr>
+            <p:ph sz="half" idx="2"/>
+          </p:nvPr>
+        </p:nvSpPr>
+        <p:spPr/>
+        <p:txBody>
+          <a:bodyPr>
+            <a:normAutofit/>
+          </a:bodyPr>
+          <a:lstStyle/>
+          <a:p>
+            <a:pPr marL="0" indent="0" fontAlgn="base">
+              <a:buNone/>
+            </a:pPr>
+            <a:r>
+              <a:rPr lang="en-US" b="1" dirty="0"/>
+              <a:t>U</a:t>
+            </a:r>
+            <a:r>
+              <a:rPr lang="en-US" b="1" dirty="0" smtClean="0"/>
+              <a:t>se </a:t>
+            </a:r>
+            <a:r>
+              <a:rPr lang="en-US" b="1" dirty="0"/>
+              <a:t>someone else's project as a starting point for your own idea.</a:t>
+            </a:r>
+          </a:p>
+          <a:p>
+            <a:pPr lvl="1" fontAlgn="base"/>
+            <a:r>
+              <a:rPr lang="en-US" dirty="0"/>
+              <a:t>At </a:t>
+            </a:r>
+            <a:r>
+              <a:rPr lang="en-US" dirty="0">
+                <a:hlinkClick r:id="rId2"/>
+              </a:rPr>
+              <a:t>the heart of open source</a:t>
+            </a:r>
+            <a:r>
+              <a:rPr lang="en-US" dirty="0"/>
+              <a:t> is the idea that by sharing code, we can make better, more reliable software.</a:t>
+            </a:r>
+          </a:p>
+          <a:p>
+            <a:pPr lvl="1" fontAlgn="base"/>
+            <a:r>
+              <a:rPr lang="en-US" dirty="0"/>
+              <a:t>When creating your public repository from a fork of someone's project, make sure to include a </a:t>
+            </a:r>
+            <a:r>
+              <a:rPr lang="en-US" dirty="0">
+                <a:hlinkClick r:id="rId3"/>
+              </a:rPr>
+              <a:t>license file</a:t>
+            </a:r>
+            <a:r>
+              <a:rPr lang="en-US" dirty="0"/>
+              <a:t> that determines how you want your project to be shared with others.</a:t>
+            </a:r>
+          </a:p>
+          <a:p>
+            <a:endParaRPr lang="en-US" dirty="0"/>
+          </a:p>
+        </p:txBody>
+      </p:sp>
+      <p:sp>
+        <p:nvSpPr>
+          <p:cNvPr id="4" name="Slide Number Placeholder 3"/>
+          <p:cNvSpPr>
+            <a:spLocks noGrp="1"/>
+          </p:cNvSpPr>
+          <p:nvPr>
+            <p:ph type="sldNum" sz="quarter" idx="12"/>
+          </p:nvPr>
+        </p:nvSpPr>
+        <p:spPr/>
+        <p:txBody>
+          <a:bodyPr/>
+          <a:lstStyle/>
+          <a:p>
+            <a:fld id="{CA22A544-1804-4386-8584-5A7D657EA902}" type="slidenum">
+              <a:rPr lang="en-US" smtClean="0"/>
+              <a:t>40</a:t>
+            </a:fld>
+            <a:endParaRPr lang="en-US"/>
+          </a:p>
+        </p:txBody>
+      </p:sp>
+    </p:spTree>
+    <p:extLst>
+      <p:ext uri="{BB962C8B-B14F-4D97-AF65-F5344CB8AC3E}">
+        <p14:creationId xmlns:p14="http://schemas.microsoft.com/office/powerpoint/2010/main" val="2842231620"/>
+      </p:ext>
+    </p:extLst>
+  </p:cSld>
+  <p:clrMapOvr>
+    <a:masterClrMapping/>
+  </p:clrMapOvr>
+</p:sld>
+</file>
+
+<file path=ppt/slides/slide41.xml><?xml version="1.0" encoding="utf-8"?>
+<p:sld xmlns:a="http://schemas.openxmlformats.org/drawingml/2006/main" xmlns:r="http://schemas.openxmlformats.org/officeDocument/2006/relationships" xmlns:p="http://schemas.openxmlformats.org/presentationml/2006/main">
+  <p:cSld>
+    <p:spTree>
+      <p:nvGrpSpPr>
+        <p:cNvPr id="1" name=""/>
+        <p:cNvGrpSpPr/>
+        <p:nvPr/>
+      </p:nvGrpSpPr>
+      <p:grpSpPr>
+        <a:xfrm>
+          <a:off x="0" y="0"/>
+          <a:ext cx="0" cy="0"/>
+          <a:chOff x="0" y="0"/>
+          <a:chExt cx="0" cy="0"/>
+        </a:xfrm>
+      </p:grpSpPr>
+      <p:sp>
+        <p:nvSpPr>
+          <p:cNvPr id="6" name="Title 5"/>
+          <p:cNvSpPr>
+            <a:spLocks noGrp="1"/>
+          </p:cNvSpPr>
+          <p:nvPr>
+            <p:ph type="title"/>
+          </p:nvPr>
+        </p:nvSpPr>
+        <p:spPr/>
+        <p:txBody>
+          <a:bodyPr/>
+          <a:lstStyle/>
+          <a:p>
+            <a:r>
+              <a:rPr lang="en-US" dirty="0" smtClean="0"/>
+              <a:t>Instructions</a:t>
+            </a:r>
+            <a:endParaRPr lang="en-US" dirty="0"/>
+          </a:p>
+        </p:txBody>
+      </p:sp>
+      <p:sp>
+        <p:nvSpPr>
+          <p:cNvPr id="7" name="Content Placeholder 6"/>
+          <p:cNvSpPr>
+            <a:spLocks noGrp="1"/>
+          </p:cNvSpPr>
+          <p:nvPr>
+            <p:ph idx="1"/>
+          </p:nvPr>
+        </p:nvSpPr>
+        <p:spPr/>
+        <p:txBody>
+          <a:bodyPr/>
+          <a:lstStyle/>
+          <a:p>
+            <a:pPr marL="514350" indent="-514350">
+              <a:buFont typeface="+mj-lt"/>
+              <a:buAutoNum type="arabicPeriod"/>
+            </a:pPr>
+            <a:r>
+              <a:rPr lang="en-US" dirty="0"/>
+              <a:t>On GitHub, navigate to the </a:t>
+            </a:r>
+            <a:r>
+              <a:rPr lang="en-US" dirty="0" smtClean="0">
+                <a:hlinkClick r:id="rId2"/>
+              </a:rPr>
+              <a:t>gknox79/</a:t>
+            </a:r>
+            <a:r>
+              <a:rPr lang="en-US" dirty="0" err="1" smtClean="0">
+                <a:hlinkClick r:id="rId2"/>
+              </a:rPr>
+              <a:t>code_data</a:t>
+            </a:r>
+            <a:r>
+              <a:rPr lang="en-US" dirty="0"/>
+              <a:t> repository</a:t>
+            </a:r>
+            <a:r>
+              <a:rPr lang="en-US" dirty="0" smtClean="0"/>
+              <a:t>.</a:t>
+            </a:r>
+          </a:p>
+          <a:p>
+            <a:pPr marL="514350" indent="-514350">
+              <a:buFont typeface="+mj-lt"/>
+              <a:buAutoNum type="arabicPeriod"/>
+            </a:pPr>
+            <a:r>
+              <a:rPr lang="en-US" dirty="0"/>
+              <a:t>In the top-right corner of the page, click </a:t>
+            </a:r>
+            <a:r>
+              <a:rPr lang="en-US" b="1" dirty="0"/>
+              <a:t>Fork</a:t>
+            </a:r>
+            <a:endParaRPr lang="en-US" dirty="0"/>
+          </a:p>
+          <a:p>
+            <a:endParaRPr lang="en-US" dirty="0"/>
+          </a:p>
+        </p:txBody>
+      </p:sp>
+      <p:sp>
+        <p:nvSpPr>
+          <p:cNvPr id="5" name="Slide Number Placeholder 4"/>
+          <p:cNvSpPr>
+            <a:spLocks noGrp="1"/>
+          </p:cNvSpPr>
+          <p:nvPr>
+            <p:ph type="sldNum" sz="quarter" idx="12"/>
+          </p:nvPr>
+        </p:nvSpPr>
+        <p:spPr/>
+        <p:txBody>
+          <a:bodyPr/>
+          <a:lstStyle/>
+          <a:p>
+            <a:fld id="{CA22A544-1804-4386-8584-5A7D657EA902}" type="slidenum">
+              <a:rPr lang="en-US" smtClean="0"/>
+              <a:t>41</a:t>
+            </a:fld>
+            <a:endParaRPr lang="en-US"/>
+          </a:p>
+        </p:txBody>
+      </p:sp>
+    </p:spTree>
+    <p:extLst>
+      <p:ext uri="{BB962C8B-B14F-4D97-AF65-F5344CB8AC3E}">
+        <p14:creationId xmlns:p14="http://schemas.microsoft.com/office/powerpoint/2010/main" val="1398027289"/>
+      </p:ext>
+    </p:extLst>
+  </p:cSld>
+  <p:clrMapOvr>
+    <a:masterClrMapping/>
+  </p:clrMapOvr>
+</p:sld>
+</file>
+
+<file path=ppt/slides/slide42.xml><?xml version="1.0" encoding="utf-8"?>
+<p:sld xmlns:a="http://schemas.openxmlformats.org/drawingml/2006/main" xmlns:r="http://schemas.openxmlformats.org/officeDocument/2006/relationships" xmlns:p="http://schemas.openxmlformats.org/presentationml/2006/main">
+  <p:cSld>
+    <p:spTree>
+      <p:nvGrpSpPr>
+        <p:cNvPr id="1" name=""/>
+        <p:cNvGrpSpPr/>
+        <p:nvPr/>
+      </p:nvGrpSpPr>
+      <p:grpSpPr>
+        <a:xfrm>
+          <a:off x="0" y="0"/>
+          <a:ext cx="0" cy="0"/>
+          <a:chOff x="0" y="0"/>
+          <a:chExt cx="0" cy="0"/>
+        </a:xfrm>
+      </p:grpSpPr>
+      <p:sp>
+        <p:nvSpPr>
+          <p:cNvPr id="2" name="Title 1"/>
+          <p:cNvSpPr>
+            <a:spLocks noGrp="1"/>
+          </p:cNvSpPr>
+          <p:nvPr>
+            <p:ph type="title"/>
+          </p:nvPr>
+        </p:nvSpPr>
+        <p:spPr/>
+        <p:txBody>
+          <a:bodyPr/>
+          <a:lstStyle/>
+          <a:p>
+            <a:r>
+              <a:rPr lang="en-US" dirty="0" smtClean="0"/>
+              <a:t>Set up </a:t>
+            </a:r>
+            <a:r>
+              <a:rPr lang="en-US" dirty="0" err="1" smtClean="0"/>
+              <a:t>Git</a:t>
+            </a:r>
+            <a:endParaRPr lang="en-US" dirty="0"/>
+          </a:p>
+        </p:txBody>
+      </p:sp>
+      <p:sp>
+        <p:nvSpPr>
+          <p:cNvPr id="3" name="Content Placeholder 2"/>
+          <p:cNvSpPr>
+            <a:spLocks noGrp="1"/>
+          </p:cNvSpPr>
+          <p:nvPr>
+            <p:ph idx="1"/>
+          </p:nvPr>
+        </p:nvSpPr>
+        <p:spPr/>
+        <p:txBody>
+          <a:bodyPr>
+            <a:normAutofit/>
+          </a:bodyPr>
+          <a:lstStyle/>
+          <a:p>
+            <a:r>
+              <a:rPr lang="en-US" sz="2400" dirty="0" smtClean="0"/>
+              <a:t>(Install </a:t>
+            </a:r>
+            <a:r>
+              <a:rPr lang="en-US" sz="2400" dirty="0" err="1"/>
+              <a:t>Git</a:t>
+            </a:r>
+            <a:r>
+              <a:rPr lang="en-US" sz="2400" dirty="0"/>
+              <a:t>: </a:t>
+            </a:r>
+            <a:r>
+              <a:rPr lang="en-US" sz="2400" u="sng" dirty="0">
+                <a:hlinkClick r:id="rId2"/>
+              </a:rPr>
+              <a:t>https://</a:t>
+            </a:r>
+            <a:r>
+              <a:rPr lang="en-US" sz="2400" u="sng" dirty="0" smtClean="0">
+                <a:hlinkClick r:id="rId2"/>
+              </a:rPr>
+              <a:t>git-scm.com/downloads</a:t>
+            </a:r>
+            <a:r>
+              <a:rPr lang="en-US" sz="2400" u="sng" dirty="0" smtClean="0"/>
+              <a:t>)</a:t>
+            </a:r>
+          </a:p>
+          <a:p>
+            <a:endParaRPr lang="en-US" sz="2400" u="sng" dirty="0"/>
+          </a:p>
+          <a:p>
+            <a:r>
+              <a:rPr lang="en-US" sz="2400" dirty="0" smtClean="0"/>
+              <a:t>In some place where you want to save files locally, right click &amp; select </a:t>
+            </a:r>
+            <a:r>
+              <a:rPr lang="en-US" sz="2400" dirty="0" err="1" smtClean="0"/>
+              <a:t>Git</a:t>
+            </a:r>
+            <a:r>
+              <a:rPr lang="en-US" sz="2400" dirty="0" smtClean="0"/>
+              <a:t> Bash Here</a:t>
+            </a:r>
+          </a:p>
+          <a:p>
+            <a:endParaRPr lang="en-US" sz="2400" dirty="0" smtClean="0"/>
+          </a:p>
+          <a:p>
+            <a:endParaRPr lang="en-US" sz="2400" dirty="0" smtClean="0"/>
+          </a:p>
+          <a:p>
+            <a:pPr marL="0" indent="0">
+              <a:buNone/>
+            </a:pPr>
+            <a:endParaRPr lang="en-US" sz="2400" dirty="0" smtClean="0"/>
+          </a:p>
+          <a:p>
+            <a:pPr marL="0" indent="0">
+              <a:buNone/>
+            </a:pPr>
+            <a:endParaRPr lang="en-US" sz="2400" dirty="0"/>
+          </a:p>
+          <a:p>
+            <a:pPr marL="0" indent="0">
+              <a:buNone/>
+            </a:pPr>
+            <a:endParaRPr lang="en-US" sz="2000" dirty="0"/>
+          </a:p>
+          <a:p>
+            <a:endParaRPr lang="en-US" sz="2400" dirty="0" smtClean="0"/>
+          </a:p>
+          <a:p>
+            <a:endParaRPr lang="en-US" sz="2400" dirty="0"/>
+          </a:p>
+        </p:txBody>
+      </p:sp>
+      <p:sp>
+        <p:nvSpPr>
+          <p:cNvPr id="4" name="Slide Number Placeholder 3"/>
+          <p:cNvSpPr>
+            <a:spLocks noGrp="1"/>
+          </p:cNvSpPr>
+          <p:nvPr>
+            <p:ph type="sldNum" sz="quarter" idx="12"/>
+          </p:nvPr>
+        </p:nvSpPr>
+        <p:spPr/>
+        <p:txBody>
+          <a:bodyPr/>
+          <a:lstStyle/>
+          <a:p>
+            <a:fld id="{CA22A544-1804-4386-8584-5A7D657EA902}" type="slidenum">
+              <a:rPr lang="en-US" smtClean="0"/>
+              <a:t>42</a:t>
+            </a:fld>
+            <a:endParaRPr lang="en-US"/>
+          </a:p>
+        </p:txBody>
+      </p:sp>
+      <p:pic>
+        <p:nvPicPr>
+          <p:cNvPr id="5" name="Picture 4" descr="Screenshot 2018-03-07 15.20.22.png - Windows Photo Viewer"/>
+          <p:cNvPicPr>
+            <a:picLocks noChangeAspect="1"/>
+          </p:cNvPicPr>
+          <p:nvPr/>
+        </p:nvPicPr>
+        <p:blipFill rotWithShape="1">
+          <a:blip r:embed="rId3">
+            <a:extLst>
+              <a:ext uri="{28A0092B-C50C-407E-A947-70E740481C1C}">
+                <a14:useLocalDpi xmlns:a14="http://schemas.microsoft.com/office/drawing/2010/main" val="0"/>
+              </a:ext>
+            </a:extLst>
+          </a:blip>
+          <a:srcRect l="33889" t="21991" r="59792" b="63113"/>
+          <a:stretch/>
+        </p:blipFill>
+        <p:spPr>
+          <a:xfrm>
+            <a:off x="4648200" y="3657599"/>
+            <a:ext cx="1701801" cy="2188029"/>
+          </a:xfrm>
+          <a:prstGeom prst="rect">
+            <a:avLst/>
+          </a:prstGeom>
+        </p:spPr>
+      </p:pic>
+      <p:sp>
+        <p:nvSpPr>
+          <p:cNvPr id="6" name="Right Arrow 5"/>
+          <p:cNvSpPr/>
+          <p:nvPr/>
+        </p:nvSpPr>
+        <p:spPr>
+          <a:xfrm>
+            <a:off x="4131733" y="5122333"/>
+            <a:ext cx="516467" cy="143933"/>
+          </a:xfrm>
+          <a:prstGeom prst="rightArrow">
+            <a:avLst/>
+          </a:prstGeom>
+        </p:spPr>
+        <p:style>
+          <a:lnRef idx="2">
+            <a:schemeClr val="accent1">
+              <a:shade val="50000"/>
+            </a:schemeClr>
+          </a:lnRef>
+          <a:fillRef idx="1">
+            <a:schemeClr val="accent1"/>
+          </a:fillRef>
+          <a:effectRef idx="0">
+            <a:schemeClr val="accent1"/>
+          </a:effectRef>
+          <a:fontRef idx="minor">
+            <a:schemeClr val="lt1"/>
+          </a:fontRef>
+        </p:style>
+        <p:txBody>
+          <a:bodyPr rtlCol="0" anchor="ctr"/>
+          <a:lstStyle/>
+          <a:p>
+            <a:pPr algn="ctr"/>
+            <a:endParaRPr lang="en-US"/>
+          </a:p>
+        </p:txBody>
+      </p:sp>
+    </p:spTree>
+    <p:extLst>
+      <p:ext uri="{BB962C8B-B14F-4D97-AF65-F5344CB8AC3E}">
+        <p14:creationId xmlns:p14="http://schemas.microsoft.com/office/powerpoint/2010/main" val="2122636416"/>
+      </p:ext>
+    </p:extLst>
+  </p:cSld>
+  <p:clrMapOvr>
+    <a:masterClrMapping/>
+  </p:clrMapOvr>
+  <p:timing>
+    <p:tnLst>
+      <p:par>
+        <p:cTn id="1" dur="indefinite" restart="never" nodeType="tmRoot"/>
+      </p:par>
+    </p:tnLst>
+  </p:timing>
+</p:sld>
+</file>
+
+<file path=ppt/slides/slide43.xml><?xml version="1.0" encoding="utf-8"?>
+<p:sld xmlns:a="http://schemas.openxmlformats.org/drawingml/2006/main" xmlns:r="http://schemas.openxmlformats.org/officeDocument/2006/relationships" xmlns:p="http://schemas.openxmlformats.org/presentationml/2006/main">
+  <p:cSld>
+    <p:spTree>
+      <p:nvGrpSpPr>
+        <p:cNvPr id="1" name=""/>
+        <p:cNvGrpSpPr/>
+        <p:nvPr/>
+      </p:nvGrpSpPr>
+      <p:grpSpPr>
+        <a:xfrm>
+          <a:off x="0" y="0"/>
+          <a:ext cx="0" cy="0"/>
+          <a:chOff x="0" y="0"/>
+          <a:chExt cx="0" cy="0"/>
+        </a:xfrm>
+      </p:grpSpPr>
+      <p:sp>
+        <p:nvSpPr>
+          <p:cNvPr id="5" name="Title 4"/>
+          <p:cNvSpPr>
+            <a:spLocks noGrp="1"/>
+          </p:cNvSpPr>
+          <p:nvPr>
+            <p:ph type="title"/>
+          </p:nvPr>
+        </p:nvSpPr>
+        <p:spPr/>
+        <p:txBody>
+          <a:bodyPr/>
+          <a:lstStyle/>
+          <a:p>
+            <a:r>
+              <a:rPr lang="en-US" dirty="0" smtClean="0"/>
+              <a:t>Create a local clone of your fork</a:t>
+            </a:r>
+            <a:endParaRPr lang="en-US" dirty="0"/>
+          </a:p>
+        </p:txBody>
+      </p:sp>
+      <p:sp>
+        <p:nvSpPr>
+          <p:cNvPr id="6" name="Content Placeholder 5"/>
+          <p:cNvSpPr>
+            <a:spLocks noGrp="1"/>
+          </p:cNvSpPr>
+          <p:nvPr>
+            <p:ph sz="half" idx="1"/>
+          </p:nvPr>
+        </p:nvSpPr>
+        <p:spPr>
+          <a:xfrm>
+            <a:off x="838199" y="1825625"/>
+            <a:ext cx="5579533" cy="4351338"/>
+          </a:xfrm>
+        </p:spPr>
+        <p:txBody>
+          <a:bodyPr>
+            <a:normAutofit/>
+          </a:bodyPr>
+          <a:lstStyle/>
+          <a:p>
+            <a:pPr marL="0" indent="0">
+              <a:buNone/>
+            </a:pPr>
+            <a:endParaRPr lang="en-US" sz="2000" dirty="0" smtClean="0"/>
+          </a:p>
+          <a:p>
+            <a:pPr marL="0" indent="0">
+              <a:buNone/>
+            </a:pPr>
+            <a:r>
+              <a:rPr lang="en-US" sz="2000" dirty="0" err="1" smtClean="0"/>
+              <a:t>git</a:t>
+            </a:r>
+            <a:r>
+              <a:rPr lang="en-US" sz="2000" dirty="0" smtClean="0"/>
+              <a:t> </a:t>
+            </a:r>
+            <a:r>
+              <a:rPr lang="en-US" sz="2000" dirty="0" err="1" smtClean="0"/>
+              <a:t>init</a:t>
+            </a:r>
+            <a:endParaRPr lang="en-US" sz="2000" dirty="0" smtClean="0"/>
+          </a:p>
+          <a:p>
+            <a:pPr marL="0" indent="0">
+              <a:buNone/>
+            </a:pPr>
+            <a:endParaRPr lang="en-US" sz="2000" dirty="0"/>
+          </a:p>
+          <a:p>
+            <a:pPr marL="0" indent="0">
+              <a:buNone/>
+            </a:pPr>
+            <a:r>
+              <a:rPr lang="en-US" sz="2000" dirty="0" err="1" smtClean="0"/>
+              <a:t>git</a:t>
+            </a:r>
+            <a:r>
+              <a:rPr lang="en-US" sz="2000" dirty="0" smtClean="0"/>
+              <a:t> clone </a:t>
+            </a:r>
+            <a:r>
+              <a:rPr lang="en-US" sz="2000" dirty="0" smtClean="0">
+                <a:hlinkClick r:id="rId2"/>
+              </a:rPr>
+              <a:t>https</a:t>
+            </a:r>
+            <a:r>
+              <a:rPr lang="en-US" sz="2000" dirty="0">
+                <a:hlinkClick r:id="rId2"/>
+              </a:rPr>
+              <a:t>://</a:t>
+            </a:r>
+            <a:r>
+              <a:rPr lang="en-US" sz="2000" dirty="0" smtClean="0">
+                <a:hlinkClick r:id="rId2"/>
+              </a:rPr>
+              <a:t>github.com/gknox79/code_data.git</a:t>
+            </a:r>
+            <a:endParaRPr lang="en-US" sz="2000" dirty="0" smtClean="0"/>
+          </a:p>
+          <a:p>
+            <a:pPr marL="0" indent="0">
+              <a:buNone/>
+            </a:pPr>
+            <a:endParaRPr lang="en-US" sz="2000" dirty="0"/>
+          </a:p>
+        </p:txBody>
+      </p:sp>
+      <p:pic>
+        <p:nvPicPr>
+          <p:cNvPr id="9" name="Content Placeholder 8" descr="MINGW64:/d/UvT_comp/ART/test"/>
+          <p:cNvPicPr>
+            <a:picLocks noGrp="1" noChangeAspect="1"/>
+          </p:cNvPicPr>
+          <p:nvPr>
+            <p:ph sz="half" idx="2"/>
+          </p:nvPr>
+        </p:nvPicPr>
+        <p:blipFill>
+          <a:blip r:embed="rId3">
+            <a:extLst>
+              <a:ext uri="{28A0092B-C50C-407E-A947-70E740481C1C}">
+                <a14:useLocalDpi xmlns:a14="http://schemas.microsoft.com/office/drawing/2010/main" val="0"/>
+              </a:ext>
+            </a:extLst>
+          </a:blip>
+          <a:stretch>
+            <a:fillRect/>
+          </a:stretch>
+        </p:blipFill>
+        <p:spPr>
+          <a:xfrm>
+            <a:off x="3505200" y="3682501"/>
+            <a:ext cx="5181600" cy="2856411"/>
+          </a:xfrm>
+        </p:spPr>
+      </p:pic>
+      <p:sp>
+        <p:nvSpPr>
+          <p:cNvPr id="4" name="Slide Number Placeholder 3"/>
+          <p:cNvSpPr>
+            <a:spLocks noGrp="1"/>
+          </p:cNvSpPr>
+          <p:nvPr>
+            <p:ph type="sldNum" sz="quarter" idx="12"/>
+          </p:nvPr>
+        </p:nvSpPr>
+        <p:spPr/>
+        <p:txBody>
+          <a:bodyPr/>
+          <a:lstStyle/>
+          <a:p>
+            <a:fld id="{CA22A544-1804-4386-8584-5A7D657EA902}" type="slidenum">
+              <a:rPr lang="en-US" smtClean="0"/>
+              <a:t>43</a:t>
+            </a:fld>
+            <a:endParaRPr lang="en-US"/>
+          </a:p>
+        </p:txBody>
+      </p:sp>
+    </p:spTree>
+    <p:extLst>
+      <p:ext uri="{BB962C8B-B14F-4D97-AF65-F5344CB8AC3E}">
+        <p14:creationId xmlns:p14="http://schemas.microsoft.com/office/powerpoint/2010/main" val="3386330083"/>
+      </p:ext>
+    </p:extLst>
+  </p:cSld>
+  <p:clrMapOvr>
+    <a:masterClrMapping/>
+  </p:clrMapOvr>
+</p:sld>
+</file>
+
+<file path=ppt/slides/slide44.xml><?xml version="1.0" encoding="utf-8"?>
+<p:sld xmlns:a="http://schemas.openxmlformats.org/drawingml/2006/main" xmlns:r="http://schemas.openxmlformats.org/officeDocument/2006/relationships" xmlns:p="http://schemas.openxmlformats.org/presentationml/2006/main">
+  <p:cSld>
+    <p:spTree>
+      <p:nvGrpSpPr>
+        <p:cNvPr id="1" name=""/>
+        <p:cNvGrpSpPr/>
+        <p:nvPr/>
+      </p:nvGrpSpPr>
+      <p:grpSpPr>
+        <a:xfrm>
+          <a:off x="0" y="0"/>
+          <a:ext cx="0" cy="0"/>
+          <a:chOff x="0" y="0"/>
+          <a:chExt cx="0" cy="0"/>
+        </a:xfrm>
+      </p:grpSpPr>
+      <p:sp>
+        <p:nvSpPr>
+          <p:cNvPr id="2" name="Title 1"/>
+          <p:cNvSpPr>
+            <a:spLocks noGrp="1"/>
+          </p:cNvSpPr>
+          <p:nvPr>
+            <p:ph type="title"/>
+          </p:nvPr>
+        </p:nvSpPr>
+        <p:spPr/>
+        <p:txBody>
+          <a:bodyPr/>
+          <a:lstStyle/>
+          <a:p>
+            <a:r>
+              <a:rPr lang="en-US" dirty="0" smtClean="0"/>
+              <a:t>Inspect the code</a:t>
+            </a:r>
+            <a:endParaRPr lang="en-US" dirty="0"/>
+          </a:p>
+        </p:txBody>
+      </p:sp>
+      <p:sp>
+        <p:nvSpPr>
+          <p:cNvPr id="3" name="Content Placeholder 2"/>
+          <p:cNvSpPr>
+            <a:spLocks noGrp="1"/>
+          </p:cNvSpPr>
+          <p:nvPr>
+            <p:ph idx="1"/>
+          </p:nvPr>
+        </p:nvSpPr>
+        <p:spPr/>
+        <p:txBody>
+          <a:bodyPr>
+            <a:normAutofit lnSpcReduction="10000"/>
+          </a:bodyPr>
+          <a:lstStyle/>
+          <a:p>
+            <a:r>
+              <a:rPr lang="en-US" dirty="0" smtClean="0"/>
+              <a:t>run make.bat: does it work? </a:t>
+            </a:r>
+            <a:r>
+              <a:rPr lang="en-US" dirty="0"/>
+              <a:t>do you see log files, output, etc</a:t>
+            </a:r>
+            <a:r>
+              <a:rPr lang="en-US" dirty="0" smtClean="0"/>
+              <a:t>.?</a:t>
+            </a:r>
+          </a:p>
+          <a:p>
+            <a:endParaRPr lang="en-US" dirty="0" smtClean="0"/>
+          </a:p>
+          <a:p>
+            <a:r>
+              <a:rPr lang="en-US" dirty="0" smtClean="0"/>
+              <a:t>Key line of code you’ll probably have to adjust:</a:t>
+            </a:r>
+          </a:p>
+          <a:p>
+            <a:endParaRPr lang="en-US" dirty="0"/>
+          </a:p>
+          <a:p>
+            <a:pPr marL="0" indent="0">
+              <a:buNone/>
+            </a:pPr>
+            <a:r>
+              <a:rPr lang="en-US" dirty="0" smtClean="0"/>
+              <a:t>	open make.bat in notepad or something similar</a:t>
+            </a:r>
+          </a:p>
+          <a:p>
+            <a:pPr marL="0" indent="0">
+              <a:buNone/>
+            </a:pPr>
+            <a:endParaRPr lang="en-US" dirty="0" smtClean="0"/>
+          </a:p>
+          <a:p>
+            <a:pPr marL="0" indent="0">
+              <a:buNone/>
+            </a:pPr>
+            <a:r>
+              <a:rPr lang="en-US" dirty="0" smtClean="0"/>
+              <a:t>Wherever </a:t>
+            </a:r>
+            <a:r>
+              <a:rPr lang="en-US" dirty="0" err="1" smtClean="0"/>
+              <a:t>stata</a:t>
+            </a:r>
+            <a:r>
+              <a:rPr lang="en-US" dirty="0" smtClean="0"/>
+              <a:t> resides on your machine:</a:t>
+            </a:r>
+          </a:p>
+          <a:p>
+            <a:pPr marL="0" indent="0">
+              <a:buNone/>
+            </a:pPr>
+            <a:endParaRPr lang="en-US" dirty="0"/>
+          </a:p>
+          <a:p>
+            <a:pPr marL="0" indent="0">
+              <a:buNone/>
+            </a:pPr>
+            <a:r>
+              <a:rPr lang="en-US" dirty="0"/>
+              <a:t>"C:\Program Files (x86)\Stata14\StataSE-64.exe"</a:t>
+            </a:r>
+          </a:p>
+          <a:p>
+            <a:pPr marL="0" indent="0">
+              <a:buNone/>
+            </a:pPr>
+            <a:endParaRPr lang="en-US" dirty="0"/>
+          </a:p>
+        </p:txBody>
+      </p:sp>
+      <p:sp>
+        <p:nvSpPr>
+          <p:cNvPr id="5" name="Slide Number Placeholder 4"/>
+          <p:cNvSpPr>
+            <a:spLocks noGrp="1"/>
+          </p:cNvSpPr>
+          <p:nvPr>
+            <p:ph type="sldNum" sz="quarter" idx="12"/>
+          </p:nvPr>
+        </p:nvSpPr>
+        <p:spPr/>
+        <p:txBody>
+          <a:bodyPr/>
+          <a:lstStyle/>
+          <a:p>
+            <a:fld id="{CA22A544-1804-4386-8584-5A7D657EA902}" type="slidenum">
+              <a:rPr lang="en-US" smtClean="0"/>
+              <a:t>44</a:t>
+            </a:fld>
+            <a:endParaRPr lang="en-US"/>
+          </a:p>
+        </p:txBody>
+      </p:sp>
+    </p:spTree>
+    <p:extLst>
+      <p:ext uri="{BB962C8B-B14F-4D97-AF65-F5344CB8AC3E}">
+        <p14:creationId xmlns:p14="http://schemas.microsoft.com/office/powerpoint/2010/main" val="3308843362"/>
+      </p:ext>
+    </p:extLst>
+  </p:cSld>
+  <p:clrMapOvr>
+    <a:masterClrMapping/>
+  </p:clrMapOvr>
+</p:sld>
+</file>
+
+<file path=ppt/slides/slide45.xml><?xml version="1.0" encoding="utf-8"?>
+<p:sld xmlns:a="http://schemas.openxmlformats.org/drawingml/2006/main" xmlns:r="http://schemas.openxmlformats.org/officeDocument/2006/relationships" xmlns:p="http://schemas.openxmlformats.org/presentationml/2006/main">
+  <p:cSld>
+    <p:spTree>
+      <p:nvGrpSpPr>
+        <p:cNvPr id="1" name=""/>
+        <p:cNvGrpSpPr/>
+        <p:nvPr/>
+      </p:nvGrpSpPr>
+      <p:grpSpPr>
+        <a:xfrm>
+          <a:off x="0" y="0"/>
+          <a:ext cx="0" cy="0"/>
+          <a:chOff x="0" y="0"/>
+          <a:chExt cx="0" cy="0"/>
+        </a:xfrm>
+      </p:grpSpPr>
+      <p:sp>
+        <p:nvSpPr>
+          <p:cNvPr id="5" name="Title 4"/>
+          <p:cNvSpPr>
+            <a:spLocks noGrp="1"/>
+          </p:cNvSpPr>
+          <p:nvPr>
+            <p:ph type="title"/>
+          </p:nvPr>
+        </p:nvSpPr>
+        <p:spPr/>
+        <p:txBody>
+          <a:bodyPr/>
+          <a:lstStyle/>
+          <a:p>
+            <a:r>
+              <a:rPr lang="en-US" dirty="0" smtClean="0"/>
+              <a:t>Output directory: tables.rtf and </a:t>
+            </a:r>
+            <a:r>
+              <a:rPr lang="en-US" dirty="0" err="1" smtClean="0"/>
+              <a:t>coef</a:t>
+            </a:r>
+            <a:r>
+              <a:rPr lang="en-US" dirty="0" smtClean="0"/>
+              <a:t>…</a:t>
+            </a:r>
+            <a:r>
+              <a:rPr lang="en-US" dirty="0" err="1" smtClean="0"/>
+              <a:t>png</a:t>
+            </a:r>
+            <a:endParaRPr lang="en-US" dirty="0"/>
+          </a:p>
+        </p:txBody>
+      </p:sp>
+      <p:pic>
+        <p:nvPicPr>
+          <p:cNvPr id="11" name="Content Placeholder 10"/>
+          <p:cNvPicPr>
+            <a:picLocks noGrp="1" noChangeAspect="1"/>
+          </p:cNvPicPr>
+          <p:nvPr>
+            <p:ph sz="half" idx="1"/>
+          </p:nvPr>
+        </p:nvPicPr>
+        <p:blipFill>
+          <a:blip r:embed="rId2"/>
+          <a:stretch>
+            <a:fillRect/>
+          </a:stretch>
+        </p:blipFill>
+        <p:spPr>
+          <a:xfrm>
+            <a:off x="838200" y="1965873"/>
+            <a:ext cx="5181600" cy="4070842"/>
+          </a:xfrm>
+          <a:prstGeom prst="rect">
+            <a:avLst/>
+          </a:prstGeom>
+        </p:spPr>
+      </p:pic>
+      <p:pic>
+        <p:nvPicPr>
+          <p:cNvPr id="8" name="Content Placeholder 7"/>
+          <p:cNvPicPr>
+            <a:picLocks noGrp="1" noChangeAspect="1"/>
+          </p:cNvPicPr>
+          <p:nvPr>
+            <p:ph sz="half" idx="2"/>
+          </p:nvPr>
+        </p:nvPicPr>
+        <p:blipFill>
+          <a:blip r:embed="rId3" cstate="print">
+            <a:extLst>
+              <a:ext uri="{28A0092B-C50C-407E-A947-70E740481C1C}">
+                <a14:useLocalDpi xmlns:a14="http://schemas.microsoft.com/office/drawing/2010/main" val="0"/>
+              </a:ext>
+            </a:extLst>
+          </a:blip>
+          <a:stretch>
+            <a:fillRect/>
+          </a:stretch>
+        </p:blipFill>
+        <p:spPr>
+          <a:xfrm>
+            <a:off x="6172200" y="2116487"/>
+            <a:ext cx="5181600" cy="3769614"/>
+          </a:xfrm>
+        </p:spPr>
+      </p:pic>
+      <p:sp>
+        <p:nvSpPr>
+          <p:cNvPr id="4" name="Slide Number Placeholder 3"/>
+          <p:cNvSpPr>
+            <a:spLocks noGrp="1"/>
+          </p:cNvSpPr>
+          <p:nvPr>
+            <p:ph type="sldNum" sz="quarter" idx="12"/>
+          </p:nvPr>
+        </p:nvSpPr>
+        <p:spPr/>
+        <p:txBody>
+          <a:bodyPr/>
+          <a:lstStyle/>
+          <a:p>
+            <a:fld id="{CA22A544-1804-4386-8584-5A7D657EA902}" type="slidenum">
+              <a:rPr lang="en-US" smtClean="0"/>
+              <a:t>45</a:t>
+            </a:fld>
+            <a:endParaRPr lang="en-US"/>
+          </a:p>
+        </p:txBody>
+      </p:sp>
+    </p:spTree>
+    <p:extLst>
+      <p:ext uri="{BB962C8B-B14F-4D97-AF65-F5344CB8AC3E}">
+        <p14:creationId xmlns:p14="http://schemas.microsoft.com/office/powerpoint/2010/main" val="2750083126"/>
+      </p:ext>
+    </p:extLst>
+  </p:cSld>
+  <p:clrMapOvr>
+    <a:masterClrMapping/>
+  </p:clrMapOvr>
+</p:sld>
+</file>
+
+<file path=ppt/slides/slide46.xml><?xml version="1.0" encoding="utf-8"?>
+<p:sld xmlns:a="http://schemas.openxmlformats.org/drawingml/2006/main" xmlns:r="http://schemas.openxmlformats.org/officeDocument/2006/relationships" xmlns:p="http://schemas.openxmlformats.org/presentationml/2006/main">
+  <p:cSld>
+    <p:spTree>
+      <p:nvGrpSpPr>
+        <p:cNvPr id="1" name=""/>
+        <p:cNvGrpSpPr/>
+        <p:nvPr/>
+      </p:nvGrpSpPr>
+      <p:grpSpPr>
+        <a:xfrm>
+          <a:off x="0" y="0"/>
+          <a:ext cx="0" cy="0"/>
+          <a:chOff x="0" y="0"/>
+          <a:chExt cx="0" cy="0"/>
+        </a:xfrm>
+      </p:grpSpPr>
+      <p:sp>
+        <p:nvSpPr>
+          <p:cNvPr id="2" name="Title 1"/>
+          <p:cNvSpPr>
+            <a:spLocks noGrp="1"/>
+          </p:cNvSpPr>
+          <p:nvPr>
+            <p:ph type="title"/>
+          </p:nvPr>
+        </p:nvSpPr>
+        <p:spPr/>
+        <p:txBody>
+          <a:bodyPr/>
+          <a:lstStyle/>
+          <a:p>
+            <a:r>
+              <a:rPr lang="en-US" dirty="0" smtClean="0"/>
+              <a:t>Improvements</a:t>
+            </a:r>
+            <a:endParaRPr lang="en-US" dirty="0"/>
+          </a:p>
+        </p:txBody>
+      </p:sp>
+      <p:sp>
+        <p:nvSpPr>
+          <p:cNvPr id="3" name="Content Placeholder 2"/>
+          <p:cNvSpPr>
+            <a:spLocks noGrp="1"/>
+          </p:cNvSpPr>
+          <p:nvPr>
+            <p:ph idx="1"/>
+          </p:nvPr>
+        </p:nvSpPr>
+        <p:spPr/>
+        <p:txBody>
+          <a:bodyPr/>
+          <a:lstStyle/>
+          <a:p>
+            <a:pPr marL="514350" indent="-514350">
+              <a:buFont typeface="+mj-lt"/>
+              <a:buAutoNum type="arabicPeriod"/>
+            </a:pPr>
+            <a:r>
+              <a:rPr lang="en-US" dirty="0" smtClean="0"/>
+              <a:t>Compare the results where the DV is price in levels and logs: show all comparisons in the table and figure. (think of writing a program that cycles through all DV’s).</a:t>
+            </a:r>
+          </a:p>
+          <a:p>
+            <a:pPr marL="514350" indent="-514350">
+              <a:buFont typeface="+mj-lt"/>
+              <a:buAutoNum type="arabicPeriod"/>
+            </a:pPr>
+            <a:r>
+              <a:rPr lang="en-US" dirty="0" smtClean="0"/>
+              <a:t>Same thing for the Volvo data point.  Compare with and without.</a:t>
+            </a:r>
+          </a:p>
+          <a:p>
+            <a:pPr marL="514350" indent="-514350">
+              <a:buFont typeface="+mj-lt"/>
+              <a:buAutoNum type="arabicPeriod"/>
+            </a:pPr>
+            <a:r>
+              <a:rPr lang="en-US" dirty="0" smtClean="0"/>
+              <a:t>Same thing with inverse gear ratio and the gear ratio.</a:t>
+            </a:r>
+          </a:p>
+          <a:p>
+            <a:pPr marL="514350" indent="-514350">
+              <a:buFont typeface="+mj-lt"/>
+              <a:buAutoNum type="arabicPeriod"/>
+            </a:pPr>
+            <a:r>
+              <a:rPr lang="en-US" dirty="0" smtClean="0"/>
+              <a:t>Add some descriptive analysis, summary statistics and histogram plots of the variables</a:t>
+            </a:r>
+          </a:p>
+          <a:p>
+            <a:pPr marL="514350" indent="-514350">
+              <a:buAutoNum type="arabicPeriod" startAt="5"/>
+            </a:pPr>
+            <a:r>
+              <a:rPr lang="en-US" dirty="0" smtClean="0"/>
+              <a:t>…	</a:t>
+            </a:r>
+          </a:p>
+          <a:p>
+            <a:pPr marL="514350" indent="-514350">
+              <a:buAutoNum type="arabicPeriod" startAt="5"/>
+            </a:pPr>
+            <a:endParaRPr lang="en-US" dirty="0" smtClean="0"/>
+          </a:p>
+          <a:p>
+            <a:pPr marL="514350" indent="-514350">
+              <a:buFont typeface="+mj-lt"/>
+              <a:buAutoNum type="arabicPeriod"/>
+            </a:pPr>
+            <a:endParaRPr lang="en-US" dirty="0" smtClean="0"/>
+          </a:p>
+        </p:txBody>
+      </p:sp>
+      <p:sp>
+        <p:nvSpPr>
+          <p:cNvPr id="4" name="Slide Number Placeholder 3"/>
+          <p:cNvSpPr>
+            <a:spLocks noGrp="1"/>
+          </p:cNvSpPr>
+          <p:nvPr>
+            <p:ph type="sldNum" sz="quarter" idx="12"/>
+          </p:nvPr>
+        </p:nvSpPr>
+        <p:spPr/>
+        <p:txBody>
+          <a:bodyPr/>
+          <a:lstStyle/>
+          <a:p>
+            <a:fld id="{CA22A544-1804-4386-8584-5A7D657EA902}" type="slidenum">
+              <a:rPr lang="en-US" smtClean="0"/>
+              <a:t>46</a:t>
+            </a:fld>
+            <a:endParaRPr lang="en-US"/>
+          </a:p>
+        </p:txBody>
+      </p:sp>
+    </p:spTree>
+    <p:extLst>
+      <p:ext uri="{BB962C8B-B14F-4D97-AF65-F5344CB8AC3E}">
+        <p14:creationId xmlns:p14="http://schemas.microsoft.com/office/powerpoint/2010/main" val="1483103926"/>
+      </p:ext>
+    </p:extLst>
+  </p:cSld>
+  <p:clrMapOvr>
+    <a:masterClrMapping/>
+  </p:clrMapOvr>
+</p:sld>
+</file>
+
+<file path=ppt/slides/slide47.xml><?xml version="1.0" encoding="utf-8"?>
+<p:sld xmlns:a="http://schemas.openxmlformats.org/drawingml/2006/main" xmlns:r="http://schemas.openxmlformats.org/officeDocument/2006/relationships" xmlns:p="http://schemas.openxmlformats.org/presentationml/2006/main">
+  <p:cSld>
+    <p:spTree>
+      <p:nvGrpSpPr>
+        <p:cNvPr id="1" name=""/>
+        <p:cNvGrpSpPr/>
+        <p:nvPr/>
+      </p:nvGrpSpPr>
+      <p:grpSpPr>
+        <a:xfrm>
+          <a:off x="0" y="0"/>
+          <a:ext cx="0" cy="0"/>
+          <a:chOff x="0" y="0"/>
+          <a:chExt cx="0" cy="0"/>
+        </a:xfrm>
+      </p:grpSpPr>
+      <p:sp>
+        <p:nvSpPr>
+          <p:cNvPr id="2" name="Title 1"/>
+          <p:cNvSpPr>
+            <a:spLocks noGrp="1"/>
+          </p:cNvSpPr>
+          <p:nvPr>
+            <p:ph type="title"/>
+          </p:nvPr>
+        </p:nvSpPr>
+        <p:spPr/>
+        <p:txBody>
+          <a:bodyPr/>
+          <a:lstStyle/>
+          <a:p>
+            <a:r>
+              <a:rPr lang="en-US" dirty="0" smtClean="0"/>
+              <a:t>Some useful comments</a:t>
+            </a:r>
+            <a:endParaRPr lang="en-US" dirty="0"/>
+          </a:p>
+        </p:txBody>
+      </p:sp>
+      <p:sp>
+        <p:nvSpPr>
+          <p:cNvPr id="3" name="Content Placeholder 2"/>
+          <p:cNvSpPr>
+            <a:spLocks noGrp="1"/>
+          </p:cNvSpPr>
+          <p:nvPr>
+            <p:ph sz="half" idx="1"/>
+          </p:nvPr>
+        </p:nvSpPr>
+        <p:spPr/>
+        <p:txBody>
+          <a:bodyPr>
+            <a:normAutofit fontScale="40000" lnSpcReduction="20000"/>
+          </a:bodyPr>
+          <a:lstStyle/>
+          <a:p>
+            <a:pPr marL="0" indent="0">
+              <a:buNone/>
+            </a:pPr>
+            <a:endParaRPr lang="en-US" dirty="0" smtClean="0"/>
+          </a:p>
+          <a:p>
+            <a:pPr marL="0" indent="0">
+              <a:buNone/>
+            </a:pPr>
+            <a:r>
+              <a:rPr lang="en-US" dirty="0" smtClean="0"/>
+              <a:t>Create a branch and check it out.</a:t>
+            </a:r>
+          </a:p>
+          <a:p>
+            <a:pPr marL="0" indent="0">
+              <a:buNone/>
+            </a:pPr>
+            <a:endParaRPr lang="en-US" dirty="0"/>
+          </a:p>
+          <a:p>
+            <a:pPr marL="0" indent="0">
+              <a:buNone/>
+            </a:pPr>
+            <a:r>
+              <a:rPr lang="en-US" dirty="0" err="1" smtClean="0"/>
+              <a:t>git</a:t>
+            </a:r>
+            <a:r>
+              <a:rPr lang="en-US" dirty="0" smtClean="0"/>
+              <a:t> branch ____</a:t>
+            </a:r>
+          </a:p>
+          <a:p>
+            <a:pPr marL="0" indent="0">
+              <a:buNone/>
+            </a:pPr>
+            <a:endParaRPr lang="en-US" dirty="0"/>
+          </a:p>
+          <a:p>
+            <a:pPr marL="0" indent="0">
+              <a:buNone/>
+            </a:pPr>
+            <a:r>
+              <a:rPr lang="en-US" dirty="0" err="1" smtClean="0"/>
+              <a:t>git</a:t>
+            </a:r>
+            <a:r>
+              <a:rPr lang="en-US" dirty="0" smtClean="0"/>
+              <a:t> checkout ____</a:t>
+            </a:r>
+          </a:p>
+          <a:p>
+            <a:pPr marL="0" indent="0">
+              <a:buNone/>
+            </a:pPr>
+            <a:endParaRPr lang="en-US" dirty="0"/>
+          </a:p>
+          <a:p>
+            <a:pPr marL="0" indent="0">
+              <a:buNone/>
+            </a:pPr>
+            <a:r>
+              <a:rPr lang="en-US" dirty="0" smtClean="0"/>
+              <a:t>make changes</a:t>
+            </a:r>
+          </a:p>
+          <a:p>
+            <a:pPr marL="0" indent="0">
+              <a:buNone/>
+            </a:pPr>
+            <a:endParaRPr lang="en-US" dirty="0"/>
+          </a:p>
+        </p:txBody>
+      </p:sp>
+      <p:sp>
+        <p:nvSpPr>
+          <p:cNvPr id="4" name="Content Placeholder 3"/>
+          <p:cNvSpPr>
+            <a:spLocks noGrp="1"/>
+          </p:cNvSpPr>
+          <p:nvPr>
+            <p:ph sz="half" idx="2"/>
+          </p:nvPr>
+        </p:nvSpPr>
+        <p:spPr/>
+        <p:txBody>
+          <a:bodyPr>
+            <a:normAutofit fontScale="40000" lnSpcReduction="20000"/>
+          </a:bodyPr>
+          <a:lstStyle/>
+          <a:p>
+            <a:pPr marL="0" indent="0">
+              <a:buNone/>
+            </a:pPr>
+            <a:r>
+              <a:rPr lang="en-US" dirty="0" err="1"/>
+              <a:t>git</a:t>
+            </a:r>
+            <a:r>
+              <a:rPr lang="en-US" dirty="0"/>
+              <a:t> status</a:t>
+            </a:r>
+          </a:p>
+          <a:p>
+            <a:pPr marL="0" indent="0">
+              <a:buNone/>
+            </a:pPr>
+            <a:endParaRPr lang="en-US" dirty="0" smtClean="0"/>
+          </a:p>
+          <a:p>
+            <a:pPr marL="0" indent="0">
+              <a:buNone/>
+            </a:pPr>
+            <a:r>
+              <a:rPr lang="en-US" dirty="0" err="1" smtClean="0"/>
+              <a:t>git</a:t>
+            </a:r>
+            <a:r>
+              <a:rPr lang="en-US" dirty="0" smtClean="0"/>
+              <a:t> add –A</a:t>
+            </a:r>
+          </a:p>
+          <a:p>
+            <a:pPr marL="0" indent="0">
+              <a:buNone/>
+            </a:pPr>
+            <a:endParaRPr lang="en-US" dirty="0"/>
+          </a:p>
+          <a:p>
+            <a:pPr marL="0" indent="0">
+              <a:buNone/>
+            </a:pPr>
+            <a:r>
+              <a:rPr lang="en-US" dirty="0" err="1" smtClean="0"/>
+              <a:t>git</a:t>
+            </a:r>
+            <a:r>
+              <a:rPr lang="en-US" dirty="0" smtClean="0"/>
+              <a:t> commit –m “statement”</a:t>
+            </a:r>
+          </a:p>
+          <a:p>
+            <a:pPr marL="0" indent="0">
+              <a:buNone/>
+            </a:pPr>
+            <a:endParaRPr lang="en-US" dirty="0"/>
+          </a:p>
+          <a:p>
+            <a:pPr marL="0" indent="0">
+              <a:buNone/>
+            </a:pPr>
+            <a:r>
+              <a:rPr lang="en-US" dirty="0" err="1" smtClean="0"/>
+              <a:t>git</a:t>
+            </a:r>
+            <a:r>
+              <a:rPr lang="en-US" dirty="0" smtClean="0"/>
+              <a:t> push –u origin ____</a:t>
+            </a:r>
+          </a:p>
+          <a:p>
+            <a:pPr marL="0" indent="0">
+              <a:buNone/>
+            </a:pPr>
+            <a:endParaRPr lang="en-US" dirty="0"/>
+          </a:p>
+          <a:p>
+            <a:pPr marL="0" indent="0">
+              <a:buNone/>
+            </a:pPr>
+            <a:r>
+              <a:rPr lang="en-US" dirty="0" err="1" smtClean="0"/>
+              <a:t>git</a:t>
+            </a:r>
+            <a:r>
+              <a:rPr lang="en-US" dirty="0" smtClean="0"/>
+              <a:t> checkout master</a:t>
+            </a:r>
+          </a:p>
+          <a:p>
+            <a:pPr marL="0" indent="0">
+              <a:buNone/>
+            </a:pPr>
+            <a:endParaRPr lang="en-US" dirty="0"/>
+          </a:p>
+          <a:p>
+            <a:pPr marL="0" indent="0">
+              <a:buNone/>
+            </a:pPr>
+            <a:r>
+              <a:rPr lang="en-US" dirty="0" err="1" smtClean="0"/>
+              <a:t>git</a:t>
+            </a:r>
+            <a:r>
+              <a:rPr lang="en-US" dirty="0" smtClean="0"/>
+              <a:t> pull </a:t>
+            </a:r>
+          </a:p>
+          <a:p>
+            <a:pPr marL="0" indent="0">
+              <a:buNone/>
+            </a:pPr>
+            <a:endParaRPr lang="en-US" dirty="0"/>
+          </a:p>
+          <a:p>
+            <a:pPr marL="0" indent="0">
+              <a:buNone/>
+            </a:pPr>
+            <a:r>
+              <a:rPr lang="en-US" dirty="0" err="1" smtClean="0"/>
+              <a:t>git</a:t>
+            </a:r>
+            <a:r>
+              <a:rPr lang="en-US" dirty="0" smtClean="0"/>
+              <a:t> merge ____</a:t>
+            </a:r>
+          </a:p>
+          <a:p>
+            <a:pPr marL="0" indent="0">
+              <a:buNone/>
+            </a:pPr>
+            <a:endParaRPr lang="en-US" dirty="0"/>
+          </a:p>
+          <a:p>
+            <a:pPr marL="0" indent="0">
+              <a:buNone/>
+            </a:pPr>
+            <a:r>
+              <a:rPr lang="en-US" dirty="0" err="1" smtClean="0"/>
+              <a:t>git</a:t>
+            </a:r>
+            <a:r>
+              <a:rPr lang="en-US" dirty="0" smtClean="0"/>
+              <a:t> push origin master</a:t>
+            </a:r>
+          </a:p>
+          <a:p>
+            <a:pPr marL="0" indent="0">
+              <a:buNone/>
+            </a:pPr>
+            <a:r>
+              <a:rPr lang="en-US" dirty="0" smtClean="0"/>
+              <a:t>Delete branch</a:t>
+            </a:r>
+            <a:endParaRPr lang="en-US" dirty="0"/>
+          </a:p>
+          <a:p>
+            <a:pPr marL="0" indent="0">
+              <a:buNone/>
+            </a:pPr>
+            <a:r>
+              <a:rPr lang="en-US" dirty="0" err="1" smtClean="0"/>
+              <a:t>git</a:t>
+            </a:r>
+            <a:r>
+              <a:rPr lang="en-US" dirty="0" smtClean="0"/>
+              <a:t> push origin –delete ____</a:t>
+            </a:r>
+            <a:endParaRPr lang="en-US" dirty="0"/>
+          </a:p>
+        </p:txBody>
+      </p:sp>
+      <p:sp>
+        <p:nvSpPr>
+          <p:cNvPr id="5" name="Slide Number Placeholder 4"/>
+          <p:cNvSpPr>
+            <a:spLocks noGrp="1"/>
+          </p:cNvSpPr>
+          <p:nvPr>
+            <p:ph type="sldNum" sz="quarter" idx="12"/>
+          </p:nvPr>
+        </p:nvSpPr>
+        <p:spPr/>
+        <p:txBody>
+          <a:bodyPr/>
+          <a:lstStyle/>
+          <a:p>
+            <a:fld id="{CA22A544-1804-4386-8584-5A7D657EA902}" type="slidenum">
+              <a:rPr lang="en-US" smtClean="0"/>
+              <a:t>47</a:t>
+            </a:fld>
+            <a:endParaRPr lang="en-US"/>
+          </a:p>
+        </p:txBody>
+      </p:sp>
+    </p:spTree>
+    <p:extLst>
+      <p:ext uri="{BB962C8B-B14F-4D97-AF65-F5344CB8AC3E}">
+        <p14:creationId xmlns:p14="http://schemas.microsoft.com/office/powerpoint/2010/main" val="3076708193"/>
+      </p:ext>
+    </p:extLst>
+  </p:cSld>
+  <p:clrMapOvr>
+    <a:masterClrMapping/>
+  </p:clrMapOvr>
 </p:sld>
 </file>
 
